--- a/08-random-variables/binary-rv1.pptx
+++ b/08-random-variables/binary-rv1.pptx
@@ -6,6 +6,10 @@
   </p:sldMasterIdLst>
   <p:sldIdLst>
     <p:sldId id="256" r:id="rId2"/>
+    <p:sldId id="258" r:id="rId3"/>
+    <p:sldId id="257" r:id="rId4"/>
+    <p:sldId id="260" r:id="rId5"/>
+    <p:sldId id="261" r:id="rId6"/>
   </p:sldIdLst>
   <p:sldSz cx="12192000" cy="6858000"/>
   <p:notesSz cx="6858000" cy="9144000"/>
@@ -104,6 +108,11 @@
       </a:defRPr>
     </a:lvl9pPr>
   </p:defaultTextStyle>
+  <p:extLst>
+    <p:ext uri="{EFAFB233-063F-42B5-8137-9DF3F51BA10A}">
+      <p15:sldGuideLst xmlns:p15="http://schemas.microsoft.com/office/powerpoint/2012/main"/>
+    </p:ext>
+  </p:extLst>
 </p:presentation>
 </file>
 
@@ -254,7 +263,7 @@
           <a:p>
             <a:fld id="{5DB9E5EC-6C4F-C74F-9BD2-B56174265E93}" type="datetimeFigureOut">
               <a:rPr lang="en-US" smtClean="0"/>
-              <a:t>2/22/22</a:t>
+              <a:t>2/23/22</a:t>
             </a:fld>
             <a:endParaRPr lang="en-US"/>
           </a:p>
@@ -452,7 +461,7 @@
           <a:p>
             <a:fld id="{5DB9E5EC-6C4F-C74F-9BD2-B56174265E93}" type="datetimeFigureOut">
               <a:rPr lang="en-US" smtClean="0"/>
-              <a:t>2/22/22</a:t>
+              <a:t>2/23/22</a:t>
             </a:fld>
             <a:endParaRPr lang="en-US"/>
           </a:p>
@@ -660,7 +669,7 @@
           <a:p>
             <a:fld id="{5DB9E5EC-6C4F-C74F-9BD2-B56174265E93}" type="datetimeFigureOut">
               <a:rPr lang="en-US" smtClean="0"/>
-              <a:t>2/22/22</a:t>
+              <a:t>2/23/22</a:t>
             </a:fld>
             <a:endParaRPr lang="en-US"/>
           </a:p>
@@ -858,7 +867,7 @@
           <a:p>
             <a:fld id="{5DB9E5EC-6C4F-C74F-9BD2-B56174265E93}" type="datetimeFigureOut">
               <a:rPr lang="en-US" smtClean="0"/>
-              <a:t>2/22/22</a:t>
+              <a:t>2/23/22</a:t>
             </a:fld>
             <a:endParaRPr lang="en-US"/>
           </a:p>
@@ -1133,7 +1142,7 @@
           <a:p>
             <a:fld id="{5DB9E5EC-6C4F-C74F-9BD2-B56174265E93}" type="datetimeFigureOut">
               <a:rPr lang="en-US" smtClean="0"/>
-              <a:t>2/22/22</a:t>
+              <a:t>2/23/22</a:t>
             </a:fld>
             <a:endParaRPr lang="en-US"/>
           </a:p>
@@ -1398,7 +1407,7 @@
           <a:p>
             <a:fld id="{5DB9E5EC-6C4F-C74F-9BD2-B56174265E93}" type="datetimeFigureOut">
               <a:rPr lang="en-US" smtClean="0"/>
-              <a:t>2/22/22</a:t>
+              <a:t>2/23/22</a:t>
             </a:fld>
             <a:endParaRPr lang="en-US"/>
           </a:p>
@@ -1810,7 +1819,7 @@
           <a:p>
             <a:fld id="{5DB9E5EC-6C4F-C74F-9BD2-B56174265E93}" type="datetimeFigureOut">
               <a:rPr lang="en-US" smtClean="0"/>
-              <a:t>2/22/22</a:t>
+              <a:t>2/23/22</a:t>
             </a:fld>
             <a:endParaRPr lang="en-US"/>
           </a:p>
@@ -1951,7 +1960,7 @@
           <a:p>
             <a:fld id="{5DB9E5EC-6C4F-C74F-9BD2-B56174265E93}" type="datetimeFigureOut">
               <a:rPr lang="en-US" smtClean="0"/>
-              <a:t>2/22/22</a:t>
+              <a:t>2/23/22</a:t>
             </a:fld>
             <a:endParaRPr lang="en-US"/>
           </a:p>
@@ -2064,7 +2073,7 @@
           <a:p>
             <a:fld id="{5DB9E5EC-6C4F-C74F-9BD2-B56174265E93}" type="datetimeFigureOut">
               <a:rPr lang="en-US" smtClean="0"/>
-              <a:t>2/22/22</a:t>
+              <a:t>2/23/22</a:t>
             </a:fld>
             <a:endParaRPr lang="en-US"/>
           </a:p>
@@ -2375,7 +2384,7 @@
           <a:p>
             <a:fld id="{5DB9E5EC-6C4F-C74F-9BD2-B56174265E93}" type="datetimeFigureOut">
               <a:rPr lang="en-US" smtClean="0"/>
-              <a:t>2/22/22</a:t>
+              <a:t>2/23/22</a:t>
             </a:fld>
             <a:endParaRPr lang="en-US"/>
           </a:p>
@@ -2663,7 +2672,7 @@
           <a:p>
             <a:fld id="{5DB9E5EC-6C4F-C74F-9BD2-B56174265E93}" type="datetimeFigureOut">
               <a:rPr lang="en-US" smtClean="0"/>
-              <a:t>2/22/22</a:t>
+              <a:t>2/23/22</a:t>
             </a:fld>
             <a:endParaRPr lang="en-US"/>
           </a:p>
@@ -2904,7 +2913,7 @@
           <a:p>
             <a:fld id="{5DB9E5EC-6C4F-C74F-9BD2-B56174265E93}" type="datetimeFigureOut">
               <a:rPr lang="en-US" smtClean="0"/>
-              <a:t>2/22/22</a:t>
+              <a:t>2/23/22</a:t>
             </a:fld>
             <a:endParaRPr lang="en-US"/>
           </a:p>
@@ -3321,880 +3330,12 @@
           <a:chExt cx="0" cy="0"/>
         </a:xfrm>
       </p:grpSpPr>
-      <p:sp>
-        <p:nvSpPr>
-          <p:cNvPr id="8" name="Freeform 7">
+      <p:grpSp>
+        <p:nvGrpSpPr>
+          <p:cNvPr id="2" name="Group 1">
             <a:extLst>
               <a:ext uri="{FF2B5EF4-FFF2-40B4-BE49-F238E27FC236}">
-                <a16:creationId xmlns:a16="http://schemas.microsoft.com/office/drawing/2014/main" id="{30149E8B-A17F-DA46-B277-BE016F789BFC}"/>
-              </a:ext>
-            </a:extLst>
-          </p:cNvPr>
-          <p:cNvSpPr/>
-          <p:nvPr/>
-        </p:nvSpPr>
-        <p:spPr>
-          <a:xfrm>
-            <a:off x="1414073" y="1395452"/>
-            <a:ext cx="2117773" cy="2839502"/>
-          </a:xfrm>
-          <a:custGeom>
-            <a:avLst/>
-            <a:gdLst>
-              <a:gd name="connsiteX0" fmla="*/ 354491 w 2195042"/>
-              <a:gd name="connsiteY0" fmla="*/ 491545 h 2896527"/>
-              <a:gd name="connsiteX1" fmla="*/ 754541 w 2195042"/>
-              <a:gd name="connsiteY1" fmla="*/ 55 h 2896527"/>
-              <a:gd name="connsiteX2" fmla="*/ 1063151 w 2195042"/>
-              <a:gd name="connsiteY2" fmla="*/ 457255 h 2896527"/>
-              <a:gd name="connsiteX3" fmla="*/ 1588931 w 2195042"/>
-              <a:gd name="connsiteY3" fmla="*/ 148645 h 2896527"/>
-              <a:gd name="connsiteX4" fmla="*/ 2057561 w 2195042"/>
-              <a:gd name="connsiteY4" fmla="*/ 720145 h 2896527"/>
-              <a:gd name="connsiteX5" fmla="*/ 1886111 w 2195042"/>
-              <a:gd name="connsiteY5" fmla="*/ 1165915 h 2896527"/>
-              <a:gd name="connsiteX6" fmla="*/ 2194721 w 2195042"/>
-              <a:gd name="connsiteY6" fmla="*/ 1840285 h 2896527"/>
-              <a:gd name="connsiteX7" fmla="*/ 1817531 w 2195042"/>
-              <a:gd name="connsiteY7" fmla="*/ 2720395 h 2896527"/>
-              <a:gd name="connsiteX8" fmla="*/ 1291751 w 2195042"/>
-              <a:gd name="connsiteY8" fmla="*/ 2526085 h 2896527"/>
-              <a:gd name="connsiteX9" fmla="*/ 537371 w 2195042"/>
-              <a:gd name="connsiteY9" fmla="*/ 2891845 h 2896527"/>
-              <a:gd name="connsiteX10" fmla="*/ 525941 w 2195042"/>
-              <a:gd name="connsiteY10" fmla="*/ 2217475 h 2896527"/>
-              <a:gd name="connsiteX11" fmla="*/ 161 w 2195042"/>
-              <a:gd name="connsiteY11" fmla="*/ 1771705 h 2896527"/>
-              <a:gd name="connsiteX12" fmla="*/ 468791 w 2195042"/>
-              <a:gd name="connsiteY12" fmla="*/ 1211635 h 2896527"/>
-              <a:gd name="connsiteX13" fmla="*/ 354491 w 2195042"/>
-              <a:gd name="connsiteY13" fmla="*/ 491545 h 2896527"/>
-              <a:gd name="connsiteX0" fmla="*/ 354491 w 2194777"/>
-              <a:gd name="connsiteY0" fmla="*/ 491545 h 2896527"/>
-              <a:gd name="connsiteX1" fmla="*/ 754541 w 2194777"/>
-              <a:gd name="connsiteY1" fmla="*/ 55 h 2896527"/>
-              <a:gd name="connsiteX2" fmla="*/ 1063151 w 2194777"/>
-              <a:gd name="connsiteY2" fmla="*/ 457255 h 2896527"/>
-              <a:gd name="connsiteX3" fmla="*/ 1588931 w 2194777"/>
-              <a:gd name="connsiteY3" fmla="*/ 148645 h 2896527"/>
-              <a:gd name="connsiteX4" fmla="*/ 2057561 w 2194777"/>
-              <a:gd name="connsiteY4" fmla="*/ 720145 h 2896527"/>
-              <a:gd name="connsiteX5" fmla="*/ 1847610 w 2194777"/>
-              <a:gd name="connsiteY5" fmla="*/ 1339170 h 2896527"/>
-              <a:gd name="connsiteX6" fmla="*/ 2194721 w 2194777"/>
-              <a:gd name="connsiteY6" fmla="*/ 1840285 h 2896527"/>
-              <a:gd name="connsiteX7" fmla="*/ 1817531 w 2194777"/>
-              <a:gd name="connsiteY7" fmla="*/ 2720395 h 2896527"/>
-              <a:gd name="connsiteX8" fmla="*/ 1291751 w 2194777"/>
-              <a:gd name="connsiteY8" fmla="*/ 2526085 h 2896527"/>
-              <a:gd name="connsiteX9" fmla="*/ 537371 w 2194777"/>
-              <a:gd name="connsiteY9" fmla="*/ 2891845 h 2896527"/>
-              <a:gd name="connsiteX10" fmla="*/ 525941 w 2194777"/>
-              <a:gd name="connsiteY10" fmla="*/ 2217475 h 2896527"/>
-              <a:gd name="connsiteX11" fmla="*/ 161 w 2194777"/>
-              <a:gd name="connsiteY11" fmla="*/ 1771705 h 2896527"/>
-              <a:gd name="connsiteX12" fmla="*/ 468791 w 2194777"/>
-              <a:gd name="connsiteY12" fmla="*/ 1211635 h 2896527"/>
-              <a:gd name="connsiteX13" fmla="*/ 354491 w 2194777"/>
-              <a:gd name="connsiteY13" fmla="*/ 491545 h 2896527"/>
-              <a:gd name="connsiteX0" fmla="*/ 354470 w 2194756"/>
-              <a:gd name="connsiteY0" fmla="*/ 491545 h 2896527"/>
-              <a:gd name="connsiteX1" fmla="*/ 754520 w 2194756"/>
-              <a:gd name="connsiteY1" fmla="*/ 55 h 2896527"/>
-              <a:gd name="connsiteX2" fmla="*/ 1063130 w 2194756"/>
-              <a:gd name="connsiteY2" fmla="*/ 457255 h 2896527"/>
-              <a:gd name="connsiteX3" fmla="*/ 1588910 w 2194756"/>
-              <a:gd name="connsiteY3" fmla="*/ 148645 h 2896527"/>
-              <a:gd name="connsiteX4" fmla="*/ 2057540 w 2194756"/>
-              <a:gd name="connsiteY4" fmla="*/ 720145 h 2896527"/>
-              <a:gd name="connsiteX5" fmla="*/ 1847589 w 2194756"/>
-              <a:gd name="connsiteY5" fmla="*/ 1339170 h 2896527"/>
-              <a:gd name="connsiteX6" fmla="*/ 2194700 w 2194756"/>
-              <a:gd name="connsiteY6" fmla="*/ 1840285 h 2896527"/>
-              <a:gd name="connsiteX7" fmla="*/ 1817510 w 2194756"/>
-              <a:gd name="connsiteY7" fmla="*/ 2720395 h 2896527"/>
-              <a:gd name="connsiteX8" fmla="*/ 1291730 w 2194756"/>
-              <a:gd name="connsiteY8" fmla="*/ 2526085 h 2896527"/>
-              <a:gd name="connsiteX9" fmla="*/ 537350 w 2194756"/>
-              <a:gd name="connsiteY9" fmla="*/ 2891845 h 2896527"/>
-              <a:gd name="connsiteX10" fmla="*/ 525920 w 2194756"/>
-              <a:gd name="connsiteY10" fmla="*/ 2217475 h 2896527"/>
-              <a:gd name="connsiteX11" fmla="*/ 140 w 2194756"/>
-              <a:gd name="connsiteY11" fmla="*/ 1771705 h 2896527"/>
-              <a:gd name="connsiteX12" fmla="*/ 536147 w 2194756"/>
-              <a:gd name="connsiteY12" fmla="*/ 1115382 h 2896527"/>
-              <a:gd name="connsiteX13" fmla="*/ 354470 w 2194756"/>
-              <a:gd name="connsiteY13" fmla="*/ 491545 h 2896527"/>
-              <a:gd name="connsiteX0" fmla="*/ 277487 w 2117773"/>
-              <a:gd name="connsiteY0" fmla="*/ 491545 h 2896527"/>
-              <a:gd name="connsiteX1" fmla="*/ 677537 w 2117773"/>
-              <a:gd name="connsiteY1" fmla="*/ 55 h 2896527"/>
-              <a:gd name="connsiteX2" fmla="*/ 986147 w 2117773"/>
-              <a:gd name="connsiteY2" fmla="*/ 457255 h 2896527"/>
-              <a:gd name="connsiteX3" fmla="*/ 1511927 w 2117773"/>
-              <a:gd name="connsiteY3" fmla="*/ 148645 h 2896527"/>
-              <a:gd name="connsiteX4" fmla="*/ 1980557 w 2117773"/>
-              <a:gd name="connsiteY4" fmla="*/ 720145 h 2896527"/>
-              <a:gd name="connsiteX5" fmla="*/ 1770606 w 2117773"/>
-              <a:gd name="connsiteY5" fmla="*/ 1339170 h 2896527"/>
-              <a:gd name="connsiteX6" fmla="*/ 2117717 w 2117773"/>
-              <a:gd name="connsiteY6" fmla="*/ 1840285 h 2896527"/>
-              <a:gd name="connsiteX7" fmla="*/ 1740527 w 2117773"/>
-              <a:gd name="connsiteY7" fmla="*/ 2720395 h 2896527"/>
-              <a:gd name="connsiteX8" fmla="*/ 1214747 w 2117773"/>
-              <a:gd name="connsiteY8" fmla="*/ 2526085 h 2896527"/>
-              <a:gd name="connsiteX9" fmla="*/ 460367 w 2117773"/>
-              <a:gd name="connsiteY9" fmla="*/ 2891845 h 2896527"/>
-              <a:gd name="connsiteX10" fmla="*/ 448937 w 2117773"/>
-              <a:gd name="connsiteY10" fmla="*/ 2217475 h 2896527"/>
-              <a:gd name="connsiteX11" fmla="*/ 159 w 2117773"/>
-              <a:gd name="connsiteY11" fmla="*/ 1656202 h 2896527"/>
-              <a:gd name="connsiteX12" fmla="*/ 459164 w 2117773"/>
-              <a:gd name="connsiteY12" fmla="*/ 1115382 h 2896527"/>
-              <a:gd name="connsiteX13" fmla="*/ 277487 w 2117773"/>
-              <a:gd name="connsiteY13" fmla="*/ 491545 h 2896527"/>
-              <a:gd name="connsiteX0" fmla="*/ 277487 w 2117773"/>
-              <a:gd name="connsiteY0" fmla="*/ 491545 h 2894415"/>
-              <a:gd name="connsiteX1" fmla="*/ 677537 w 2117773"/>
-              <a:gd name="connsiteY1" fmla="*/ 55 h 2894415"/>
-              <a:gd name="connsiteX2" fmla="*/ 986147 w 2117773"/>
-              <a:gd name="connsiteY2" fmla="*/ 457255 h 2894415"/>
-              <a:gd name="connsiteX3" fmla="*/ 1511927 w 2117773"/>
-              <a:gd name="connsiteY3" fmla="*/ 148645 h 2894415"/>
-              <a:gd name="connsiteX4" fmla="*/ 1980557 w 2117773"/>
-              <a:gd name="connsiteY4" fmla="*/ 720145 h 2894415"/>
-              <a:gd name="connsiteX5" fmla="*/ 1770606 w 2117773"/>
-              <a:gd name="connsiteY5" fmla="*/ 1339170 h 2894415"/>
-              <a:gd name="connsiteX6" fmla="*/ 2117717 w 2117773"/>
-              <a:gd name="connsiteY6" fmla="*/ 1840285 h 2894415"/>
-              <a:gd name="connsiteX7" fmla="*/ 1740527 w 2117773"/>
-              <a:gd name="connsiteY7" fmla="*/ 2720395 h 2894415"/>
-              <a:gd name="connsiteX8" fmla="*/ 1214747 w 2117773"/>
-              <a:gd name="connsiteY8" fmla="*/ 2526085 h 2894415"/>
-              <a:gd name="connsiteX9" fmla="*/ 460367 w 2117773"/>
-              <a:gd name="connsiteY9" fmla="*/ 2891845 h 2894415"/>
-              <a:gd name="connsiteX10" fmla="*/ 458563 w 2117773"/>
-              <a:gd name="connsiteY10" fmla="*/ 2304103 h 2894415"/>
-              <a:gd name="connsiteX11" fmla="*/ 159 w 2117773"/>
-              <a:gd name="connsiteY11" fmla="*/ 1656202 h 2894415"/>
-              <a:gd name="connsiteX12" fmla="*/ 459164 w 2117773"/>
-              <a:gd name="connsiteY12" fmla="*/ 1115382 h 2894415"/>
-              <a:gd name="connsiteX13" fmla="*/ 277487 w 2117773"/>
-              <a:gd name="connsiteY13" fmla="*/ 491545 h 2894415"/>
-              <a:gd name="connsiteX0" fmla="*/ 277487 w 2117773"/>
-              <a:gd name="connsiteY0" fmla="*/ 491545 h 2932724"/>
-              <a:gd name="connsiteX1" fmla="*/ 677537 w 2117773"/>
-              <a:gd name="connsiteY1" fmla="*/ 55 h 2932724"/>
-              <a:gd name="connsiteX2" fmla="*/ 986147 w 2117773"/>
-              <a:gd name="connsiteY2" fmla="*/ 457255 h 2932724"/>
-              <a:gd name="connsiteX3" fmla="*/ 1511927 w 2117773"/>
-              <a:gd name="connsiteY3" fmla="*/ 148645 h 2932724"/>
-              <a:gd name="connsiteX4" fmla="*/ 1980557 w 2117773"/>
-              <a:gd name="connsiteY4" fmla="*/ 720145 h 2932724"/>
-              <a:gd name="connsiteX5" fmla="*/ 1770606 w 2117773"/>
-              <a:gd name="connsiteY5" fmla="*/ 1339170 h 2932724"/>
-              <a:gd name="connsiteX6" fmla="*/ 2117717 w 2117773"/>
-              <a:gd name="connsiteY6" fmla="*/ 1840285 h 2932724"/>
-              <a:gd name="connsiteX7" fmla="*/ 1740527 w 2117773"/>
-              <a:gd name="connsiteY7" fmla="*/ 2720395 h 2932724"/>
-              <a:gd name="connsiteX8" fmla="*/ 1214747 w 2117773"/>
-              <a:gd name="connsiteY8" fmla="*/ 2526085 h 2932724"/>
-              <a:gd name="connsiteX9" fmla="*/ 441116 w 2117773"/>
-              <a:gd name="connsiteY9" fmla="*/ 2930346 h 2932724"/>
-              <a:gd name="connsiteX10" fmla="*/ 458563 w 2117773"/>
-              <a:gd name="connsiteY10" fmla="*/ 2304103 h 2932724"/>
-              <a:gd name="connsiteX11" fmla="*/ 159 w 2117773"/>
-              <a:gd name="connsiteY11" fmla="*/ 1656202 h 2932724"/>
-              <a:gd name="connsiteX12" fmla="*/ 459164 w 2117773"/>
-              <a:gd name="connsiteY12" fmla="*/ 1115382 h 2932724"/>
-              <a:gd name="connsiteX13" fmla="*/ 277487 w 2117773"/>
-              <a:gd name="connsiteY13" fmla="*/ 491545 h 2932724"/>
-              <a:gd name="connsiteX0" fmla="*/ 277487 w 2117773"/>
-              <a:gd name="connsiteY0" fmla="*/ 491545 h 2966905"/>
-              <a:gd name="connsiteX1" fmla="*/ 677537 w 2117773"/>
-              <a:gd name="connsiteY1" fmla="*/ 55 h 2966905"/>
-              <a:gd name="connsiteX2" fmla="*/ 986147 w 2117773"/>
-              <a:gd name="connsiteY2" fmla="*/ 457255 h 2966905"/>
-              <a:gd name="connsiteX3" fmla="*/ 1511927 w 2117773"/>
-              <a:gd name="connsiteY3" fmla="*/ 148645 h 2966905"/>
-              <a:gd name="connsiteX4" fmla="*/ 1980557 w 2117773"/>
-              <a:gd name="connsiteY4" fmla="*/ 720145 h 2966905"/>
-              <a:gd name="connsiteX5" fmla="*/ 1770606 w 2117773"/>
-              <a:gd name="connsiteY5" fmla="*/ 1339170 h 2966905"/>
-              <a:gd name="connsiteX6" fmla="*/ 2117717 w 2117773"/>
-              <a:gd name="connsiteY6" fmla="*/ 1840285 h 2966905"/>
-              <a:gd name="connsiteX7" fmla="*/ 1740527 w 2117773"/>
-              <a:gd name="connsiteY7" fmla="*/ 2720395 h 2966905"/>
-              <a:gd name="connsiteX8" fmla="*/ 1214747 w 2117773"/>
-              <a:gd name="connsiteY8" fmla="*/ 2526085 h 2966905"/>
-              <a:gd name="connsiteX9" fmla="*/ 441116 w 2117773"/>
-              <a:gd name="connsiteY9" fmla="*/ 2930346 h 2966905"/>
-              <a:gd name="connsiteX10" fmla="*/ 458563 w 2117773"/>
-              <a:gd name="connsiteY10" fmla="*/ 2304103 h 2966905"/>
-              <a:gd name="connsiteX11" fmla="*/ 159 w 2117773"/>
-              <a:gd name="connsiteY11" fmla="*/ 1656202 h 2966905"/>
-              <a:gd name="connsiteX12" fmla="*/ 459164 w 2117773"/>
-              <a:gd name="connsiteY12" fmla="*/ 1115382 h 2966905"/>
-              <a:gd name="connsiteX13" fmla="*/ 277487 w 2117773"/>
-              <a:gd name="connsiteY13" fmla="*/ 491545 h 2966905"/>
-              <a:gd name="connsiteX0" fmla="*/ 277487 w 2117773"/>
-              <a:gd name="connsiteY0" fmla="*/ 491545 h 2839502"/>
-              <a:gd name="connsiteX1" fmla="*/ 677537 w 2117773"/>
-              <a:gd name="connsiteY1" fmla="*/ 55 h 2839502"/>
-              <a:gd name="connsiteX2" fmla="*/ 986147 w 2117773"/>
-              <a:gd name="connsiteY2" fmla="*/ 457255 h 2839502"/>
-              <a:gd name="connsiteX3" fmla="*/ 1511927 w 2117773"/>
-              <a:gd name="connsiteY3" fmla="*/ 148645 h 2839502"/>
-              <a:gd name="connsiteX4" fmla="*/ 1980557 w 2117773"/>
-              <a:gd name="connsiteY4" fmla="*/ 720145 h 2839502"/>
-              <a:gd name="connsiteX5" fmla="*/ 1770606 w 2117773"/>
-              <a:gd name="connsiteY5" fmla="*/ 1339170 h 2839502"/>
-              <a:gd name="connsiteX6" fmla="*/ 2117717 w 2117773"/>
-              <a:gd name="connsiteY6" fmla="*/ 1840285 h 2839502"/>
-              <a:gd name="connsiteX7" fmla="*/ 1740527 w 2117773"/>
-              <a:gd name="connsiteY7" fmla="*/ 2720395 h 2839502"/>
-              <a:gd name="connsiteX8" fmla="*/ 1214747 w 2117773"/>
-              <a:gd name="connsiteY8" fmla="*/ 2526085 h 2839502"/>
-              <a:gd name="connsiteX9" fmla="*/ 546994 w 2117773"/>
-              <a:gd name="connsiteY9" fmla="*/ 2795593 h 2839502"/>
-              <a:gd name="connsiteX10" fmla="*/ 458563 w 2117773"/>
-              <a:gd name="connsiteY10" fmla="*/ 2304103 h 2839502"/>
-              <a:gd name="connsiteX11" fmla="*/ 159 w 2117773"/>
-              <a:gd name="connsiteY11" fmla="*/ 1656202 h 2839502"/>
-              <a:gd name="connsiteX12" fmla="*/ 459164 w 2117773"/>
-              <a:gd name="connsiteY12" fmla="*/ 1115382 h 2839502"/>
-              <a:gd name="connsiteX13" fmla="*/ 277487 w 2117773"/>
-              <a:gd name="connsiteY13" fmla="*/ 491545 h 2839502"/>
-              <a:gd name="connsiteX0" fmla="*/ 277487 w 2117773"/>
-              <a:gd name="connsiteY0" fmla="*/ 491545 h 2890591"/>
-              <a:gd name="connsiteX1" fmla="*/ 677537 w 2117773"/>
-              <a:gd name="connsiteY1" fmla="*/ 55 h 2890591"/>
-              <a:gd name="connsiteX2" fmla="*/ 986147 w 2117773"/>
-              <a:gd name="connsiteY2" fmla="*/ 457255 h 2890591"/>
-              <a:gd name="connsiteX3" fmla="*/ 1511927 w 2117773"/>
-              <a:gd name="connsiteY3" fmla="*/ 148645 h 2890591"/>
-              <a:gd name="connsiteX4" fmla="*/ 1980557 w 2117773"/>
-              <a:gd name="connsiteY4" fmla="*/ 720145 h 2890591"/>
-              <a:gd name="connsiteX5" fmla="*/ 1770606 w 2117773"/>
-              <a:gd name="connsiteY5" fmla="*/ 1339170 h 2890591"/>
-              <a:gd name="connsiteX6" fmla="*/ 2117717 w 2117773"/>
-              <a:gd name="connsiteY6" fmla="*/ 1840285 h 2890591"/>
-              <a:gd name="connsiteX7" fmla="*/ 1740527 w 2117773"/>
-              <a:gd name="connsiteY7" fmla="*/ 2720395 h 2890591"/>
-              <a:gd name="connsiteX8" fmla="*/ 1214747 w 2117773"/>
-              <a:gd name="connsiteY8" fmla="*/ 2526085 h 2890591"/>
-              <a:gd name="connsiteX9" fmla="*/ 546994 w 2117773"/>
-              <a:gd name="connsiteY9" fmla="*/ 2795593 h 2890591"/>
-              <a:gd name="connsiteX10" fmla="*/ 458563 w 2117773"/>
-              <a:gd name="connsiteY10" fmla="*/ 2304103 h 2890591"/>
-              <a:gd name="connsiteX11" fmla="*/ 159 w 2117773"/>
-              <a:gd name="connsiteY11" fmla="*/ 1656202 h 2890591"/>
-              <a:gd name="connsiteX12" fmla="*/ 459164 w 2117773"/>
-              <a:gd name="connsiteY12" fmla="*/ 1115382 h 2890591"/>
-              <a:gd name="connsiteX13" fmla="*/ 277487 w 2117773"/>
-              <a:gd name="connsiteY13" fmla="*/ 491545 h 2890591"/>
-              <a:gd name="connsiteX0" fmla="*/ 277487 w 2117773"/>
-              <a:gd name="connsiteY0" fmla="*/ 491545 h 2811775"/>
-              <a:gd name="connsiteX1" fmla="*/ 677537 w 2117773"/>
-              <a:gd name="connsiteY1" fmla="*/ 55 h 2811775"/>
-              <a:gd name="connsiteX2" fmla="*/ 986147 w 2117773"/>
-              <a:gd name="connsiteY2" fmla="*/ 457255 h 2811775"/>
-              <a:gd name="connsiteX3" fmla="*/ 1511927 w 2117773"/>
-              <a:gd name="connsiteY3" fmla="*/ 148645 h 2811775"/>
-              <a:gd name="connsiteX4" fmla="*/ 1980557 w 2117773"/>
-              <a:gd name="connsiteY4" fmla="*/ 720145 h 2811775"/>
-              <a:gd name="connsiteX5" fmla="*/ 1770606 w 2117773"/>
-              <a:gd name="connsiteY5" fmla="*/ 1339170 h 2811775"/>
-              <a:gd name="connsiteX6" fmla="*/ 2117717 w 2117773"/>
-              <a:gd name="connsiteY6" fmla="*/ 1840285 h 2811775"/>
-              <a:gd name="connsiteX7" fmla="*/ 1740527 w 2117773"/>
-              <a:gd name="connsiteY7" fmla="*/ 2720395 h 2811775"/>
-              <a:gd name="connsiteX8" fmla="*/ 1214747 w 2117773"/>
-              <a:gd name="connsiteY8" fmla="*/ 2526085 h 2811775"/>
-              <a:gd name="connsiteX9" fmla="*/ 546994 w 2117773"/>
-              <a:gd name="connsiteY9" fmla="*/ 2795593 h 2811775"/>
-              <a:gd name="connsiteX10" fmla="*/ 458563 w 2117773"/>
-              <a:gd name="connsiteY10" fmla="*/ 2304103 h 2811775"/>
-              <a:gd name="connsiteX11" fmla="*/ 159 w 2117773"/>
-              <a:gd name="connsiteY11" fmla="*/ 1656202 h 2811775"/>
-              <a:gd name="connsiteX12" fmla="*/ 459164 w 2117773"/>
-              <a:gd name="connsiteY12" fmla="*/ 1115382 h 2811775"/>
-              <a:gd name="connsiteX13" fmla="*/ 277487 w 2117773"/>
-              <a:gd name="connsiteY13" fmla="*/ 491545 h 2811775"/>
-              <a:gd name="connsiteX0" fmla="*/ 277487 w 2117773"/>
-              <a:gd name="connsiteY0" fmla="*/ 491545 h 2839502"/>
-              <a:gd name="connsiteX1" fmla="*/ 677537 w 2117773"/>
-              <a:gd name="connsiteY1" fmla="*/ 55 h 2839502"/>
-              <a:gd name="connsiteX2" fmla="*/ 986147 w 2117773"/>
-              <a:gd name="connsiteY2" fmla="*/ 457255 h 2839502"/>
-              <a:gd name="connsiteX3" fmla="*/ 1511927 w 2117773"/>
-              <a:gd name="connsiteY3" fmla="*/ 148645 h 2839502"/>
-              <a:gd name="connsiteX4" fmla="*/ 1980557 w 2117773"/>
-              <a:gd name="connsiteY4" fmla="*/ 720145 h 2839502"/>
-              <a:gd name="connsiteX5" fmla="*/ 1770606 w 2117773"/>
-              <a:gd name="connsiteY5" fmla="*/ 1339170 h 2839502"/>
-              <a:gd name="connsiteX6" fmla="*/ 2117717 w 2117773"/>
-              <a:gd name="connsiteY6" fmla="*/ 1840285 h 2839502"/>
-              <a:gd name="connsiteX7" fmla="*/ 1740527 w 2117773"/>
-              <a:gd name="connsiteY7" fmla="*/ 2720395 h 2839502"/>
-              <a:gd name="connsiteX8" fmla="*/ 1214747 w 2117773"/>
-              <a:gd name="connsiteY8" fmla="*/ 2526085 h 2839502"/>
-              <a:gd name="connsiteX9" fmla="*/ 546994 w 2117773"/>
-              <a:gd name="connsiteY9" fmla="*/ 2795593 h 2839502"/>
-              <a:gd name="connsiteX10" fmla="*/ 458563 w 2117773"/>
-              <a:gd name="connsiteY10" fmla="*/ 2304103 h 2839502"/>
-              <a:gd name="connsiteX11" fmla="*/ 159 w 2117773"/>
-              <a:gd name="connsiteY11" fmla="*/ 1656202 h 2839502"/>
-              <a:gd name="connsiteX12" fmla="*/ 459164 w 2117773"/>
-              <a:gd name="connsiteY12" fmla="*/ 1115382 h 2839502"/>
-              <a:gd name="connsiteX13" fmla="*/ 277487 w 2117773"/>
-              <a:gd name="connsiteY13" fmla="*/ 491545 h 2839502"/>
-            </a:gdLst>
-            <a:ahLst/>
-            <a:cxnLst>
-              <a:cxn ang="0">
-                <a:pos x="connsiteX0" y="connsiteY0"/>
-              </a:cxn>
-              <a:cxn ang="0">
-                <a:pos x="connsiteX1" y="connsiteY1"/>
-              </a:cxn>
-              <a:cxn ang="0">
-                <a:pos x="connsiteX2" y="connsiteY2"/>
-              </a:cxn>
-              <a:cxn ang="0">
-                <a:pos x="connsiteX3" y="connsiteY3"/>
-              </a:cxn>
-              <a:cxn ang="0">
-                <a:pos x="connsiteX4" y="connsiteY4"/>
-              </a:cxn>
-              <a:cxn ang="0">
-                <a:pos x="connsiteX5" y="connsiteY5"/>
-              </a:cxn>
-              <a:cxn ang="0">
-                <a:pos x="connsiteX6" y="connsiteY6"/>
-              </a:cxn>
-              <a:cxn ang="0">
-                <a:pos x="connsiteX7" y="connsiteY7"/>
-              </a:cxn>
-              <a:cxn ang="0">
-                <a:pos x="connsiteX8" y="connsiteY8"/>
-              </a:cxn>
-              <a:cxn ang="0">
-                <a:pos x="connsiteX9" y="connsiteY9"/>
-              </a:cxn>
-              <a:cxn ang="0">
-                <a:pos x="connsiteX10" y="connsiteY10"/>
-              </a:cxn>
-              <a:cxn ang="0">
-                <a:pos x="connsiteX11" y="connsiteY11"/>
-              </a:cxn>
-              <a:cxn ang="0">
-                <a:pos x="connsiteX12" y="connsiteY12"/>
-              </a:cxn>
-              <a:cxn ang="0">
-                <a:pos x="connsiteX13" y="connsiteY13"/>
-              </a:cxn>
-            </a:cxnLst>
-            <a:rect l="l" t="t" r="r" b="b"/>
-            <a:pathLst>
-              <a:path w="2117773" h="2839502">
-                <a:moveTo>
-                  <a:pt x="277487" y="491545"/>
-                </a:moveTo>
-                <a:cubicBezTo>
-                  <a:pt x="313883" y="305657"/>
-                  <a:pt x="559427" y="5770"/>
-                  <a:pt x="677537" y="55"/>
-                </a:cubicBezTo>
-                <a:cubicBezTo>
-                  <a:pt x="795647" y="-5660"/>
-                  <a:pt x="847082" y="432490"/>
-                  <a:pt x="986147" y="457255"/>
-                </a:cubicBezTo>
-                <a:cubicBezTo>
-                  <a:pt x="1125212" y="482020"/>
-                  <a:pt x="1346192" y="104830"/>
-                  <a:pt x="1511927" y="148645"/>
-                </a:cubicBezTo>
-                <a:cubicBezTo>
-                  <a:pt x="1677662" y="192460"/>
-                  <a:pt x="1937444" y="521724"/>
-                  <a:pt x="1980557" y="720145"/>
-                </a:cubicBezTo>
-                <a:cubicBezTo>
-                  <a:pt x="2023670" y="918566"/>
-                  <a:pt x="1747746" y="1152480"/>
-                  <a:pt x="1770606" y="1339170"/>
-                </a:cubicBezTo>
-                <a:cubicBezTo>
-                  <a:pt x="1793466" y="1525860"/>
-                  <a:pt x="2122730" y="1610081"/>
-                  <a:pt x="2117717" y="1840285"/>
-                </a:cubicBezTo>
-                <a:cubicBezTo>
-                  <a:pt x="2112704" y="2070489"/>
-                  <a:pt x="1891022" y="2606095"/>
-                  <a:pt x="1740527" y="2720395"/>
-                </a:cubicBezTo>
-                <a:cubicBezTo>
-                  <a:pt x="1590032" y="2834695"/>
-                  <a:pt x="1413669" y="2513552"/>
-                  <a:pt x="1214747" y="2526085"/>
-                </a:cubicBezTo>
-                <a:cubicBezTo>
-                  <a:pt x="1015825" y="2538618"/>
-                  <a:pt x="865529" y="2976970"/>
-                  <a:pt x="546994" y="2795593"/>
-                </a:cubicBezTo>
-                <a:cubicBezTo>
-                  <a:pt x="228459" y="2614216"/>
-                  <a:pt x="549702" y="2494001"/>
-                  <a:pt x="458563" y="2304103"/>
-                </a:cubicBezTo>
-                <a:cubicBezTo>
-                  <a:pt x="367424" y="2114205"/>
-                  <a:pt x="9684" y="1823842"/>
-                  <a:pt x="159" y="1656202"/>
-                </a:cubicBezTo>
-                <a:cubicBezTo>
-                  <a:pt x="-9366" y="1488562"/>
-                  <a:pt x="412943" y="1309492"/>
-                  <a:pt x="459164" y="1115382"/>
-                </a:cubicBezTo>
-                <a:cubicBezTo>
-                  <a:pt x="505385" y="921273"/>
-                  <a:pt x="241092" y="677433"/>
-                  <a:pt x="277487" y="491545"/>
-                </a:cubicBezTo>
-                <a:close/>
-              </a:path>
-            </a:pathLst>
-          </a:custGeom>
-          <a:ln w="28575">
-            <a:solidFill>
-              <a:schemeClr val="tx1">
-                <a:lumMod val="85000"/>
-                <a:lumOff val="15000"/>
-              </a:schemeClr>
-            </a:solidFill>
-          </a:ln>
-        </p:spPr>
-        <p:style>
-          <a:lnRef idx="2">
-            <a:schemeClr val="accent6"/>
-          </a:lnRef>
-          <a:fillRef idx="1">
-            <a:schemeClr val="lt1"/>
-          </a:fillRef>
-          <a:effectRef idx="0">
-            <a:schemeClr val="accent6"/>
-          </a:effectRef>
-          <a:fontRef idx="minor">
-            <a:schemeClr val="dk1"/>
-          </a:fontRef>
-        </p:style>
-        <p:txBody>
-          <a:bodyPr rtlCol="0" anchor="ctr"/>
-          <a:lstStyle/>
-          <a:p>
-            <a:pPr algn="ctr"/>
-            <a:endParaRPr lang="en-US"/>
-          </a:p>
-        </p:txBody>
-      </p:sp>
-      <p:sp>
-        <p:nvSpPr>
-          <p:cNvPr id="9" name="Oval 8">
-            <a:extLst>
-              <a:ext uri="{FF2B5EF4-FFF2-40B4-BE49-F238E27FC236}">
-                <a16:creationId xmlns:a16="http://schemas.microsoft.com/office/drawing/2014/main" id="{1D6041E9-B840-EE42-90C6-BD4B9761BD20}"/>
-              </a:ext>
-            </a:extLst>
-          </p:cNvPr>
-          <p:cNvSpPr/>
-          <p:nvPr/>
-        </p:nvSpPr>
-        <p:spPr>
-          <a:xfrm>
-            <a:off x="2434590" y="2228510"/>
-            <a:ext cx="205740" cy="205740"/>
-          </a:xfrm>
-          <a:prstGeom prst="ellipse">
-            <a:avLst/>
-          </a:prstGeom>
-          <a:solidFill>
-            <a:schemeClr val="bg1">
-              <a:lumMod val="50000"/>
-            </a:schemeClr>
-          </a:solidFill>
-        </p:spPr>
-        <p:style>
-          <a:lnRef idx="2">
-            <a:schemeClr val="accent1">
-              <a:shade val="50000"/>
-            </a:schemeClr>
-          </a:lnRef>
-          <a:fillRef idx="1">
-            <a:schemeClr val="accent1"/>
-          </a:fillRef>
-          <a:effectRef idx="0">
-            <a:schemeClr val="accent1"/>
-          </a:effectRef>
-          <a:fontRef idx="minor">
-            <a:schemeClr val="lt1"/>
-          </a:fontRef>
-        </p:style>
-        <p:txBody>
-          <a:bodyPr rtlCol="0" anchor="ctr"/>
-          <a:lstStyle/>
-          <a:p>
-            <a:pPr algn="ctr"/>
-            <a:endParaRPr lang="en-US"/>
-          </a:p>
-        </p:txBody>
-      </p:sp>
-      <p:sp>
-        <p:nvSpPr>
-          <p:cNvPr id="10" name="Oval 9">
-            <a:extLst>
-              <a:ext uri="{FF2B5EF4-FFF2-40B4-BE49-F238E27FC236}">
-                <a16:creationId xmlns:a16="http://schemas.microsoft.com/office/drawing/2014/main" id="{49C06CA3-80B9-2042-9740-94E387CAEB58}"/>
-              </a:ext>
-            </a:extLst>
-          </p:cNvPr>
-          <p:cNvSpPr/>
-          <p:nvPr/>
-        </p:nvSpPr>
-        <p:spPr>
-          <a:xfrm>
-            <a:off x="2434590" y="3088101"/>
-            <a:ext cx="205740" cy="205740"/>
-          </a:xfrm>
-          <a:prstGeom prst="ellipse">
-            <a:avLst/>
-          </a:prstGeom>
-          <a:solidFill>
-            <a:schemeClr val="bg1">
-              <a:lumMod val="50000"/>
-            </a:schemeClr>
-          </a:solidFill>
-        </p:spPr>
-        <p:style>
-          <a:lnRef idx="2">
-            <a:schemeClr val="accent1">
-              <a:shade val="50000"/>
-            </a:schemeClr>
-          </a:lnRef>
-          <a:fillRef idx="1">
-            <a:schemeClr val="accent1"/>
-          </a:fillRef>
-          <a:effectRef idx="0">
-            <a:schemeClr val="accent1"/>
-          </a:effectRef>
-          <a:fontRef idx="minor">
-            <a:schemeClr val="lt1"/>
-          </a:fontRef>
-        </p:style>
-        <p:txBody>
-          <a:bodyPr rtlCol="0" anchor="ctr"/>
-          <a:lstStyle/>
-          <a:p>
-            <a:pPr algn="ctr"/>
-            <a:endParaRPr lang="en-US"/>
-          </a:p>
-        </p:txBody>
-      </p:sp>
-      <p:sp>
-        <p:nvSpPr>
-          <p:cNvPr id="11" name="TextBox 10">
-            <a:extLst>
-              <a:ext uri="{FF2B5EF4-FFF2-40B4-BE49-F238E27FC236}">
-                <a16:creationId xmlns:a16="http://schemas.microsoft.com/office/drawing/2014/main" id="{5D4D47CA-6B9D-5B4D-BABF-1A15EA7BD817}"/>
-              </a:ext>
-            </a:extLst>
-          </p:cNvPr>
-          <p:cNvSpPr txBox="1"/>
-          <p:nvPr/>
-        </p:nvSpPr>
-        <p:spPr>
-          <a:xfrm>
-            <a:off x="1998252" y="2266363"/>
-            <a:ext cx="436338" cy="461665"/>
-          </a:xfrm>
-          <a:prstGeom prst="rect">
-            <a:avLst/>
-          </a:prstGeom>
-          <a:noFill/>
-        </p:spPr>
-        <p:txBody>
-          <a:bodyPr wrap="none" rtlCol="0">
-            <a:spAutoFit/>
-          </a:bodyPr>
-          <a:lstStyle/>
-          <a:p>
-            <a:r>
-              <a:rPr lang="en-US" sz="2400" b="1" dirty="0">
-                <a:latin typeface="Bookman Old Style" panose="02050604050505020204" pitchFamily="18" charset="0"/>
-              </a:rPr>
-              <a:t>H</a:t>
-            </a:r>
-          </a:p>
-        </p:txBody>
-      </p:sp>
-      <p:sp>
-        <p:nvSpPr>
-          <p:cNvPr id="12" name="TextBox 11">
-            <a:extLst>
-              <a:ext uri="{FF2B5EF4-FFF2-40B4-BE49-F238E27FC236}">
-                <a16:creationId xmlns:a16="http://schemas.microsoft.com/office/drawing/2014/main" id="{5998B3B4-ABDE-A548-8173-DCA6092C5B19}"/>
-              </a:ext>
-            </a:extLst>
-          </p:cNvPr>
-          <p:cNvSpPr txBox="1"/>
-          <p:nvPr/>
-        </p:nvSpPr>
-        <p:spPr>
-          <a:xfrm>
-            <a:off x="2016687" y="3088101"/>
-            <a:ext cx="399468" cy="461665"/>
-          </a:xfrm>
-          <a:prstGeom prst="rect">
-            <a:avLst/>
-          </a:prstGeom>
-          <a:noFill/>
-        </p:spPr>
-        <p:txBody>
-          <a:bodyPr wrap="none" rtlCol="0">
-            <a:spAutoFit/>
-          </a:bodyPr>
-          <a:lstStyle/>
-          <a:p>
-            <a:r>
-              <a:rPr lang="en-US" sz="2400" b="1" dirty="0">
-                <a:latin typeface="Bookman Old Style" panose="02050604050505020204" pitchFamily="18" charset="0"/>
-              </a:rPr>
-              <a:t>T</a:t>
-            </a:r>
-          </a:p>
-        </p:txBody>
-      </p:sp>
-      <p:cxnSp>
-        <p:nvCxnSpPr>
-          <p:cNvPr id="14" name="Straight Arrow Connector 13">
-            <a:extLst>
-              <a:ext uri="{FF2B5EF4-FFF2-40B4-BE49-F238E27FC236}">
-                <a16:creationId xmlns:a16="http://schemas.microsoft.com/office/drawing/2014/main" id="{57087A8D-DCC6-C240-9B7D-6C0847135B72}"/>
-              </a:ext>
-            </a:extLst>
-          </p:cNvPr>
-          <p:cNvCxnSpPr>
-            <a:cxnSpLocks/>
-          </p:cNvCxnSpPr>
-          <p:nvPr/>
-        </p:nvCxnSpPr>
-        <p:spPr>
-          <a:xfrm>
-            <a:off x="4987636" y="2894131"/>
-            <a:ext cx="3904904" cy="0"/>
-          </a:xfrm>
-          <a:prstGeom prst="straightConnector1">
-            <a:avLst/>
-          </a:prstGeom>
-          <a:ln w="28575">
-            <a:solidFill>
-              <a:schemeClr val="tx1">
-                <a:lumMod val="85000"/>
-                <a:lumOff val="15000"/>
-              </a:schemeClr>
-            </a:solidFill>
-            <a:tailEnd type="stealth" w="lg" len="lg"/>
-          </a:ln>
-        </p:spPr>
-        <p:style>
-          <a:lnRef idx="1">
-            <a:schemeClr val="accent1"/>
-          </a:lnRef>
-          <a:fillRef idx="0">
-            <a:schemeClr val="accent1"/>
-          </a:fillRef>
-          <a:effectRef idx="0">
-            <a:schemeClr val="accent1"/>
-          </a:effectRef>
-          <a:fontRef idx="minor">
-            <a:schemeClr val="tx1"/>
-          </a:fontRef>
-        </p:style>
-      </p:cxnSp>
-      <p:cxnSp>
-        <p:nvCxnSpPr>
-          <p:cNvPr id="18" name="Straight Arrow Connector 17">
-            <a:extLst>
-              <a:ext uri="{FF2B5EF4-FFF2-40B4-BE49-F238E27FC236}">
-                <a16:creationId xmlns:a16="http://schemas.microsoft.com/office/drawing/2014/main" id="{D760D21B-9A44-954D-A1C6-7BC7699B6A0D}"/>
-              </a:ext>
-            </a:extLst>
-          </p:cNvPr>
-          <p:cNvCxnSpPr>
-            <a:cxnSpLocks/>
-          </p:cNvCxnSpPr>
-          <p:nvPr/>
-        </p:nvCxnSpPr>
-        <p:spPr>
-          <a:xfrm flipV="1">
-            <a:off x="5695950" y="2754976"/>
-            <a:ext cx="0" cy="278310"/>
-          </a:xfrm>
-          <a:prstGeom prst="straightConnector1">
-            <a:avLst/>
-          </a:prstGeom>
-          <a:ln w="28575">
-            <a:solidFill>
-              <a:schemeClr val="tx1">
-                <a:lumMod val="85000"/>
-                <a:lumOff val="15000"/>
-              </a:schemeClr>
-            </a:solidFill>
-            <a:tailEnd type="none" w="lg" len="lg"/>
-          </a:ln>
-        </p:spPr>
-        <p:style>
-          <a:lnRef idx="1">
-            <a:schemeClr val="accent1"/>
-          </a:lnRef>
-          <a:fillRef idx="0">
-            <a:schemeClr val="accent1"/>
-          </a:fillRef>
-          <a:effectRef idx="0">
-            <a:schemeClr val="accent1"/>
-          </a:effectRef>
-          <a:fontRef idx="minor">
-            <a:schemeClr val="tx1"/>
-          </a:fontRef>
-        </p:style>
-      </p:cxnSp>
-      <p:cxnSp>
-        <p:nvCxnSpPr>
-          <p:cNvPr id="21" name="Straight Arrow Connector 20">
-            <a:extLst>
-              <a:ext uri="{FF2B5EF4-FFF2-40B4-BE49-F238E27FC236}">
-                <a16:creationId xmlns:a16="http://schemas.microsoft.com/office/drawing/2014/main" id="{B9B8B844-7B67-0F4C-AC20-E0E9A16CBB2C}"/>
-              </a:ext>
-            </a:extLst>
-          </p:cNvPr>
-          <p:cNvCxnSpPr>
-            <a:cxnSpLocks/>
-          </p:cNvCxnSpPr>
-          <p:nvPr/>
-        </p:nvCxnSpPr>
-        <p:spPr>
-          <a:xfrm flipV="1">
-            <a:off x="7626701" y="2754976"/>
-            <a:ext cx="0" cy="278310"/>
-          </a:xfrm>
-          <a:prstGeom prst="straightConnector1">
-            <a:avLst/>
-          </a:prstGeom>
-          <a:ln w="28575">
-            <a:solidFill>
-              <a:schemeClr val="tx1">
-                <a:lumMod val="85000"/>
-                <a:lumOff val="15000"/>
-              </a:schemeClr>
-            </a:solidFill>
-            <a:tailEnd type="none" w="lg" len="lg"/>
-          </a:ln>
-        </p:spPr>
-        <p:style>
-          <a:lnRef idx="1">
-            <a:schemeClr val="accent1"/>
-          </a:lnRef>
-          <a:fillRef idx="0">
-            <a:schemeClr val="accent1"/>
-          </a:fillRef>
-          <a:effectRef idx="0">
-            <a:schemeClr val="accent1"/>
-          </a:effectRef>
-          <a:fontRef idx="minor">
-            <a:schemeClr val="tx1"/>
-          </a:fontRef>
-        </p:style>
-      </p:cxnSp>
-      <p:sp>
-        <p:nvSpPr>
-          <p:cNvPr id="23" name="TextBox 22">
-            <a:extLst>
-              <a:ext uri="{FF2B5EF4-FFF2-40B4-BE49-F238E27FC236}">
-                <a16:creationId xmlns:a16="http://schemas.microsoft.com/office/drawing/2014/main" id="{356F14ED-1F89-374B-8F1C-E5531F81E68D}"/>
-              </a:ext>
-            </a:extLst>
-          </p:cNvPr>
-          <p:cNvSpPr txBox="1"/>
-          <p:nvPr/>
-        </p:nvSpPr>
-        <p:spPr>
-          <a:xfrm>
-            <a:off x="5543550" y="3141650"/>
-            <a:ext cx="552450" cy="461665"/>
-          </a:xfrm>
-          <a:prstGeom prst="rect">
-            <a:avLst/>
-          </a:prstGeom>
-          <a:noFill/>
-        </p:spPr>
-        <p:txBody>
-          <a:bodyPr wrap="square" rtlCol="0">
-            <a:spAutoFit/>
-          </a:bodyPr>
-          <a:lstStyle/>
-          <a:p>
-            <a:r>
-              <a:rPr lang="en-US" sz="2400" dirty="0"/>
-              <a:t>0</a:t>
-            </a:r>
-          </a:p>
-        </p:txBody>
-      </p:sp>
-      <p:sp>
-        <p:nvSpPr>
-          <p:cNvPr id="24" name="TextBox 23">
-            <a:extLst>
-              <a:ext uri="{FF2B5EF4-FFF2-40B4-BE49-F238E27FC236}">
-                <a16:creationId xmlns:a16="http://schemas.microsoft.com/office/drawing/2014/main" id="{4DFC9158-1143-1245-9BC7-FA616BEC34BF}"/>
-              </a:ext>
-            </a:extLst>
-          </p:cNvPr>
-          <p:cNvSpPr txBox="1"/>
-          <p:nvPr/>
-        </p:nvSpPr>
-        <p:spPr>
-          <a:xfrm>
-            <a:off x="7520619" y="3141650"/>
-            <a:ext cx="552450" cy="461665"/>
-          </a:xfrm>
-          <a:prstGeom prst="rect">
-            <a:avLst/>
-          </a:prstGeom>
-          <a:noFill/>
-        </p:spPr>
-        <p:txBody>
-          <a:bodyPr wrap="square" rtlCol="0">
-            <a:spAutoFit/>
-          </a:bodyPr>
-          <a:lstStyle/>
-          <a:p>
-            <a:r>
-              <a:rPr lang="en-US" sz="2400" dirty="0"/>
-              <a:t>1</a:t>
-            </a:r>
-          </a:p>
-        </p:txBody>
-      </p:sp>
-      <p:grpSp>
-        <p:nvGrpSpPr>
-          <p:cNvPr id="41" name="Group 40">
-            <a:extLst>
-              <a:ext uri="{FF2B5EF4-FFF2-40B4-BE49-F238E27FC236}">
-                <a16:creationId xmlns:a16="http://schemas.microsoft.com/office/drawing/2014/main" id="{7A9295C7-485B-B942-BC04-250D3ED8A51F}"/>
+                <a16:creationId xmlns:a16="http://schemas.microsoft.com/office/drawing/2014/main" id="{B91F0A2D-2AF7-1F43-8118-48E39FC081F4}"/>
               </a:ext>
             </a:extLst>
           </p:cNvPr>
@@ -4203,18 +3344,722 @@
         </p:nvGrpSpPr>
         <p:grpSpPr>
           <a:xfrm>
-            <a:off x="2640330" y="1574659"/>
-            <a:ext cx="4926883" cy="1245737"/>
-            <a:chOff x="2640330" y="1574659"/>
-            <a:chExt cx="4926883" cy="1245737"/>
+            <a:off x="1414073" y="1395452"/>
+            <a:ext cx="7478467" cy="2839502"/>
+            <a:chOff x="1414073" y="1395452"/>
+            <a:chExt cx="7478467" cy="2839502"/>
           </a:xfrm>
         </p:grpSpPr>
+        <p:sp>
+          <p:nvSpPr>
+            <p:cNvPr id="8" name="Freeform 7">
+              <a:extLst>
+                <a:ext uri="{FF2B5EF4-FFF2-40B4-BE49-F238E27FC236}">
+                  <a16:creationId xmlns:a16="http://schemas.microsoft.com/office/drawing/2014/main" id="{30149E8B-A17F-DA46-B277-BE016F789BFC}"/>
+                </a:ext>
+              </a:extLst>
+            </p:cNvPr>
+            <p:cNvSpPr/>
+            <p:nvPr/>
+          </p:nvSpPr>
+          <p:spPr>
+            <a:xfrm>
+              <a:off x="1414073" y="1395452"/>
+              <a:ext cx="2117773" cy="2839502"/>
+            </a:xfrm>
+            <a:custGeom>
+              <a:avLst/>
+              <a:gdLst>
+                <a:gd name="connsiteX0" fmla="*/ 354491 w 2195042"/>
+                <a:gd name="connsiteY0" fmla="*/ 491545 h 2896527"/>
+                <a:gd name="connsiteX1" fmla="*/ 754541 w 2195042"/>
+                <a:gd name="connsiteY1" fmla="*/ 55 h 2896527"/>
+                <a:gd name="connsiteX2" fmla="*/ 1063151 w 2195042"/>
+                <a:gd name="connsiteY2" fmla="*/ 457255 h 2896527"/>
+                <a:gd name="connsiteX3" fmla="*/ 1588931 w 2195042"/>
+                <a:gd name="connsiteY3" fmla="*/ 148645 h 2896527"/>
+                <a:gd name="connsiteX4" fmla="*/ 2057561 w 2195042"/>
+                <a:gd name="connsiteY4" fmla="*/ 720145 h 2896527"/>
+                <a:gd name="connsiteX5" fmla="*/ 1886111 w 2195042"/>
+                <a:gd name="connsiteY5" fmla="*/ 1165915 h 2896527"/>
+                <a:gd name="connsiteX6" fmla="*/ 2194721 w 2195042"/>
+                <a:gd name="connsiteY6" fmla="*/ 1840285 h 2896527"/>
+                <a:gd name="connsiteX7" fmla="*/ 1817531 w 2195042"/>
+                <a:gd name="connsiteY7" fmla="*/ 2720395 h 2896527"/>
+                <a:gd name="connsiteX8" fmla="*/ 1291751 w 2195042"/>
+                <a:gd name="connsiteY8" fmla="*/ 2526085 h 2896527"/>
+                <a:gd name="connsiteX9" fmla="*/ 537371 w 2195042"/>
+                <a:gd name="connsiteY9" fmla="*/ 2891845 h 2896527"/>
+                <a:gd name="connsiteX10" fmla="*/ 525941 w 2195042"/>
+                <a:gd name="connsiteY10" fmla="*/ 2217475 h 2896527"/>
+                <a:gd name="connsiteX11" fmla="*/ 161 w 2195042"/>
+                <a:gd name="connsiteY11" fmla="*/ 1771705 h 2896527"/>
+                <a:gd name="connsiteX12" fmla="*/ 468791 w 2195042"/>
+                <a:gd name="connsiteY12" fmla="*/ 1211635 h 2896527"/>
+                <a:gd name="connsiteX13" fmla="*/ 354491 w 2195042"/>
+                <a:gd name="connsiteY13" fmla="*/ 491545 h 2896527"/>
+                <a:gd name="connsiteX0" fmla="*/ 354491 w 2194777"/>
+                <a:gd name="connsiteY0" fmla="*/ 491545 h 2896527"/>
+                <a:gd name="connsiteX1" fmla="*/ 754541 w 2194777"/>
+                <a:gd name="connsiteY1" fmla="*/ 55 h 2896527"/>
+                <a:gd name="connsiteX2" fmla="*/ 1063151 w 2194777"/>
+                <a:gd name="connsiteY2" fmla="*/ 457255 h 2896527"/>
+                <a:gd name="connsiteX3" fmla="*/ 1588931 w 2194777"/>
+                <a:gd name="connsiteY3" fmla="*/ 148645 h 2896527"/>
+                <a:gd name="connsiteX4" fmla="*/ 2057561 w 2194777"/>
+                <a:gd name="connsiteY4" fmla="*/ 720145 h 2896527"/>
+                <a:gd name="connsiteX5" fmla="*/ 1847610 w 2194777"/>
+                <a:gd name="connsiteY5" fmla="*/ 1339170 h 2896527"/>
+                <a:gd name="connsiteX6" fmla="*/ 2194721 w 2194777"/>
+                <a:gd name="connsiteY6" fmla="*/ 1840285 h 2896527"/>
+                <a:gd name="connsiteX7" fmla="*/ 1817531 w 2194777"/>
+                <a:gd name="connsiteY7" fmla="*/ 2720395 h 2896527"/>
+                <a:gd name="connsiteX8" fmla="*/ 1291751 w 2194777"/>
+                <a:gd name="connsiteY8" fmla="*/ 2526085 h 2896527"/>
+                <a:gd name="connsiteX9" fmla="*/ 537371 w 2194777"/>
+                <a:gd name="connsiteY9" fmla="*/ 2891845 h 2896527"/>
+                <a:gd name="connsiteX10" fmla="*/ 525941 w 2194777"/>
+                <a:gd name="connsiteY10" fmla="*/ 2217475 h 2896527"/>
+                <a:gd name="connsiteX11" fmla="*/ 161 w 2194777"/>
+                <a:gd name="connsiteY11" fmla="*/ 1771705 h 2896527"/>
+                <a:gd name="connsiteX12" fmla="*/ 468791 w 2194777"/>
+                <a:gd name="connsiteY12" fmla="*/ 1211635 h 2896527"/>
+                <a:gd name="connsiteX13" fmla="*/ 354491 w 2194777"/>
+                <a:gd name="connsiteY13" fmla="*/ 491545 h 2896527"/>
+                <a:gd name="connsiteX0" fmla="*/ 354470 w 2194756"/>
+                <a:gd name="connsiteY0" fmla="*/ 491545 h 2896527"/>
+                <a:gd name="connsiteX1" fmla="*/ 754520 w 2194756"/>
+                <a:gd name="connsiteY1" fmla="*/ 55 h 2896527"/>
+                <a:gd name="connsiteX2" fmla="*/ 1063130 w 2194756"/>
+                <a:gd name="connsiteY2" fmla="*/ 457255 h 2896527"/>
+                <a:gd name="connsiteX3" fmla="*/ 1588910 w 2194756"/>
+                <a:gd name="connsiteY3" fmla="*/ 148645 h 2896527"/>
+                <a:gd name="connsiteX4" fmla="*/ 2057540 w 2194756"/>
+                <a:gd name="connsiteY4" fmla="*/ 720145 h 2896527"/>
+                <a:gd name="connsiteX5" fmla="*/ 1847589 w 2194756"/>
+                <a:gd name="connsiteY5" fmla="*/ 1339170 h 2896527"/>
+                <a:gd name="connsiteX6" fmla="*/ 2194700 w 2194756"/>
+                <a:gd name="connsiteY6" fmla="*/ 1840285 h 2896527"/>
+                <a:gd name="connsiteX7" fmla="*/ 1817510 w 2194756"/>
+                <a:gd name="connsiteY7" fmla="*/ 2720395 h 2896527"/>
+                <a:gd name="connsiteX8" fmla="*/ 1291730 w 2194756"/>
+                <a:gd name="connsiteY8" fmla="*/ 2526085 h 2896527"/>
+                <a:gd name="connsiteX9" fmla="*/ 537350 w 2194756"/>
+                <a:gd name="connsiteY9" fmla="*/ 2891845 h 2896527"/>
+                <a:gd name="connsiteX10" fmla="*/ 525920 w 2194756"/>
+                <a:gd name="connsiteY10" fmla="*/ 2217475 h 2896527"/>
+                <a:gd name="connsiteX11" fmla="*/ 140 w 2194756"/>
+                <a:gd name="connsiteY11" fmla="*/ 1771705 h 2896527"/>
+                <a:gd name="connsiteX12" fmla="*/ 536147 w 2194756"/>
+                <a:gd name="connsiteY12" fmla="*/ 1115382 h 2896527"/>
+                <a:gd name="connsiteX13" fmla="*/ 354470 w 2194756"/>
+                <a:gd name="connsiteY13" fmla="*/ 491545 h 2896527"/>
+                <a:gd name="connsiteX0" fmla="*/ 277487 w 2117773"/>
+                <a:gd name="connsiteY0" fmla="*/ 491545 h 2896527"/>
+                <a:gd name="connsiteX1" fmla="*/ 677537 w 2117773"/>
+                <a:gd name="connsiteY1" fmla="*/ 55 h 2896527"/>
+                <a:gd name="connsiteX2" fmla="*/ 986147 w 2117773"/>
+                <a:gd name="connsiteY2" fmla="*/ 457255 h 2896527"/>
+                <a:gd name="connsiteX3" fmla="*/ 1511927 w 2117773"/>
+                <a:gd name="connsiteY3" fmla="*/ 148645 h 2896527"/>
+                <a:gd name="connsiteX4" fmla="*/ 1980557 w 2117773"/>
+                <a:gd name="connsiteY4" fmla="*/ 720145 h 2896527"/>
+                <a:gd name="connsiteX5" fmla="*/ 1770606 w 2117773"/>
+                <a:gd name="connsiteY5" fmla="*/ 1339170 h 2896527"/>
+                <a:gd name="connsiteX6" fmla="*/ 2117717 w 2117773"/>
+                <a:gd name="connsiteY6" fmla="*/ 1840285 h 2896527"/>
+                <a:gd name="connsiteX7" fmla="*/ 1740527 w 2117773"/>
+                <a:gd name="connsiteY7" fmla="*/ 2720395 h 2896527"/>
+                <a:gd name="connsiteX8" fmla="*/ 1214747 w 2117773"/>
+                <a:gd name="connsiteY8" fmla="*/ 2526085 h 2896527"/>
+                <a:gd name="connsiteX9" fmla="*/ 460367 w 2117773"/>
+                <a:gd name="connsiteY9" fmla="*/ 2891845 h 2896527"/>
+                <a:gd name="connsiteX10" fmla="*/ 448937 w 2117773"/>
+                <a:gd name="connsiteY10" fmla="*/ 2217475 h 2896527"/>
+                <a:gd name="connsiteX11" fmla="*/ 159 w 2117773"/>
+                <a:gd name="connsiteY11" fmla="*/ 1656202 h 2896527"/>
+                <a:gd name="connsiteX12" fmla="*/ 459164 w 2117773"/>
+                <a:gd name="connsiteY12" fmla="*/ 1115382 h 2896527"/>
+                <a:gd name="connsiteX13" fmla="*/ 277487 w 2117773"/>
+                <a:gd name="connsiteY13" fmla="*/ 491545 h 2896527"/>
+                <a:gd name="connsiteX0" fmla="*/ 277487 w 2117773"/>
+                <a:gd name="connsiteY0" fmla="*/ 491545 h 2894415"/>
+                <a:gd name="connsiteX1" fmla="*/ 677537 w 2117773"/>
+                <a:gd name="connsiteY1" fmla="*/ 55 h 2894415"/>
+                <a:gd name="connsiteX2" fmla="*/ 986147 w 2117773"/>
+                <a:gd name="connsiteY2" fmla="*/ 457255 h 2894415"/>
+                <a:gd name="connsiteX3" fmla="*/ 1511927 w 2117773"/>
+                <a:gd name="connsiteY3" fmla="*/ 148645 h 2894415"/>
+                <a:gd name="connsiteX4" fmla="*/ 1980557 w 2117773"/>
+                <a:gd name="connsiteY4" fmla="*/ 720145 h 2894415"/>
+                <a:gd name="connsiteX5" fmla="*/ 1770606 w 2117773"/>
+                <a:gd name="connsiteY5" fmla="*/ 1339170 h 2894415"/>
+                <a:gd name="connsiteX6" fmla="*/ 2117717 w 2117773"/>
+                <a:gd name="connsiteY6" fmla="*/ 1840285 h 2894415"/>
+                <a:gd name="connsiteX7" fmla="*/ 1740527 w 2117773"/>
+                <a:gd name="connsiteY7" fmla="*/ 2720395 h 2894415"/>
+                <a:gd name="connsiteX8" fmla="*/ 1214747 w 2117773"/>
+                <a:gd name="connsiteY8" fmla="*/ 2526085 h 2894415"/>
+                <a:gd name="connsiteX9" fmla="*/ 460367 w 2117773"/>
+                <a:gd name="connsiteY9" fmla="*/ 2891845 h 2894415"/>
+                <a:gd name="connsiteX10" fmla="*/ 458563 w 2117773"/>
+                <a:gd name="connsiteY10" fmla="*/ 2304103 h 2894415"/>
+                <a:gd name="connsiteX11" fmla="*/ 159 w 2117773"/>
+                <a:gd name="connsiteY11" fmla="*/ 1656202 h 2894415"/>
+                <a:gd name="connsiteX12" fmla="*/ 459164 w 2117773"/>
+                <a:gd name="connsiteY12" fmla="*/ 1115382 h 2894415"/>
+                <a:gd name="connsiteX13" fmla="*/ 277487 w 2117773"/>
+                <a:gd name="connsiteY13" fmla="*/ 491545 h 2894415"/>
+                <a:gd name="connsiteX0" fmla="*/ 277487 w 2117773"/>
+                <a:gd name="connsiteY0" fmla="*/ 491545 h 2932724"/>
+                <a:gd name="connsiteX1" fmla="*/ 677537 w 2117773"/>
+                <a:gd name="connsiteY1" fmla="*/ 55 h 2932724"/>
+                <a:gd name="connsiteX2" fmla="*/ 986147 w 2117773"/>
+                <a:gd name="connsiteY2" fmla="*/ 457255 h 2932724"/>
+                <a:gd name="connsiteX3" fmla="*/ 1511927 w 2117773"/>
+                <a:gd name="connsiteY3" fmla="*/ 148645 h 2932724"/>
+                <a:gd name="connsiteX4" fmla="*/ 1980557 w 2117773"/>
+                <a:gd name="connsiteY4" fmla="*/ 720145 h 2932724"/>
+                <a:gd name="connsiteX5" fmla="*/ 1770606 w 2117773"/>
+                <a:gd name="connsiteY5" fmla="*/ 1339170 h 2932724"/>
+                <a:gd name="connsiteX6" fmla="*/ 2117717 w 2117773"/>
+                <a:gd name="connsiteY6" fmla="*/ 1840285 h 2932724"/>
+                <a:gd name="connsiteX7" fmla="*/ 1740527 w 2117773"/>
+                <a:gd name="connsiteY7" fmla="*/ 2720395 h 2932724"/>
+                <a:gd name="connsiteX8" fmla="*/ 1214747 w 2117773"/>
+                <a:gd name="connsiteY8" fmla="*/ 2526085 h 2932724"/>
+                <a:gd name="connsiteX9" fmla="*/ 441116 w 2117773"/>
+                <a:gd name="connsiteY9" fmla="*/ 2930346 h 2932724"/>
+                <a:gd name="connsiteX10" fmla="*/ 458563 w 2117773"/>
+                <a:gd name="connsiteY10" fmla="*/ 2304103 h 2932724"/>
+                <a:gd name="connsiteX11" fmla="*/ 159 w 2117773"/>
+                <a:gd name="connsiteY11" fmla="*/ 1656202 h 2932724"/>
+                <a:gd name="connsiteX12" fmla="*/ 459164 w 2117773"/>
+                <a:gd name="connsiteY12" fmla="*/ 1115382 h 2932724"/>
+                <a:gd name="connsiteX13" fmla="*/ 277487 w 2117773"/>
+                <a:gd name="connsiteY13" fmla="*/ 491545 h 2932724"/>
+                <a:gd name="connsiteX0" fmla="*/ 277487 w 2117773"/>
+                <a:gd name="connsiteY0" fmla="*/ 491545 h 2966905"/>
+                <a:gd name="connsiteX1" fmla="*/ 677537 w 2117773"/>
+                <a:gd name="connsiteY1" fmla="*/ 55 h 2966905"/>
+                <a:gd name="connsiteX2" fmla="*/ 986147 w 2117773"/>
+                <a:gd name="connsiteY2" fmla="*/ 457255 h 2966905"/>
+                <a:gd name="connsiteX3" fmla="*/ 1511927 w 2117773"/>
+                <a:gd name="connsiteY3" fmla="*/ 148645 h 2966905"/>
+                <a:gd name="connsiteX4" fmla="*/ 1980557 w 2117773"/>
+                <a:gd name="connsiteY4" fmla="*/ 720145 h 2966905"/>
+                <a:gd name="connsiteX5" fmla="*/ 1770606 w 2117773"/>
+                <a:gd name="connsiteY5" fmla="*/ 1339170 h 2966905"/>
+                <a:gd name="connsiteX6" fmla="*/ 2117717 w 2117773"/>
+                <a:gd name="connsiteY6" fmla="*/ 1840285 h 2966905"/>
+                <a:gd name="connsiteX7" fmla="*/ 1740527 w 2117773"/>
+                <a:gd name="connsiteY7" fmla="*/ 2720395 h 2966905"/>
+                <a:gd name="connsiteX8" fmla="*/ 1214747 w 2117773"/>
+                <a:gd name="connsiteY8" fmla="*/ 2526085 h 2966905"/>
+                <a:gd name="connsiteX9" fmla="*/ 441116 w 2117773"/>
+                <a:gd name="connsiteY9" fmla="*/ 2930346 h 2966905"/>
+                <a:gd name="connsiteX10" fmla="*/ 458563 w 2117773"/>
+                <a:gd name="connsiteY10" fmla="*/ 2304103 h 2966905"/>
+                <a:gd name="connsiteX11" fmla="*/ 159 w 2117773"/>
+                <a:gd name="connsiteY11" fmla="*/ 1656202 h 2966905"/>
+                <a:gd name="connsiteX12" fmla="*/ 459164 w 2117773"/>
+                <a:gd name="connsiteY12" fmla="*/ 1115382 h 2966905"/>
+                <a:gd name="connsiteX13" fmla="*/ 277487 w 2117773"/>
+                <a:gd name="connsiteY13" fmla="*/ 491545 h 2966905"/>
+                <a:gd name="connsiteX0" fmla="*/ 277487 w 2117773"/>
+                <a:gd name="connsiteY0" fmla="*/ 491545 h 2839502"/>
+                <a:gd name="connsiteX1" fmla="*/ 677537 w 2117773"/>
+                <a:gd name="connsiteY1" fmla="*/ 55 h 2839502"/>
+                <a:gd name="connsiteX2" fmla="*/ 986147 w 2117773"/>
+                <a:gd name="connsiteY2" fmla="*/ 457255 h 2839502"/>
+                <a:gd name="connsiteX3" fmla="*/ 1511927 w 2117773"/>
+                <a:gd name="connsiteY3" fmla="*/ 148645 h 2839502"/>
+                <a:gd name="connsiteX4" fmla="*/ 1980557 w 2117773"/>
+                <a:gd name="connsiteY4" fmla="*/ 720145 h 2839502"/>
+                <a:gd name="connsiteX5" fmla="*/ 1770606 w 2117773"/>
+                <a:gd name="connsiteY5" fmla="*/ 1339170 h 2839502"/>
+                <a:gd name="connsiteX6" fmla="*/ 2117717 w 2117773"/>
+                <a:gd name="connsiteY6" fmla="*/ 1840285 h 2839502"/>
+                <a:gd name="connsiteX7" fmla="*/ 1740527 w 2117773"/>
+                <a:gd name="connsiteY7" fmla="*/ 2720395 h 2839502"/>
+                <a:gd name="connsiteX8" fmla="*/ 1214747 w 2117773"/>
+                <a:gd name="connsiteY8" fmla="*/ 2526085 h 2839502"/>
+                <a:gd name="connsiteX9" fmla="*/ 546994 w 2117773"/>
+                <a:gd name="connsiteY9" fmla="*/ 2795593 h 2839502"/>
+                <a:gd name="connsiteX10" fmla="*/ 458563 w 2117773"/>
+                <a:gd name="connsiteY10" fmla="*/ 2304103 h 2839502"/>
+                <a:gd name="connsiteX11" fmla="*/ 159 w 2117773"/>
+                <a:gd name="connsiteY11" fmla="*/ 1656202 h 2839502"/>
+                <a:gd name="connsiteX12" fmla="*/ 459164 w 2117773"/>
+                <a:gd name="connsiteY12" fmla="*/ 1115382 h 2839502"/>
+                <a:gd name="connsiteX13" fmla="*/ 277487 w 2117773"/>
+                <a:gd name="connsiteY13" fmla="*/ 491545 h 2839502"/>
+                <a:gd name="connsiteX0" fmla="*/ 277487 w 2117773"/>
+                <a:gd name="connsiteY0" fmla="*/ 491545 h 2890591"/>
+                <a:gd name="connsiteX1" fmla="*/ 677537 w 2117773"/>
+                <a:gd name="connsiteY1" fmla="*/ 55 h 2890591"/>
+                <a:gd name="connsiteX2" fmla="*/ 986147 w 2117773"/>
+                <a:gd name="connsiteY2" fmla="*/ 457255 h 2890591"/>
+                <a:gd name="connsiteX3" fmla="*/ 1511927 w 2117773"/>
+                <a:gd name="connsiteY3" fmla="*/ 148645 h 2890591"/>
+                <a:gd name="connsiteX4" fmla="*/ 1980557 w 2117773"/>
+                <a:gd name="connsiteY4" fmla="*/ 720145 h 2890591"/>
+                <a:gd name="connsiteX5" fmla="*/ 1770606 w 2117773"/>
+                <a:gd name="connsiteY5" fmla="*/ 1339170 h 2890591"/>
+                <a:gd name="connsiteX6" fmla="*/ 2117717 w 2117773"/>
+                <a:gd name="connsiteY6" fmla="*/ 1840285 h 2890591"/>
+                <a:gd name="connsiteX7" fmla="*/ 1740527 w 2117773"/>
+                <a:gd name="connsiteY7" fmla="*/ 2720395 h 2890591"/>
+                <a:gd name="connsiteX8" fmla="*/ 1214747 w 2117773"/>
+                <a:gd name="connsiteY8" fmla="*/ 2526085 h 2890591"/>
+                <a:gd name="connsiteX9" fmla="*/ 546994 w 2117773"/>
+                <a:gd name="connsiteY9" fmla="*/ 2795593 h 2890591"/>
+                <a:gd name="connsiteX10" fmla="*/ 458563 w 2117773"/>
+                <a:gd name="connsiteY10" fmla="*/ 2304103 h 2890591"/>
+                <a:gd name="connsiteX11" fmla="*/ 159 w 2117773"/>
+                <a:gd name="connsiteY11" fmla="*/ 1656202 h 2890591"/>
+                <a:gd name="connsiteX12" fmla="*/ 459164 w 2117773"/>
+                <a:gd name="connsiteY12" fmla="*/ 1115382 h 2890591"/>
+                <a:gd name="connsiteX13" fmla="*/ 277487 w 2117773"/>
+                <a:gd name="connsiteY13" fmla="*/ 491545 h 2890591"/>
+                <a:gd name="connsiteX0" fmla="*/ 277487 w 2117773"/>
+                <a:gd name="connsiteY0" fmla="*/ 491545 h 2811775"/>
+                <a:gd name="connsiteX1" fmla="*/ 677537 w 2117773"/>
+                <a:gd name="connsiteY1" fmla="*/ 55 h 2811775"/>
+                <a:gd name="connsiteX2" fmla="*/ 986147 w 2117773"/>
+                <a:gd name="connsiteY2" fmla="*/ 457255 h 2811775"/>
+                <a:gd name="connsiteX3" fmla="*/ 1511927 w 2117773"/>
+                <a:gd name="connsiteY3" fmla="*/ 148645 h 2811775"/>
+                <a:gd name="connsiteX4" fmla="*/ 1980557 w 2117773"/>
+                <a:gd name="connsiteY4" fmla="*/ 720145 h 2811775"/>
+                <a:gd name="connsiteX5" fmla="*/ 1770606 w 2117773"/>
+                <a:gd name="connsiteY5" fmla="*/ 1339170 h 2811775"/>
+                <a:gd name="connsiteX6" fmla="*/ 2117717 w 2117773"/>
+                <a:gd name="connsiteY6" fmla="*/ 1840285 h 2811775"/>
+                <a:gd name="connsiteX7" fmla="*/ 1740527 w 2117773"/>
+                <a:gd name="connsiteY7" fmla="*/ 2720395 h 2811775"/>
+                <a:gd name="connsiteX8" fmla="*/ 1214747 w 2117773"/>
+                <a:gd name="connsiteY8" fmla="*/ 2526085 h 2811775"/>
+                <a:gd name="connsiteX9" fmla="*/ 546994 w 2117773"/>
+                <a:gd name="connsiteY9" fmla="*/ 2795593 h 2811775"/>
+                <a:gd name="connsiteX10" fmla="*/ 458563 w 2117773"/>
+                <a:gd name="connsiteY10" fmla="*/ 2304103 h 2811775"/>
+                <a:gd name="connsiteX11" fmla="*/ 159 w 2117773"/>
+                <a:gd name="connsiteY11" fmla="*/ 1656202 h 2811775"/>
+                <a:gd name="connsiteX12" fmla="*/ 459164 w 2117773"/>
+                <a:gd name="connsiteY12" fmla="*/ 1115382 h 2811775"/>
+                <a:gd name="connsiteX13" fmla="*/ 277487 w 2117773"/>
+                <a:gd name="connsiteY13" fmla="*/ 491545 h 2811775"/>
+                <a:gd name="connsiteX0" fmla="*/ 277487 w 2117773"/>
+                <a:gd name="connsiteY0" fmla="*/ 491545 h 2839502"/>
+                <a:gd name="connsiteX1" fmla="*/ 677537 w 2117773"/>
+                <a:gd name="connsiteY1" fmla="*/ 55 h 2839502"/>
+                <a:gd name="connsiteX2" fmla="*/ 986147 w 2117773"/>
+                <a:gd name="connsiteY2" fmla="*/ 457255 h 2839502"/>
+                <a:gd name="connsiteX3" fmla="*/ 1511927 w 2117773"/>
+                <a:gd name="connsiteY3" fmla="*/ 148645 h 2839502"/>
+                <a:gd name="connsiteX4" fmla="*/ 1980557 w 2117773"/>
+                <a:gd name="connsiteY4" fmla="*/ 720145 h 2839502"/>
+                <a:gd name="connsiteX5" fmla="*/ 1770606 w 2117773"/>
+                <a:gd name="connsiteY5" fmla="*/ 1339170 h 2839502"/>
+                <a:gd name="connsiteX6" fmla="*/ 2117717 w 2117773"/>
+                <a:gd name="connsiteY6" fmla="*/ 1840285 h 2839502"/>
+                <a:gd name="connsiteX7" fmla="*/ 1740527 w 2117773"/>
+                <a:gd name="connsiteY7" fmla="*/ 2720395 h 2839502"/>
+                <a:gd name="connsiteX8" fmla="*/ 1214747 w 2117773"/>
+                <a:gd name="connsiteY8" fmla="*/ 2526085 h 2839502"/>
+                <a:gd name="connsiteX9" fmla="*/ 546994 w 2117773"/>
+                <a:gd name="connsiteY9" fmla="*/ 2795593 h 2839502"/>
+                <a:gd name="connsiteX10" fmla="*/ 458563 w 2117773"/>
+                <a:gd name="connsiteY10" fmla="*/ 2304103 h 2839502"/>
+                <a:gd name="connsiteX11" fmla="*/ 159 w 2117773"/>
+                <a:gd name="connsiteY11" fmla="*/ 1656202 h 2839502"/>
+                <a:gd name="connsiteX12" fmla="*/ 459164 w 2117773"/>
+                <a:gd name="connsiteY12" fmla="*/ 1115382 h 2839502"/>
+                <a:gd name="connsiteX13" fmla="*/ 277487 w 2117773"/>
+                <a:gd name="connsiteY13" fmla="*/ 491545 h 2839502"/>
+              </a:gdLst>
+              <a:ahLst/>
+              <a:cxnLst>
+                <a:cxn ang="0">
+                  <a:pos x="connsiteX0" y="connsiteY0"/>
+                </a:cxn>
+                <a:cxn ang="0">
+                  <a:pos x="connsiteX1" y="connsiteY1"/>
+                </a:cxn>
+                <a:cxn ang="0">
+                  <a:pos x="connsiteX2" y="connsiteY2"/>
+                </a:cxn>
+                <a:cxn ang="0">
+                  <a:pos x="connsiteX3" y="connsiteY3"/>
+                </a:cxn>
+                <a:cxn ang="0">
+                  <a:pos x="connsiteX4" y="connsiteY4"/>
+                </a:cxn>
+                <a:cxn ang="0">
+                  <a:pos x="connsiteX5" y="connsiteY5"/>
+                </a:cxn>
+                <a:cxn ang="0">
+                  <a:pos x="connsiteX6" y="connsiteY6"/>
+                </a:cxn>
+                <a:cxn ang="0">
+                  <a:pos x="connsiteX7" y="connsiteY7"/>
+                </a:cxn>
+                <a:cxn ang="0">
+                  <a:pos x="connsiteX8" y="connsiteY8"/>
+                </a:cxn>
+                <a:cxn ang="0">
+                  <a:pos x="connsiteX9" y="connsiteY9"/>
+                </a:cxn>
+                <a:cxn ang="0">
+                  <a:pos x="connsiteX10" y="connsiteY10"/>
+                </a:cxn>
+                <a:cxn ang="0">
+                  <a:pos x="connsiteX11" y="connsiteY11"/>
+                </a:cxn>
+                <a:cxn ang="0">
+                  <a:pos x="connsiteX12" y="connsiteY12"/>
+                </a:cxn>
+                <a:cxn ang="0">
+                  <a:pos x="connsiteX13" y="connsiteY13"/>
+                </a:cxn>
+              </a:cxnLst>
+              <a:rect l="l" t="t" r="r" b="b"/>
+              <a:pathLst>
+                <a:path w="2117773" h="2839502">
+                  <a:moveTo>
+                    <a:pt x="277487" y="491545"/>
+                  </a:moveTo>
+                  <a:cubicBezTo>
+                    <a:pt x="313883" y="305657"/>
+                    <a:pt x="559427" y="5770"/>
+                    <a:pt x="677537" y="55"/>
+                  </a:cubicBezTo>
+                  <a:cubicBezTo>
+                    <a:pt x="795647" y="-5660"/>
+                    <a:pt x="847082" y="432490"/>
+                    <a:pt x="986147" y="457255"/>
+                  </a:cubicBezTo>
+                  <a:cubicBezTo>
+                    <a:pt x="1125212" y="482020"/>
+                    <a:pt x="1346192" y="104830"/>
+                    <a:pt x="1511927" y="148645"/>
+                  </a:cubicBezTo>
+                  <a:cubicBezTo>
+                    <a:pt x="1677662" y="192460"/>
+                    <a:pt x="1937444" y="521724"/>
+                    <a:pt x="1980557" y="720145"/>
+                  </a:cubicBezTo>
+                  <a:cubicBezTo>
+                    <a:pt x="2023670" y="918566"/>
+                    <a:pt x="1747746" y="1152480"/>
+                    <a:pt x="1770606" y="1339170"/>
+                  </a:cubicBezTo>
+                  <a:cubicBezTo>
+                    <a:pt x="1793466" y="1525860"/>
+                    <a:pt x="2122730" y="1610081"/>
+                    <a:pt x="2117717" y="1840285"/>
+                  </a:cubicBezTo>
+                  <a:cubicBezTo>
+                    <a:pt x="2112704" y="2070489"/>
+                    <a:pt x="1891022" y="2606095"/>
+                    <a:pt x="1740527" y="2720395"/>
+                  </a:cubicBezTo>
+                  <a:cubicBezTo>
+                    <a:pt x="1590032" y="2834695"/>
+                    <a:pt x="1413669" y="2513552"/>
+                    <a:pt x="1214747" y="2526085"/>
+                  </a:cubicBezTo>
+                  <a:cubicBezTo>
+                    <a:pt x="1015825" y="2538618"/>
+                    <a:pt x="865529" y="2976970"/>
+                    <a:pt x="546994" y="2795593"/>
+                  </a:cubicBezTo>
+                  <a:cubicBezTo>
+                    <a:pt x="228459" y="2614216"/>
+                    <a:pt x="549702" y="2494001"/>
+                    <a:pt x="458563" y="2304103"/>
+                  </a:cubicBezTo>
+                  <a:cubicBezTo>
+                    <a:pt x="367424" y="2114205"/>
+                    <a:pt x="9684" y="1823842"/>
+                    <a:pt x="159" y="1656202"/>
+                  </a:cubicBezTo>
+                  <a:cubicBezTo>
+                    <a:pt x="-9366" y="1488562"/>
+                    <a:pt x="412943" y="1309492"/>
+                    <a:pt x="459164" y="1115382"/>
+                  </a:cubicBezTo>
+                  <a:cubicBezTo>
+                    <a:pt x="505385" y="921273"/>
+                    <a:pt x="241092" y="677433"/>
+                    <a:pt x="277487" y="491545"/>
+                  </a:cubicBezTo>
+                  <a:close/>
+                </a:path>
+              </a:pathLst>
+            </a:custGeom>
+            <a:ln w="28575">
+              <a:solidFill>
+                <a:schemeClr val="tx1">
+                  <a:lumMod val="85000"/>
+                  <a:lumOff val="15000"/>
+                </a:schemeClr>
+              </a:solidFill>
+            </a:ln>
+          </p:spPr>
+          <p:style>
+            <a:lnRef idx="2">
+              <a:schemeClr val="accent6"/>
+            </a:lnRef>
+            <a:fillRef idx="1">
+              <a:schemeClr val="lt1"/>
+            </a:fillRef>
+            <a:effectRef idx="0">
+              <a:schemeClr val="accent6"/>
+            </a:effectRef>
+            <a:fontRef idx="minor">
+              <a:schemeClr val="dk1"/>
+            </a:fontRef>
+          </p:style>
+          <p:txBody>
+            <a:bodyPr rtlCol="0" anchor="ctr"/>
+            <a:lstStyle/>
+            <a:p>
+              <a:pPr algn="ctr"/>
+              <a:endParaRPr lang="en-US"/>
+            </a:p>
+          </p:txBody>
+        </p:sp>
+        <p:sp>
+          <p:nvSpPr>
+            <p:cNvPr id="9" name="Oval 8">
+              <a:extLst>
+                <a:ext uri="{FF2B5EF4-FFF2-40B4-BE49-F238E27FC236}">
+                  <a16:creationId xmlns:a16="http://schemas.microsoft.com/office/drawing/2014/main" id="{1D6041E9-B840-EE42-90C6-BD4B9761BD20}"/>
+                </a:ext>
+              </a:extLst>
+            </p:cNvPr>
+            <p:cNvSpPr/>
+            <p:nvPr/>
+          </p:nvSpPr>
+          <p:spPr>
+            <a:xfrm>
+              <a:off x="2434590" y="2228510"/>
+              <a:ext cx="205740" cy="205740"/>
+            </a:xfrm>
+            <a:prstGeom prst="ellipse">
+              <a:avLst/>
+            </a:prstGeom>
+            <a:solidFill>
+              <a:schemeClr val="bg1">
+                <a:lumMod val="50000"/>
+              </a:schemeClr>
+            </a:solidFill>
+          </p:spPr>
+          <p:style>
+            <a:lnRef idx="2">
+              <a:schemeClr val="accent1">
+                <a:shade val="50000"/>
+              </a:schemeClr>
+            </a:lnRef>
+            <a:fillRef idx="1">
+              <a:schemeClr val="accent1"/>
+            </a:fillRef>
+            <a:effectRef idx="0">
+              <a:schemeClr val="accent1"/>
+            </a:effectRef>
+            <a:fontRef idx="minor">
+              <a:schemeClr val="lt1"/>
+            </a:fontRef>
+          </p:style>
+          <p:txBody>
+            <a:bodyPr rtlCol="0" anchor="ctr"/>
+            <a:lstStyle/>
+            <a:p>
+              <a:pPr algn="ctr"/>
+              <a:endParaRPr lang="en-US"/>
+            </a:p>
+          </p:txBody>
+        </p:sp>
+        <p:sp>
+          <p:nvSpPr>
+            <p:cNvPr id="10" name="Oval 9">
+              <a:extLst>
+                <a:ext uri="{FF2B5EF4-FFF2-40B4-BE49-F238E27FC236}">
+                  <a16:creationId xmlns:a16="http://schemas.microsoft.com/office/drawing/2014/main" id="{49C06CA3-80B9-2042-9740-94E387CAEB58}"/>
+                </a:ext>
+              </a:extLst>
+            </p:cNvPr>
+            <p:cNvSpPr/>
+            <p:nvPr/>
+          </p:nvSpPr>
+          <p:spPr>
+            <a:xfrm>
+              <a:off x="2434590" y="3088101"/>
+              <a:ext cx="205740" cy="205740"/>
+            </a:xfrm>
+            <a:prstGeom prst="ellipse">
+              <a:avLst/>
+            </a:prstGeom>
+            <a:solidFill>
+              <a:schemeClr val="bg1">
+                <a:lumMod val="50000"/>
+              </a:schemeClr>
+            </a:solidFill>
+          </p:spPr>
+          <p:style>
+            <a:lnRef idx="2">
+              <a:schemeClr val="accent1">
+                <a:shade val="50000"/>
+              </a:schemeClr>
+            </a:lnRef>
+            <a:fillRef idx="1">
+              <a:schemeClr val="accent1"/>
+            </a:fillRef>
+            <a:effectRef idx="0">
+              <a:schemeClr val="accent1"/>
+            </a:effectRef>
+            <a:fontRef idx="minor">
+              <a:schemeClr val="lt1"/>
+            </a:fontRef>
+          </p:style>
+          <p:txBody>
+            <a:bodyPr rtlCol="0" anchor="ctr"/>
+            <a:lstStyle/>
+            <a:p>
+              <a:pPr algn="ctr"/>
+              <a:endParaRPr lang="en-US"/>
+            </a:p>
+          </p:txBody>
+        </p:sp>
+        <p:sp>
+          <p:nvSpPr>
+            <p:cNvPr id="11" name="TextBox 10">
+              <a:extLst>
+                <a:ext uri="{FF2B5EF4-FFF2-40B4-BE49-F238E27FC236}">
+                  <a16:creationId xmlns:a16="http://schemas.microsoft.com/office/drawing/2014/main" id="{5D4D47CA-6B9D-5B4D-BABF-1A15EA7BD817}"/>
+                </a:ext>
+              </a:extLst>
+            </p:cNvPr>
+            <p:cNvSpPr txBox="1"/>
+            <p:nvPr/>
+          </p:nvSpPr>
+          <p:spPr>
+            <a:xfrm>
+              <a:off x="1998252" y="2266363"/>
+              <a:ext cx="436338" cy="461665"/>
+            </a:xfrm>
+            <a:prstGeom prst="rect">
+              <a:avLst/>
+            </a:prstGeom>
+            <a:noFill/>
+          </p:spPr>
+          <p:txBody>
+            <a:bodyPr wrap="none" rtlCol="0">
+              <a:spAutoFit/>
+            </a:bodyPr>
+            <a:lstStyle/>
+            <a:p>
+              <a:r>
+                <a:rPr lang="en-US" sz="2400" b="1" dirty="0">
+                  <a:latin typeface="Bookman Old Style" panose="02050604050505020204" pitchFamily="18" charset="0"/>
+                </a:rPr>
+                <a:t>H</a:t>
+              </a:r>
+            </a:p>
+          </p:txBody>
+        </p:sp>
+        <p:sp>
+          <p:nvSpPr>
+            <p:cNvPr id="12" name="TextBox 11">
+              <a:extLst>
+                <a:ext uri="{FF2B5EF4-FFF2-40B4-BE49-F238E27FC236}">
+                  <a16:creationId xmlns:a16="http://schemas.microsoft.com/office/drawing/2014/main" id="{5998B3B4-ABDE-A548-8173-DCA6092C5B19}"/>
+                </a:ext>
+              </a:extLst>
+            </p:cNvPr>
+            <p:cNvSpPr txBox="1"/>
+            <p:nvPr/>
+          </p:nvSpPr>
+          <p:spPr>
+            <a:xfrm>
+              <a:off x="2016687" y="3088101"/>
+              <a:ext cx="399468" cy="461665"/>
+            </a:xfrm>
+            <a:prstGeom prst="rect">
+              <a:avLst/>
+            </a:prstGeom>
+            <a:noFill/>
+          </p:spPr>
+          <p:txBody>
+            <a:bodyPr wrap="none" rtlCol="0">
+              <a:spAutoFit/>
+            </a:bodyPr>
+            <a:lstStyle/>
+            <a:p>
+              <a:r>
+                <a:rPr lang="en-US" sz="2400" b="1" dirty="0">
+                  <a:latin typeface="Bookman Old Style" panose="02050604050505020204" pitchFamily="18" charset="0"/>
+                </a:rPr>
+                <a:t>T</a:t>
+              </a:r>
+            </a:p>
+          </p:txBody>
+        </p:sp>
         <p:cxnSp>
           <p:nvCxnSpPr>
-            <p:cNvPr id="29" name="Straight Connector 28">
+            <p:cNvPr id="14" name="Straight Arrow Connector 13">
               <a:extLst>
                 <a:ext uri="{FF2B5EF4-FFF2-40B4-BE49-F238E27FC236}">
-                  <a16:creationId xmlns:a16="http://schemas.microsoft.com/office/drawing/2014/main" id="{70FA8823-861E-4D4D-A28F-2B3B94201797}"/>
+                  <a16:creationId xmlns:a16="http://schemas.microsoft.com/office/drawing/2014/main" id="{57087A8D-DCC6-C240-9B7D-6C0847135B72}"/>
+                </a:ext>
+              </a:extLst>
+            </p:cNvPr>
+            <p:cNvCxnSpPr>
+              <a:cxnSpLocks/>
+            </p:cNvCxnSpPr>
+            <p:nvPr/>
+          </p:nvCxnSpPr>
+          <p:spPr>
+            <a:xfrm>
+              <a:off x="4987636" y="2894131"/>
+              <a:ext cx="3904904" cy="0"/>
+            </a:xfrm>
+            <a:prstGeom prst="straightConnector1">
+              <a:avLst/>
+            </a:prstGeom>
+            <a:ln w="28575">
+              <a:solidFill>
+                <a:schemeClr val="tx1">
+                  <a:lumMod val="85000"/>
+                  <a:lumOff val="15000"/>
+                </a:schemeClr>
+              </a:solidFill>
+              <a:tailEnd type="stealth" w="lg" len="lg"/>
+            </a:ln>
+          </p:spPr>
+          <p:style>
+            <a:lnRef idx="1">
+              <a:schemeClr val="accent1"/>
+            </a:lnRef>
+            <a:fillRef idx="0">
+              <a:schemeClr val="accent1"/>
+            </a:fillRef>
+            <a:effectRef idx="0">
+              <a:schemeClr val="accent1"/>
+            </a:effectRef>
+            <a:fontRef idx="minor">
+              <a:schemeClr val="tx1"/>
+            </a:fontRef>
+          </p:style>
+        </p:cxnSp>
+        <p:cxnSp>
+          <p:nvCxnSpPr>
+            <p:cNvPr id="18" name="Straight Arrow Connector 17">
+              <a:extLst>
+                <a:ext uri="{FF2B5EF4-FFF2-40B4-BE49-F238E27FC236}">
+                  <a16:creationId xmlns:a16="http://schemas.microsoft.com/office/drawing/2014/main" id="{D760D21B-9A44-954D-A1C6-7BC7699B6A0D}"/>
                 </a:ext>
               </a:extLst>
             </p:cNvPr>
@@ -4225,15 +4070,430 @@
           </p:nvCxnSpPr>
           <p:spPr>
             <a:xfrm flipV="1">
+              <a:off x="5695950" y="2754976"/>
+              <a:ext cx="0" cy="278310"/>
+            </a:xfrm>
+            <a:prstGeom prst="straightConnector1">
+              <a:avLst/>
+            </a:prstGeom>
+            <a:ln w="28575">
+              <a:solidFill>
+                <a:schemeClr val="tx1">
+                  <a:lumMod val="85000"/>
+                  <a:lumOff val="15000"/>
+                </a:schemeClr>
+              </a:solidFill>
+              <a:tailEnd type="none" w="lg" len="lg"/>
+            </a:ln>
+          </p:spPr>
+          <p:style>
+            <a:lnRef idx="1">
+              <a:schemeClr val="accent1"/>
+            </a:lnRef>
+            <a:fillRef idx="0">
+              <a:schemeClr val="accent1"/>
+            </a:fillRef>
+            <a:effectRef idx="0">
+              <a:schemeClr val="accent1"/>
+            </a:effectRef>
+            <a:fontRef idx="minor">
+              <a:schemeClr val="tx1"/>
+            </a:fontRef>
+          </p:style>
+        </p:cxnSp>
+        <p:cxnSp>
+          <p:nvCxnSpPr>
+            <p:cNvPr id="21" name="Straight Arrow Connector 20">
+              <a:extLst>
+                <a:ext uri="{FF2B5EF4-FFF2-40B4-BE49-F238E27FC236}">
+                  <a16:creationId xmlns:a16="http://schemas.microsoft.com/office/drawing/2014/main" id="{B9B8B844-7B67-0F4C-AC20-E0E9A16CBB2C}"/>
+                </a:ext>
+              </a:extLst>
+            </p:cNvPr>
+            <p:cNvCxnSpPr>
+              <a:cxnSpLocks/>
+            </p:cNvCxnSpPr>
+            <p:nvPr/>
+          </p:nvCxnSpPr>
+          <p:spPr>
+            <a:xfrm flipV="1">
+              <a:off x="7626701" y="2754976"/>
+              <a:ext cx="0" cy="278310"/>
+            </a:xfrm>
+            <a:prstGeom prst="straightConnector1">
+              <a:avLst/>
+            </a:prstGeom>
+            <a:ln w="28575">
+              <a:solidFill>
+                <a:schemeClr val="tx1">
+                  <a:lumMod val="85000"/>
+                  <a:lumOff val="15000"/>
+                </a:schemeClr>
+              </a:solidFill>
+              <a:tailEnd type="none" w="lg" len="lg"/>
+            </a:ln>
+          </p:spPr>
+          <p:style>
+            <a:lnRef idx="1">
+              <a:schemeClr val="accent1"/>
+            </a:lnRef>
+            <a:fillRef idx="0">
+              <a:schemeClr val="accent1"/>
+            </a:fillRef>
+            <a:effectRef idx="0">
+              <a:schemeClr val="accent1"/>
+            </a:effectRef>
+            <a:fontRef idx="minor">
+              <a:schemeClr val="tx1"/>
+            </a:fontRef>
+          </p:style>
+        </p:cxnSp>
+        <p:sp>
+          <p:nvSpPr>
+            <p:cNvPr id="23" name="TextBox 22">
+              <a:extLst>
+                <a:ext uri="{FF2B5EF4-FFF2-40B4-BE49-F238E27FC236}">
+                  <a16:creationId xmlns:a16="http://schemas.microsoft.com/office/drawing/2014/main" id="{356F14ED-1F89-374B-8F1C-E5531F81E68D}"/>
+                </a:ext>
+              </a:extLst>
+            </p:cNvPr>
+            <p:cNvSpPr txBox="1"/>
+            <p:nvPr/>
+          </p:nvSpPr>
+          <p:spPr>
+            <a:xfrm>
+              <a:off x="5543550" y="3141650"/>
+              <a:ext cx="552450" cy="461665"/>
+            </a:xfrm>
+            <a:prstGeom prst="rect">
+              <a:avLst/>
+            </a:prstGeom>
+            <a:noFill/>
+          </p:spPr>
+          <p:txBody>
+            <a:bodyPr wrap="square" rtlCol="0">
+              <a:spAutoFit/>
+            </a:bodyPr>
+            <a:lstStyle/>
+            <a:p>
+              <a:r>
+                <a:rPr lang="en-US" sz="2400" dirty="0"/>
+                <a:t>0</a:t>
+              </a:r>
+            </a:p>
+          </p:txBody>
+        </p:sp>
+        <p:sp>
+          <p:nvSpPr>
+            <p:cNvPr id="24" name="TextBox 23">
+              <a:extLst>
+                <a:ext uri="{FF2B5EF4-FFF2-40B4-BE49-F238E27FC236}">
+                  <a16:creationId xmlns:a16="http://schemas.microsoft.com/office/drawing/2014/main" id="{4DFC9158-1143-1245-9BC7-FA616BEC34BF}"/>
+                </a:ext>
+              </a:extLst>
+            </p:cNvPr>
+            <p:cNvSpPr txBox="1"/>
+            <p:nvPr/>
+          </p:nvSpPr>
+          <p:spPr>
+            <a:xfrm>
+              <a:off x="7520619" y="3141650"/>
+              <a:ext cx="552450" cy="461665"/>
+            </a:xfrm>
+            <a:prstGeom prst="rect">
+              <a:avLst/>
+            </a:prstGeom>
+            <a:noFill/>
+          </p:spPr>
+          <p:txBody>
+            <a:bodyPr wrap="square" rtlCol="0">
+              <a:spAutoFit/>
+            </a:bodyPr>
+            <a:lstStyle/>
+            <a:p>
+              <a:r>
+                <a:rPr lang="en-US" sz="2400" dirty="0"/>
+                <a:t>1</a:t>
+              </a:r>
+            </a:p>
+          </p:txBody>
+        </p:sp>
+        <p:grpSp>
+          <p:nvGrpSpPr>
+            <p:cNvPr id="41" name="Group 40">
+              <a:extLst>
+                <a:ext uri="{FF2B5EF4-FFF2-40B4-BE49-F238E27FC236}">
+                  <a16:creationId xmlns:a16="http://schemas.microsoft.com/office/drawing/2014/main" id="{7A9295C7-485B-B942-BC04-250D3ED8A51F}"/>
+                </a:ext>
+              </a:extLst>
+            </p:cNvPr>
+            <p:cNvGrpSpPr/>
+            <p:nvPr/>
+          </p:nvGrpSpPr>
+          <p:grpSpPr>
+            <a:xfrm>
               <a:off x="2640330" y="1574659"/>
-              <a:ext cx="891781" cy="691704"/>
+              <a:ext cx="4926883" cy="1245737"/>
+              <a:chOff x="2640330" y="1574659"/>
+              <a:chExt cx="4926883" cy="1245737"/>
+            </a:xfrm>
+          </p:grpSpPr>
+          <p:cxnSp>
+            <p:nvCxnSpPr>
+              <p:cNvPr id="29" name="Straight Connector 28">
+                <a:extLst>
+                  <a:ext uri="{FF2B5EF4-FFF2-40B4-BE49-F238E27FC236}">
+                    <a16:creationId xmlns:a16="http://schemas.microsoft.com/office/drawing/2014/main" id="{70FA8823-861E-4D4D-A28F-2B3B94201797}"/>
+                  </a:ext>
+                </a:extLst>
+              </p:cNvPr>
+              <p:cNvCxnSpPr>
+                <a:cxnSpLocks/>
+              </p:cNvCxnSpPr>
+              <p:nvPr/>
+            </p:nvCxnSpPr>
+            <p:spPr>
+              <a:xfrm flipV="1">
+                <a:off x="2640330" y="1574659"/>
+                <a:ext cx="891781" cy="691704"/>
+              </a:xfrm>
+              <a:prstGeom prst="line">
+                <a:avLst/>
+              </a:prstGeom>
+              <a:ln w="28575">
+                <a:solidFill>
+                  <a:schemeClr val="accent1"/>
+                </a:solidFill>
+              </a:ln>
+            </p:spPr>
+            <p:style>
+              <a:lnRef idx="2">
+                <a:schemeClr val="dk1"/>
+              </a:lnRef>
+              <a:fillRef idx="0">
+                <a:schemeClr val="dk1"/>
+              </a:fillRef>
+              <a:effectRef idx="1">
+                <a:schemeClr val="dk1"/>
+              </a:effectRef>
+              <a:fontRef idx="minor">
+                <a:schemeClr val="tx1"/>
+              </a:fontRef>
+            </p:style>
+          </p:cxnSp>
+          <p:cxnSp>
+            <p:nvCxnSpPr>
+              <p:cNvPr id="32" name="Straight Connector 31">
+                <a:extLst>
+                  <a:ext uri="{FF2B5EF4-FFF2-40B4-BE49-F238E27FC236}">
+                    <a16:creationId xmlns:a16="http://schemas.microsoft.com/office/drawing/2014/main" id="{ABCADDAF-D6E5-934D-9053-BF786F2184BB}"/>
+                  </a:ext>
+                </a:extLst>
+              </p:cNvPr>
+              <p:cNvCxnSpPr>
+                <a:cxnSpLocks/>
+              </p:cNvCxnSpPr>
+              <p:nvPr/>
+            </p:nvCxnSpPr>
+            <p:spPr>
+              <a:xfrm>
+                <a:off x="3532111" y="1574659"/>
+                <a:ext cx="3228907" cy="0"/>
+              </a:xfrm>
+              <a:prstGeom prst="line">
+                <a:avLst/>
+              </a:prstGeom>
+              <a:ln w="28575">
+                <a:solidFill>
+                  <a:schemeClr val="accent1"/>
+                </a:solidFill>
+              </a:ln>
+            </p:spPr>
+            <p:style>
+              <a:lnRef idx="1">
+                <a:schemeClr val="accent1"/>
+              </a:lnRef>
+              <a:fillRef idx="0">
+                <a:schemeClr val="accent1"/>
+              </a:fillRef>
+              <a:effectRef idx="0">
+                <a:schemeClr val="accent1"/>
+              </a:effectRef>
+              <a:fontRef idx="minor">
+                <a:schemeClr val="tx1"/>
+              </a:fontRef>
+            </p:style>
+          </p:cxnSp>
+          <p:cxnSp>
+            <p:nvCxnSpPr>
+              <p:cNvPr id="34" name="Straight Arrow Connector 33">
+                <a:extLst>
+                  <a:ext uri="{FF2B5EF4-FFF2-40B4-BE49-F238E27FC236}">
+                    <a16:creationId xmlns:a16="http://schemas.microsoft.com/office/drawing/2014/main" id="{99F40CF2-4D33-F344-999D-A04957EC6A26}"/>
+                  </a:ext>
+                </a:extLst>
+              </p:cNvPr>
+              <p:cNvCxnSpPr>
+                <a:cxnSpLocks/>
+                <a:endCxn id="37" idx="1"/>
+              </p:cNvCxnSpPr>
+              <p:nvPr/>
+            </p:nvCxnSpPr>
+            <p:spPr>
+              <a:xfrm>
+                <a:off x="6761018" y="1574659"/>
+                <a:ext cx="806195" cy="1245737"/>
+              </a:xfrm>
+              <a:prstGeom prst="straightConnector1">
+                <a:avLst/>
+              </a:prstGeom>
+              <a:ln w="28575">
+                <a:solidFill>
+                  <a:schemeClr val="accent1"/>
+                </a:solidFill>
+                <a:tailEnd type="stealth" w="lg" len="lg"/>
+              </a:ln>
+            </p:spPr>
+            <p:style>
+              <a:lnRef idx="1">
+                <a:schemeClr val="accent1"/>
+              </a:lnRef>
+              <a:fillRef idx="0">
+                <a:schemeClr val="accent1"/>
+              </a:fillRef>
+              <a:effectRef idx="0">
+                <a:schemeClr val="accent1"/>
+              </a:effectRef>
+              <a:fontRef idx="minor">
+                <a:schemeClr val="tx1"/>
+              </a:fontRef>
+            </p:style>
+          </p:cxnSp>
+        </p:grpSp>
+        <p:sp>
+          <p:nvSpPr>
+            <p:cNvPr id="37" name="Oval 36">
+              <a:extLst>
+                <a:ext uri="{FF2B5EF4-FFF2-40B4-BE49-F238E27FC236}">
+                  <a16:creationId xmlns:a16="http://schemas.microsoft.com/office/drawing/2014/main" id="{4FA38ACB-A2E2-E640-95F1-B14BCDFC0018}"/>
+                </a:ext>
+              </a:extLst>
+            </p:cNvPr>
+            <p:cNvSpPr/>
+            <p:nvPr/>
+          </p:nvSpPr>
+          <p:spPr>
+            <a:xfrm>
+              <a:off x="7537083" y="2790266"/>
+              <a:ext cx="205740" cy="205740"/>
+            </a:xfrm>
+            <a:prstGeom prst="ellipse">
+              <a:avLst/>
+            </a:prstGeom>
+            <a:solidFill>
+              <a:schemeClr val="accent1"/>
+            </a:solidFill>
+          </p:spPr>
+          <p:style>
+            <a:lnRef idx="2">
+              <a:schemeClr val="accent1">
+                <a:shade val="50000"/>
+              </a:schemeClr>
+            </a:lnRef>
+            <a:fillRef idx="1">
+              <a:schemeClr val="accent1"/>
+            </a:fillRef>
+            <a:effectRef idx="0">
+              <a:schemeClr val="accent1"/>
+            </a:effectRef>
+            <a:fontRef idx="minor">
+              <a:schemeClr val="lt1"/>
+            </a:fontRef>
+          </p:style>
+          <p:txBody>
+            <a:bodyPr rtlCol="0" anchor="ctr"/>
+            <a:lstStyle/>
+            <a:p>
+              <a:pPr algn="ctr"/>
+              <a:endParaRPr lang="en-US"/>
+            </a:p>
+          </p:txBody>
+        </p:sp>
+        <p:sp>
+          <p:nvSpPr>
+            <p:cNvPr id="38" name="Oval 37">
+              <a:extLst>
+                <a:ext uri="{FF2B5EF4-FFF2-40B4-BE49-F238E27FC236}">
+                  <a16:creationId xmlns:a16="http://schemas.microsoft.com/office/drawing/2014/main" id="{C788EC9A-1CD6-F14A-AEE2-3DCF60986142}"/>
+                </a:ext>
+              </a:extLst>
+            </p:cNvPr>
+            <p:cNvSpPr/>
+            <p:nvPr/>
+          </p:nvSpPr>
+          <p:spPr>
+            <a:xfrm>
+              <a:off x="5593080" y="2790266"/>
+              <a:ext cx="205740" cy="205740"/>
+            </a:xfrm>
+            <a:prstGeom prst="ellipse">
+              <a:avLst/>
+            </a:prstGeom>
+            <a:solidFill>
+              <a:srgbClr val="FF0000"/>
+            </a:solidFill>
+          </p:spPr>
+          <p:style>
+            <a:lnRef idx="2">
+              <a:schemeClr val="accent1">
+                <a:shade val="50000"/>
+              </a:schemeClr>
+            </a:lnRef>
+            <a:fillRef idx="1">
+              <a:schemeClr val="accent1"/>
+            </a:fillRef>
+            <a:effectRef idx="0">
+              <a:schemeClr val="accent1"/>
+            </a:effectRef>
+            <a:fontRef idx="minor">
+              <a:schemeClr val="lt1"/>
+            </a:fontRef>
+          </p:style>
+          <p:txBody>
+            <a:bodyPr rtlCol="0" anchor="ctr"/>
+            <a:lstStyle/>
+            <a:p>
+              <a:pPr algn="ctr"/>
+              <a:endParaRPr lang="en-US"/>
+            </a:p>
+          </p:txBody>
+        </p:sp>
+        <p:cxnSp>
+          <p:nvCxnSpPr>
+            <p:cNvPr id="43" name="Straight Connector 42">
+              <a:extLst>
+                <a:ext uri="{FF2B5EF4-FFF2-40B4-BE49-F238E27FC236}">
+                  <a16:creationId xmlns:a16="http://schemas.microsoft.com/office/drawing/2014/main" id="{2DB4BB95-F31A-E649-AD4F-143DACC956E2}"/>
+                </a:ext>
+              </a:extLst>
+            </p:cNvPr>
+            <p:cNvCxnSpPr>
+              <a:cxnSpLocks/>
+              <a:stCxn id="10" idx="5"/>
+            </p:cNvCxnSpPr>
+            <p:nvPr/>
+          </p:nvCxnSpPr>
+          <p:spPr>
+            <a:xfrm>
+              <a:off x="2610200" y="3263711"/>
+              <a:ext cx="585387" cy="626467"/>
             </a:xfrm>
             <a:prstGeom prst="line">
               <a:avLst/>
             </a:prstGeom>
             <a:ln w="28575">
               <a:solidFill>
-                <a:schemeClr val="accent1"/>
+                <a:srgbClr val="FF0000"/>
               </a:solidFill>
             </a:ln>
           </p:spPr>
@@ -4254,10 +4514,10 @@
         </p:cxnSp>
         <p:cxnSp>
           <p:nvCxnSpPr>
-            <p:cNvPr id="32" name="Straight Connector 31">
+            <p:cNvPr id="44" name="Straight Connector 43">
               <a:extLst>
                 <a:ext uri="{FF2B5EF4-FFF2-40B4-BE49-F238E27FC236}">
-                  <a16:creationId xmlns:a16="http://schemas.microsoft.com/office/drawing/2014/main" id="{ABCADDAF-D6E5-934D-9053-BF786F2184BB}"/>
+                  <a16:creationId xmlns:a16="http://schemas.microsoft.com/office/drawing/2014/main" id="{03E043CB-8AE5-004F-819F-2BEFB1304711}"/>
                 </a:ext>
               </a:extLst>
             </p:cNvPr>
@@ -4268,15 +4528,15 @@
           </p:nvCxnSpPr>
           <p:spPr>
             <a:xfrm>
-              <a:off x="3532111" y="1574659"/>
-              <a:ext cx="3228907" cy="0"/>
+              <a:off x="3195587" y="3890178"/>
+              <a:ext cx="1691674" cy="0"/>
             </a:xfrm>
             <a:prstGeom prst="line">
               <a:avLst/>
             </a:prstGeom>
             <a:ln w="28575">
               <a:solidFill>
-                <a:schemeClr val="accent1"/>
+                <a:srgbClr val="FF0000"/>
               </a:solidFill>
             </a:ln>
           </p:spPr>
@@ -4297,30 +4557,1344 @@
         </p:cxnSp>
         <p:cxnSp>
           <p:nvCxnSpPr>
-            <p:cNvPr id="34" name="Straight Arrow Connector 33">
+            <p:cNvPr id="45" name="Straight Arrow Connector 44">
               <a:extLst>
                 <a:ext uri="{FF2B5EF4-FFF2-40B4-BE49-F238E27FC236}">
-                  <a16:creationId xmlns:a16="http://schemas.microsoft.com/office/drawing/2014/main" id="{99F40CF2-4D33-F344-999D-A04957EC6A26}"/>
+                  <a16:creationId xmlns:a16="http://schemas.microsoft.com/office/drawing/2014/main" id="{BA51A3FE-EB0B-4247-8FE9-0E936E7A8FF1}"/>
                 </a:ext>
               </a:extLst>
             </p:cNvPr>
             <p:cNvCxnSpPr>
               <a:cxnSpLocks/>
-              <a:endCxn id="37" idx="1"/>
+              <a:endCxn id="38" idx="3"/>
             </p:cNvCxnSpPr>
             <p:nvPr/>
           </p:nvCxnSpPr>
           <p:spPr>
-            <a:xfrm>
-              <a:off x="6761018" y="1574659"/>
-              <a:ext cx="806195" cy="1245737"/>
+            <a:xfrm flipV="1">
+              <a:off x="4887261" y="2965876"/>
+              <a:ext cx="735949" cy="924302"/>
             </a:xfrm>
             <a:prstGeom prst="straightConnector1">
               <a:avLst/>
             </a:prstGeom>
             <a:ln w="28575">
               <a:solidFill>
+                <a:srgbClr val="FF0000"/>
+              </a:solidFill>
+              <a:tailEnd type="stealth" w="lg" len="lg"/>
+            </a:ln>
+          </p:spPr>
+          <p:style>
+            <a:lnRef idx="1">
+              <a:schemeClr val="accent1"/>
+            </a:lnRef>
+            <a:fillRef idx="0">
+              <a:schemeClr val="accent1"/>
+            </a:fillRef>
+            <a:effectRef idx="0">
+              <a:schemeClr val="accent1"/>
+            </a:effectRef>
+            <a:fontRef idx="minor">
+              <a:schemeClr val="tx1"/>
+            </a:fontRef>
+          </p:style>
+        </p:cxnSp>
+      </p:grpSp>
+    </p:spTree>
+    <p:extLst>
+      <p:ext uri="{BB962C8B-B14F-4D97-AF65-F5344CB8AC3E}">
+        <p14:creationId xmlns:p14="http://schemas.microsoft.com/office/powerpoint/2010/main" val="1669386661"/>
+      </p:ext>
+    </p:extLst>
+  </p:cSld>
+  <p:clrMapOvr>
+    <a:masterClrMapping/>
+  </p:clrMapOvr>
+</p:sld>
+</file>
+
+<file path=ppt/slides/slide2.xml><?xml version="1.0" encoding="utf-8"?>
+<p:sld xmlns:a="http://schemas.openxmlformats.org/drawingml/2006/main" xmlns:r="http://schemas.openxmlformats.org/officeDocument/2006/relationships" xmlns:p="http://schemas.openxmlformats.org/presentationml/2006/main">
+  <p:cSld>
+    <p:spTree>
+      <p:nvGrpSpPr>
+        <p:cNvPr id="1" name=""/>
+        <p:cNvGrpSpPr/>
+        <p:nvPr/>
+      </p:nvGrpSpPr>
+      <p:grpSpPr>
+        <a:xfrm>
+          <a:off x="0" y="0"/>
+          <a:ext cx="0" cy="0"/>
+          <a:chOff x="0" y="0"/>
+          <a:chExt cx="0" cy="0"/>
+        </a:xfrm>
+      </p:grpSpPr>
+      <p:grpSp>
+        <p:nvGrpSpPr>
+          <p:cNvPr id="2" name="Group 1">
+            <a:extLst>
+              <a:ext uri="{FF2B5EF4-FFF2-40B4-BE49-F238E27FC236}">
+                <a16:creationId xmlns:a16="http://schemas.microsoft.com/office/drawing/2014/main" id="{B91F0A2D-2AF7-1F43-8118-48E39FC081F4}"/>
+              </a:ext>
+            </a:extLst>
+          </p:cNvPr>
+          <p:cNvGrpSpPr/>
+          <p:nvPr/>
+        </p:nvGrpSpPr>
+        <p:grpSpPr>
+          <a:xfrm>
+            <a:off x="1414073" y="1395452"/>
+            <a:ext cx="7478467" cy="2839502"/>
+            <a:chOff x="1414073" y="1395452"/>
+            <a:chExt cx="7478467" cy="2839502"/>
+          </a:xfrm>
+        </p:grpSpPr>
+        <p:sp>
+          <p:nvSpPr>
+            <p:cNvPr id="8" name="Freeform 7">
+              <a:extLst>
+                <a:ext uri="{FF2B5EF4-FFF2-40B4-BE49-F238E27FC236}">
+                  <a16:creationId xmlns:a16="http://schemas.microsoft.com/office/drawing/2014/main" id="{30149E8B-A17F-DA46-B277-BE016F789BFC}"/>
+                </a:ext>
+              </a:extLst>
+            </p:cNvPr>
+            <p:cNvSpPr/>
+            <p:nvPr/>
+          </p:nvSpPr>
+          <p:spPr>
+            <a:xfrm>
+              <a:off x="1414073" y="1395452"/>
+              <a:ext cx="2117773" cy="2839502"/>
+            </a:xfrm>
+            <a:custGeom>
+              <a:avLst/>
+              <a:gdLst>
+                <a:gd name="connsiteX0" fmla="*/ 354491 w 2195042"/>
+                <a:gd name="connsiteY0" fmla="*/ 491545 h 2896527"/>
+                <a:gd name="connsiteX1" fmla="*/ 754541 w 2195042"/>
+                <a:gd name="connsiteY1" fmla="*/ 55 h 2896527"/>
+                <a:gd name="connsiteX2" fmla="*/ 1063151 w 2195042"/>
+                <a:gd name="connsiteY2" fmla="*/ 457255 h 2896527"/>
+                <a:gd name="connsiteX3" fmla="*/ 1588931 w 2195042"/>
+                <a:gd name="connsiteY3" fmla="*/ 148645 h 2896527"/>
+                <a:gd name="connsiteX4" fmla="*/ 2057561 w 2195042"/>
+                <a:gd name="connsiteY4" fmla="*/ 720145 h 2896527"/>
+                <a:gd name="connsiteX5" fmla="*/ 1886111 w 2195042"/>
+                <a:gd name="connsiteY5" fmla="*/ 1165915 h 2896527"/>
+                <a:gd name="connsiteX6" fmla="*/ 2194721 w 2195042"/>
+                <a:gd name="connsiteY6" fmla="*/ 1840285 h 2896527"/>
+                <a:gd name="connsiteX7" fmla="*/ 1817531 w 2195042"/>
+                <a:gd name="connsiteY7" fmla="*/ 2720395 h 2896527"/>
+                <a:gd name="connsiteX8" fmla="*/ 1291751 w 2195042"/>
+                <a:gd name="connsiteY8" fmla="*/ 2526085 h 2896527"/>
+                <a:gd name="connsiteX9" fmla="*/ 537371 w 2195042"/>
+                <a:gd name="connsiteY9" fmla="*/ 2891845 h 2896527"/>
+                <a:gd name="connsiteX10" fmla="*/ 525941 w 2195042"/>
+                <a:gd name="connsiteY10" fmla="*/ 2217475 h 2896527"/>
+                <a:gd name="connsiteX11" fmla="*/ 161 w 2195042"/>
+                <a:gd name="connsiteY11" fmla="*/ 1771705 h 2896527"/>
+                <a:gd name="connsiteX12" fmla="*/ 468791 w 2195042"/>
+                <a:gd name="connsiteY12" fmla="*/ 1211635 h 2896527"/>
+                <a:gd name="connsiteX13" fmla="*/ 354491 w 2195042"/>
+                <a:gd name="connsiteY13" fmla="*/ 491545 h 2896527"/>
+                <a:gd name="connsiteX0" fmla="*/ 354491 w 2194777"/>
+                <a:gd name="connsiteY0" fmla="*/ 491545 h 2896527"/>
+                <a:gd name="connsiteX1" fmla="*/ 754541 w 2194777"/>
+                <a:gd name="connsiteY1" fmla="*/ 55 h 2896527"/>
+                <a:gd name="connsiteX2" fmla="*/ 1063151 w 2194777"/>
+                <a:gd name="connsiteY2" fmla="*/ 457255 h 2896527"/>
+                <a:gd name="connsiteX3" fmla="*/ 1588931 w 2194777"/>
+                <a:gd name="connsiteY3" fmla="*/ 148645 h 2896527"/>
+                <a:gd name="connsiteX4" fmla="*/ 2057561 w 2194777"/>
+                <a:gd name="connsiteY4" fmla="*/ 720145 h 2896527"/>
+                <a:gd name="connsiteX5" fmla="*/ 1847610 w 2194777"/>
+                <a:gd name="connsiteY5" fmla="*/ 1339170 h 2896527"/>
+                <a:gd name="connsiteX6" fmla="*/ 2194721 w 2194777"/>
+                <a:gd name="connsiteY6" fmla="*/ 1840285 h 2896527"/>
+                <a:gd name="connsiteX7" fmla="*/ 1817531 w 2194777"/>
+                <a:gd name="connsiteY7" fmla="*/ 2720395 h 2896527"/>
+                <a:gd name="connsiteX8" fmla="*/ 1291751 w 2194777"/>
+                <a:gd name="connsiteY8" fmla="*/ 2526085 h 2896527"/>
+                <a:gd name="connsiteX9" fmla="*/ 537371 w 2194777"/>
+                <a:gd name="connsiteY9" fmla="*/ 2891845 h 2896527"/>
+                <a:gd name="connsiteX10" fmla="*/ 525941 w 2194777"/>
+                <a:gd name="connsiteY10" fmla="*/ 2217475 h 2896527"/>
+                <a:gd name="connsiteX11" fmla="*/ 161 w 2194777"/>
+                <a:gd name="connsiteY11" fmla="*/ 1771705 h 2896527"/>
+                <a:gd name="connsiteX12" fmla="*/ 468791 w 2194777"/>
+                <a:gd name="connsiteY12" fmla="*/ 1211635 h 2896527"/>
+                <a:gd name="connsiteX13" fmla="*/ 354491 w 2194777"/>
+                <a:gd name="connsiteY13" fmla="*/ 491545 h 2896527"/>
+                <a:gd name="connsiteX0" fmla="*/ 354470 w 2194756"/>
+                <a:gd name="connsiteY0" fmla="*/ 491545 h 2896527"/>
+                <a:gd name="connsiteX1" fmla="*/ 754520 w 2194756"/>
+                <a:gd name="connsiteY1" fmla="*/ 55 h 2896527"/>
+                <a:gd name="connsiteX2" fmla="*/ 1063130 w 2194756"/>
+                <a:gd name="connsiteY2" fmla="*/ 457255 h 2896527"/>
+                <a:gd name="connsiteX3" fmla="*/ 1588910 w 2194756"/>
+                <a:gd name="connsiteY3" fmla="*/ 148645 h 2896527"/>
+                <a:gd name="connsiteX4" fmla="*/ 2057540 w 2194756"/>
+                <a:gd name="connsiteY4" fmla="*/ 720145 h 2896527"/>
+                <a:gd name="connsiteX5" fmla="*/ 1847589 w 2194756"/>
+                <a:gd name="connsiteY5" fmla="*/ 1339170 h 2896527"/>
+                <a:gd name="connsiteX6" fmla="*/ 2194700 w 2194756"/>
+                <a:gd name="connsiteY6" fmla="*/ 1840285 h 2896527"/>
+                <a:gd name="connsiteX7" fmla="*/ 1817510 w 2194756"/>
+                <a:gd name="connsiteY7" fmla="*/ 2720395 h 2896527"/>
+                <a:gd name="connsiteX8" fmla="*/ 1291730 w 2194756"/>
+                <a:gd name="connsiteY8" fmla="*/ 2526085 h 2896527"/>
+                <a:gd name="connsiteX9" fmla="*/ 537350 w 2194756"/>
+                <a:gd name="connsiteY9" fmla="*/ 2891845 h 2896527"/>
+                <a:gd name="connsiteX10" fmla="*/ 525920 w 2194756"/>
+                <a:gd name="connsiteY10" fmla="*/ 2217475 h 2896527"/>
+                <a:gd name="connsiteX11" fmla="*/ 140 w 2194756"/>
+                <a:gd name="connsiteY11" fmla="*/ 1771705 h 2896527"/>
+                <a:gd name="connsiteX12" fmla="*/ 536147 w 2194756"/>
+                <a:gd name="connsiteY12" fmla="*/ 1115382 h 2896527"/>
+                <a:gd name="connsiteX13" fmla="*/ 354470 w 2194756"/>
+                <a:gd name="connsiteY13" fmla="*/ 491545 h 2896527"/>
+                <a:gd name="connsiteX0" fmla="*/ 277487 w 2117773"/>
+                <a:gd name="connsiteY0" fmla="*/ 491545 h 2896527"/>
+                <a:gd name="connsiteX1" fmla="*/ 677537 w 2117773"/>
+                <a:gd name="connsiteY1" fmla="*/ 55 h 2896527"/>
+                <a:gd name="connsiteX2" fmla="*/ 986147 w 2117773"/>
+                <a:gd name="connsiteY2" fmla="*/ 457255 h 2896527"/>
+                <a:gd name="connsiteX3" fmla="*/ 1511927 w 2117773"/>
+                <a:gd name="connsiteY3" fmla="*/ 148645 h 2896527"/>
+                <a:gd name="connsiteX4" fmla="*/ 1980557 w 2117773"/>
+                <a:gd name="connsiteY4" fmla="*/ 720145 h 2896527"/>
+                <a:gd name="connsiteX5" fmla="*/ 1770606 w 2117773"/>
+                <a:gd name="connsiteY5" fmla="*/ 1339170 h 2896527"/>
+                <a:gd name="connsiteX6" fmla="*/ 2117717 w 2117773"/>
+                <a:gd name="connsiteY6" fmla="*/ 1840285 h 2896527"/>
+                <a:gd name="connsiteX7" fmla="*/ 1740527 w 2117773"/>
+                <a:gd name="connsiteY7" fmla="*/ 2720395 h 2896527"/>
+                <a:gd name="connsiteX8" fmla="*/ 1214747 w 2117773"/>
+                <a:gd name="connsiteY8" fmla="*/ 2526085 h 2896527"/>
+                <a:gd name="connsiteX9" fmla="*/ 460367 w 2117773"/>
+                <a:gd name="connsiteY9" fmla="*/ 2891845 h 2896527"/>
+                <a:gd name="connsiteX10" fmla="*/ 448937 w 2117773"/>
+                <a:gd name="connsiteY10" fmla="*/ 2217475 h 2896527"/>
+                <a:gd name="connsiteX11" fmla="*/ 159 w 2117773"/>
+                <a:gd name="connsiteY11" fmla="*/ 1656202 h 2896527"/>
+                <a:gd name="connsiteX12" fmla="*/ 459164 w 2117773"/>
+                <a:gd name="connsiteY12" fmla="*/ 1115382 h 2896527"/>
+                <a:gd name="connsiteX13" fmla="*/ 277487 w 2117773"/>
+                <a:gd name="connsiteY13" fmla="*/ 491545 h 2896527"/>
+                <a:gd name="connsiteX0" fmla="*/ 277487 w 2117773"/>
+                <a:gd name="connsiteY0" fmla="*/ 491545 h 2894415"/>
+                <a:gd name="connsiteX1" fmla="*/ 677537 w 2117773"/>
+                <a:gd name="connsiteY1" fmla="*/ 55 h 2894415"/>
+                <a:gd name="connsiteX2" fmla="*/ 986147 w 2117773"/>
+                <a:gd name="connsiteY2" fmla="*/ 457255 h 2894415"/>
+                <a:gd name="connsiteX3" fmla="*/ 1511927 w 2117773"/>
+                <a:gd name="connsiteY3" fmla="*/ 148645 h 2894415"/>
+                <a:gd name="connsiteX4" fmla="*/ 1980557 w 2117773"/>
+                <a:gd name="connsiteY4" fmla="*/ 720145 h 2894415"/>
+                <a:gd name="connsiteX5" fmla="*/ 1770606 w 2117773"/>
+                <a:gd name="connsiteY5" fmla="*/ 1339170 h 2894415"/>
+                <a:gd name="connsiteX6" fmla="*/ 2117717 w 2117773"/>
+                <a:gd name="connsiteY6" fmla="*/ 1840285 h 2894415"/>
+                <a:gd name="connsiteX7" fmla="*/ 1740527 w 2117773"/>
+                <a:gd name="connsiteY7" fmla="*/ 2720395 h 2894415"/>
+                <a:gd name="connsiteX8" fmla="*/ 1214747 w 2117773"/>
+                <a:gd name="connsiteY8" fmla="*/ 2526085 h 2894415"/>
+                <a:gd name="connsiteX9" fmla="*/ 460367 w 2117773"/>
+                <a:gd name="connsiteY9" fmla="*/ 2891845 h 2894415"/>
+                <a:gd name="connsiteX10" fmla="*/ 458563 w 2117773"/>
+                <a:gd name="connsiteY10" fmla="*/ 2304103 h 2894415"/>
+                <a:gd name="connsiteX11" fmla="*/ 159 w 2117773"/>
+                <a:gd name="connsiteY11" fmla="*/ 1656202 h 2894415"/>
+                <a:gd name="connsiteX12" fmla="*/ 459164 w 2117773"/>
+                <a:gd name="connsiteY12" fmla="*/ 1115382 h 2894415"/>
+                <a:gd name="connsiteX13" fmla="*/ 277487 w 2117773"/>
+                <a:gd name="connsiteY13" fmla="*/ 491545 h 2894415"/>
+                <a:gd name="connsiteX0" fmla="*/ 277487 w 2117773"/>
+                <a:gd name="connsiteY0" fmla="*/ 491545 h 2932724"/>
+                <a:gd name="connsiteX1" fmla="*/ 677537 w 2117773"/>
+                <a:gd name="connsiteY1" fmla="*/ 55 h 2932724"/>
+                <a:gd name="connsiteX2" fmla="*/ 986147 w 2117773"/>
+                <a:gd name="connsiteY2" fmla="*/ 457255 h 2932724"/>
+                <a:gd name="connsiteX3" fmla="*/ 1511927 w 2117773"/>
+                <a:gd name="connsiteY3" fmla="*/ 148645 h 2932724"/>
+                <a:gd name="connsiteX4" fmla="*/ 1980557 w 2117773"/>
+                <a:gd name="connsiteY4" fmla="*/ 720145 h 2932724"/>
+                <a:gd name="connsiteX5" fmla="*/ 1770606 w 2117773"/>
+                <a:gd name="connsiteY5" fmla="*/ 1339170 h 2932724"/>
+                <a:gd name="connsiteX6" fmla="*/ 2117717 w 2117773"/>
+                <a:gd name="connsiteY6" fmla="*/ 1840285 h 2932724"/>
+                <a:gd name="connsiteX7" fmla="*/ 1740527 w 2117773"/>
+                <a:gd name="connsiteY7" fmla="*/ 2720395 h 2932724"/>
+                <a:gd name="connsiteX8" fmla="*/ 1214747 w 2117773"/>
+                <a:gd name="connsiteY8" fmla="*/ 2526085 h 2932724"/>
+                <a:gd name="connsiteX9" fmla="*/ 441116 w 2117773"/>
+                <a:gd name="connsiteY9" fmla="*/ 2930346 h 2932724"/>
+                <a:gd name="connsiteX10" fmla="*/ 458563 w 2117773"/>
+                <a:gd name="connsiteY10" fmla="*/ 2304103 h 2932724"/>
+                <a:gd name="connsiteX11" fmla="*/ 159 w 2117773"/>
+                <a:gd name="connsiteY11" fmla="*/ 1656202 h 2932724"/>
+                <a:gd name="connsiteX12" fmla="*/ 459164 w 2117773"/>
+                <a:gd name="connsiteY12" fmla="*/ 1115382 h 2932724"/>
+                <a:gd name="connsiteX13" fmla="*/ 277487 w 2117773"/>
+                <a:gd name="connsiteY13" fmla="*/ 491545 h 2932724"/>
+                <a:gd name="connsiteX0" fmla="*/ 277487 w 2117773"/>
+                <a:gd name="connsiteY0" fmla="*/ 491545 h 2966905"/>
+                <a:gd name="connsiteX1" fmla="*/ 677537 w 2117773"/>
+                <a:gd name="connsiteY1" fmla="*/ 55 h 2966905"/>
+                <a:gd name="connsiteX2" fmla="*/ 986147 w 2117773"/>
+                <a:gd name="connsiteY2" fmla="*/ 457255 h 2966905"/>
+                <a:gd name="connsiteX3" fmla="*/ 1511927 w 2117773"/>
+                <a:gd name="connsiteY3" fmla="*/ 148645 h 2966905"/>
+                <a:gd name="connsiteX4" fmla="*/ 1980557 w 2117773"/>
+                <a:gd name="connsiteY4" fmla="*/ 720145 h 2966905"/>
+                <a:gd name="connsiteX5" fmla="*/ 1770606 w 2117773"/>
+                <a:gd name="connsiteY5" fmla="*/ 1339170 h 2966905"/>
+                <a:gd name="connsiteX6" fmla="*/ 2117717 w 2117773"/>
+                <a:gd name="connsiteY6" fmla="*/ 1840285 h 2966905"/>
+                <a:gd name="connsiteX7" fmla="*/ 1740527 w 2117773"/>
+                <a:gd name="connsiteY7" fmla="*/ 2720395 h 2966905"/>
+                <a:gd name="connsiteX8" fmla="*/ 1214747 w 2117773"/>
+                <a:gd name="connsiteY8" fmla="*/ 2526085 h 2966905"/>
+                <a:gd name="connsiteX9" fmla="*/ 441116 w 2117773"/>
+                <a:gd name="connsiteY9" fmla="*/ 2930346 h 2966905"/>
+                <a:gd name="connsiteX10" fmla="*/ 458563 w 2117773"/>
+                <a:gd name="connsiteY10" fmla="*/ 2304103 h 2966905"/>
+                <a:gd name="connsiteX11" fmla="*/ 159 w 2117773"/>
+                <a:gd name="connsiteY11" fmla="*/ 1656202 h 2966905"/>
+                <a:gd name="connsiteX12" fmla="*/ 459164 w 2117773"/>
+                <a:gd name="connsiteY12" fmla="*/ 1115382 h 2966905"/>
+                <a:gd name="connsiteX13" fmla="*/ 277487 w 2117773"/>
+                <a:gd name="connsiteY13" fmla="*/ 491545 h 2966905"/>
+                <a:gd name="connsiteX0" fmla="*/ 277487 w 2117773"/>
+                <a:gd name="connsiteY0" fmla="*/ 491545 h 2839502"/>
+                <a:gd name="connsiteX1" fmla="*/ 677537 w 2117773"/>
+                <a:gd name="connsiteY1" fmla="*/ 55 h 2839502"/>
+                <a:gd name="connsiteX2" fmla="*/ 986147 w 2117773"/>
+                <a:gd name="connsiteY2" fmla="*/ 457255 h 2839502"/>
+                <a:gd name="connsiteX3" fmla="*/ 1511927 w 2117773"/>
+                <a:gd name="connsiteY3" fmla="*/ 148645 h 2839502"/>
+                <a:gd name="connsiteX4" fmla="*/ 1980557 w 2117773"/>
+                <a:gd name="connsiteY4" fmla="*/ 720145 h 2839502"/>
+                <a:gd name="connsiteX5" fmla="*/ 1770606 w 2117773"/>
+                <a:gd name="connsiteY5" fmla="*/ 1339170 h 2839502"/>
+                <a:gd name="connsiteX6" fmla="*/ 2117717 w 2117773"/>
+                <a:gd name="connsiteY6" fmla="*/ 1840285 h 2839502"/>
+                <a:gd name="connsiteX7" fmla="*/ 1740527 w 2117773"/>
+                <a:gd name="connsiteY7" fmla="*/ 2720395 h 2839502"/>
+                <a:gd name="connsiteX8" fmla="*/ 1214747 w 2117773"/>
+                <a:gd name="connsiteY8" fmla="*/ 2526085 h 2839502"/>
+                <a:gd name="connsiteX9" fmla="*/ 546994 w 2117773"/>
+                <a:gd name="connsiteY9" fmla="*/ 2795593 h 2839502"/>
+                <a:gd name="connsiteX10" fmla="*/ 458563 w 2117773"/>
+                <a:gd name="connsiteY10" fmla="*/ 2304103 h 2839502"/>
+                <a:gd name="connsiteX11" fmla="*/ 159 w 2117773"/>
+                <a:gd name="connsiteY11" fmla="*/ 1656202 h 2839502"/>
+                <a:gd name="connsiteX12" fmla="*/ 459164 w 2117773"/>
+                <a:gd name="connsiteY12" fmla="*/ 1115382 h 2839502"/>
+                <a:gd name="connsiteX13" fmla="*/ 277487 w 2117773"/>
+                <a:gd name="connsiteY13" fmla="*/ 491545 h 2839502"/>
+                <a:gd name="connsiteX0" fmla="*/ 277487 w 2117773"/>
+                <a:gd name="connsiteY0" fmla="*/ 491545 h 2890591"/>
+                <a:gd name="connsiteX1" fmla="*/ 677537 w 2117773"/>
+                <a:gd name="connsiteY1" fmla="*/ 55 h 2890591"/>
+                <a:gd name="connsiteX2" fmla="*/ 986147 w 2117773"/>
+                <a:gd name="connsiteY2" fmla="*/ 457255 h 2890591"/>
+                <a:gd name="connsiteX3" fmla="*/ 1511927 w 2117773"/>
+                <a:gd name="connsiteY3" fmla="*/ 148645 h 2890591"/>
+                <a:gd name="connsiteX4" fmla="*/ 1980557 w 2117773"/>
+                <a:gd name="connsiteY4" fmla="*/ 720145 h 2890591"/>
+                <a:gd name="connsiteX5" fmla="*/ 1770606 w 2117773"/>
+                <a:gd name="connsiteY5" fmla="*/ 1339170 h 2890591"/>
+                <a:gd name="connsiteX6" fmla="*/ 2117717 w 2117773"/>
+                <a:gd name="connsiteY6" fmla="*/ 1840285 h 2890591"/>
+                <a:gd name="connsiteX7" fmla="*/ 1740527 w 2117773"/>
+                <a:gd name="connsiteY7" fmla="*/ 2720395 h 2890591"/>
+                <a:gd name="connsiteX8" fmla="*/ 1214747 w 2117773"/>
+                <a:gd name="connsiteY8" fmla="*/ 2526085 h 2890591"/>
+                <a:gd name="connsiteX9" fmla="*/ 546994 w 2117773"/>
+                <a:gd name="connsiteY9" fmla="*/ 2795593 h 2890591"/>
+                <a:gd name="connsiteX10" fmla="*/ 458563 w 2117773"/>
+                <a:gd name="connsiteY10" fmla="*/ 2304103 h 2890591"/>
+                <a:gd name="connsiteX11" fmla="*/ 159 w 2117773"/>
+                <a:gd name="connsiteY11" fmla="*/ 1656202 h 2890591"/>
+                <a:gd name="connsiteX12" fmla="*/ 459164 w 2117773"/>
+                <a:gd name="connsiteY12" fmla="*/ 1115382 h 2890591"/>
+                <a:gd name="connsiteX13" fmla="*/ 277487 w 2117773"/>
+                <a:gd name="connsiteY13" fmla="*/ 491545 h 2890591"/>
+                <a:gd name="connsiteX0" fmla="*/ 277487 w 2117773"/>
+                <a:gd name="connsiteY0" fmla="*/ 491545 h 2811775"/>
+                <a:gd name="connsiteX1" fmla="*/ 677537 w 2117773"/>
+                <a:gd name="connsiteY1" fmla="*/ 55 h 2811775"/>
+                <a:gd name="connsiteX2" fmla="*/ 986147 w 2117773"/>
+                <a:gd name="connsiteY2" fmla="*/ 457255 h 2811775"/>
+                <a:gd name="connsiteX3" fmla="*/ 1511927 w 2117773"/>
+                <a:gd name="connsiteY3" fmla="*/ 148645 h 2811775"/>
+                <a:gd name="connsiteX4" fmla="*/ 1980557 w 2117773"/>
+                <a:gd name="connsiteY4" fmla="*/ 720145 h 2811775"/>
+                <a:gd name="connsiteX5" fmla="*/ 1770606 w 2117773"/>
+                <a:gd name="connsiteY5" fmla="*/ 1339170 h 2811775"/>
+                <a:gd name="connsiteX6" fmla="*/ 2117717 w 2117773"/>
+                <a:gd name="connsiteY6" fmla="*/ 1840285 h 2811775"/>
+                <a:gd name="connsiteX7" fmla="*/ 1740527 w 2117773"/>
+                <a:gd name="connsiteY7" fmla="*/ 2720395 h 2811775"/>
+                <a:gd name="connsiteX8" fmla="*/ 1214747 w 2117773"/>
+                <a:gd name="connsiteY8" fmla="*/ 2526085 h 2811775"/>
+                <a:gd name="connsiteX9" fmla="*/ 546994 w 2117773"/>
+                <a:gd name="connsiteY9" fmla="*/ 2795593 h 2811775"/>
+                <a:gd name="connsiteX10" fmla="*/ 458563 w 2117773"/>
+                <a:gd name="connsiteY10" fmla="*/ 2304103 h 2811775"/>
+                <a:gd name="connsiteX11" fmla="*/ 159 w 2117773"/>
+                <a:gd name="connsiteY11" fmla="*/ 1656202 h 2811775"/>
+                <a:gd name="connsiteX12" fmla="*/ 459164 w 2117773"/>
+                <a:gd name="connsiteY12" fmla="*/ 1115382 h 2811775"/>
+                <a:gd name="connsiteX13" fmla="*/ 277487 w 2117773"/>
+                <a:gd name="connsiteY13" fmla="*/ 491545 h 2811775"/>
+                <a:gd name="connsiteX0" fmla="*/ 277487 w 2117773"/>
+                <a:gd name="connsiteY0" fmla="*/ 491545 h 2839502"/>
+                <a:gd name="connsiteX1" fmla="*/ 677537 w 2117773"/>
+                <a:gd name="connsiteY1" fmla="*/ 55 h 2839502"/>
+                <a:gd name="connsiteX2" fmla="*/ 986147 w 2117773"/>
+                <a:gd name="connsiteY2" fmla="*/ 457255 h 2839502"/>
+                <a:gd name="connsiteX3" fmla="*/ 1511927 w 2117773"/>
+                <a:gd name="connsiteY3" fmla="*/ 148645 h 2839502"/>
+                <a:gd name="connsiteX4" fmla="*/ 1980557 w 2117773"/>
+                <a:gd name="connsiteY4" fmla="*/ 720145 h 2839502"/>
+                <a:gd name="connsiteX5" fmla="*/ 1770606 w 2117773"/>
+                <a:gd name="connsiteY5" fmla="*/ 1339170 h 2839502"/>
+                <a:gd name="connsiteX6" fmla="*/ 2117717 w 2117773"/>
+                <a:gd name="connsiteY6" fmla="*/ 1840285 h 2839502"/>
+                <a:gd name="connsiteX7" fmla="*/ 1740527 w 2117773"/>
+                <a:gd name="connsiteY7" fmla="*/ 2720395 h 2839502"/>
+                <a:gd name="connsiteX8" fmla="*/ 1214747 w 2117773"/>
+                <a:gd name="connsiteY8" fmla="*/ 2526085 h 2839502"/>
+                <a:gd name="connsiteX9" fmla="*/ 546994 w 2117773"/>
+                <a:gd name="connsiteY9" fmla="*/ 2795593 h 2839502"/>
+                <a:gd name="connsiteX10" fmla="*/ 458563 w 2117773"/>
+                <a:gd name="connsiteY10" fmla="*/ 2304103 h 2839502"/>
+                <a:gd name="connsiteX11" fmla="*/ 159 w 2117773"/>
+                <a:gd name="connsiteY11" fmla="*/ 1656202 h 2839502"/>
+                <a:gd name="connsiteX12" fmla="*/ 459164 w 2117773"/>
+                <a:gd name="connsiteY12" fmla="*/ 1115382 h 2839502"/>
+                <a:gd name="connsiteX13" fmla="*/ 277487 w 2117773"/>
+                <a:gd name="connsiteY13" fmla="*/ 491545 h 2839502"/>
+              </a:gdLst>
+              <a:ahLst/>
+              <a:cxnLst>
+                <a:cxn ang="0">
+                  <a:pos x="connsiteX0" y="connsiteY0"/>
+                </a:cxn>
+                <a:cxn ang="0">
+                  <a:pos x="connsiteX1" y="connsiteY1"/>
+                </a:cxn>
+                <a:cxn ang="0">
+                  <a:pos x="connsiteX2" y="connsiteY2"/>
+                </a:cxn>
+                <a:cxn ang="0">
+                  <a:pos x="connsiteX3" y="connsiteY3"/>
+                </a:cxn>
+                <a:cxn ang="0">
+                  <a:pos x="connsiteX4" y="connsiteY4"/>
+                </a:cxn>
+                <a:cxn ang="0">
+                  <a:pos x="connsiteX5" y="connsiteY5"/>
+                </a:cxn>
+                <a:cxn ang="0">
+                  <a:pos x="connsiteX6" y="connsiteY6"/>
+                </a:cxn>
+                <a:cxn ang="0">
+                  <a:pos x="connsiteX7" y="connsiteY7"/>
+                </a:cxn>
+                <a:cxn ang="0">
+                  <a:pos x="connsiteX8" y="connsiteY8"/>
+                </a:cxn>
+                <a:cxn ang="0">
+                  <a:pos x="connsiteX9" y="connsiteY9"/>
+                </a:cxn>
+                <a:cxn ang="0">
+                  <a:pos x="connsiteX10" y="connsiteY10"/>
+                </a:cxn>
+                <a:cxn ang="0">
+                  <a:pos x="connsiteX11" y="connsiteY11"/>
+                </a:cxn>
+                <a:cxn ang="0">
+                  <a:pos x="connsiteX12" y="connsiteY12"/>
+                </a:cxn>
+                <a:cxn ang="0">
+                  <a:pos x="connsiteX13" y="connsiteY13"/>
+                </a:cxn>
+              </a:cxnLst>
+              <a:rect l="l" t="t" r="r" b="b"/>
+              <a:pathLst>
+                <a:path w="2117773" h="2839502">
+                  <a:moveTo>
+                    <a:pt x="277487" y="491545"/>
+                  </a:moveTo>
+                  <a:cubicBezTo>
+                    <a:pt x="313883" y="305657"/>
+                    <a:pt x="559427" y="5770"/>
+                    <a:pt x="677537" y="55"/>
+                  </a:cubicBezTo>
+                  <a:cubicBezTo>
+                    <a:pt x="795647" y="-5660"/>
+                    <a:pt x="847082" y="432490"/>
+                    <a:pt x="986147" y="457255"/>
+                  </a:cubicBezTo>
+                  <a:cubicBezTo>
+                    <a:pt x="1125212" y="482020"/>
+                    <a:pt x="1346192" y="104830"/>
+                    <a:pt x="1511927" y="148645"/>
+                  </a:cubicBezTo>
+                  <a:cubicBezTo>
+                    <a:pt x="1677662" y="192460"/>
+                    <a:pt x="1937444" y="521724"/>
+                    <a:pt x="1980557" y="720145"/>
+                  </a:cubicBezTo>
+                  <a:cubicBezTo>
+                    <a:pt x="2023670" y="918566"/>
+                    <a:pt x="1747746" y="1152480"/>
+                    <a:pt x="1770606" y="1339170"/>
+                  </a:cubicBezTo>
+                  <a:cubicBezTo>
+                    <a:pt x="1793466" y="1525860"/>
+                    <a:pt x="2122730" y="1610081"/>
+                    <a:pt x="2117717" y="1840285"/>
+                  </a:cubicBezTo>
+                  <a:cubicBezTo>
+                    <a:pt x="2112704" y="2070489"/>
+                    <a:pt x="1891022" y="2606095"/>
+                    <a:pt x="1740527" y="2720395"/>
+                  </a:cubicBezTo>
+                  <a:cubicBezTo>
+                    <a:pt x="1590032" y="2834695"/>
+                    <a:pt x="1413669" y="2513552"/>
+                    <a:pt x="1214747" y="2526085"/>
+                  </a:cubicBezTo>
+                  <a:cubicBezTo>
+                    <a:pt x="1015825" y="2538618"/>
+                    <a:pt x="865529" y="2976970"/>
+                    <a:pt x="546994" y="2795593"/>
+                  </a:cubicBezTo>
+                  <a:cubicBezTo>
+                    <a:pt x="228459" y="2614216"/>
+                    <a:pt x="549702" y="2494001"/>
+                    <a:pt x="458563" y="2304103"/>
+                  </a:cubicBezTo>
+                  <a:cubicBezTo>
+                    <a:pt x="367424" y="2114205"/>
+                    <a:pt x="9684" y="1823842"/>
+                    <a:pt x="159" y="1656202"/>
+                  </a:cubicBezTo>
+                  <a:cubicBezTo>
+                    <a:pt x="-9366" y="1488562"/>
+                    <a:pt x="412943" y="1309492"/>
+                    <a:pt x="459164" y="1115382"/>
+                  </a:cubicBezTo>
+                  <a:cubicBezTo>
+                    <a:pt x="505385" y="921273"/>
+                    <a:pt x="241092" y="677433"/>
+                    <a:pt x="277487" y="491545"/>
+                  </a:cubicBezTo>
+                  <a:close/>
+                </a:path>
+              </a:pathLst>
+            </a:custGeom>
+            <a:ln w="28575">
+              <a:solidFill>
+                <a:schemeClr val="tx1">
+                  <a:lumMod val="85000"/>
+                  <a:lumOff val="15000"/>
+                </a:schemeClr>
+              </a:solidFill>
+            </a:ln>
+          </p:spPr>
+          <p:style>
+            <a:lnRef idx="2">
+              <a:schemeClr val="accent6"/>
+            </a:lnRef>
+            <a:fillRef idx="1">
+              <a:schemeClr val="lt1"/>
+            </a:fillRef>
+            <a:effectRef idx="0">
+              <a:schemeClr val="accent6"/>
+            </a:effectRef>
+            <a:fontRef idx="minor">
+              <a:schemeClr val="dk1"/>
+            </a:fontRef>
+          </p:style>
+          <p:txBody>
+            <a:bodyPr rtlCol="0" anchor="ctr"/>
+            <a:lstStyle/>
+            <a:p>
+              <a:pPr algn="ctr"/>
+              <a:endParaRPr lang="en-US"/>
+            </a:p>
+          </p:txBody>
+        </p:sp>
+        <p:sp>
+          <p:nvSpPr>
+            <p:cNvPr id="9" name="Oval 8">
+              <a:extLst>
+                <a:ext uri="{FF2B5EF4-FFF2-40B4-BE49-F238E27FC236}">
+                  <a16:creationId xmlns:a16="http://schemas.microsoft.com/office/drawing/2014/main" id="{1D6041E9-B840-EE42-90C6-BD4B9761BD20}"/>
+                </a:ext>
+              </a:extLst>
+            </p:cNvPr>
+            <p:cNvSpPr/>
+            <p:nvPr/>
+          </p:nvSpPr>
+          <p:spPr>
+            <a:xfrm>
+              <a:off x="2434590" y="2228510"/>
+              <a:ext cx="205740" cy="205740"/>
+            </a:xfrm>
+            <a:prstGeom prst="ellipse">
+              <a:avLst/>
+            </a:prstGeom>
+            <a:solidFill>
+              <a:schemeClr val="bg1">
+                <a:lumMod val="50000"/>
+              </a:schemeClr>
+            </a:solidFill>
+          </p:spPr>
+          <p:style>
+            <a:lnRef idx="2">
+              <a:schemeClr val="accent1">
+                <a:shade val="50000"/>
+              </a:schemeClr>
+            </a:lnRef>
+            <a:fillRef idx="1">
+              <a:schemeClr val="accent1"/>
+            </a:fillRef>
+            <a:effectRef idx="0">
+              <a:schemeClr val="accent1"/>
+            </a:effectRef>
+            <a:fontRef idx="minor">
+              <a:schemeClr val="lt1"/>
+            </a:fontRef>
+          </p:style>
+          <p:txBody>
+            <a:bodyPr rtlCol="0" anchor="ctr"/>
+            <a:lstStyle/>
+            <a:p>
+              <a:pPr algn="ctr"/>
+              <a:endParaRPr lang="en-US"/>
+            </a:p>
+          </p:txBody>
+        </p:sp>
+        <p:sp>
+          <p:nvSpPr>
+            <p:cNvPr id="10" name="Oval 9">
+              <a:extLst>
+                <a:ext uri="{FF2B5EF4-FFF2-40B4-BE49-F238E27FC236}">
+                  <a16:creationId xmlns:a16="http://schemas.microsoft.com/office/drawing/2014/main" id="{49C06CA3-80B9-2042-9740-94E387CAEB58}"/>
+                </a:ext>
+              </a:extLst>
+            </p:cNvPr>
+            <p:cNvSpPr/>
+            <p:nvPr/>
+          </p:nvSpPr>
+          <p:spPr>
+            <a:xfrm>
+              <a:off x="2434590" y="3088101"/>
+              <a:ext cx="205740" cy="205740"/>
+            </a:xfrm>
+            <a:prstGeom prst="ellipse">
+              <a:avLst/>
+            </a:prstGeom>
+            <a:solidFill>
+              <a:schemeClr val="accent6">
+                <a:lumMod val="75000"/>
+              </a:schemeClr>
+            </a:solidFill>
+            <a:ln>
+              <a:solidFill>
+                <a:schemeClr val="accent6">
+                  <a:lumMod val="75000"/>
+                </a:schemeClr>
+              </a:solidFill>
+            </a:ln>
+          </p:spPr>
+          <p:style>
+            <a:lnRef idx="2">
+              <a:schemeClr val="accent1">
+                <a:shade val="50000"/>
+              </a:schemeClr>
+            </a:lnRef>
+            <a:fillRef idx="1">
+              <a:schemeClr val="accent1"/>
+            </a:fillRef>
+            <a:effectRef idx="0">
+              <a:schemeClr val="accent1"/>
+            </a:effectRef>
+            <a:fontRef idx="minor">
+              <a:schemeClr val="lt1"/>
+            </a:fontRef>
+          </p:style>
+          <p:txBody>
+            <a:bodyPr rtlCol="0" anchor="ctr"/>
+            <a:lstStyle/>
+            <a:p>
+              <a:pPr algn="ctr"/>
+              <a:endParaRPr lang="en-US"/>
+            </a:p>
+          </p:txBody>
+        </p:sp>
+        <p:sp>
+          <p:nvSpPr>
+            <p:cNvPr id="11" name="TextBox 10">
+              <a:extLst>
+                <a:ext uri="{FF2B5EF4-FFF2-40B4-BE49-F238E27FC236}">
+                  <a16:creationId xmlns:a16="http://schemas.microsoft.com/office/drawing/2014/main" id="{5D4D47CA-6B9D-5B4D-BABF-1A15EA7BD817}"/>
+                </a:ext>
+              </a:extLst>
+            </p:cNvPr>
+            <p:cNvSpPr txBox="1"/>
+            <p:nvPr/>
+          </p:nvSpPr>
+          <p:spPr>
+            <a:xfrm>
+              <a:off x="1998252" y="2266363"/>
+              <a:ext cx="436338" cy="461665"/>
+            </a:xfrm>
+            <a:prstGeom prst="rect">
+              <a:avLst/>
+            </a:prstGeom>
+            <a:noFill/>
+          </p:spPr>
+          <p:txBody>
+            <a:bodyPr wrap="none" rtlCol="0">
+              <a:spAutoFit/>
+            </a:bodyPr>
+            <a:lstStyle/>
+            <a:p>
+              <a:r>
+                <a:rPr lang="en-US" sz="2400" b="1" dirty="0">
+                  <a:latin typeface="Bookman Old Style" panose="02050604050505020204" pitchFamily="18" charset="0"/>
+                </a:rPr>
+                <a:t>H</a:t>
+              </a:r>
+            </a:p>
+          </p:txBody>
+        </p:sp>
+        <p:sp>
+          <p:nvSpPr>
+            <p:cNvPr id="12" name="TextBox 11">
+              <a:extLst>
+                <a:ext uri="{FF2B5EF4-FFF2-40B4-BE49-F238E27FC236}">
+                  <a16:creationId xmlns:a16="http://schemas.microsoft.com/office/drawing/2014/main" id="{5998B3B4-ABDE-A548-8173-DCA6092C5B19}"/>
+                </a:ext>
+              </a:extLst>
+            </p:cNvPr>
+            <p:cNvSpPr txBox="1"/>
+            <p:nvPr/>
+          </p:nvSpPr>
+          <p:spPr>
+            <a:xfrm>
+              <a:off x="2016687" y="3088101"/>
+              <a:ext cx="399468" cy="461665"/>
+            </a:xfrm>
+            <a:prstGeom prst="rect">
+              <a:avLst/>
+            </a:prstGeom>
+            <a:noFill/>
+          </p:spPr>
+          <p:txBody>
+            <a:bodyPr wrap="none" rtlCol="0">
+              <a:spAutoFit/>
+            </a:bodyPr>
+            <a:lstStyle/>
+            <a:p>
+              <a:r>
+                <a:rPr lang="en-US" sz="2400" b="1" dirty="0">
+                  <a:latin typeface="Bookman Old Style" panose="02050604050505020204" pitchFamily="18" charset="0"/>
+                </a:rPr>
+                <a:t>T</a:t>
+              </a:r>
+            </a:p>
+          </p:txBody>
+        </p:sp>
+        <p:cxnSp>
+          <p:nvCxnSpPr>
+            <p:cNvPr id="14" name="Straight Arrow Connector 13">
+              <a:extLst>
+                <a:ext uri="{FF2B5EF4-FFF2-40B4-BE49-F238E27FC236}">
+                  <a16:creationId xmlns:a16="http://schemas.microsoft.com/office/drawing/2014/main" id="{57087A8D-DCC6-C240-9B7D-6C0847135B72}"/>
+                </a:ext>
+              </a:extLst>
+            </p:cNvPr>
+            <p:cNvCxnSpPr>
+              <a:cxnSpLocks/>
+            </p:cNvCxnSpPr>
+            <p:nvPr/>
+          </p:nvCxnSpPr>
+          <p:spPr>
+            <a:xfrm>
+              <a:off x="4987636" y="2894131"/>
+              <a:ext cx="3904904" cy="0"/>
+            </a:xfrm>
+            <a:prstGeom prst="straightConnector1">
+              <a:avLst/>
+            </a:prstGeom>
+            <a:ln w="28575">
+              <a:solidFill>
+                <a:schemeClr val="tx1">
+                  <a:lumMod val="85000"/>
+                  <a:lumOff val="15000"/>
+                </a:schemeClr>
+              </a:solidFill>
+              <a:tailEnd type="stealth" w="lg" len="lg"/>
+            </a:ln>
+          </p:spPr>
+          <p:style>
+            <a:lnRef idx="1">
+              <a:schemeClr val="accent1"/>
+            </a:lnRef>
+            <a:fillRef idx="0">
+              <a:schemeClr val="accent1"/>
+            </a:fillRef>
+            <a:effectRef idx="0">
+              <a:schemeClr val="accent1"/>
+            </a:effectRef>
+            <a:fontRef idx="minor">
+              <a:schemeClr val="tx1"/>
+            </a:fontRef>
+          </p:style>
+        </p:cxnSp>
+        <p:cxnSp>
+          <p:nvCxnSpPr>
+            <p:cNvPr id="18" name="Straight Arrow Connector 17">
+              <a:extLst>
+                <a:ext uri="{FF2B5EF4-FFF2-40B4-BE49-F238E27FC236}">
+                  <a16:creationId xmlns:a16="http://schemas.microsoft.com/office/drawing/2014/main" id="{D760D21B-9A44-954D-A1C6-7BC7699B6A0D}"/>
+                </a:ext>
+              </a:extLst>
+            </p:cNvPr>
+            <p:cNvCxnSpPr>
+              <a:cxnSpLocks/>
+            </p:cNvCxnSpPr>
+            <p:nvPr/>
+          </p:nvCxnSpPr>
+          <p:spPr>
+            <a:xfrm flipV="1">
+              <a:off x="5695950" y="2754976"/>
+              <a:ext cx="0" cy="278310"/>
+            </a:xfrm>
+            <a:prstGeom prst="straightConnector1">
+              <a:avLst/>
+            </a:prstGeom>
+            <a:ln w="28575">
+              <a:solidFill>
+                <a:schemeClr val="tx1">
+                  <a:lumMod val="85000"/>
+                  <a:lumOff val="15000"/>
+                </a:schemeClr>
+              </a:solidFill>
+              <a:tailEnd type="none" w="lg" len="lg"/>
+            </a:ln>
+          </p:spPr>
+          <p:style>
+            <a:lnRef idx="1">
+              <a:schemeClr val="accent1"/>
+            </a:lnRef>
+            <a:fillRef idx="0">
+              <a:schemeClr val="accent1"/>
+            </a:fillRef>
+            <a:effectRef idx="0">
+              <a:schemeClr val="accent1"/>
+            </a:effectRef>
+            <a:fontRef idx="minor">
+              <a:schemeClr val="tx1"/>
+            </a:fontRef>
+          </p:style>
+        </p:cxnSp>
+        <p:cxnSp>
+          <p:nvCxnSpPr>
+            <p:cNvPr id="21" name="Straight Arrow Connector 20">
+              <a:extLst>
+                <a:ext uri="{FF2B5EF4-FFF2-40B4-BE49-F238E27FC236}">
+                  <a16:creationId xmlns:a16="http://schemas.microsoft.com/office/drawing/2014/main" id="{B9B8B844-7B67-0F4C-AC20-E0E9A16CBB2C}"/>
+                </a:ext>
+              </a:extLst>
+            </p:cNvPr>
+            <p:cNvCxnSpPr>
+              <a:cxnSpLocks/>
+            </p:cNvCxnSpPr>
+            <p:nvPr/>
+          </p:nvCxnSpPr>
+          <p:spPr>
+            <a:xfrm flipV="1">
+              <a:off x="7626701" y="2754976"/>
+              <a:ext cx="0" cy="278310"/>
+            </a:xfrm>
+            <a:prstGeom prst="straightConnector1">
+              <a:avLst/>
+            </a:prstGeom>
+            <a:ln w="28575">
+              <a:solidFill>
+                <a:schemeClr val="tx1">
+                  <a:lumMod val="85000"/>
+                  <a:lumOff val="15000"/>
+                </a:schemeClr>
+              </a:solidFill>
+              <a:tailEnd type="none" w="lg" len="lg"/>
+            </a:ln>
+          </p:spPr>
+          <p:style>
+            <a:lnRef idx="1">
+              <a:schemeClr val="accent1"/>
+            </a:lnRef>
+            <a:fillRef idx="0">
+              <a:schemeClr val="accent1"/>
+            </a:fillRef>
+            <a:effectRef idx="0">
+              <a:schemeClr val="accent1"/>
+            </a:effectRef>
+            <a:fontRef idx="minor">
+              <a:schemeClr val="tx1"/>
+            </a:fontRef>
+          </p:style>
+        </p:cxnSp>
+        <p:sp>
+          <p:nvSpPr>
+            <p:cNvPr id="23" name="TextBox 22">
+              <a:extLst>
+                <a:ext uri="{FF2B5EF4-FFF2-40B4-BE49-F238E27FC236}">
+                  <a16:creationId xmlns:a16="http://schemas.microsoft.com/office/drawing/2014/main" id="{356F14ED-1F89-374B-8F1C-E5531F81E68D}"/>
+                </a:ext>
+              </a:extLst>
+            </p:cNvPr>
+            <p:cNvSpPr txBox="1"/>
+            <p:nvPr/>
+          </p:nvSpPr>
+          <p:spPr>
+            <a:xfrm>
+              <a:off x="5543550" y="3141650"/>
+              <a:ext cx="552450" cy="461665"/>
+            </a:xfrm>
+            <a:prstGeom prst="rect">
+              <a:avLst/>
+            </a:prstGeom>
+            <a:noFill/>
+          </p:spPr>
+          <p:txBody>
+            <a:bodyPr wrap="square" rtlCol="0">
+              <a:spAutoFit/>
+            </a:bodyPr>
+            <a:lstStyle/>
+            <a:p>
+              <a:r>
+                <a:rPr lang="en-US" sz="2400" dirty="0"/>
+                <a:t>0</a:t>
+              </a:r>
+            </a:p>
+          </p:txBody>
+        </p:sp>
+        <p:sp>
+          <p:nvSpPr>
+            <p:cNvPr id="24" name="TextBox 23">
+              <a:extLst>
+                <a:ext uri="{FF2B5EF4-FFF2-40B4-BE49-F238E27FC236}">
+                  <a16:creationId xmlns:a16="http://schemas.microsoft.com/office/drawing/2014/main" id="{4DFC9158-1143-1245-9BC7-FA616BEC34BF}"/>
+                </a:ext>
+              </a:extLst>
+            </p:cNvPr>
+            <p:cNvSpPr txBox="1"/>
+            <p:nvPr/>
+          </p:nvSpPr>
+          <p:spPr>
+            <a:xfrm>
+              <a:off x="7520619" y="3141650"/>
+              <a:ext cx="552450" cy="461665"/>
+            </a:xfrm>
+            <a:prstGeom prst="rect">
+              <a:avLst/>
+            </a:prstGeom>
+            <a:noFill/>
+          </p:spPr>
+          <p:txBody>
+            <a:bodyPr wrap="square" rtlCol="0">
+              <a:spAutoFit/>
+            </a:bodyPr>
+            <a:lstStyle/>
+            <a:p>
+              <a:r>
+                <a:rPr lang="en-US" sz="2400" dirty="0"/>
+                <a:t>1</a:t>
+              </a:r>
+            </a:p>
+          </p:txBody>
+        </p:sp>
+        <p:grpSp>
+          <p:nvGrpSpPr>
+            <p:cNvPr id="41" name="Group 40">
+              <a:extLst>
+                <a:ext uri="{FF2B5EF4-FFF2-40B4-BE49-F238E27FC236}">
+                  <a16:creationId xmlns:a16="http://schemas.microsoft.com/office/drawing/2014/main" id="{7A9295C7-485B-B942-BC04-250D3ED8A51F}"/>
+                </a:ext>
+              </a:extLst>
+            </p:cNvPr>
+            <p:cNvGrpSpPr/>
+            <p:nvPr/>
+          </p:nvGrpSpPr>
+          <p:grpSpPr>
+            <a:xfrm>
+              <a:off x="2640330" y="1574659"/>
+              <a:ext cx="4926883" cy="1245737"/>
+              <a:chOff x="2640330" y="1574659"/>
+              <a:chExt cx="4926883" cy="1245737"/>
+            </a:xfrm>
+          </p:grpSpPr>
+          <p:cxnSp>
+            <p:nvCxnSpPr>
+              <p:cNvPr id="29" name="Straight Connector 28">
+                <a:extLst>
+                  <a:ext uri="{FF2B5EF4-FFF2-40B4-BE49-F238E27FC236}">
+                    <a16:creationId xmlns:a16="http://schemas.microsoft.com/office/drawing/2014/main" id="{70FA8823-861E-4D4D-A28F-2B3B94201797}"/>
+                  </a:ext>
+                </a:extLst>
+              </p:cNvPr>
+              <p:cNvCxnSpPr>
+                <a:cxnSpLocks/>
+              </p:cNvCxnSpPr>
+              <p:nvPr/>
+            </p:nvCxnSpPr>
+            <p:spPr>
+              <a:xfrm flipV="1">
+                <a:off x="2640330" y="1574659"/>
+                <a:ext cx="891781" cy="691704"/>
+              </a:xfrm>
+              <a:prstGeom prst="line">
+                <a:avLst/>
+              </a:prstGeom>
+              <a:ln w="28575">
+                <a:solidFill>
+                  <a:schemeClr val="accent1"/>
+                </a:solidFill>
+              </a:ln>
+            </p:spPr>
+            <p:style>
+              <a:lnRef idx="2">
+                <a:schemeClr val="dk1"/>
+              </a:lnRef>
+              <a:fillRef idx="0">
+                <a:schemeClr val="dk1"/>
+              </a:fillRef>
+              <a:effectRef idx="1">
+                <a:schemeClr val="dk1"/>
+              </a:effectRef>
+              <a:fontRef idx="minor">
+                <a:schemeClr val="tx1"/>
+              </a:fontRef>
+            </p:style>
+          </p:cxnSp>
+          <p:cxnSp>
+            <p:nvCxnSpPr>
+              <p:cNvPr id="32" name="Straight Connector 31">
+                <a:extLst>
+                  <a:ext uri="{FF2B5EF4-FFF2-40B4-BE49-F238E27FC236}">
+                    <a16:creationId xmlns:a16="http://schemas.microsoft.com/office/drawing/2014/main" id="{ABCADDAF-D6E5-934D-9053-BF786F2184BB}"/>
+                  </a:ext>
+                </a:extLst>
+              </p:cNvPr>
+              <p:cNvCxnSpPr>
+                <a:cxnSpLocks/>
+              </p:cNvCxnSpPr>
+              <p:nvPr/>
+            </p:nvCxnSpPr>
+            <p:spPr>
+              <a:xfrm>
+                <a:off x="3532111" y="1574659"/>
+                <a:ext cx="3228907" cy="0"/>
+              </a:xfrm>
+              <a:prstGeom prst="line">
+                <a:avLst/>
+              </a:prstGeom>
+              <a:ln w="28575">
+                <a:solidFill>
+                  <a:schemeClr val="accent1"/>
+                </a:solidFill>
+              </a:ln>
+            </p:spPr>
+            <p:style>
+              <a:lnRef idx="1">
                 <a:schemeClr val="accent1"/>
+              </a:lnRef>
+              <a:fillRef idx="0">
+                <a:schemeClr val="accent1"/>
+              </a:fillRef>
+              <a:effectRef idx="0">
+                <a:schemeClr val="accent1"/>
+              </a:effectRef>
+              <a:fontRef idx="minor">
+                <a:schemeClr val="tx1"/>
+              </a:fontRef>
+            </p:style>
+          </p:cxnSp>
+          <p:cxnSp>
+            <p:nvCxnSpPr>
+              <p:cNvPr id="34" name="Straight Arrow Connector 33">
+                <a:extLst>
+                  <a:ext uri="{FF2B5EF4-FFF2-40B4-BE49-F238E27FC236}">
+                    <a16:creationId xmlns:a16="http://schemas.microsoft.com/office/drawing/2014/main" id="{99F40CF2-4D33-F344-999D-A04957EC6A26}"/>
+                  </a:ext>
+                </a:extLst>
+              </p:cNvPr>
+              <p:cNvCxnSpPr>
+                <a:cxnSpLocks/>
+                <a:endCxn id="37" idx="1"/>
+              </p:cNvCxnSpPr>
+              <p:nvPr/>
+            </p:nvCxnSpPr>
+            <p:spPr>
+              <a:xfrm>
+                <a:off x="6761018" y="1574659"/>
+                <a:ext cx="806195" cy="1245737"/>
+              </a:xfrm>
+              <a:prstGeom prst="straightConnector1">
+                <a:avLst/>
+              </a:prstGeom>
+              <a:ln w="28575">
+                <a:solidFill>
+                  <a:schemeClr val="accent1"/>
+                </a:solidFill>
+                <a:tailEnd type="stealth" w="lg" len="lg"/>
+              </a:ln>
+            </p:spPr>
+            <p:style>
+              <a:lnRef idx="1">
+                <a:schemeClr val="accent1"/>
+              </a:lnRef>
+              <a:fillRef idx="0">
+                <a:schemeClr val="accent1"/>
+              </a:fillRef>
+              <a:effectRef idx="0">
+                <a:schemeClr val="accent1"/>
+              </a:effectRef>
+              <a:fontRef idx="minor">
+                <a:schemeClr val="tx1"/>
+              </a:fontRef>
+            </p:style>
+          </p:cxnSp>
+        </p:grpSp>
+        <p:sp>
+          <p:nvSpPr>
+            <p:cNvPr id="37" name="Oval 36">
+              <a:extLst>
+                <a:ext uri="{FF2B5EF4-FFF2-40B4-BE49-F238E27FC236}">
+                  <a16:creationId xmlns:a16="http://schemas.microsoft.com/office/drawing/2014/main" id="{4FA38ACB-A2E2-E640-95F1-B14BCDFC0018}"/>
+                </a:ext>
+              </a:extLst>
+            </p:cNvPr>
+            <p:cNvSpPr/>
+            <p:nvPr/>
+          </p:nvSpPr>
+          <p:spPr>
+            <a:xfrm>
+              <a:off x="7537083" y="2790266"/>
+              <a:ext cx="205740" cy="205740"/>
+            </a:xfrm>
+            <a:prstGeom prst="ellipse">
+              <a:avLst/>
+            </a:prstGeom>
+            <a:solidFill>
+              <a:schemeClr val="accent1"/>
+            </a:solidFill>
+          </p:spPr>
+          <p:style>
+            <a:lnRef idx="2">
+              <a:schemeClr val="accent1">
+                <a:shade val="50000"/>
+              </a:schemeClr>
+            </a:lnRef>
+            <a:fillRef idx="1">
+              <a:schemeClr val="accent1"/>
+            </a:fillRef>
+            <a:effectRef idx="0">
+              <a:schemeClr val="accent1"/>
+            </a:effectRef>
+            <a:fontRef idx="minor">
+              <a:schemeClr val="lt1"/>
+            </a:fontRef>
+          </p:style>
+          <p:txBody>
+            <a:bodyPr rtlCol="0" anchor="ctr"/>
+            <a:lstStyle/>
+            <a:p>
+              <a:pPr algn="ctr"/>
+              <a:endParaRPr lang="en-US"/>
+            </a:p>
+          </p:txBody>
+        </p:sp>
+        <p:sp>
+          <p:nvSpPr>
+            <p:cNvPr id="38" name="Oval 37">
+              <a:extLst>
+                <a:ext uri="{FF2B5EF4-FFF2-40B4-BE49-F238E27FC236}">
+                  <a16:creationId xmlns:a16="http://schemas.microsoft.com/office/drawing/2014/main" id="{C788EC9A-1CD6-F14A-AEE2-3DCF60986142}"/>
+                </a:ext>
+              </a:extLst>
+            </p:cNvPr>
+            <p:cNvSpPr/>
+            <p:nvPr/>
+          </p:nvSpPr>
+          <p:spPr>
+            <a:xfrm>
+              <a:off x="5593080" y="2790266"/>
+              <a:ext cx="205740" cy="205740"/>
+            </a:xfrm>
+            <a:prstGeom prst="ellipse">
+              <a:avLst/>
+            </a:prstGeom>
+            <a:solidFill>
+              <a:srgbClr val="FF0000"/>
+            </a:solidFill>
+          </p:spPr>
+          <p:style>
+            <a:lnRef idx="2">
+              <a:schemeClr val="accent1">
+                <a:shade val="50000"/>
+              </a:schemeClr>
+            </a:lnRef>
+            <a:fillRef idx="1">
+              <a:schemeClr val="accent1"/>
+            </a:fillRef>
+            <a:effectRef idx="0">
+              <a:schemeClr val="accent1"/>
+            </a:effectRef>
+            <a:fontRef idx="minor">
+              <a:schemeClr val="lt1"/>
+            </a:fontRef>
+          </p:style>
+          <p:txBody>
+            <a:bodyPr rtlCol="0" anchor="ctr"/>
+            <a:lstStyle/>
+            <a:p>
+              <a:pPr algn="ctr"/>
+              <a:endParaRPr lang="en-US"/>
+            </a:p>
+          </p:txBody>
+        </p:sp>
+        <p:cxnSp>
+          <p:nvCxnSpPr>
+            <p:cNvPr id="43" name="Straight Connector 42">
+              <a:extLst>
+                <a:ext uri="{FF2B5EF4-FFF2-40B4-BE49-F238E27FC236}">
+                  <a16:creationId xmlns:a16="http://schemas.microsoft.com/office/drawing/2014/main" id="{2DB4BB95-F31A-E649-AD4F-143DACC956E2}"/>
+                </a:ext>
+              </a:extLst>
+            </p:cNvPr>
+            <p:cNvCxnSpPr>
+              <a:cxnSpLocks/>
+              <a:stCxn id="10" idx="5"/>
+            </p:cNvCxnSpPr>
+            <p:nvPr/>
+          </p:nvCxnSpPr>
+          <p:spPr>
+            <a:xfrm>
+              <a:off x="2610200" y="3263711"/>
+              <a:ext cx="585387" cy="626467"/>
+            </a:xfrm>
+            <a:prstGeom prst="line">
+              <a:avLst/>
+            </a:prstGeom>
+            <a:ln w="28575">
+              <a:solidFill>
+                <a:schemeClr val="accent6">
+                  <a:lumMod val="75000"/>
+                </a:schemeClr>
+              </a:solidFill>
+            </a:ln>
+          </p:spPr>
+          <p:style>
+            <a:lnRef idx="2">
+              <a:schemeClr val="dk1"/>
+            </a:lnRef>
+            <a:fillRef idx="0">
+              <a:schemeClr val="dk1"/>
+            </a:fillRef>
+            <a:effectRef idx="1">
+              <a:schemeClr val="dk1"/>
+            </a:effectRef>
+            <a:fontRef idx="minor">
+              <a:schemeClr val="tx1"/>
+            </a:fontRef>
+          </p:style>
+        </p:cxnSp>
+        <p:cxnSp>
+          <p:nvCxnSpPr>
+            <p:cNvPr id="44" name="Straight Connector 43">
+              <a:extLst>
+                <a:ext uri="{FF2B5EF4-FFF2-40B4-BE49-F238E27FC236}">
+                  <a16:creationId xmlns:a16="http://schemas.microsoft.com/office/drawing/2014/main" id="{03E043CB-8AE5-004F-819F-2BEFB1304711}"/>
+                </a:ext>
+              </a:extLst>
+            </p:cNvPr>
+            <p:cNvCxnSpPr>
+              <a:cxnSpLocks/>
+            </p:cNvCxnSpPr>
+            <p:nvPr/>
+          </p:nvCxnSpPr>
+          <p:spPr>
+            <a:xfrm>
+              <a:off x="3195587" y="3890178"/>
+              <a:ext cx="1691674" cy="0"/>
+            </a:xfrm>
+            <a:prstGeom prst="line">
+              <a:avLst/>
+            </a:prstGeom>
+            <a:ln w="28575">
+              <a:solidFill>
+                <a:schemeClr val="accent6">
+                  <a:lumMod val="75000"/>
+                </a:schemeClr>
+              </a:solidFill>
+            </a:ln>
+          </p:spPr>
+          <p:style>
+            <a:lnRef idx="1">
+              <a:schemeClr val="accent1"/>
+            </a:lnRef>
+            <a:fillRef idx="0">
+              <a:schemeClr val="accent1"/>
+            </a:fillRef>
+            <a:effectRef idx="0">
+              <a:schemeClr val="accent1"/>
+            </a:effectRef>
+            <a:fontRef idx="minor">
+              <a:schemeClr val="tx1"/>
+            </a:fontRef>
+          </p:style>
+        </p:cxnSp>
+        <p:cxnSp>
+          <p:nvCxnSpPr>
+            <p:cNvPr id="45" name="Straight Arrow Connector 44">
+              <a:extLst>
+                <a:ext uri="{FF2B5EF4-FFF2-40B4-BE49-F238E27FC236}">
+                  <a16:creationId xmlns:a16="http://schemas.microsoft.com/office/drawing/2014/main" id="{BA51A3FE-EB0B-4247-8FE9-0E936E7A8FF1}"/>
+                </a:ext>
+              </a:extLst>
+            </p:cNvPr>
+            <p:cNvCxnSpPr>
+              <a:cxnSpLocks/>
+              <a:endCxn id="38" idx="3"/>
+            </p:cNvCxnSpPr>
+            <p:nvPr/>
+          </p:nvCxnSpPr>
+          <p:spPr>
+            <a:xfrm flipV="1">
+              <a:off x="4887261" y="2965876"/>
+              <a:ext cx="735949" cy="924302"/>
+            </a:xfrm>
+            <a:prstGeom prst="straightConnector1">
+              <a:avLst/>
+            </a:prstGeom>
+            <a:ln w="28575">
+              <a:solidFill>
+                <a:schemeClr val="accent6">
+                  <a:lumMod val="75000"/>
+                </a:schemeClr>
               </a:solidFill>
               <a:tailEnd type="stealth" w="lg" len="lg"/>
             </a:ln>
@@ -4343,172 +5917,1444 @@
       </p:grpSp>
       <p:sp>
         <p:nvSpPr>
-          <p:cNvPr id="37" name="Oval 36">
+          <p:cNvPr id="4" name="TextBox 3">
             <a:extLst>
               <a:ext uri="{FF2B5EF4-FFF2-40B4-BE49-F238E27FC236}">
-                <a16:creationId xmlns:a16="http://schemas.microsoft.com/office/drawing/2014/main" id="{4FA38ACB-A2E2-E640-95F1-B14BCDFC0018}"/>
+                <a16:creationId xmlns:a16="http://schemas.microsoft.com/office/drawing/2014/main" id="{6A90FA25-ED6B-8E49-B60A-4CBEA444E037}"/>
               </a:ext>
             </a:extLst>
           </p:cNvPr>
-          <p:cNvSpPr/>
+          <p:cNvSpPr txBox="1"/>
           <p:nvPr/>
         </p:nvSpPr>
         <p:spPr>
           <a:xfrm>
-            <a:off x="7537083" y="2790266"/>
-            <a:ext cx="205740" cy="205740"/>
+            <a:off x="5469239" y="2643154"/>
+            <a:ext cx="1132114" cy="523220"/>
           </a:xfrm>
-          <a:prstGeom prst="ellipse">
+          <a:prstGeom prst="rect">
             <a:avLst/>
           </a:prstGeom>
-          <a:solidFill>
-            <a:schemeClr val="accent1"/>
-          </a:solidFill>
+          <a:noFill/>
         </p:spPr>
-        <p:style>
-          <a:lnRef idx="2">
-            <a:schemeClr val="accent1">
-              <a:shade val="50000"/>
-            </a:schemeClr>
-          </a:lnRef>
-          <a:fillRef idx="1">
-            <a:schemeClr val="accent1"/>
-          </a:fillRef>
-          <a:effectRef idx="0">
-            <a:schemeClr val="accent1"/>
-          </a:effectRef>
-          <a:fontRef idx="minor">
-            <a:schemeClr val="lt1"/>
-          </a:fontRef>
-        </p:style>
         <p:txBody>
-          <a:bodyPr rtlCol="0" anchor="ctr"/>
+          <a:bodyPr wrap="square" rtlCol="0">
+            <a:spAutoFit/>
+          </a:bodyPr>
           <a:lstStyle/>
           <a:p>
-            <a:pPr algn="ctr"/>
-            <a:endParaRPr lang="en-US"/>
+            <a:r>
+              <a:rPr lang="en-US" sz="2800" b="1" dirty="0">
+                <a:solidFill>
+                  <a:schemeClr val="accent6">
+                    <a:lumMod val="75000"/>
+                  </a:schemeClr>
+                </a:solidFill>
+              </a:rPr>
+              <a:t>✕</a:t>
+            </a:r>
           </a:p>
         </p:txBody>
       </p:sp>
-      <p:sp>
-        <p:nvSpPr>
-          <p:cNvPr id="38" name="Oval 37">
+      <p:pic>
+        <p:nvPicPr>
+          <p:cNvPr id="25" name="Picture 24">
             <a:extLst>
               <a:ext uri="{FF2B5EF4-FFF2-40B4-BE49-F238E27FC236}">
-                <a16:creationId xmlns:a16="http://schemas.microsoft.com/office/drawing/2014/main" id="{C788EC9A-1CD6-F14A-AEE2-3DCF60986142}"/>
+                <a16:creationId xmlns:a16="http://schemas.microsoft.com/office/drawing/2014/main" id="{73BCDB33-2B1D-804E-9926-57AD705BD73F}"/>
               </a:ext>
             </a:extLst>
           </p:cNvPr>
-          <p:cNvSpPr/>
+          <p:cNvPicPr>
+            <a:picLocks noChangeAspect="1"/>
+          </p:cNvPicPr>
+          <p:nvPr/>
+        </p:nvPicPr>
+        <p:blipFill>
+          <a:blip r:embed="rId2"/>
+          <a:stretch>
+            <a:fillRect/>
+          </a:stretch>
+        </p:blipFill>
+        <p:spPr>
+          <a:xfrm>
+            <a:off x="5146564" y="2175124"/>
+            <a:ext cx="1231900" cy="342900"/>
+          </a:xfrm>
+          <a:prstGeom prst="rect">
+            <a:avLst/>
+          </a:prstGeom>
+        </p:spPr>
+      </p:pic>
+    </p:spTree>
+    <p:extLst>
+      <p:ext uri="{BB962C8B-B14F-4D97-AF65-F5344CB8AC3E}">
+        <p14:creationId xmlns:p14="http://schemas.microsoft.com/office/powerpoint/2010/main" val="2071395096"/>
+      </p:ext>
+    </p:extLst>
+  </p:cSld>
+  <p:clrMapOvr>
+    <a:masterClrMapping/>
+  </p:clrMapOvr>
+</p:sld>
+</file>
+
+<file path=ppt/slides/slide3.xml><?xml version="1.0" encoding="utf-8"?>
+<p:sld xmlns:a="http://schemas.openxmlformats.org/drawingml/2006/main" xmlns:r="http://schemas.openxmlformats.org/officeDocument/2006/relationships" xmlns:p="http://schemas.openxmlformats.org/presentationml/2006/main">
+  <p:cSld>
+    <p:spTree>
+      <p:nvGrpSpPr>
+        <p:cNvPr id="1" name=""/>
+        <p:cNvGrpSpPr/>
+        <p:nvPr/>
+      </p:nvGrpSpPr>
+      <p:grpSpPr>
+        <a:xfrm>
+          <a:off x="0" y="0"/>
+          <a:ext cx="0" cy="0"/>
+          <a:chOff x="0" y="0"/>
+          <a:chExt cx="0" cy="0"/>
+        </a:xfrm>
+      </p:grpSpPr>
+      <p:grpSp>
+        <p:nvGrpSpPr>
+          <p:cNvPr id="2" name="Group 1">
+            <a:extLst>
+              <a:ext uri="{FF2B5EF4-FFF2-40B4-BE49-F238E27FC236}">
+                <a16:creationId xmlns:a16="http://schemas.microsoft.com/office/drawing/2014/main" id="{B91F0A2D-2AF7-1F43-8118-48E39FC081F4}"/>
+              </a:ext>
+            </a:extLst>
+          </p:cNvPr>
+          <p:cNvGrpSpPr/>
+          <p:nvPr/>
+        </p:nvGrpSpPr>
+        <p:grpSpPr>
+          <a:xfrm>
+            <a:off x="1414073" y="1395452"/>
+            <a:ext cx="7478467" cy="2839502"/>
+            <a:chOff x="1414073" y="1395452"/>
+            <a:chExt cx="7478467" cy="2839502"/>
+          </a:xfrm>
+        </p:grpSpPr>
+        <p:sp>
+          <p:nvSpPr>
+            <p:cNvPr id="8" name="Freeform 7">
+              <a:extLst>
+                <a:ext uri="{FF2B5EF4-FFF2-40B4-BE49-F238E27FC236}">
+                  <a16:creationId xmlns:a16="http://schemas.microsoft.com/office/drawing/2014/main" id="{30149E8B-A17F-DA46-B277-BE016F789BFC}"/>
+                </a:ext>
+              </a:extLst>
+            </p:cNvPr>
+            <p:cNvSpPr/>
+            <p:nvPr/>
+          </p:nvSpPr>
+          <p:spPr>
+            <a:xfrm>
+              <a:off x="1414073" y="1395452"/>
+              <a:ext cx="2117773" cy="2839502"/>
+            </a:xfrm>
+            <a:custGeom>
+              <a:avLst/>
+              <a:gdLst>
+                <a:gd name="connsiteX0" fmla="*/ 354491 w 2195042"/>
+                <a:gd name="connsiteY0" fmla="*/ 491545 h 2896527"/>
+                <a:gd name="connsiteX1" fmla="*/ 754541 w 2195042"/>
+                <a:gd name="connsiteY1" fmla="*/ 55 h 2896527"/>
+                <a:gd name="connsiteX2" fmla="*/ 1063151 w 2195042"/>
+                <a:gd name="connsiteY2" fmla="*/ 457255 h 2896527"/>
+                <a:gd name="connsiteX3" fmla="*/ 1588931 w 2195042"/>
+                <a:gd name="connsiteY3" fmla="*/ 148645 h 2896527"/>
+                <a:gd name="connsiteX4" fmla="*/ 2057561 w 2195042"/>
+                <a:gd name="connsiteY4" fmla="*/ 720145 h 2896527"/>
+                <a:gd name="connsiteX5" fmla="*/ 1886111 w 2195042"/>
+                <a:gd name="connsiteY5" fmla="*/ 1165915 h 2896527"/>
+                <a:gd name="connsiteX6" fmla="*/ 2194721 w 2195042"/>
+                <a:gd name="connsiteY6" fmla="*/ 1840285 h 2896527"/>
+                <a:gd name="connsiteX7" fmla="*/ 1817531 w 2195042"/>
+                <a:gd name="connsiteY7" fmla="*/ 2720395 h 2896527"/>
+                <a:gd name="connsiteX8" fmla="*/ 1291751 w 2195042"/>
+                <a:gd name="connsiteY8" fmla="*/ 2526085 h 2896527"/>
+                <a:gd name="connsiteX9" fmla="*/ 537371 w 2195042"/>
+                <a:gd name="connsiteY9" fmla="*/ 2891845 h 2896527"/>
+                <a:gd name="connsiteX10" fmla="*/ 525941 w 2195042"/>
+                <a:gd name="connsiteY10" fmla="*/ 2217475 h 2896527"/>
+                <a:gd name="connsiteX11" fmla="*/ 161 w 2195042"/>
+                <a:gd name="connsiteY11" fmla="*/ 1771705 h 2896527"/>
+                <a:gd name="connsiteX12" fmla="*/ 468791 w 2195042"/>
+                <a:gd name="connsiteY12" fmla="*/ 1211635 h 2896527"/>
+                <a:gd name="connsiteX13" fmla="*/ 354491 w 2195042"/>
+                <a:gd name="connsiteY13" fmla="*/ 491545 h 2896527"/>
+                <a:gd name="connsiteX0" fmla="*/ 354491 w 2194777"/>
+                <a:gd name="connsiteY0" fmla="*/ 491545 h 2896527"/>
+                <a:gd name="connsiteX1" fmla="*/ 754541 w 2194777"/>
+                <a:gd name="connsiteY1" fmla="*/ 55 h 2896527"/>
+                <a:gd name="connsiteX2" fmla="*/ 1063151 w 2194777"/>
+                <a:gd name="connsiteY2" fmla="*/ 457255 h 2896527"/>
+                <a:gd name="connsiteX3" fmla="*/ 1588931 w 2194777"/>
+                <a:gd name="connsiteY3" fmla="*/ 148645 h 2896527"/>
+                <a:gd name="connsiteX4" fmla="*/ 2057561 w 2194777"/>
+                <a:gd name="connsiteY4" fmla="*/ 720145 h 2896527"/>
+                <a:gd name="connsiteX5" fmla="*/ 1847610 w 2194777"/>
+                <a:gd name="connsiteY5" fmla="*/ 1339170 h 2896527"/>
+                <a:gd name="connsiteX6" fmla="*/ 2194721 w 2194777"/>
+                <a:gd name="connsiteY6" fmla="*/ 1840285 h 2896527"/>
+                <a:gd name="connsiteX7" fmla="*/ 1817531 w 2194777"/>
+                <a:gd name="connsiteY7" fmla="*/ 2720395 h 2896527"/>
+                <a:gd name="connsiteX8" fmla="*/ 1291751 w 2194777"/>
+                <a:gd name="connsiteY8" fmla="*/ 2526085 h 2896527"/>
+                <a:gd name="connsiteX9" fmla="*/ 537371 w 2194777"/>
+                <a:gd name="connsiteY9" fmla="*/ 2891845 h 2896527"/>
+                <a:gd name="connsiteX10" fmla="*/ 525941 w 2194777"/>
+                <a:gd name="connsiteY10" fmla="*/ 2217475 h 2896527"/>
+                <a:gd name="connsiteX11" fmla="*/ 161 w 2194777"/>
+                <a:gd name="connsiteY11" fmla="*/ 1771705 h 2896527"/>
+                <a:gd name="connsiteX12" fmla="*/ 468791 w 2194777"/>
+                <a:gd name="connsiteY12" fmla="*/ 1211635 h 2896527"/>
+                <a:gd name="connsiteX13" fmla="*/ 354491 w 2194777"/>
+                <a:gd name="connsiteY13" fmla="*/ 491545 h 2896527"/>
+                <a:gd name="connsiteX0" fmla="*/ 354470 w 2194756"/>
+                <a:gd name="connsiteY0" fmla="*/ 491545 h 2896527"/>
+                <a:gd name="connsiteX1" fmla="*/ 754520 w 2194756"/>
+                <a:gd name="connsiteY1" fmla="*/ 55 h 2896527"/>
+                <a:gd name="connsiteX2" fmla="*/ 1063130 w 2194756"/>
+                <a:gd name="connsiteY2" fmla="*/ 457255 h 2896527"/>
+                <a:gd name="connsiteX3" fmla="*/ 1588910 w 2194756"/>
+                <a:gd name="connsiteY3" fmla="*/ 148645 h 2896527"/>
+                <a:gd name="connsiteX4" fmla="*/ 2057540 w 2194756"/>
+                <a:gd name="connsiteY4" fmla="*/ 720145 h 2896527"/>
+                <a:gd name="connsiteX5" fmla="*/ 1847589 w 2194756"/>
+                <a:gd name="connsiteY5" fmla="*/ 1339170 h 2896527"/>
+                <a:gd name="connsiteX6" fmla="*/ 2194700 w 2194756"/>
+                <a:gd name="connsiteY6" fmla="*/ 1840285 h 2896527"/>
+                <a:gd name="connsiteX7" fmla="*/ 1817510 w 2194756"/>
+                <a:gd name="connsiteY7" fmla="*/ 2720395 h 2896527"/>
+                <a:gd name="connsiteX8" fmla="*/ 1291730 w 2194756"/>
+                <a:gd name="connsiteY8" fmla="*/ 2526085 h 2896527"/>
+                <a:gd name="connsiteX9" fmla="*/ 537350 w 2194756"/>
+                <a:gd name="connsiteY9" fmla="*/ 2891845 h 2896527"/>
+                <a:gd name="connsiteX10" fmla="*/ 525920 w 2194756"/>
+                <a:gd name="connsiteY10" fmla="*/ 2217475 h 2896527"/>
+                <a:gd name="connsiteX11" fmla="*/ 140 w 2194756"/>
+                <a:gd name="connsiteY11" fmla="*/ 1771705 h 2896527"/>
+                <a:gd name="connsiteX12" fmla="*/ 536147 w 2194756"/>
+                <a:gd name="connsiteY12" fmla="*/ 1115382 h 2896527"/>
+                <a:gd name="connsiteX13" fmla="*/ 354470 w 2194756"/>
+                <a:gd name="connsiteY13" fmla="*/ 491545 h 2896527"/>
+                <a:gd name="connsiteX0" fmla="*/ 277487 w 2117773"/>
+                <a:gd name="connsiteY0" fmla="*/ 491545 h 2896527"/>
+                <a:gd name="connsiteX1" fmla="*/ 677537 w 2117773"/>
+                <a:gd name="connsiteY1" fmla="*/ 55 h 2896527"/>
+                <a:gd name="connsiteX2" fmla="*/ 986147 w 2117773"/>
+                <a:gd name="connsiteY2" fmla="*/ 457255 h 2896527"/>
+                <a:gd name="connsiteX3" fmla="*/ 1511927 w 2117773"/>
+                <a:gd name="connsiteY3" fmla="*/ 148645 h 2896527"/>
+                <a:gd name="connsiteX4" fmla="*/ 1980557 w 2117773"/>
+                <a:gd name="connsiteY4" fmla="*/ 720145 h 2896527"/>
+                <a:gd name="connsiteX5" fmla="*/ 1770606 w 2117773"/>
+                <a:gd name="connsiteY5" fmla="*/ 1339170 h 2896527"/>
+                <a:gd name="connsiteX6" fmla="*/ 2117717 w 2117773"/>
+                <a:gd name="connsiteY6" fmla="*/ 1840285 h 2896527"/>
+                <a:gd name="connsiteX7" fmla="*/ 1740527 w 2117773"/>
+                <a:gd name="connsiteY7" fmla="*/ 2720395 h 2896527"/>
+                <a:gd name="connsiteX8" fmla="*/ 1214747 w 2117773"/>
+                <a:gd name="connsiteY8" fmla="*/ 2526085 h 2896527"/>
+                <a:gd name="connsiteX9" fmla="*/ 460367 w 2117773"/>
+                <a:gd name="connsiteY9" fmla="*/ 2891845 h 2896527"/>
+                <a:gd name="connsiteX10" fmla="*/ 448937 w 2117773"/>
+                <a:gd name="connsiteY10" fmla="*/ 2217475 h 2896527"/>
+                <a:gd name="connsiteX11" fmla="*/ 159 w 2117773"/>
+                <a:gd name="connsiteY11" fmla="*/ 1656202 h 2896527"/>
+                <a:gd name="connsiteX12" fmla="*/ 459164 w 2117773"/>
+                <a:gd name="connsiteY12" fmla="*/ 1115382 h 2896527"/>
+                <a:gd name="connsiteX13" fmla="*/ 277487 w 2117773"/>
+                <a:gd name="connsiteY13" fmla="*/ 491545 h 2896527"/>
+                <a:gd name="connsiteX0" fmla="*/ 277487 w 2117773"/>
+                <a:gd name="connsiteY0" fmla="*/ 491545 h 2894415"/>
+                <a:gd name="connsiteX1" fmla="*/ 677537 w 2117773"/>
+                <a:gd name="connsiteY1" fmla="*/ 55 h 2894415"/>
+                <a:gd name="connsiteX2" fmla="*/ 986147 w 2117773"/>
+                <a:gd name="connsiteY2" fmla="*/ 457255 h 2894415"/>
+                <a:gd name="connsiteX3" fmla="*/ 1511927 w 2117773"/>
+                <a:gd name="connsiteY3" fmla="*/ 148645 h 2894415"/>
+                <a:gd name="connsiteX4" fmla="*/ 1980557 w 2117773"/>
+                <a:gd name="connsiteY4" fmla="*/ 720145 h 2894415"/>
+                <a:gd name="connsiteX5" fmla="*/ 1770606 w 2117773"/>
+                <a:gd name="connsiteY5" fmla="*/ 1339170 h 2894415"/>
+                <a:gd name="connsiteX6" fmla="*/ 2117717 w 2117773"/>
+                <a:gd name="connsiteY6" fmla="*/ 1840285 h 2894415"/>
+                <a:gd name="connsiteX7" fmla="*/ 1740527 w 2117773"/>
+                <a:gd name="connsiteY7" fmla="*/ 2720395 h 2894415"/>
+                <a:gd name="connsiteX8" fmla="*/ 1214747 w 2117773"/>
+                <a:gd name="connsiteY8" fmla="*/ 2526085 h 2894415"/>
+                <a:gd name="connsiteX9" fmla="*/ 460367 w 2117773"/>
+                <a:gd name="connsiteY9" fmla="*/ 2891845 h 2894415"/>
+                <a:gd name="connsiteX10" fmla="*/ 458563 w 2117773"/>
+                <a:gd name="connsiteY10" fmla="*/ 2304103 h 2894415"/>
+                <a:gd name="connsiteX11" fmla="*/ 159 w 2117773"/>
+                <a:gd name="connsiteY11" fmla="*/ 1656202 h 2894415"/>
+                <a:gd name="connsiteX12" fmla="*/ 459164 w 2117773"/>
+                <a:gd name="connsiteY12" fmla="*/ 1115382 h 2894415"/>
+                <a:gd name="connsiteX13" fmla="*/ 277487 w 2117773"/>
+                <a:gd name="connsiteY13" fmla="*/ 491545 h 2894415"/>
+                <a:gd name="connsiteX0" fmla="*/ 277487 w 2117773"/>
+                <a:gd name="connsiteY0" fmla="*/ 491545 h 2932724"/>
+                <a:gd name="connsiteX1" fmla="*/ 677537 w 2117773"/>
+                <a:gd name="connsiteY1" fmla="*/ 55 h 2932724"/>
+                <a:gd name="connsiteX2" fmla="*/ 986147 w 2117773"/>
+                <a:gd name="connsiteY2" fmla="*/ 457255 h 2932724"/>
+                <a:gd name="connsiteX3" fmla="*/ 1511927 w 2117773"/>
+                <a:gd name="connsiteY3" fmla="*/ 148645 h 2932724"/>
+                <a:gd name="connsiteX4" fmla="*/ 1980557 w 2117773"/>
+                <a:gd name="connsiteY4" fmla="*/ 720145 h 2932724"/>
+                <a:gd name="connsiteX5" fmla="*/ 1770606 w 2117773"/>
+                <a:gd name="connsiteY5" fmla="*/ 1339170 h 2932724"/>
+                <a:gd name="connsiteX6" fmla="*/ 2117717 w 2117773"/>
+                <a:gd name="connsiteY6" fmla="*/ 1840285 h 2932724"/>
+                <a:gd name="connsiteX7" fmla="*/ 1740527 w 2117773"/>
+                <a:gd name="connsiteY7" fmla="*/ 2720395 h 2932724"/>
+                <a:gd name="connsiteX8" fmla="*/ 1214747 w 2117773"/>
+                <a:gd name="connsiteY8" fmla="*/ 2526085 h 2932724"/>
+                <a:gd name="connsiteX9" fmla="*/ 441116 w 2117773"/>
+                <a:gd name="connsiteY9" fmla="*/ 2930346 h 2932724"/>
+                <a:gd name="connsiteX10" fmla="*/ 458563 w 2117773"/>
+                <a:gd name="connsiteY10" fmla="*/ 2304103 h 2932724"/>
+                <a:gd name="connsiteX11" fmla="*/ 159 w 2117773"/>
+                <a:gd name="connsiteY11" fmla="*/ 1656202 h 2932724"/>
+                <a:gd name="connsiteX12" fmla="*/ 459164 w 2117773"/>
+                <a:gd name="connsiteY12" fmla="*/ 1115382 h 2932724"/>
+                <a:gd name="connsiteX13" fmla="*/ 277487 w 2117773"/>
+                <a:gd name="connsiteY13" fmla="*/ 491545 h 2932724"/>
+                <a:gd name="connsiteX0" fmla="*/ 277487 w 2117773"/>
+                <a:gd name="connsiteY0" fmla="*/ 491545 h 2966905"/>
+                <a:gd name="connsiteX1" fmla="*/ 677537 w 2117773"/>
+                <a:gd name="connsiteY1" fmla="*/ 55 h 2966905"/>
+                <a:gd name="connsiteX2" fmla="*/ 986147 w 2117773"/>
+                <a:gd name="connsiteY2" fmla="*/ 457255 h 2966905"/>
+                <a:gd name="connsiteX3" fmla="*/ 1511927 w 2117773"/>
+                <a:gd name="connsiteY3" fmla="*/ 148645 h 2966905"/>
+                <a:gd name="connsiteX4" fmla="*/ 1980557 w 2117773"/>
+                <a:gd name="connsiteY4" fmla="*/ 720145 h 2966905"/>
+                <a:gd name="connsiteX5" fmla="*/ 1770606 w 2117773"/>
+                <a:gd name="connsiteY5" fmla="*/ 1339170 h 2966905"/>
+                <a:gd name="connsiteX6" fmla="*/ 2117717 w 2117773"/>
+                <a:gd name="connsiteY6" fmla="*/ 1840285 h 2966905"/>
+                <a:gd name="connsiteX7" fmla="*/ 1740527 w 2117773"/>
+                <a:gd name="connsiteY7" fmla="*/ 2720395 h 2966905"/>
+                <a:gd name="connsiteX8" fmla="*/ 1214747 w 2117773"/>
+                <a:gd name="connsiteY8" fmla="*/ 2526085 h 2966905"/>
+                <a:gd name="connsiteX9" fmla="*/ 441116 w 2117773"/>
+                <a:gd name="connsiteY9" fmla="*/ 2930346 h 2966905"/>
+                <a:gd name="connsiteX10" fmla="*/ 458563 w 2117773"/>
+                <a:gd name="connsiteY10" fmla="*/ 2304103 h 2966905"/>
+                <a:gd name="connsiteX11" fmla="*/ 159 w 2117773"/>
+                <a:gd name="connsiteY11" fmla="*/ 1656202 h 2966905"/>
+                <a:gd name="connsiteX12" fmla="*/ 459164 w 2117773"/>
+                <a:gd name="connsiteY12" fmla="*/ 1115382 h 2966905"/>
+                <a:gd name="connsiteX13" fmla="*/ 277487 w 2117773"/>
+                <a:gd name="connsiteY13" fmla="*/ 491545 h 2966905"/>
+                <a:gd name="connsiteX0" fmla="*/ 277487 w 2117773"/>
+                <a:gd name="connsiteY0" fmla="*/ 491545 h 2839502"/>
+                <a:gd name="connsiteX1" fmla="*/ 677537 w 2117773"/>
+                <a:gd name="connsiteY1" fmla="*/ 55 h 2839502"/>
+                <a:gd name="connsiteX2" fmla="*/ 986147 w 2117773"/>
+                <a:gd name="connsiteY2" fmla="*/ 457255 h 2839502"/>
+                <a:gd name="connsiteX3" fmla="*/ 1511927 w 2117773"/>
+                <a:gd name="connsiteY3" fmla="*/ 148645 h 2839502"/>
+                <a:gd name="connsiteX4" fmla="*/ 1980557 w 2117773"/>
+                <a:gd name="connsiteY4" fmla="*/ 720145 h 2839502"/>
+                <a:gd name="connsiteX5" fmla="*/ 1770606 w 2117773"/>
+                <a:gd name="connsiteY5" fmla="*/ 1339170 h 2839502"/>
+                <a:gd name="connsiteX6" fmla="*/ 2117717 w 2117773"/>
+                <a:gd name="connsiteY6" fmla="*/ 1840285 h 2839502"/>
+                <a:gd name="connsiteX7" fmla="*/ 1740527 w 2117773"/>
+                <a:gd name="connsiteY7" fmla="*/ 2720395 h 2839502"/>
+                <a:gd name="connsiteX8" fmla="*/ 1214747 w 2117773"/>
+                <a:gd name="connsiteY8" fmla="*/ 2526085 h 2839502"/>
+                <a:gd name="connsiteX9" fmla="*/ 546994 w 2117773"/>
+                <a:gd name="connsiteY9" fmla="*/ 2795593 h 2839502"/>
+                <a:gd name="connsiteX10" fmla="*/ 458563 w 2117773"/>
+                <a:gd name="connsiteY10" fmla="*/ 2304103 h 2839502"/>
+                <a:gd name="connsiteX11" fmla="*/ 159 w 2117773"/>
+                <a:gd name="connsiteY11" fmla="*/ 1656202 h 2839502"/>
+                <a:gd name="connsiteX12" fmla="*/ 459164 w 2117773"/>
+                <a:gd name="connsiteY12" fmla="*/ 1115382 h 2839502"/>
+                <a:gd name="connsiteX13" fmla="*/ 277487 w 2117773"/>
+                <a:gd name="connsiteY13" fmla="*/ 491545 h 2839502"/>
+                <a:gd name="connsiteX0" fmla="*/ 277487 w 2117773"/>
+                <a:gd name="connsiteY0" fmla="*/ 491545 h 2890591"/>
+                <a:gd name="connsiteX1" fmla="*/ 677537 w 2117773"/>
+                <a:gd name="connsiteY1" fmla="*/ 55 h 2890591"/>
+                <a:gd name="connsiteX2" fmla="*/ 986147 w 2117773"/>
+                <a:gd name="connsiteY2" fmla="*/ 457255 h 2890591"/>
+                <a:gd name="connsiteX3" fmla="*/ 1511927 w 2117773"/>
+                <a:gd name="connsiteY3" fmla="*/ 148645 h 2890591"/>
+                <a:gd name="connsiteX4" fmla="*/ 1980557 w 2117773"/>
+                <a:gd name="connsiteY4" fmla="*/ 720145 h 2890591"/>
+                <a:gd name="connsiteX5" fmla="*/ 1770606 w 2117773"/>
+                <a:gd name="connsiteY5" fmla="*/ 1339170 h 2890591"/>
+                <a:gd name="connsiteX6" fmla="*/ 2117717 w 2117773"/>
+                <a:gd name="connsiteY6" fmla="*/ 1840285 h 2890591"/>
+                <a:gd name="connsiteX7" fmla="*/ 1740527 w 2117773"/>
+                <a:gd name="connsiteY7" fmla="*/ 2720395 h 2890591"/>
+                <a:gd name="connsiteX8" fmla="*/ 1214747 w 2117773"/>
+                <a:gd name="connsiteY8" fmla="*/ 2526085 h 2890591"/>
+                <a:gd name="connsiteX9" fmla="*/ 546994 w 2117773"/>
+                <a:gd name="connsiteY9" fmla="*/ 2795593 h 2890591"/>
+                <a:gd name="connsiteX10" fmla="*/ 458563 w 2117773"/>
+                <a:gd name="connsiteY10" fmla="*/ 2304103 h 2890591"/>
+                <a:gd name="connsiteX11" fmla="*/ 159 w 2117773"/>
+                <a:gd name="connsiteY11" fmla="*/ 1656202 h 2890591"/>
+                <a:gd name="connsiteX12" fmla="*/ 459164 w 2117773"/>
+                <a:gd name="connsiteY12" fmla="*/ 1115382 h 2890591"/>
+                <a:gd name="connsiteX13" fmla="*/ 277487 w 2117773"/>
+                <a:gd name="connsiteY13" fmla="*/ 491545 h 2890591"/>
+                <a:gd name="connsiteX0" fmla="*/ 277487 w 2117773"/>
+                <a:gd name="connsiteY0" fmla="*/ 491545 h 2811775"/>
+                <a:gd name="connsiteX1" fmla="*/ 677537 w 2117773"/>
+                <a:gd name="connsiteY1" fmla="*/ 55 h 2811775"/>
+                <a:gd name="connsiteX2" fmla="*/ 986147 w 2117773"/>
+                <a:gd name="connsiteY2" fmla="*/ 457255 h 2811775"/>
+                <a:gd name="connsiteX3" fmla="*/ 1511927 w 2117773"/>
+                <a:gd name="connsiteY3" fmla="*/ 148645 h 2811775"/>
+                <a:gd name="connsiteX4" fmla="*/ 1980557 w 2117773"/>
+                <a:gd name="connsiteY4" fmla="*/ 720145 h 2811775"/>
+                <a:gd name="connsiteX5" fmla="*/ 1770606 w 2117773"/>
+                <a:gd name="connsiteY5" fmla="*/ 1339170 h 2811775"/>
+                <a:gd name="connsiteX6" fmla="*/ 2117717 w 2117773"/>
+                <a:gd name="connsiteY6" fmla="*/ 1840285 h 2811775"/>
+                <a:gd name="connsiteX7" fmla="*/ 1740527 w 2117773"/>
+                <a:gd name="connsiteY7" fmla="*/ 2720395 h 2811775"/>
+                <a:gd name="connsiteX8" fmla="*/ 1214747 w 2117773"/>
+                <a:gd name="connsiteY8" fmla="*/ 2526085 h 2811775"/>
+                <a:gd name="connsiteX9" fmla="*/ 546994 w 2117773"/>
+                <a:gd name="connsiteY9" fmla="*/ 2795593 h 2811775"/>
+                <a:gd name="connsiteX10" fmla="*/ 458563 w 2117773"/>
+                <a:gd name="connsiteY10" fmla="*/ 2304103 h 2811775"/>
+                <a:gd name="connsiteX11" fmla="*/ 159 w 2117773"/>
+                <a:gd name="connsiteY11" fmla="*/ 1656202 h 2811775"/>
+                <a:gd name="connsiteX12" fmla="*/ 459164 w 2117773"/>
+                <a:gd name="connsiteY12" fmla="*/ 1115382 h 2811775"/>
+                <a:gd name="connsiteX13" fmla="*/ 277487 w 2117773"/>
+                <a:gd name="connsiteY13" fmla="*/ 491545 h 2811775"/>
+                <a:gd name="connsiteX0" fmla="*/ 277487 w 2117773"/>
+                <a:gd name="connsiteY0" fmla="*/ 491545 h 2839502"/>
+                <a:gd name="connsiteX1" fmla="*/ 677537 w 2117773"/>
+                <a:gd name="connsiteY1" fmla="*/ 55 h 2839502"/>
+                <a:gd name="connsiteX2" fmla="*/ 986147 w 2117773"/>
+                <a:gd name="connsiteY2" fmla="*/ 457255 h 2839502"/>
+                <a:gd name="connsiteX3" fmla="*/ 1511927 w 2117773"/>
+                <a:gd name="connsiteY3" fmla="*/ 148645 h 2839502"/>
+                <a:gd name="connsiteX4" fmla="*/ 1980557 w 2117773"/>
+                <a:gd name="connsiteY4" fmla="*/ 720145 h 2839502"/>
+                <a:gd name="connsiteX5" fmla="*/ 1770606 w 2117773"/>
+                <a:gd name="connsiteY5" fmla="*/ 1339170 h 2839502"/>
+                <a:gd name="connsiteX6" fmla="*/ 2117717 w 2117773"/>
+                <a:gd name="connsiteY6" fmla="*/ 1840285 h 2839502"/>
+                <a:gd name="connsiteX7" fmla="*/ 1740527 w 2117773"/>
+                <a:gd name="connsiteY7" fmla="*/ 2720395 h 2839502"/>
+                <a:gd name="connsiteX8" fmla="*/ 1214747 w 2117773"/>
+                <a:gd name="connsiteY8" fmla="*/ 2526085 h 2839502"/>
+                <a:gd name="connsiteX9" fmla="*/ 546994 w 2117773"/>
+                <a:gd name="connsiteY9" fmla="*/ 2795593 h 2839502"/>
+                <a:gd name="connsiteX10" fmla="*/ 458563 w 2117773"/>
+                <a:gd name="connsiteY10" fmla="*/ 2304103 h 2839502"/>
+                <a:gd name="connsiteX11" fmla="*/ 159 w 2117773"/>
+                <a:gd name="connsiteY11" fmla="*/ 1656202 h 2839502"/>
+                <a:gd name="connsiteX12" fmla="*/ 459164 w 2117773"/>
+                <a:gd name="connsiteY12" fmla="*/ 1115382 h 2839502"/>
+                <a:gd name="connsiteX13" fmla="*/ 277487 w 2117773"/>
+                <a:gd name="connsiteY13" fmla="*/ 491545 h 2839502"/>
+              </a:gdLst>
+              <a:ahLst/>
+              <a:cxnLst>
+                <a:cxn ang="0">
+                  <a:pos x="connsiteX0" y="connsiteY0"/>
+                </a:cxn>
+                <a:cxn ang="0">
+                  <a:pos x="connsiteX1" y="connsiteY1"/>
+                </a:cxn>
+                <a:cxn ang="0">
+                  <a:pos x="connsiteX2" y="connsiteY2"/>
+                </a:cxn>
+                <a:cxn ang="0">
+                  <a:pos x="connsiteX3" y="connsiteY3"/>
+                </a:cxn>
+                <a:cxn ang="0">
+                  <a:pos x="connsiteX4" y="connsiteY4"/>
+                </a:cxn>
+                <a:cxn ang="0">
+                  <a:pos x="connsiteX5" y="connsiteY5"/>
+                </a:cxn>
+                <a:cxn ang="0">
+                  <a:pos x="connsiteX6" y="connsiteY6"/>
+                </a:cxn>
+                <a:cxn ang="0">
+                  <a:pos x="connsiteX7" y="connsiteY7"/>
+                </a:cxn>
+                <a:cxn ang="0">
+                  <a:pos x="connsiteX8" y="connsiteY8"/>
+                </a:cxn>
+                <a:cxn ang="0">
+                  <a:pos x="connsiteX9" y="connsiteY9"/>
+                </a:cxn>
+                <a:cxn ang="0">
+                  <a:pos x="connsiteX10" y="connsiteY10"/>
+                </a:cxn>
+                <a:cxn ang="0">
+                  <a:pos x="connsiteX11" y="connsiteY11"/>
+                </a:cxn>
+                <a:cxn ang="0">
+                  <a:pos x="connsiteX12" y="connsiteY12"/>
+                </a:cxn>
+                <a:cxn ang="0">
+                  <a:pos x="connsiteX13" y="connsiteY13"/>
+                </a:cxn>
+              </a:cxnLst>
+              <a:rect l="l" t="t" r="r" b="b"/>
+              <a:pathLst>
+                <a:path w="2117773" h="2839502">
+                  <a:moveTo>
+                    <a:pt x="277487" y="491545"/>
+                  </a:moveTo>
+                  <a:cubicBezTo>
+                    <a:pt x="313883" y="305657"/>
+                    <a:pt x="559427" y="5770"/>
+                    <a:pt x="677537" y="55"/>
+                  </a:cubicBezTo>
+                  <a:cubicBezTo>
+                    <a:pt x="795647" y="-5660"/>
+                    <a:pt x="847082" y="432490"/>
+                    <a:pt x="986147" y="457255"/>
+                  </a:cubicBezTo>
+                  <a:cubicBezTo>
+                    <a:pt x="1125212" y="482020"/>
+                    <a:pt x="1346192" y="104830"/>
+                    <a:pt x="1511927" y="148645"/>
+                  </a:cubicBezTo>
+                  <a:cubicBezTo>
+                    <a:pt x="1677662" y="192460"/>
+                    <a:pt x="1937444" y="521724"/>
+                    <a:pt x="1980557" y="720145"/>
+                  </a:cubicBezTo>
+                  <a:cubicBezTo>
+                    <a:pt x="2023670" y="918566"/>
+                    <a:pt x="1747746" y="1152480"/>
+                    <a:pt x="1770606" y="1339170"/>
+                  </a:cubicBezTo>
+                  <a:cubicBezTo>
+                    <a:pt x="1793466" y="1525860"/>
+                    <a:pt x="2122730" y="1610081"/>
+                    <a:pt x="2117717" y="1840285"/>
+                  </a:cubicBezTo>
+                  <a:cubicBezTo>
+                    <a:pt x="2112704" y="2070489"/>
+                    <a:pt x="1891022" y="2606095"/>
+                    <a:pt x="1740527" y="2720395"/>
+                  </a:cubicBezTo>
+                  <a:cubicBezTo>
+                    <a:pt x="1590032" y="2834695"/>
+                    <a:pt x="1413669" y="2513552"/>
+                    <a:pt x="1214747" y="2526085"/>
+                  </a:cubicBezTo>
+                  <a:cubicBezTo>
+                    <a:pt x="1015825" y="2538618"/>
+                    <a:pt x="865529" y="2976970"/>
+                    <a:pt x="546994" y="2795593"/>
+                  </a:cubicBezTo>
+                  <a:cubicBezTo>
+                    <a:pt x="228459" y="2614216"/>
+                    <a:pt x="549702" y="2494001"/>
+                    <a:pt x="458563" y="2304103"/>
+                  </a:cubicBezTo>
+                  <a:cubicBezTo>
+                    <a:pt x="367424" y="2114205"/>
+                    <a:pt x="9684" y="1823842"/>
+                    <a:pt x="159" y="1656202"/>
+                  </a:cubicBezTo>
+                  <a:cubicBezTo>
+                    <a:pt x="-9366" y="1488562"/>
+                    <a:pt x="412943" y="1309492"/>
+                    <a:pt x="459164" y="1115382"/>
+                  </a:cubicBezTo>
+                  <a:cubicBezTo>
+                    <a:pt x="505385" y="921273"/>
+                    <a:pt x="241092" y="677433"/>
+                    <a:pt x="277487" y="491545"/>
+                  </a:cubicBezTo>
+                  <a:close/>
+                </a:path>
+              </a:pathLst>
+            </a:custGeom>
+            <a:ln w="28575">
+              <a:solidFill>
+                <a:schemeClr val="tx1">
+                  <a:lumMod val="85000"/>
+                  <a:lumOff val="15000"/>
+                </a:schemeClr>
+              </a:solidFill>
+            </a:ln>
+          </p:spPr>
+          <p:style>
+            <a:lnRef idx="2">
+              <a:schemeClr val="accent6"/>
+            </a:lnRef>
+            <a:fillRef idx="1">
+              <a:schemeClr val="lt1"/>
+            </a:fillRef>
+            <a:effectRef idx="0">
+              <a:schemeClr val="accent6"/>
+            </a:effectRef>
+            <a:fontRef idx="minor">
+              <a:schemeClr val="dk1"/>
+            </a:fontRef>
+          </p:style>
+          <p:txBody>
+            <a:bodyPr rtlCol="0" anchor="ctr"/>
+            <a:lstStyle/>
+            <a:p>
+              <a:pPr algn="ctr"/>
+              <a:endParaRPr lang="en-US"/>
+            </a:p>
+          </p:txBody>
+        </p:sp>
+        <p:sp>
+          <p:nvSpPr>
+            <p:cNvPr id="9" name="Oval 8">
+              <a:extLst>
+                <a:ext uri="{FF2B5EF4-FFF2-40B4-BE49-F238E27FC236}">
+                  <a16:creationId xmlns:a16="http://schemas.microsoft.com/office/drawing/2014/main" id="{1D6041E9-B840-EE42-90C6-BD4B9761BD20}"/>
+                </a:ext>
+              </a:extLst>
+            </p:cNvPr>
+            <p:cNvSpPr/>
+            <p:nvPr/>
+          </p:nvSpPr>
+          <p:spPr>
+            <a:xfrm>
+              <a:off x="2434590" y="2228510"/>
+              <a:ext cx="205740" cy="205740"/>
+            </a:xfrm>
+            <a:prstGeom prst="ellipse">
+              <a:avLst/>
+            </a:prstGeom>
+            <a:solidFill>
+              <a:schemeClr val="bg1">
+                <a:lumMod val="50000"/>
+              </a:schemeClr>
+            </a:solidFill>
+          </p:spPr>
+          <p:style>
+            <a:lnRef idx="2">
+              <a:schemeClr val="accent1">
+                <a:shade val="50000"/>
+              </a:schemeClr>
+            </a:lnRef>
+            <a:fillRef idx="1">
+              <a:schemeClr val="accent1"/>
+            </a:fillRef>
+            <a:effectRef idx="0">
+              <a:schemeClr val="accent1"/>
+            </a:effectRef>
+            <a:fontRef idx="minor">
+              <a:schemeClr val="lt1"/>
+            </a:fontRef>
+          </p:style>
+          <p:txBody>
+            <a:bodyPr rtlCol="0" anchor="ctr"/>
+            <a:lstStyle/>
+            <a:p>
+              <a:pPr algn="ctr"/>
+              <a:endParaRPr lang="en-US"/>
+            </a:p>
+          </p:txBody>
+        </p:sp>
+        <p:sp>
+          <p:nvSpPr>
+            <p:cNvPr id="10" name="Oval 9">
+              <a:extLst>
+                <a:ext uri="{FF2B5EF4-FFF2-40B4-BE49-F238E27FC236}">
+                  <a16:creationId xmlns:a16="http://schemas.microsoft.com/office/drawing/2014/main" id="{49C06CA3-80B9-2042-9740-94E387CAEB58}"/>
+                </a:ext>
+              </a:extLst>
+            </p:cNvPr>
+            <p:cNvSpPr/>
+            <p:nvPr/>
+          </p:nvSpPr>
+          <p:spPr>
+            <a:xfrm>
+              <a:off x="2434590" y="3088101"/>
+              <a:ext cx="205740" cy="205740"/>
+            </a:xfrm>
+            <a:prstGeom prst="ellipse">
+              <a:avLst/>
+            </a:prstGeom>
+            <a:solidFill>
+              <a:schemeClr val="bg1">
+                <a:lumMod val="50000"/>
+              </a:schemeClr>
+            </a:solidFill>
+          </p:spPr>
+          <p:style>
+            <a:lnRef idx="2">
+              <a:schemeClr val="accent1">
+                <a:shade val="50000"/>
+              </a:schemeClr>
+            </a:lnRef>
+            <a:fillRef idx="1">
+              <a:schemeClr val="accent1"/>
+            </a:fillRef>
+            <a:effectRef idx="0">
+              <a:schemeClr val="accent1"/>
+            </a:effectRef>
+            <a:fontRef idx="minor">
+              <a:schemeClr val="lt1"/>
+            </a:fontRef>
+          </p:style>
+          <p:txBody>
+            <a:bodyPr rtlCol="0" anchor="ctr"/>
+            <a:lstStyle/>
+            <a:p>
+              <a:pPr algn="ctr"/>
+              <a:endParaRPr lang="en-US"/>
+            </a:p>
+          </p:txBody>
+        </p:sp>
+        <p:sp>
+          <p:nvSpPr>
+            <p:cNvPr id="11" name="TextBox 10">
+              <a:extLst>
+                <a:ext uri="{FF2B5EF4-FFF2-40B4-BE49-F238E27FC236}">
+                  <a16:creationId xmlns:a16="http://schemas.microsoft.com/office/drawing/2014/main" id="{5D4D47CA-6B9D-5B4D-BABF-1A15EA7BD817}"/>
+                </a:ext>
+              </a:extLst>
+            </p:cNvPr>
+            <p:cNvSpPr txBox="1"/>
+            <p:nvPr/>
+          </p:nvSpPr>
+          <p:spPr>
+            <a:xfrm>
+              <a:off x="1998252" y="2266363"/>
+              <a:ext cx="436338" cy="461665"/>
+            </a:xfrm>
+            <a:prstGeom prst="rect">
+              <a:avLst/>
+            </a:prstGeom>
+            <a:noFill/>
+          </p:spPr>
+          <p:txBody>
+            <a:bodyPr wrap="none" rtlCol="0">
+              <a:spAutoFit/>
+            </a:bodyPr>
+            <a:lstStyle/>
+            <a:p>
+              <a:r>
+                <a:rPr lang="en-US" sz="2400" b="1" dirty="0">
+                  <a:latin typeface="Bookman Old Style" panose="02050604050505020204" pitchFamily="18" charset="0"/>
+                </a:rPr>
+                <a:t>H</a:t>
+              </a:r>
+            </a:p>
+          </p:txBody>
+        </p:sp>
+        <p:sp>
+          <p:nvSpPr>
+            <p:cNvPr id="12" name="TextBox 11">
+              <a:extLst>
+                <a:ext uri="{FF2B5EF4-FFF2-40B4-BE49-F238E27FC236}">
+                  <a16:creationId xmlns:a16="http://schemas.microsoft.com/office/drawing/2014/main" id="{5998B3B4-ABDE-A548-8173-DCA6092C5B19}"/>
+                </a:ext>
+              </a:extLst>
+            </p:cNvPr>
+            <p:cNvSpPr txBox="1"/>
+            <p:nvPr/>
+          </p:nvSpPr>
+          <p:spPr>
+            <a:xfrm>
+              <a:off x="2016687" y="3088101"/>
+              <a:ext cx="399468" cy="461665"/>
+            </a:xfrm>
+            <a:prstGeom prst="rect">
+              <a:avLst/>
+            </a:prstGeom>
+            <a:noFill/>
+          </p:spPr>
+          <p:txBody>
+            <a:bodyPr wrap="none" rtlCol="0">
+              <a:spAutoFit/>
+            </a:bodyPr>
+            <a:lstStyle/>
+            <a:p>
+              <a:r>
+                <a:rPr lang="en-US" sz="2400" b="1" dirty="0">
+                  <a:latin typeface="Bookman Old Style" panose="02050604050505020204" pitchFamily="18" charset="0"/>
+                </a:rPr>
+                <a:t>T</a:t>
+              </a:r>
+            </a:p>
+          </p:txBody>
+        </p:sp>
+        <p:cxnSp>
+          <p:nvCxnSpPr>
+            <p:cNvPr id="14" name="Straight Arrow Connector 13">
+              <a:extLst>
+                <a:ext uri="{FF2B5EF4-FFF2-40B4-BE49-F238E27FC236}">
+                  <a16:creationId xmlns:a16="http://schemas.microsoft.com/office/drawing/2014/main" id="{57087A8D-DCC6-C240-9B7D-6C0847135B72}"/>
+                </a:ext>
+              </a:extLst>
+            </p:cNvPr>
+            <p:cNvCxnSpPr>
+              <a:cxnSpLocks/>
+            </p:cNvCxnSpPr>
+            <p:nvPr/>
+          </p:nvCxnSpPr>
+          <p:spPr>
+            <a:xfrm>
+              <a:off x="4987636" y="2894131"/>
+              <a:ext cx="3904904" cy="0"/>
+            </a:xfrm>
+            <a:prstGeom prst="straightConnector1">
+              <a:avLst/>
+            </a:prstGeom>
+            <a:ln w="28575">
+              <a:solidFill>
+                <a:schemeClr val="tx1">
+                  <a:lumMod val="85000"/>
+                  <a:lumOff val="15000"/>
+                </a:schemeClr>
+              </a:solidFill>
+              <a:tailEnd type="stealth" w="lg" len="lg"/>
+            </a:ln>
+          </p:spPr>
+          <p:style>
+            <a:lnRef idx="1">
+              <a:schemeClr val="accent1"/>
+            </a:lnRef>
+            <a:fillRef idx="0">
+              <a:schemeClr val="accent1"/>
+            </a:fillRef>
+            <a:effectRef idx="0">
+              <a:schemeClr val="accent1"/>
+            </a:effectRef>
+            <a:fontRef idx="minor">
+              <a:schemeClr val="tx1"/>
+            </a:fontRef>
+          </p:style>
+        </p:cxnSp>
+        <p:cxnSp>
+          <p:nvCxnSpPr>
+            <p:cNvPr id="18" name="Straight Arrow Connector 17">
+              <a:extLst>
+                <a:ext uri="{FF2B5EF4-FFF2-40B4-BE49-F238E27FC236}">
+                  <a16:creationId xmlns:a16="http://schemas.microsoft.com/office/drawing/2014/main" id="{D760D21B-9A44-954D-A1C6-7BC7699B6A0D}"/>
+                </a:ext>
+              </a:extLst>
+            </p:cNvPr>
+            <p:cNvCxnSpPr>
+              <a:cxnSpLocks/>
+            </p:cNvCxnSpPr>
+            <p:nvPr/>
+          </p:nvCxnSpPr>
+          <p:spPr>
+            <a:xfrm flipV="1">
+              <a:off x="5695950" y="2754976"/>
+              <a:ext cx="0" cy="278310"/>
+            </a:xfrm>
+            <a:prstGeom prst="straightConnector1">
+              <a:avLst/>
+            </a:prstGeom>
+            <a:ln w="28575">
+              <a:solidFill>
+                <a:schemeClr val="tx1">
+                  <a:lumMod val="85000"/>
+                  <a:lumOff val="15000"/>
+                </a:schemeClr>
+              </a:solidFill>
+              <a:tailEnd type="none" w="lg" len="lg"/>
+            </a:ln>
+          </p:spPr>
+          <p:style>
+            <a:lnRef idx="1">
+              <a:schemeClr val="accent1"/>
+            </a:lnRef>
+            <a:fillRef idx="0">
+              <a:schemeClr val="accent1"/>
+            </a:fillRef>
+            <a:effectRef idx="0">
+              <a:schemeClr val="accent1"/>
+            </a:effectRef>
+            <a:fontRef idx="minor">
+              <a:schemeClr val="tx1"/>
+            </a:fontRef>
+          </p:style>
+        </p:cxnSp>
+        <p:cxnSp>
+          <p:nvCxnSpPr>
+            <p:cNvPr id="21" name="Straight Arrow Connector 20">
+              <a:extLst>
+                <a:ext uri="{FF2B5EF4-FFF2-40B4-BE49-F238E27FC236}">
+                  <a16:creationId xmlns:a16="http://schemas.microsoft.com/office/drawing/2014/main" id="{B9B8B844-7B67-0F4C-AC20-E0E9A16CBB2C}"/>
+                </a:ext>
+              </a:extLst>
+            </p:cNvPr>
+            <p:cNvCxnSpPr>
+              <a:cxnSpLocks/>
+            </p:cNvCxnSpPr>
+            <p:nvPr/>
+          </p:nvCxnSpPr>
+          <p:spPr>
+            <a:xfrm flipV="1">
+              <a:off x="7626701" y="2754976"/>
+              <a:ext cx="0" cy="278310"/>
+            </a:xfrm>
+            <a:prstGeom prst="straightConnector1">
+              <a:avLst/>
+            </a:prstGeom>
+            <a:ln w="28575">
+              <a:solidFill>
+                <a:schemeClr val="tx1">
+                  <a:lumMod val="85000"/>
+                  <a:lumOff val="15000"/>
+                </a:schemeClr>
+              </a:solidFill>
+              <a:tailEnd type="none" w="lg" len="lg"/>
+            </a:ln>
+          </p:spPr>
+          <p:style>
+            <a:lnRef idx="1">
+              <a:schemeClr val="accent1"/>
+            </a:lnRef>
+            <a:fillRef idx="0">
+              <a:schemeClr val="accent1"/>
+            </a:fillRef>
+            <a:effectRef idx="0">
+              <a:schemeClr val="accent1"/>
+            </a:effectRef>
+            <a:fontRef idx="minor">
+              <a:schemeClr val="tx1"/>
+            </a:fontRef>
+          </p:style>
+        </p:cxnSp>
+        <p:sp>
+          <p:nvSpPr>
+            <p:cNvPr id="23" name="TextBox 22">
+              <a:extLst>
+                <a:ext uri="{FF2B5EF4-FFF2-40B4-BE49-F238E27FC236}">
+                  <a16:creationId xmlns:a16="http://schemas.microsoft.com/office/drawing/2014/main" id="{356F14ED-1F89-374B-8F1C-E5531F81E68D}"/>
+                </a:ext>
+              </a:extLst>
+            </p:cNvPr>
+            <p:cNvSpPr txBox="1"/>
+            <p:nvPr/>
+          </p:nvSpPr>
+          <p:spPr>
+            <a:xfrm>
+              <a:off x="5543550" y="3141650"/>
+              <a:ext cx="552450" cy="461665"/>
+            </a:xfrm>
+            <a:prstGeom prst="rect">
+              <a:avLst/>
+            </a:prstGeom>
+            <a:noFill/>
+          </p:spPr>
+          <p:txBody>
+            <a:bodyPr wrap="square" rtlCol="0">
+              <a:spAutoFit/>
+            </a:bodyPr>
+            <a:lstStyle/>
+            <a:p>
+              <a:r>
+                <a:rPr lang="en-US" sz="2400" dirty="0"/>
+                <a:t>0</a:t>
+              </a:r>
+            </a:p>
+          </p:txBody>
+        </p:sp>
+        <p:sp>
+          <p:nvSpPr>
+            <p:cNvPr id="24" name="TextBox 23">
+              <a:extLst>
+                <a:ext uri="{FF2B5EF4-FFF2-40B4-BE49-F238E27FC236}">
+                  <a16:creationId xmlns:a16="http://schemas.microsoft.com/office/drawing/2014/main" id="{4DFC9158-1143-1245-9BC7-FA616BEC34BF}"/>
+                </a:ext>
+              </a:extLst>
+            </p:cNvPr>
+            <p:cNvSpPr txBox="1"/>
+            <p:nvPr/>
+          </p:nvSpPr>
+          <p:spPr>
+            <a:xfrm>
+              <a:off x="7520619" y="3141650"/>
+              <a:ext cx="552450" cy="461665"/>
+            </a:xfrm>
+            <a:prstGeom prst="rect">
+              <a:avLst/>
+            </a:prstGeom>
+            <a:noFill/>
+          </p:spPr>
+          <p:txBody>
+            <a:bodyPr wrap="square" rtlCol="0">
+              <a:spAutoFit/>
+            </a:bodyPr>
+            <a:lstStyle/>
+            <a:p>
+              <a:r>
+                <a:rPr lang="en-US" sz="2400" dirty="0"/>
+                <a:t>1</a:t>
+              </a:r>
+            </a:p>
+          </p:txBody>
+        </p:sp>
+        <p:grpSp>
+          <p:nvGrpSpPr>
+            <p:cNvPr id="41" name="Group 40">
+              <a:extLst>
+                <a:ext uri="{FF2B5EF4-FFF2-40B4-BE49-F238E27FC236}">
+                  <a16:creationId xmlns:a16="http://schemas.microsoft.com/office/drawing/2014/main" id="{7A9295C7-485B-B942-BC04-250D3ED8A51F}"/>
+                </a:ext>
+              </a:extLst>
+            </p:cNvPr>
+            <p:cNvGrpSpPr/>
+            <p:nvPr/>
+          </p:nvGrpSpPr>
+          <p:grpSpPr>
+            <a:xfrm>
+              <a:off x="2640330" y="1574659"/>
+              <a:ext cx="4926883" cy="1245737"/>
+              <a:chOff x="2640330" y="1574659"/>
+              <a:chExt cx="4926883" cy="1245737"/>
+            </a:xfrm>
+          </p:grpSpPr>
+          <p:cxnSp>
+            <p:nvCxnSpPr>
+              <p:cNvPr id="29" name="Straight Connector 28">
+                <a:extLst>
+                  <a:ext uri="{FF2B5EF4-FFF2-40B4-BE49-F238E27FC236}">
+                    <a16:creationId xmlns:a16="http://schemas.microsoft.com/office/drawing/2014/main" id="{70FA8823-861E-4D4D-A28F-2B3B94201797}"/>
+                  </a:ext>
+                </a:extLst>
+              </p:cNvPr>
+              <p:cNvCxnSpPr>
+                <a:cxnSpLocks/>
+              </p:cNvCxnSpPr>
+              <p:nvPr/>
+            </p:nvCxnSpPr>
+            <p:spPr>
+              <a:xfrm flipV="1">
+                <a:off x="2640330" y="1574659"/>
+                <a:ext cx="891781" cy="691704"/>
+              </a:xfrm>
+              <a:prstGeom prst="line">
+                <a:avLst/>
+              </a:prstGeom>
+              <a:ln w="28575">
+                <a:solidFill>
+                  <a:schemeClr val="accent1"/>
+                </a:solidFill>
+              </a:ln>
+            </p:spPr>
+            <p:style>
+              <a:lnRef idx="2">
+                <a:schemeClr val="dk1"/>
+              </a:lnRef>
+              <a:fillRef idx="0">
+                <a:schemeClr val="dk1"/>
+              </a:fillRef>
+              <a:effectRef idx="1">
+                <a:schemeClr val="dk1"/>
+              </a:effectRef>
+              <a:fontRef idx="minor">
+                <a:schemeClr val="tx1"/>
+              </a:fontRef>
+            </p:style>
+          </p:cxnSp>
+          <p:cxnSp>
+            <p:nvCxnSpPr>
+              <p:cNvPr id="32" name="Straight Connector 31">
+                <a:extLst>
+                  <a:ext uri="{FF2B5EF4-FFF2-40B4-BE49-F238E27FC236}">
+                    <a16:creationId xmlns:a16="http://schemas.microsoft.com/office/drawing/2014/main" id="{ABCADDAF-D6E5-934D-9053-BF786F2184BB}"/>
+                  </a:ext>
+                </a:extLst>
+              </p:cNvPr>
+              <p:cNvCxnSpPr>
+                <a:cxnSpLocks/>
+              </p:cNvCxnSpPr>
+              <p:nvPr/>
+            </p:nvCxnSpPr>
+            <p:spPr>
+              <a:xfrm>
+                <a:off x="3532111" y="1574659"/>
+                <a:ext cx="3228907" cy="0"/>
+              </a:xfrm>
+              <a:prstGeom prst="line">
+                <a:avLst/>
+              </a:prstGeom>
+              <a:ln w="28575">
+                <a:solidFill>
+                  <a:schemeClr val="accent1"/>
+                </a:solidFill>
+              </a:ln>
+            </p:spPr>
+            <p:style>
+              <a:lnRef idx="1">
+                <a:schemeClr val="accent1"/>
+              </a:lnRef>
+              <a:fillRef idx="0">
+                <a:schemeClr val="accent1"/>
+              </a:fillRef>
+              <a:effectRef idx="0">
+                <a:schemeClr val="accent1"/>
+              </a:effectRef>
+              <a:fontRef idx="minor">
+                <a:schemeClr val="tx1"/>
+              </a:fontRef>
+            </p:style>
+          </p:cxnSp>
+          <p:cxnSp>
+            <p:nvCxnSpPr>
+              <p:cNvPr id="34" name="Straight Arrow Connector 33">
+                <a:extLst>
+                  <a:ext uri="{FF2B5EF4-FFF2-40B4-BE49-F238E27FC236}">
+                    <a16:creationId xmlns:a16="http://schemas.microsoft.com/office/drawing/2014/main" id="{99F40CF2-4D33-F344-999D-A04957EC6A26}"/>
+                  </a:ext>
+                </a:extLst>
+              </p:cNvPr>
+              <p:cNvCxnSpPr>
+                <a:cxnSpLocks/>
+                <a:endCxn id="37" idx="1"/>
+              </p:cNvCxnSpPr>
+              <p:nvPr/>
+            </p:nvCxnSpPr>
+            <p:spPr>
+              <a:xfrm>
+                <a:off x="6761018" y="1574659"/>
+                <a:ext cx="806195" cy="1245737"/>
+              </a:xfrm>
+              <a:prstGeom prst="straightConnector1">
+                <a:avLst/>
+              </a:prstGeom>
+              <a:ln w="28575">
+                <a:solidFill>
+                  <a:schemeClr val="accent1"/>
+                </a:solidFill>
+                <a:tailEnd type="stealth" w="lg" len="lg"/>
+              </a:ln>
+            </p:spPr>
+            <p:style>
+              <a:lnRef idx="1">
+                <a:schemeClr val="accent1"/>
+              </a:lnRef>
+              <a:fillRef idx="0">
+                <a:schemeClr val="accent1"/>
+              </a:fillRef>
+              <a:effectRef idx="0">
+                <a:schemeClr val="accent1"/>
+              </a:effectRef>
+              <a:fontRef idx="minor">
+                <a:schemeClr val="tx1"/>
+              </a:fontRef>
+            </p:style>
+          </p:cxnSp>
+        </p:grpSp>
+        <p:sp>
+          <p:nvSpPr>
+            <p:cNvPr id="37" name="Oval 36">
+              <a:extLst>
+                <a:ext uri="{FF2B5EF4-FFF2-40B4-BE49-F238E27FC236}">
+                  <a16:creationId xmlns:a16="http://schemas.microsoft.com/office/drawing/2014/main" id="{4FA38ACB-A2E2-E640-95F1-B14BCDFC0018}"/>
+                </a:ext>
+              </a:extLst>
+            </p:cNvPr>
+            <p:cNvSpPr/>
+            <p:nvPr/>
+          </p:nvSpPr>
+          <p:spPr>
+            <a:xfrm>
+              <a:off x="7537083" y="2790266"/>
+              <a:ext cx="205740" cy="205740"/>
+            </a:xfrm>
+            <a:prstGeom prst="ellipse">
+              <a:avLst/>
+            </a:prstGeom>
+            <a:solidFill>
+              <a:schemeClr val="accent1"/>
+            </a:solidFill>
+          </p:spPr>
+          <p:style>
+            <a:lnRef idx="2">
+              <a:schemeClr val="accent1">
+                <a:shade val="50000"/>
+              </a:schemeClr>
+            </a:lnRef>
+            <a:fillRef idx="1">
+              <a:schemeClr val="accent1"/>
+            </a:fillRef>
+            <a:effectRef idx="0">
+              <a:schemeClr val="accent1"/>
+            </a:effectRef>
+            <a:fontRef idx="minor">
+              <a:schemeClr val="lt1"/>
+            </a:fontRef>
+          </p:style>
+          <p:txBody>
+            <a:bodyPr rtlCol="0" anchor="ctr"/>
+            <a:lstStyle/>
+            <a:p>
+              <a:pPr algn="ctr"/>
+              <a:endParaRPr lang="en-US"/>
+            </a:p>
+          </p:txBody>
+        </p:sp>
+        <p:sp>
+          <p:nvSpPr>
+            <p:cNvPr id="38" name="Oval 37">
+              <a:extLst>
+                <a:ext uri="{FF2B5EF4-FFF2-40B4-BE49-F238E27FC236}">
+                  <a16:creationId xmlns:a16="http://schemas.microsoft.com/office/drawing/2014/main" id="{C788EC9A-1CD6-F14A-AEE2-3DCF60986142}"/>
+                </a:ext>
+              </a:extLst>
+            </p:cNvPr>
+            <p:cNvSpPr/>
+            <p:nvPr/>
+          </p:nvSpPr>
+          <p:spPr>
+            <a:xfrm>
+              <a:off x="5593080" y="2790266"/>
+              <a:ext cx="205740" cy="205740"/>
+            </a:xfrm>
+            <a:prstGeom prst="ellipse">
+              <a:avLst/>
+            </a:prstGeom>
+            <a:solidFill>
+              <a:srgbClr val="FF0000"/>
+            </a:solidFill>
+          </p:spPr>
+          <p:style>
+            <a:lnRef idx="2">
+              <a:schemeClr val="accent1">
+                <a:shade val="50000"/>
+              </a:schemeClr>
+            </a:lnRef>
+            <a:fillRef idx="1">
+              <a:schemeClr val="accent1"/>
+            </a:fillRef>
+            <a:effectRef idx="0">
+              <a:schemeClr val="accent1"/>
+            </a:effectRef>
+            <a:fontRef idx="minor">
+              <a:schemeClr val="lt1"/>
+            </a:fontRef>
+          </p:style>
+          <p:txBody>
+            <a:bodyPr rtlCol="0" anchor="ctr"/>
+            <a:lstStyle/>
+            <a:p>
+              <a:pPr algn="ctr"/>
+              <a:endParaRPr lang="en-US"/>
+            </a:p>
+          </p:txBody>
+        </p:sp>
+        <p:cxnSp>
+          <p:nvCxnSpPr>
+            <p:cNvPr id="43" name="Straight Connector 42">
+              <a:extLst>
+                <a:ext uri="{FF2B5EF4-FFF2-40B4-BE49-F238E27FC236}">
+                  <a16:creationId xmlns:a16="http://schemas.microsoft.com/office/drawing/2014/main" id="{2DB4BB95-F31A-E649-AD4F-143DACC956E2}"/>
+                </a:ext>
+              </a:extLst>
+            </p:cNvPr>
+            <p:cNvCxnSpPr>
+              <a:cxnSpLocks/>
+              <a:stCxn id="10" idx="5"/>
+            </p:cNvCxnSpPr>
+            <p:nvPr/>
+          </p:nvCxnSpPr>
+          <p:spPr>
+            <a:xfrm>
+              <a:off x="2610200" y="3263711"/>
+              <a:ext cx="585387" cy="626467"/>
+            </a:xfrm>
+            <a:prstGeom prst="line">
+              <a:avLst/>
+            </a:prstGeom>
+            <a:ln w="28575">
+              <a:solidFill>
+                <a:srgbClr val="FF0000"/>
+              </a:solidFill>
+            </a:ln>
+          </p:spPr>
+          <p:style>
+            <a:lnRef idx="2">
+              <a:schemeClr val="dk1"/>
+            </a:lnRef>
+            <a:fillRef idx="0">
+              <a:schemeClr val="dk1"/>
+            </a:fillRef>
+            <a:effectRef idx="1">
+              <a:schemeClr val="dk1"/>
+            </a:effectRef>
+            <a:fontRef idx="minor">
+              <a:schemeClr val="tx1"/>
+            </a:fontRef>
+          </p:style>
+        </p:cxnSp>
+        <p:cxnSp>
+          <p:nvCxnSpPr>
+            <p:cNvPr id="44" name="Straight Connector 43">
+              <a:extLst>
+                <a:ext uri="{FF2B5EF4-FFF2-40B4-BE49-F238E27FC236}">
+                  <a16:creationId xmlns:a16="http://schemas.microsoft.com/office/drawing/2014/main" id="{03E043CB-8AE5-004F-819F-2BEFB1304711}"/>
+                </a:ext>
+              </a:extLst>
+            </p:cNvPr>
+            <p:cNvCxnSpPr>
+              <a:cxnSpLocks/>
+            </p:cNvCxnSpPr>
+            <p:nvPr/>
+          </p:nvCxnSpPr>
+          <p:spPr>
+            <a:xfrm>
+              <a:off x="3195587" y="3890178"/>
+              <a:ext cx="1691674" cy="0"/>
+            </a:xfrm>
+            <a:prstGeom prst="line">
+              <a:avLst/>
+            </a:prstGeom>
+            <a:ln w="28575">
+              <a:solidFill>
+                <a:srgbClr val="FF0000"/>
+              </a:solidFill>
+            </a:ln>
+          </p:spPr>
+          <p:style>
+            <a:lnRef idx="1">
+              <a:schemeClr val="accent1"/>
+            </a:lnRef>
+            <a:fillRef idx="0">
+              <a:schemeClr val="accent1"/>
+            </a:fillRef>
+            <a:effectRef idx="0">
+              <a:schemeClr val="accent1"/>
+            </a:effectRef>
+            <a:fontRef idx="minor">
+              <a:schemeClr val="tx1"/>
+            </a:fontRef>
+          </p:style>
+        </p:cxnSp>
+        <p:cxnSp>
+          <p:nvCxnSpPr>
+            <p:cNvPr id="45" name="Straight Arrow Connector 44">
+              <a:extLst>
+                <a:ext uri="{FF2B5EF4-FFF2-40B4-BE49-F238E27FC236}">
+                  <a16:creationId xmlns:a16="http://schemas.microsoft.com/office/drawing/2014/main" id="{BA51A3FE-EB0B-4247-8FE9-0E936E7A8FF1}"/>
+                </a:ext>
+              </a:extLst>
+            </p:cNvPr>
+            <p:cNvCxnSpPr>
+              <a:cxnSpLocks/>
+              <a:endCxn id="38" idx="3"/>
+            </p:cNvCxnSpPr>
+            <p:nvPr/>
+          </p:nvCxnSpPr>
+          <p:spPr>
+            <a:xfrm flipV="1">
+              <a:off x="4887261" y="2965876"/>
+              <a:ext cx="735949" cy="924302"/>
+            </a:xfrm>
+            <a:prstGeom prst="straightConnector1">
+              <a:avLst/>
+            </a:prstGeom>
+            <a:ln w="28575">
+              <a:solidFill>
+                <a:srgbClr val="FF0000"/>
+              </a:solidFill>
+              <a:tailEnd type="stealth" w="lg" len="lg"/>
+            </a:ln>
+          </p:spPr>
+          <p:style>
+            <a:lnRef idx="1">
+              <a:schemeClr val="accent1"/>
+            </a:lnRef>
+            <a:fillRef idx="0">
+              <a:schemeClr val="accent1"/>
+            </a:fillRef>
+            <a:effectRef idx="0">
+              <a:schemeClr val="accent1"/>
+            </a:effectRef>
+            <a:fontRef idx="minor">
+              <a:schemeClr val="tx1"/>
+            </a:fontRef>
+          </p:style>
+        </p:cxnSp>
+      </p:grpSp>
+      <p:sp>
+        <p:nvSpPr>
+          <p:cNvPr id="3" name="TextBox 2">
+            <a:extLst>
+              <a:ext uri="{FF2B5EF4-FFF2-40B4-BE49-F238E27FC236}">
+                <a16:creationId xmlns:a16="http://schemas.microsoft.com/office/drawing/2014/main" id="{EC8B51CE-CC80-4948-9B0B-325C1371DBEC}"/>
+              </a:ext>
+            </a:extLst>
+          </p:cNvPr>
+          <p:cNvSpPr txBox="1"/>
           <p:nvPr/>
         </p:nvSpPr>
         <p:spPr>
           <a:xfrm>
-            <a:off x="5593080" y="2790266"/>
-            <a:ext cx="205740" cy="205740"/>
+            <a:off x="4986087" y="2470066"/>
+            <a:ext cx="708508" cy="769441"/>
           </a:xfrm>
-          <a:prstGeom prst="ellipse">
+          <a:prstGeom prst="rect">
             <a:avLst/>
           </a:prstGeom>
-          <a:solidFill>
-            <a:srgbClr val="FF0000"/>
-          </a:solidFill>
+          <a:noFill/>
         </p:spPr>
-        <p:style>
-          <a:lnRef idx="2">
-            <a:schemeClr val="accent1">
-              <a:shade val="50000"/>
-            </a:schemeClr>
-          </a:lnRef>
-          <a:fillRef idx="1">
-            <a:schemeClr val="accent1"/>
-          </a:fillRef>
-          <a:effectRef idx="0">
-            <a:schemeClr val="accent1"/>
-          </a:effectRef>
-          <a:fontRef idx="minor">
-            <a:schemeClr val="lt1"/>
-          </a:fontRef>
-        </p:style>
         <p:txBody>
-          <a:bodyPr rtlCol="0" anchor="ctr"/>
+          <a:bodyPr wrap="square" rtlCol="0">
+            <a:spAutoFit/>
+          </a:bodyPr>
           <a:lstStyle/>
           <a:p>
-            <a:pPr algn="ctr"/>
-            <a:endParaRPr lang="en-US"/>
+            <a:r>
+              <a:rPr lang="en-US" sz="4400" dirty="0">
+                <a:solidFill>
+                  <a:schemeClr val="accent6">
+                    <a:lumMod val="75000"/>
+                  </a:schemeClr>
+                </a:solidFill>
+              </a:rPr>
+              <a:t>]</a:t>
+            </a:r>
           </a:p>
         </p:txBody>
       </p:sp>
       <p:cxnSp>
         <p:nvCxnSpPr>
-          <p:cNvPr id="43" name="Straight Connector 42">
+          <p:cNvPr id="5" name="Straight Arrow Connector 4">
             <a:extLst>
               <a:ext uri="{FF2B5EF4-FFF2-40B4-BE49-F238E27FC236}">
-                <a16:creationId xmlns:a16="http://schemas.microsoft.com/office/drawing/2014/main" id="{2DB4BB95-F31A-E649-AD4F-143DACC956E2}"/>
+                <a16:creationId xmlns:a16="http://schemas.microsoft.com/office/drawing/2014/main" id="{7B53E856-41DE-5B4A-BF2C-EA75A6F1FB7C}"/>
               </a:ext>
             </a:extLst>
           </p:cNvPr>
-          <p:cNvCxnSpPr>
-            <a:cxnSpLocks/>
-            <a:stCxn id="10" idx="5"/>
-          </p:cNvCxnSpPr>
+          <p:cNvCxnSpPr/>
           <p:nvPr/>
         </p:nvCxnSpPr>
         <p:spPr>
-          <a:xfrm>
-            <a:off x="2610200" y="3263711"/>
-            <a:ext cx="585387" cy="626467"/>
+          <a:xfrm flipH="1">
+            <a:off x="4308265" y="2941584"/>
+            <a:ext cx="862177" cy="0"/>
           </a:xfrm>
-          <a:prstGeom prst="line">
+          <a:prstGeom prst="straightConnector1">
             <a:avLst/>
           </a:prstGeom>
-          <a:ln w="28575">
+          <a:ln w="57150">
             <a:solidFill>
-              <a:srgbClr val="FF0000"/>
+              <a:schemeClr val="accent6">
+                <a:lumMod val="75000"/>
+              </a:schemeClr>
             </a:solidFill>
-          </a:ln>
-        </p:spPr>
-        <p:style>
-          <a:lnRef idx="2">
-            <a:schemeClr val="dk1"/>
-          </a:lnRef>
-          <a:fillRef idx="0">
-            <a:schemeClr val="dk1"/>
-          </a:fillRef>
-          <a:effectRef idx="1">
-            <a:schemeClr val="dk1"/>
-          </a:effectRef>
-          <a:fontRef idx="minor">
-            <a:schemeClr val="tx1"/>
-          </a:fontRef>
-        </p:style>
-      </p:cxnSp>
-      <p:cxnSp>
-        <p:nvCxnSpPr>
-          <p:cNvPr id="44" name="Straight Connector 43">
-            <a:extLst>
-              <a:ext uri="{FF2B5EF4-FFF2-40B4-BE49-F238E27FC236}">
-                <a16:creationId xmlns:a16="http://schemas.microsoft.com/office/drawing/2014/main" id="{03E043CB-8AE5-004F-819F-2BEFB1304711}"/>
-              </a:ext>
-            </a:extLst>
-          </p:cNvPr>
-          <p:cNvCxnSpPr>
-            <a:cxnSpLocks/>
-          </p:cNvCxnSpPr>
-          <p:nvPr/>
-        </p:nvCxnSpPr>
-        <p:spPr>
-          <a:xfrm>
-            <a:off x="3195587" y="3890178"/>
-            <a:ext cx="1691674" cy="0"/>
-          </a:xfrm>
-          <a:prstGeom prst="line">
-            <a:avLst/>
-          </a:prstGeom>
-          <a:ln w="28575">
-            <a:solidFill>
-              <a:srgbClr val="FF0000"/>
-            </a:solidFill>
+            <a:tailEnd type="triangle"/>
           </a:ln>
         </p:spPr>
         <p:style>
@@ -4526,34 +7372,1422 @@
           </a:fontRef>
         </p:style>
       </p:cxnSp>
+      <p:pic>
+        <p:nvPicPr>
+          <p:cNvPr id="7" name="Picture 6">
+            <a:extLst>
+              <a:ext uri="{FF2B5EF4-FFF2-40B4-BE49-F238E27FC236}">
+                <a16:creationId xmlns:a16="http://schemas.microsoft.com/office/drawing/2014/main" id="{8EC27A03-D08D-1B4B-9712-D0D22348F61C}"/>
+              </a:ext>
+            </a:extLst>
+          </p:cNvPr>
+          <p:cNvPicPr>
+            <a:picLocks noChangeAspect="1"/>
+          </p:cNvPicPr>
+          <p:nvPr/>
+        </p:nvPicPr>
+        <p:blipFill>
+          <a:blip r:embed="rId2"/>
+          <a:stretch>
+            <a:fillRect/>
+          </a:stretch>
+        </p:blipFill>
+        <p:spPr>
+          <a:xfrm>
+            <a:off x="3681976" y="2197234"/>
+            <a:ext cx="1930400" cy="381000"/>
+          </a:xfrm>
+          <a:prstGeom prst="rect">
+            <a:avLst/>
+          </a:prstGeom>
+        </p:spPr>
+      </p:pic>
+    </p:spTree>
+    <p:extLst>
+      <p:ext uri="{BB962C8B-B14F-4D97-AF65-F5344CB8AC3E}">
+        <p14:creationId xmlns:p14="http://schemas.microsoft.com/office/powerpoint/2010/main" val="4041102474"/>
+      </p:ext>
+    </p:extLst>
+  </p:cSld>
+  <p:clrMapOvr>
+    <a:masterClrMapping/>
+  </p:clrMapOvr>
+</p:sld>
+</file>
+
+<file path=ppt/slides/slide4.xml><?xml version="1.0" encoding="utf-8"?>
+<p:sld xmlns:a="http://schemas.openxmlformats.org/drawingml/2006/main" xmlns:r="http://schemas.openxmlformats.org/officeDocument/2006/relationships" xmlns:p="http://schemas.openxmlformats.org/presentationml/2006/main">
+  <p:cSld>
+    <p:spTree>
+      <p:nvGrpSpPr>
+        <p:cNvPr id="1" name=""/>
+        <p:cNvGrpSpPr/>
+        <p:nvPr/>
+      </p:nvGrpSpPr>
+      <p:grpSpPr>
+        <a:xfrm>
+          <a:off x="0" y="0"/>
+          <a:ext cx="0" cy="0"/>
+          <a:chOff x="0" y="0"/>
+          <a:chExt cx="0" cy="0"/>
+        </a:xfrm>
+      </p:grpSpPr>
+      <p:grpSp>
+        <p:nvGrpSpPr>
+          <p:cNvPr id="2" name="Group 1">
+            <a:extLst>
+              <a:ext uri="{FF2B5EF4-FFF2-40B4-BE49-F238E27FC236}">
+                <a16:creationId xmlns:a16="http://schemas.microsoft.com/office/drawing/2014/main" id="{B91F0A2D-2AF7-1F43-8118-48E39FC081F4}"/>
+              </a:ext>
+            </a:extLst>
+          </p:cNvPr>
+          <p:cNvGrpSpPr/>
+          <p:nvPr/>
+        </p:nvGrpSpPr>
+        <p:grpSpPr>
+          <a:xfrm>
+            <a:off x="1414073" y="1395452"/>
+            <a:ext cx="7478467" cy="2839502"/>
+            <a:chOff x="1414073" y="1395452"/>
+            <a:chExt cx="7478467" cy="2839502"/>
+          </a:xfrm>
+        </p:grpSpPr>
+        <p:sp>
+          <p:nvSpPr>
+            <p:cNvPr id="8" name="Freeform 7">
+              <a:extLst>
+                <a:ext uri="{FF2B5EF4-FFF2-40B4-BE49-F238E27FC236}">
+                  <a16:creationId xmlns:a16="http://schemas.microsoft.com/office/drawing/2014/main" id="{30149E8B-A17F-DA46-B277-BE016F789BFC}"/>
+                </a:ext>
+              </a:extLst>
+            </p:cNvPr>
+            <p:cNvSpPr/>
+            <p:nvPr/>
+          </p:nvSpPr>
+          <p:spPr>
+            <a:xfrm>
+              <a:off x="1414073" y="1395452"/>
+              <a:ext cx="2117773" cy="2839502"/>
+            </a:xfrm>
+            <a:custGeom>
+              <a:avLst/>
+              <a:gdLst>
+                <a:gd name="connsiteX0" fmla="*/ 354491 w 2195042"/>
+                <a:gd name="connsiteY0" fmla="*/ 491545 h 2896527"/>
+                <a:gd name="connsiteX1" fmla="*/ 754541 w 2195042"/>
+                <a:gd name="connsiteY1" fmla="*/ 55 h 2896527"/>
+                <a:gd name="connsiteX2" fmla="*/ 1063151 w 2195042"/>
+                <a:gd name="connsiteY2" fmla="*/ 457255 h 2896527"/>
+                <a:gd name="connsiteX3" fmla="*/ 1588931 w 2195042"/>
+                <a:gd name="connsiteY3" fmla="*/ 148645 h 2896527"/>
+                <a:gd name="connsiteX4" fmla="*/ 2057561 w 2195042"/>
+                <a:gd name="connsiteY4" fmla="*/ 720145 h 2896527"/>
+                <a:gd name="connsiteX5" fmla="*/ 1886111 w 2195042"/>
+                <a:gd name="connsiteY5" fmla="*/ 1165915 h 2896527"/>
+                <a:gd name="connsiteX6" fmla="*/ 2194721 w 2195042"/>
+                <a:gd name="connsiteY6" fmla="*/ 1840285 h 2896527"/>
+                <a:gd name="connsiteX7" fmla="*/ 1817531 w 2195042"/>
+                <a:gd name="connsiteY7" fmla="*/ 2720395 h 2896527"/>
+                <a:gd name="connsiteX8" fmla="*/ 1291751 w 2195042"/>
+                <a:gd name="connsiteY8" fmla="*/ 2526085 h 2896527"/>
+                <a:gd name="connsiteX9" fmla="*/ 537371 w 2195042"/>
+                <a:gd name="connsiteY9" fmla="*/ 2891845 h 2896527"/>
+                <a:gd name="connsiteX10" fmla="*/ 525941 w 2195042"/>
+                <a:gd name="connsiteY10" fmla="*/ 2217475 h 2896527"/>
+                <a:gd name="connsiteX11" fmla="*/ 161 w 2195042"/>
+                <a:gd name="connsiteY11" fmla="*/ 1771705 h 2896527"/>
+                <a:gd name="connsiteX12" fmla="*/ 468791 w 2195042"/>
+                <a:gd name="connsiteY12" fmla="*/ 1211635 h 2896527"/>
+                <a:gd name="connsiteX13" fmla="*/ 354491 w 2195042"/>
+                <a:gd name="connsiteY13" fmla="*/ 491545 h 2896527"/>
+                <a:gd name="connsiteX0" fmla="*/ 354491 w 2194777"/>
+                <a:gd name="connsiteY0" fmla="*/ 491545 h 2896527"/>
+                <a:gd name="connsiteX1" fmla="*/ 754541 w 2194777"/>
+                <a:gd name="connsiteY1" fmla="*/ 55 h 2896527"/>
+                <a:gd name="connsiteX2" fmla="*/ 1063151 w 2194777"/>
+                <a:gd name="connsiteY2" fmla="*/ 457255 h 2896527"/>
+                <a:gd name="connsiteX3" fmla="*/ 1588931 w 2194777"/>
+                <a:gd name="connsiteY3" fmla="*/ 148645 h 2896527"/>
+                <a:gd name="connsiteX4" fmla="*/ 2057561 w 2194777"/>
+                <a:gd name="connsiteY4" fmla="*/ 720145 h 2896527"/>
+                <a:gd name="connsiteX5" fmla="*/ 1847610 w 2194777"/>
+                <a:gd name="connsiteY5" fmla="*/ 1339170 h 2896527"/>
+                <a:gd name="connsiteX6" fmla="*/ 2194721 w 2194777"/>
+                <a:gd name="connsiteY6" fmla="*/ 1840285 h 2896527"/>
+                <a:gd name="connsiteX7" fmla="*/ 1817531 w 2194777"/>
+                <a:gd name="connsiteY7" fmla="*/ 2720395 h 2896527"/>
+                <a:gd name="connsiteX8" fmla="*/ 1291751 w 2194777"/>
+                <a:gd name="connsiteY8" fmla="*/ 2526085 h 2896527"/>
+                <a:gd name="connsiteX9" fmla="*/ 537371 w 2194777"/>
+                <a:gd name="connsiteY9" fmla="*/ 2891845 h 2896527"/>
+                <a:gd name="connsiteX10" fmla="*/ 525941 w 2194777"/>
+                <a:gd name="connsiteY10" fmla="*/ 2217475 h 2896527"/>
+                <a:gd name="connsiteX11" fmla="*/ 161 w 2194777"/>
+                <a:gd name="connsiteY11" fmla="*/ 1771705 h 2896527"/>
+                <a:gd name="connsiteX12" fmla="*/ 468791 w 2194777"/>
+                <a:gd name="connsiteY12" fmla="*/ 1211635 h 2896527"/>
+                <a:gd name="connsiteX13" fmla="*/ 354491 w 2194777"/>
+                <a:gd name="connsiteY13" fmla="*/ 491545 h 2896527"/>
+                <a:gd name="connsiteX0" fmla="*/ 354470 w 2194756"/>
+                <a:gd name="connsiteY0" fmla="*/ 491545 h 2896527"/>
+                <a:gd name="connsiteX1" fmla="*/ 754520 w 2194756"/>
+                <a:gd name="connsiteY1" fmla="*/ 55 h 2896527"/>
+                <a:gd name="connsiteX2" fmla="*/ 1063130 w 2194756"/>
+                <a:gd name="connsiteY2" fmla="*/ 457255 h 2896527"/>
+                <a:gd name="connsiteX3" fmla="*/ 1588910 w 2194756"/>
+                <a:gd name="connsiteY3" fmla="*/ 148645 h 2896527"/>
+                <a:gd name="connsiteX4" fmla="*/ 2057540 w 2194756"/>
+                <a:gd name="connsiteY4" fmla="*/ 720145 h 2896527"/>
+                <a:gd name="connsiteX5" fmla="*/ 1847589 w 2194756"/>
+                <a:gd name="connsiteY5" fmla="*/ 1339170 h 2896527"/>
+                <a:gd name="connsiteX6" fmla="*/ 2194700 w 2194756"/>
+                <a:gd name="connsiteY6" fmla="*/ 1840285 h 2896527"/>
+                <a:gd name="connsiteX7" fmla="*/ 1817510 w 2194756"/>
+                <a:gd name="connsiteY7" fmla="*/ 2720395 h 2896527"/>
+                <a:gd name="connsiteX8" fmla="*/ 1291730 w 2194756"/>
+                <a:gd name="connsiteY8" fmla="*/ 2526085 h 2896527"/>
+                <a:gd name="connsiteX9" fmla="*/ 537350 w 2194756"/>
+                <a:gd name="connsiteY9" fmla="*/ 2891845 h 2896527"/>
+                <a:gd name="connsiteX10" fmla="*/ 525920 w 2194756"/>
+                <a:gd name="connsiteY10" fmla="*/ 2217475 h 2896527"/>
+                <a:gd name="connsiteX11" fmla="*/ 140 w 2194756"/>
+                <a:gd name="connsiteY11" fmla="*/ 1771705 h 2896527"/>
+                <a:gd name="connsiteX12" fmla="*/ 536147 w 2194756"/>
+                <a:gd name="connsiteY12" fmla="*/ 1115382 h 2896527"/>
+                <a:gd name="connsiteX13" fmla="*/ 354470 w 2194756"/>
+                <a:gd name="connsiteY13" fmla="*/ 491545 h 2896527"/>
+                <a:gd name="connsiteX0" fmla="*/ 277487 w 2117773"/>
+                <a:gd name="connsiteY0" fmla="*/ 491545 h 2896527"/>
+                <a:gd name="connsiteX1" fmla="*/ 677537 w 2117773"/>
+                <a:gd name="connsiteY1" fmla="*/ 55 h 2896527"/>
+                <a:gd name="connsiteX2" fmla="*/ 986147 w 2117773"/>
+                <a:gd name="connsiteY2" fmla="*/ 457255 h 2896527"/>
+                <a:gd name="connsiteX3" fmla="*/ 1511927 w 2117773"/>
+                <a:gd name="connsiteY3" fmla="*/ 148645 h 2896527"/>
+                <a:gd name="connsiteX4" fmla="*/ 1980557 w 2117773"/>
+                <a:gd name="connsiteY4" fmla="*/ 720145 h 2896527"/>
+                <a:gd name="connsiteX5" fmla="*/ 1770606 w 2117773"/>
+                <a:gd name="connsiteY5" fmla="*/ 1339170 h 2896527"/>
+                <a:gd name="connsiteX6" fmla="*/ 2117717 w 2117773"/>
+                <a:gd name="connsiteY6" fmla="*/ 1840285 h 2896527"/>
+                <a:gd name="connsiteX7" fmla="*/ 1740527 w 2117773"/>
+                <a:gd name="connsiteY7" fmla="*/ 2720395 h 2896527"/>
+                <a:gd name="connsiteX8" fmla="*/ 1214747 w 2117773"/>
+                <a:gd name="connsiteY8" fmla="*/ 2526085 h 2896527"/>
+                <a:gd name="connsiteX9" fmla="*/ 460367 w 2117773"/>
+                <a:gd name="connsiteY9" fmla="*/ 2891845 h 2896527"/>
+                <a:gd name="connsiteX10" fmla="*/ 448937 w 2117773"/>
+                <a:gd name="connsiteY10" fmla="*/ 2217475 h 2896527"/>
+                <a:gd name="connsiteX11" fmla="*/ 159 w 2117773"/>
+                <a:gd name="connsiteY11" fmla="*/ 1656202 h 2896527"/>
+                <a:gd name="connsiteX12" fmla="*/ 459164 w 2117773"/>
+                <a:gd name="connsiteY12" fmla="*/ 1115382 h 2896527"/>
+                <a:gd name="connsiteX13" fmla="*/ 277487 w 2117773"/>
+                <a:gd name="connsiteY13" fmla="*/ 491545 h 2896527"/>
+                <a:gd name="connsiteX0" fmla="*/ 277487 w 2117773"/>
+                <a:gd name="connsiteY0" fmla="*/ 491545 h 2894415"/>
+                <a:gd name="connsiteX1" fmla="*/ 677537 w 2117773"/>
+                <a:gd name="connsiteY1" fmla="*/ 55 h 2894415"/>
+                <a:gd name="connsiteX2" fmla="*/ 986147 w 2117773"/>
+                <a:gd name="connsiteY2" fmla="*/ 457255 h 2894415"/>
+                <a:gd name="connsiteX3" fmla="*/ 1511927 w 2117773"/>
+                <a:gd name="connsiteY3" fmla="*/ 148645 h 2894415"/>
+                <a:gd name="connsiteX4" fmla="*/ 1980557 w 2117773"/>
+                <a:gd name="connsiteY4" fmla="*/ 720145 h 2894415"/>
+                <a:gd name="connsiteX5" fmla="*/ 1770606 w 2117773"/>
+                <a:gd name="connsiteY5" fmla="*/ 1339170 h 2894415"/>
+                <a:gd name="connsiteX6" fmla="*/ 2117717 w 2117773"/>
+                <a:gd name="connsiteY6" fmla="*/ 1840285 h 2894415"/>
+                <a:gd name="connsiteX7" fmla="*/ 1740527 w 2117773"/>
+                <a:gd name="connsiteY7" fmla="*/ 2720395 h 2894415"/>
+                <a:gd name="connsiteX8" fmla="*/ 1214747 w 2117773"/>
+                <a:gd name="connsiteY8" fmla="*/ 2526085 h 2894415"/>
+                <a:gd name="connsiteX9" fmla="*/ 460367 w 2117773"/>
+                <a:gd name="connsiteY9" fmla="*/ 2891845 h 2894415"/>
+                <a:gd name="connsiteX10" fmla="*/ 458563 w 2117773"/>
+                <a:gd name="connsiteY10" fmla="*/ 2304103 h 2894415"/>
+                <a:gd name="connsiteX11" fmla="*/ 159 w 2117773"/>
+                <a:gd name="connsiteY11" fmla="*/ 1656202 h 2894415"/>
+                <a:gd name="connsiteX12" fmla="*/ 459164 w 2117773"/>
+                <a:gd name="connsiteY12" fmla="*/ 1115382 h 2894415"/>
+                <a:gd name="connsiteX13" fmla="*/ 277487 w 2117773"/>
+                <a:gd name="connsiteY13" fmla="*/ 491545 h 2894415"/>
+                <a:gd name="connsiteX0" fmla="*/ 277487 w 2117773"/>
+                <a:gd name="connsiteY0" fmla="*/ 491545 h 2932724"/>
+                <a:gd name="connsiteX1" fmla="*/ 677537 w 2117773"/>
+                <a:gd name="connsiteY1" fmla="*/ 55 h 2932724"/>
+                <a:gd name="connsiteX2" fmla="*/ 986147 w 2117773"/>
+                <a:gd name="connsiteY2" fmla="*/ 457255 h 2932724"/>
+                <a:gd name="connsiteX3" fmla="*/ 1511927 w 2117773"/>
+                <a:gd name="connsiteY3" fmla="*/ 148645 h 2932724"/>
+                <a:gd name="connsiteX4" fmla="*/ 1980557 w 2117773"/>
+                <a:gd name="connsiteY4" fmla="*/ 720145 h 2932724"/>
+                <a:gd name="connsiteX5" fmla="*/ 1770606 w 2117773"/>
+                <a:gd name="connsiteY5" fmla="*/ 1339170 h 2932724"/>
+                <a:gd name="connsiteX6" fmla="*/ 2117717 w 2117773"/>
+                <a:gd name="connsiteY6" fmla="*/ 1840285 h 2932724"/>
+                <a:gd name="connsiteX7" fmla="*/ 1740527 w 2117773"/>
+                <a:gd name="connsiteY7" fmla="*/ 2720395 h 2932724"/>
+                <a:gd name="connsiteX8" fmla="*/ 1214747 w 2117773"/>
+                <a:gd name="connsiteY8" fmla="*/ 2526085 h 2932724"/>
+                <a:gd name="connsiteX9" fmla="*/ 441116 w 2117773"/>
+                <a:gd name="connsiteY9" fmla="*/ 2930346 h 2932724"/>
+                <a:gd name="connsiteX10" fmla="*/ 458563 w 2117773"/>
+                <a:gd name="connsiteY10" fmla="*/ 2304103 h 2932724"/>
+                <a:gd name="connsiteX11" fmla="*/ 159 w 2117773"/>
+                <a:gd name="connsiteY11" fmla="*/ 1656202 h 2932724"/>
+                <a:gd name="connsiteX12" fmla="*/ 459164 w 2117773"/>
+                <a:gd name="connsiteY12" fmla="*/ 1115382 h 2932724"/>
+                <a:gd name="connsiteX13" fmla="*/ 277487 w 2117773"/>
+                <a:gd name="connsiteY13" fmla="*/ 491545 h 2932724"/>
+                <a:gd name="connsiteX0" fmla="*/ 277487 w 2117773"/>
+                <a:gd name="connsiteY0" fmla="*/ 491545 h 2966905"/>
+                <a:gd name="connsiteX1" fmla="*/ 677537 w 2117773"/>
+                <a:gd name="connsiteY1" fmla="*/ 55 h 2966905"/>
+                <a:gd name="connsiteX2" fmla="*/ 986147 w 2117773"/>
+                <a:gd name="connsiteY2" fmla="*/ 457255 h 2966905"/>
+                <a:gd name="connsiteX3" fmla="*/ 1511927 w 2117773"/>
+                <a:gd name="connsiteY3" fmla="*/ 148645 h 2966905"/>
+                <a:gd name="connsiteX4" fmla="*/ 1980557 w 2117773"/>
+                <a:gd name="connsiteY4" fmla="*/ 720145 h 2966905"/>
+                <a:gd name="connsiteX5" fmla="*/ 1770606 w 2117773"/>
+                <a:gd name="connsiteY5" fmla="*/ 1339170 h 2966905"/>
+                <a:gd name="connsiteX6" fmla="*/ 2117717 w 2117773"/>
+                <a:gd name="connsiteY6" fmla="*/ 1840285 h 2966905"/>
+                <a:gd name="connsiteX7" fmla="*/ 1740527 w 2117773"/>
+                <a:gd name="connsiteY7" fmla="*/ 2720395 h 2966905"/>
+                <a:gd name="connsiteX8" fmla="*/ 1214747 w 2117773"/>
+                <a:gd name="connsiteY8" fmla="*/ 2526085 h 2966905"/>
+                <a:gd name="connsiteX9" fmla="*/ 441116 w 2117773"/>
+                <a:gd name="connsiteY9" fmla="*/ 2930346 h 2966905"/>
+                <a:gd name="connsiteX10" fmla="*/ 458563 w 2117773"/>
+                <a:gd name="connsiteY10" fmla="*/ 2304103 h 2966905"/>
+                <a:gd name="connsiteX11" fmla="*/ 159 w 2117773"/>
+                <a:gd name="connsiteY11" fmla="*/ 1656202 h 2966905"/>
+                <a:gd name="connsiteX12" fmla="*/ 459164 w 2117773"/>
+                <a:gd name="connsiteY12" fmla="*/ 1115382 h 2966905"/>
+                <a:gd name="connsiteX13" fmla="*/ 277487 w 2117773"/>
+                <a:gd name="connsiteY13" fmla="*/ 491545 h 2966905"/>
+                <a:gd name="connsiteX0" fmla="*/ 277487 w 2117773"/>
+                <a:gd name="connsiteY0" fmla="*/ 491545 h 2839502"/>
+                <a:gd name="connsiteX1" fmla="*/ 677537 w 2117773"/>
+                <a:gd name="connsiteY1" fmla="*/ 55 h 2839502"/>
+                <a:gd name="connsiteX2" fmla="*/ 986147 w 2117773"/>
+                <a:gd name="connsiteY2" fmla="*/ 457255 h 2839502"/>
+                <a:gd name="connsiteX3" fmla="*/ 1511927 w 2117773"/>
+                <a:gd name="connsiteY3" fmla="*/ 148645 h 2839502"/>
+                <a:gd name="connsiteX4" fmla="*/ 1980557 w 2117773"/>
+                <a:gd name="connsiteY4" fmla="*/ 720145 h 2839502"/>
+                <a:gd name="connsiteX5" fmla="*/ 1770606 w 2117773"/>
+                <a:gd name="connsiteY5" fmla="*/ 1339170 h 2839502"/>
+                <a:gd name="connsiteX6" fmla="*/ 2117717 w 2117773"/>
+                <a:gd name="connsiteY6" fmla="*/ 1840285 h 2839502"/>
+                <a:gd name="connsiteX7" fmla="*/ 1740527 w 2117773"/>
+                <a:gd name="connsiteY7" fmla="*/ 2720395 h 2839502"/>
+                <a:gd name="connsiteX8" fmla="*/ 1214747 w 2117773"/>
+                <a:gd name="connsiteY8" fmla="*/ 2526085 h 2839502"/>
+                <a:gd name="connsiteX9" fmla="*/ 546994 w 2117773"/>
+                <a:gd name="connsiteY9" fmla="*/ 2795593 h 2839502"/>
+                <a:gd name="connsiteX10" fmla="*/ 458563 w 2117773"/>
+                <a:gd name="connsiteY10" fmla="*/ 2304103 h 2839502"/>
+                <a:gd name="connsiteX11" fmla="*/ 159 w 2117773"/>
+                <a:gd name="connsiteY11" fmla="*/ 1656202 h 2839502"/>
+                <a:gd name="connsiteX12" fmla="*/ 459164 w 2117773"/>
+                <a:gd name="connsiteY12" fmla="*/ 1115382 h 2839502"/>
+                <a:gd name="connsiteX13" fmla="*/ 277487 w 2117773"/>
+                <a:gd name="connsiteY13" fmla="*/ 491545 h 2839502"/>
+                <a:gd name="connsiteX0" fmla="*/ 277487 w 2117773"/>
+                <a:gd name="connsiteY0" fmla="*/ 491545 h 2890591"/>
+                <a:gd name="connsiteX1" fmla="*/ 677537 w 2117773"/>
+                <a:gd name="connsiteY1" fmla="*/ 55 h 2890591"/>
+                <a:gd name="connsiteX2" fmla="*/ 986147 w 2117773"/>
+                <a:gd name="connsiteY2" fmla="*/ 457255 h 2890591"/>
+                <a:gd name="connsiteX3" fmla="*/ 1511927 w 2117773"/>
+                <a:gd name="connsiteY3" fmla="*/ 148645 h 2890591"/>
+                <a:gd name="connsiteX4" fmla="*/ 1980557 w 2117773"/>
+                <a:gd name="connsiteY4" fmla="*/ 720145 h 2890591"/>
+                <a:gd name="connsiteX5" fmla="*/ 1770606 w 2117773"/>
+                <a:gd name="connsiteY5" fmla="*/ 1339170 h 2890591"/>
+                <a:gd name="connsiteX6" fmla="*/ 2117717 w 2117773"/>
+                <a:gd name="connsiteY6" fmla="*/ 1840285 h 2890591"/>
+                <a:gd name="connsiteX7" fmla="*/ 1740527 w 2117773"/>
+                <a:gd name="connsiteY7" fmla="*/ 2720395 h 2890591"/>
+                <a:gd name="connsiteX8" fmla="*/ 1214747 w 2117773"/>
+                <a:gd name="connsiteY8" fmla="*/ 2526085 h 2890591"/>
+                <a:gd name="connsiteX9" fmla="*/ 546994 w 2117773"/>
+                <a:gd name="connsiteY9" fmla="*/ 2795593 h 2890591"/>
+                <a:gd name="connsiteX10" fmla="*/ 458563 w 2117773"/>
+                <a:gd name="connsiteY10" fmla="*/ 2304103 h 2890591"/>
+                <a:gd name="connsiteX11" fmla="*/ 159 w 2117773"/>
+                <a:gd name="connsiteY11" fmla="*/ 1656202 h 2890591"/>
+                <a:gd name="connsiteX12" fmla="*/ 459164 w 2117773"/>
+                <a:gd name="connsiteY12" fmla="*/ 1115382 h 2890591"/>
+                <a:gd name="connsiteX13" fmla="*/ 277487 w 2117773"/>
+                <a:gd name="connsiteY13" fmla="*/ 491545 h 2890591"/>
+                <a:gd name="connsiteX0" fmla="*/ 277487 w 2117773"/>
+                <a:gd name="connsiteY0" fmla="*/ 491545 h 2811775"/>
+                <a:gd name="connsiteX1" fmla="*/ 677537 w 2117773"/>
+                <a:gd name="connsiteY1" fmla="*/ 55 h 2811775"/>
+                <a:gd name="connsiteX2" fmla="*/ 986147 w 2117773"/>
+                <a:gd name="connsiteY2" fmla="*/ 457255 h 2811775"/>
+                <a:gd name="connsiteX3" fmla="*/ 1511927 w 2117773"/>
+                <a:gd name="connsiteY3" fmla="*/ 148645 h 2811775"/>
+                <a:gd name="connsiteX4" fmla="*/ 1980557 w 2117773"/>
+                <a:gd name="connsiteY4" fmla="*/ 720145 h 2811775"/>
+                <a:gd name="connsiteX5" fmla="*/ 1770606 w 2117773"/>
+                <a:gd name="connsiteY5" fmla="*/ 1339170 h 2811775"/>
+                <a:gd name="connsiteX6" fmla="*/ 2117717 w 2117773"/>
+                <a:gd name="connsiteY6" fmla="*/ 1840285 h 2811775"/>
+                <a:gd name="connsiteX7" fmla="*/ 1740527 w 2117773"/>
+                <a:gd name="connsiteY7" fmla="*/ 2720395 h 2811775"/>
+                <a:gd name="connsiteX8" fmla="*/ 1214747 w 2117773"/>
+                <a:gd name="connsiteY8" fmla="*/ 2526085 h 2811775"/>
+                <a:gd name="connsiteX9" fmla="*/ 546994 w 2117773"/>
+                <a:gd name="connsiteY9" fmla="*/ 2795593 h 2811775"/>
+                <a:gd name="connsiteX10" fmla="*/ 458563 w 2117773"/>
+                <a:gd name="connsiteY10" fmla="*/ 2304103 h 2811775"/>
+                <a:gd name="connsiteX11" fmla="*/ 159 w 2117773"/>
+                <a:gd name="connsiteY11" fmla="*/ 1656202 h 2811775"/>
+                <a:gd name="connsiteX12" fmla="*/ 459164 w 2117773"/>
+                <a:gd name="connsiteY12" fmla="*/ 1115382 h 2811775"/>
+                <a:gd name="connsiteX13" fmla="*/ 277487 w 2117773"/>
+                <a:gd name="connsiteY13" fmla="*/ 491545 h 2811775"/>
+                <a:gd name="connsiteX0" fmla="*/ 277487 w 2117773"/>
+                <a:gd name="connsiteY0" fmla="*/ 491545 h 2839502"/>
+                <a:gd name="connsiteX1" fmla="*/ 677537 w 2117773"/>
+                <a:gd name="connsiteY1" fmla="*/ 55 h 2839502"/>
+                <a:gd name="connsiteX2" fmla="*/ 986147 w 2117773"/>
+                <a:gd name="connsiteY2" fmla="*/ 457255 h 2839502"/>
+                <a:gd name="connsiteX3" fmla="*/ 1511927 w 2117773"/>
+                <a:gd name="connsiteY3" fmla="*/ 148645 h 2839502"/>
+                <a:gd name="connsiteX4" fmla="*/ 1980557 w 2117773"/>
+                <a:gd name="connsiteY4" fmla="*/ 720145 h 2839502"/>
+                <a:gd name="connsiteX5" fmla="*/ 1770606 w 2117773"/>
+                <a:gd name="connsiteY5" fmla="*/ 1339170 h 2839502"/>
+                <a:gd name="connsiteX6" fmla="*/ 2117717 w 2117773"/>
+                <a:gd name="connsiteY6" fmla="*/ 1840285 h 2839502"/>
+                <a:gd name="connsiteX7" fmla="*/ 1740527 w 2117773"/>
+                <a:gd name="connsiteY7" fmla="*/ 2720395 h 2839502"/>
+                <a:gd name="connsiteX8" fmla="*/ 1214747 w 2117773"/>
+                <a:gd name="connsiteY8" fmla="*/ 2526085 h 2839502"/>
+                <a:gd name="connsiteX9" fmla="*/ 546994 w 2117773"/>
+                <a:gd name="connsiteY9" fmla="*/ 2795593 h 2839502"/>
+                <a:gd name="connsiteX10" fmla="*/ 458563 w 2117773"/>
+                <a:gd name="connsiteY10" fmla="*/ 2304103 h 2839502"/>
+                <a:gd name="connsiteX11" fmla="*/ 159 w 2117773"/>
+                <a:gd name="connsiteY11" fmla="*/ 1656202 h 2839502"/>
+                <a:gd name="connsiteX12" fmla="*/ 459164 w 2117773"/>
+                <a:gd name="connsiteY12" fmla="*/ 1115382 h 2839502"/>
+                <a:gd name="connsiteX13" fmla="*/ 277487 w 2117773"/>
+                <a:gd name="connsiteY13" fmla="*/ 491545 h 2839502"/>
+              </a:gdLst>
+              <a:ahLst/>
+              <a:cxnLst>
+                <a:cxn ang="0">
+                  <a:pos x="connsiteX0" y="connsiteY0"/>
+                </a:cxn>
+                <a:cxn ang="0">
+                  <a:pos x="connsiteX1" y="connsiteY1"/>
+                </a:cxn>
+                <a:cxn ang="0">
+                  <a:pos x="connsiteX2" y="connsiteY2"/>
+                </a:cxn>
+                <a:cxn ang="0">
+                  <a:pos x="connsiteX3" y="connsiteY3"/>
+                </a:cxn>
+                <a:cxn ang="0">
+                  <a:pos x="connsiteX4" y="connsiteY4"/>
+                </a:cxn>
+                <a:cxn ang="0">
+                  <a:pos x="connsiteX5" y="connsiteY5"/>
+                </a:cxn>
+                <a:cxn ang="0">
+                  <a:pos x="connsiteX6" y="connsiteY6"/>
+                </a:cxn>
+                <a:cxn ang="0">
+                  <a:pos x="connsiteX7" y="connsiteY7"/>
+                </a:cxn>
+                <a:cxn ang="0">
+                  <a:pos x="connsiteX8" y="connsiteY8"/>
+                </a:cxn>
+                <a:cxn ang="0">
+                  <a:pos x="connsiteX9" y="connsiteY9"/>
+                </a:cxn>
+                <a:cxn ang="0">
+                  <a:pos x="connsiteX10" y="connsiteY10"/>
+                </a:cxn>
+                <a:cxn ang="0">
+                  <a:pos x="connsiteX11" y="connsiteY11"/>
+                </a:cxn>
+                <a:cxn ang="0">
+                  <a:pos x="connsiteX12" y="connsiteY12"/>
+                </a:cxn>
+                <a:cxn ang="0">
+                  <a:pos x="connsiteX13" y="connsiteY13"/>
+                </a:cxn>
+              </a:cxnLst>
+              <a:rect l="l" t="t" r="r" b="b"/>
+              <a:pathLst>
+                <a:path w="2117773" h="2839502">
+                  <a:moveTo>
+                    <a:pt x="277487" y="491545"/>
+                  </a:moveTo>
+                  <a:cubicBezTo>
+                    <a:pt x="313883" y="305657"/>
+                    <a:pt x="559427" y="5770"/>
+                    <a:pt x="677537" y="55"/>
+                  </a:cubicBezTo>
+                  <a:cubicBezTo>
+                    <a:pt x="795647" y="-5660"/>
+                    <a:pt x="847082" y="432490"/>
+                    <a:pt x="986147" y="457255"/>
+                  </a:cubicBezTo>
+                  <a:cubicBezTo>
+                    <a:pt x="1125212" y="482020"/>
+                    <a:pt x="1346192" y="104830"/>
+                    <a:pt x="1511927" y="148645"/>
+                  </a:cubicBezTo>
+                  <a:cubicBezTo>
+                    <a:pt x="1677662" y="192460"/>
+                    <a:pt x="1937444" y="521724"/>
+                    <a:pt x="1980557" y="720145"/>
+                  </a:cubicBezTo>
+                  <a:cubicBezTo>
+                    <a:pt x="2023670" y="918566"/>
+                    <a:pt x="1747746" y="1152480"/>
+                    <a:pt x="1770606" y="1339170"/>
+                  </a:cubicBezTo>
+                  <a:cubicBezTo>
+                    <a:pt x="1793466" y="1525860"/>
+                    <a:pt x="2122730" y="1610081"/>
+                    <a:pt x="2117717" y="1840285"/>
+                  </a:cubicBezTo>
+                  <a:cubicBezTo>
+                    <a:pt x="2112704" y="2070489"/>
+                    <a:pt x="1891022" y="2606095"/>
+                    <a:pt x="1740527" y="2720395"/>
+                  </a:cubicBezTo>
+                  <a:cubicBezTo>
+                    <a:pt x="1590032" y="2834695"/>
+                    <a:pt x="1413669" y="2513552"/>
+                    <a:pt x="1214747" y="2526085"/>
+                  </a:cubicBezTo>
+                  <a:cubicBezTo>
+                    <a:pt x="1015825" y="2538618"/>
+                    <a:pt x="865529" y="2976970"/>
+                    <a:pt x="546994" y="2795593"/>
+                  </a:cubicBezTo>
+                  <a:cubicBezTo>
+                    <a:pt x="228459" y="2614216"/>
+                    <a:pt x="549702" y="2494001"/>
+                    <a:pt x="458563" y="2304103"/>
+                  </a:cubicBezTo>
+                  <a:cubicBezTo>
+                    <a:pt x="367424" y="2114205"/>
+                    <a:pt x="9684" y="1823842"/>
+                    <a:pt x="159" y="1656202"/>
+                  </a:cubicBezTo>
+                  <a:cubicBezTo>
+                    <a:pt x="-9366" y="1488562"/>
+                    <a:pt x="412943" y="1309492"/>
+                    <a:pt x="459164" y="1115382"/>
+                  </a:cubicBezTo>
+                  <a:cubicBezTo>
+                    <a:pt x="505385" y="921273"/>
+                    <a:pt x="241092" y="677433"/>
+                    <a:pt x="277487" y="491545"/>
+                  </a:cubicBezTo>
+                  <a:close/>
+                </a:path>
+              </a:pathLst>
+            </a:custGeom>
+            <a:ln w="28575">
+              <a:solidFill>
+                <a:schemeClr val="tx1">
+                  <a:lumMod val="85000"/>
+                  <a:lumOff val="15000"/>
+                </a:schemeClr>
+              </a:solidFill>
+            </a:ln>
+          </p:spPr>
+          <p:style>
+            <a:lnRef idx="2">
+              <a:schemeClr val="accent6"/>
+            </a:lnRef>
+            <a:fillRef idx="1">
+              <a:schemeClr val="lt1"/>
+            </a:fillRef>
+            <a:effectRef idx="0">
+              <a:schemeClr val="accent6"/>
+            </a:effectRef>
+            <a:fontRef idx="minor">
+              <a:schemeClr val="dk1"/>
+            </a:fontRef>
+          </p:style>
+          <p:txBody>
+            <a:bodyPr rtlCol="0" anchor="ctr"/>
+            <a:lstStyle/>
+            <a:p>
+              <a:pPr algn="ctr"/>
+              <a:endParaRPr lang="en-US"/>
+            </a:p>
+          </p:txBody>
+        </p:sp>
+        <p:sp>
+          <p:nvSpPr>
+            <p:cNvPr id="9" name="Oval 8">
+              <a:extLst>
+                <a:ext uri="{FF2B5EF4-FFF2-40B4-BE49-F238E27FC236}">
+                  <a16:creationId xmlns:a16="http://schemas.microsoft.com/office/drawing/2014/main" id="{1D6041E9-B840-EE42-90C6-BD4B9761BD20}"/>
+                </a:ext>
+              </a:extLst>
+            </p:cNvPr>
+            <p:cNvSpPr/>
+            <p:nvPr/>
+          </p:nvSpPr>
+          <p:spPr>
+            <a:xfrm>
+              <a:off x="2434590" y="2228510"/>
+              <a:ext cx="205740" cy="205740"/>
+            </a:xfrm>
+            <a:prstGeom prst="ellipse">
+              <a:avLst/>
+            </a:prstGeom>
+            <a:solidFill>
+              <a:schemeClr val="accent6">
+                <a:lumMod val="75000"/>
+              </a:schemeClr>
+            </a:solidFill>
+            <a:ln>
+              <a:solidFill>
+                <a:schemeClr val="accent6">
+                  <a:lumMod val="75000"/>
+                </a:schemeClr>
+              </a:solidFill>
+            </a:ln>
+          </p:spPr>
+          <p:style>
+            <a:lnRef idx="2">
+              <a:schemeClr val="accent1">
+                <a:shade val="50000"/>
+              </a:schemeClr>
+            </a:lnRef>
+            <a:fillRef idx="1">
+              <a:schemeClr val="accent1"/>
+            </a:fillRef>
+            <a:effectRef idx="0">
+              <a:schemeClr val="accent1"/>
+            </a:effectRef>
+            <a:fontRef idx="minor">
+              <a:schemeClr val="lt1"/>
+            </a:fontRef>
+          </p:style>
+          <p:txBody>
+            <a:bodyPr rtlCol="0" anchor="ctr"/>
+            <a:lstStyle/>
+            <a:p>
+              <a:pPr algn="ctr"/>
+              <a:endParaRPr lang="en-US"/>
+            </a:p>
+          </p:txBody>
+        </p:sp>
+        <p:sp>
+          <p:nvSpPr>
+            <p:cNvPr id="10" name="Oval 9">
+              <a:extLst>
+                <a:ext uri="{FF2B5EF4-FFF2-40B4-BE49-F238E27FC236}">
+                  <a16:creationId xmlns:a16="http://schemas.microsoft.com/office/drawing/2014/main" id="{49C06CA3-80B9-2042-9740-94E387CAEB58}"/>
+                </a:ext>
+              </a:extLst>
+            </p:cNvPr>
+            <p:cNvSpPr/>
+            <p:nvPr/>
+          </p:nvSpPr>
+          <p:spPr>
+            <a:xfrm>
+              <a:off x="2434590" y="3088101"/>
+              <a:ext cx="205740" cy="205740"/>
+            </a:xfrm>
+            <a:prstGeom prst="ellipse">
+              <a:avLst/>
+            </a:prstGeom>
+            <a:solidFill>
+              <a:schemeClr val="bg1">
+                <a:lumMod val="50000"/>
+              </a:schemeClr>
+            </a:solidFill>
+          </p:spPr>
+          <p:style>
+            <a:lnRef idx="2">
+              <a:schemeClr val="accent1">
+                <a:shade val="50000"/>
+              </a:schemeClr>
+            </a:lnRef>
+            <a:fillRef idx="1">
+              <a:schemeClr val="accent1"/>
+            </a:fillRef>
+            <a:effectRef idx="0">
+              <a:schemeClr val="accent1"/>
+            </a:effectRef>
+            <a:fontRef idx="minor">
+              <a:schemeClr val="lt1"/>
+            </a:fontRef>
+          </p:style>
+          <p:txBody>
+            <a:bodyPr rtlCol="0" anchor="ctr"/>
+            <a:lstStyle/>
+            <a:p>
+              <a:pPr algn="ctr"/>
+              <a:endParaRPr lang="en-US"/>
+            </a:p>
+          </p:txBody>
+        </p:sp>
+        <p:sp>
+          <p:nvSpPr>
+            <p:cNvPr id="11" name="TextBox 10">
+              <a:extLst>
+                <a:ext uri="{FF2B5EF4-FFF2-40B4-BE49-F238E27FC236}">
+                  <a16:creationId xmlns:a16="http://schemas.microsoft.com/office/drawing/2014/main" id="{5D4D47CA-6B9D-5B4D-BABF-1A15EA7BD817}"/>
+                </a:ext>
+              </a:extLst>
+            </p:cNvPr>
+            <p:cNvSpPr txBox="1"/>
+            <p:nvPr/>
+          </p:nvSpPr>
+          <p:spPr>
+            <a:xfrm>
+              <a:off x="1998252" y="2266363"/>
+              <a:ext cx="436338" cy="461665"/>
+            </a:xfrm>
+            <a:prstGeom prst="rect">
+              <a:avLst/>
+            </a:prstGeom>
+            <a:noFill/>
+          </p:spPr>
+          <p:txBody>
+            <a:bodyPr wrap="none" rtlCol="0">
+              <a:spAutoFit/>
+            </a:bodyPr>
+            <a:lstStyle/>
+            <a:p>
+              <a:r>
+                <a:rPr lang="en-US" sz="2400" b="1" dirty="0">
+                  <a:latin typeface="Bookman Old Style" panose="02050604050505020204" pitchFamily="18" charset="0"/>
+                </a:rPr>
+                <a:t>H</a:t>
+              </a:r>
+            </a:p>
+          </p:txBody>
+        </p:sp>
+        <p:sp>
+          <p:nvSpPr>
+            <p:cNvPr id="12" name="TextBox 11">
+              <a:extLst>
+                <a:ext uri="{FF2B5EF4-FFF2-40B4-BE49-F238E27FC236}">
+                  <a16:creationId xmlns:a16="http://schemas.microsoft.com/office/drawing/2014/main" id="{5998B3B4-ABDE-A548-8173-DCA6092C5B19}"/>
+                </a:ext>
+              </a:extLst>
+            </p:cNvPr>
+            <p:cNvSpPr txBox="1"/>
+            <p:nvPr/>
+          </p:nvSpPr>
+          <p:spPr>
+            <a:xfrm>
+              <a:off x="2016687" y="3088101"/>
+              <a:ext cx="399468" cy="461665"/>
+            </a:xfrm>
+            <a:prstGeom prst="rect">
+              <a:avLst/>
+            </a:prstGeom>
+            <a:noFill/>
+          </p:spPr>
+          <p:txBody>
+            <a:bodyPr wrap="none" rtlCol="0">
+              <a:spAutoFit/>
+            </a:bodyPr>
+            <a:lstStyle/>
+            <a:p>
+              <a:r>
+                <a:rPr lang="en-US" sz="2400" b="1" dirty="0">
+                  <a:latin typeface="Bookman Old Style" panose="02050604050505020204" pitchFamily="18" charset="0"/>
+                </a:rPr>
+                <a:t>T</a:t>
+              </a:r>
+            </a:p>
+          </p:txBody>
+        </p:sp>
+        <p:cxnSp>
+          <p:nvCxnSpPr>
+            <p:cNvPr id="14" name="Straight Arrow Connector 13">
+              <a:extLst>
+                <a:ext uri="{FF2B5EF4-FFF2-40B4-BE49-F238E27FC236}">
+                  <a16:creationId xmlns:a16="http://schemas.microsoft.com/office/drawing/2014/main" id="{57087A8D-DCC6-C240-9B7D-6C0847135B72}"/>
+                </a:ext>
+              </a:extLst>
+            </p:cNvPr>
+            <p:cNvCxnSpPr>
+              <a:cxnSpLocks/>
+            </p:cNvCxnSpPr>
+            <p:nvPr/>
+          </p:nvCxnSpPr>
+          <p:spPr>
+            <a:xfrm>
+              <a:off x="4987636" y="2894131"/>
+              <a:ext cx="3904904" cy="0"/>
+            </a:xfrm>
+            <a:prstGeom prst="straightConnector1">
+              <a:avLst/>
+            </a:prstGeom>
+            <a:ln w="28575">
+              <a:solidFill>
+                <a:schemeClr val="tx1">
+                  <a:lumMod val="85000"/>
+                  <a:lumOff val="15000"/>
+                </a:schemeClr>
+              </a:solidFill>
+              <a:tailEnd type="stealth" w="lg" len="lg"/>
+            </a:ln>
+          </p:spPr>
+          <p:style>
+            <a:lnRef idx="1">
+              <a:schemeClr val="accent1"/>
+            </a:lnRef>
+            <a:fillRef idx="0">
+              <a:schemeClr val="accent1"/>
+            </a:fillRef>
+            <a:effectRef idx="0">
+              <a:schemeClr val="accent1"/>
+            </a:effectRef>
+            <a:fontRef idx="minor">
+              <a:schemeClr val="tx1"/>
+            </a:fontRef>
+          </p:style>
+        </p:cxnSp>
+        <p:cxnSp>
+          <p:nvCxnSpPr>
+            <p:cNvPr id="18" name="Straight Arrow Connector 17">
+              <a:extLst>
+                <a:ext uri="{FF2B5EF4-FFF2-40B4-BE49-F238E27FC236}">
+                  <a16:creationId xmlns:a16="http://schemas.microsoft.com/office/drawing/2014/main" id="{D760D21B-9A44-954D-A1C6-7BC7699B6A0D}"/>
+                </a:ext>
+              </a:extLst>
+            </p:cNvPr>
+            <p:cNvCxnSpPr>
+              <a:cxnSpLocks/>
+            </p:cNvCxnSpPr>
+            <p:nvPr/>
+          </p:nvCxnSpPr>
+          <p:spPr>
+            <a:xfrm flipV="1">
+              <a:off x="5695950" y="2754976"/>
+              <a:ext cx="0" cy="278310"/>
+            </a:xfrm>
+            <a:prstGeom prst="straightConnector1">
+              <a:avLst/>
+            </a:prstGeom>
+            <a:ln w="28575">
+              <a:solidFill>
+                <a:schemeClr val="tx1">
+                  <a:lumMod val="85000"/>
+                  <a:lumOff val="15000"/>
+                </a:schemeClr>
+              </a:solidFill>
+              <a:tailEnd type="none" w="lg" len="lg"/>
+            </a:ln>
+          </p:spPr>
+          <p:style>
+            <a:lnRef idx="1">
+              <a:schemeClr val="accent1"/>
+            </a:lnRef>
+            <a:fillRef idx="0">
+              <a:schemeClr val="accent1"/>
+            </a:fillRef>
+            <a:effectRef idx="0">
+              <a:schemeClr val="accent1"/>
+            </a:effectRef>
+            <a:fontRef idx="minor">
+              <a:schemeClr val="tx1"/>
+            </a:fontRef>
+          </p:style>
+        </p:cxnSp>
+        <p:cxnSp>
+          <p:nvCxnSpPr>
+            <p:cNvPr id="21" name="Straight Arrow Connector 20">
+              <a:extLst>
+                <a:ext uri="{FF2B5EF4-FFF2-40B4-BE49-F238E27FC236}">
+                  <a16:creationId xmlns:a16="http://schemas.microsoft.com/office/drawing/2014/main" id="{B9B8B844-7B67-0F4C-AC20-E0E9A16CBB2C}"/>
+                </a:ext>
+              </a:extLst>
+            </p:cNvPr>
+            <p:cNvCxnSpPr>
+              <a:cxnSpLocks/>
+            </p:cNvCxnSpPr>
+            <p:nvPr/>
+          </p:nvCxnSpPr>
+          <p:spPr>
+            <a:xfrm flipV="1">
+              <a:off x="7626701" y="2754976"/>
+              <a:ext cx="0" cy="278310"/>
+            </a:xfrm>
+            <a:prstGeom prst="straightConnector1">
+              <a:avLst/>
+            </a:prstGeom>
+            <a:ln w="28575">
+              <a:solidFill>
+                <a:schemeClr val="tx1">
+                  <a:lumMod val="85000"/>
+                  <a:lumOff val="15000"/>
+                </a:schemeClr>
+              </a:solidFill>
+              <a:tailEnd type="none" w="lg" len="lg"/>
+            </a:ln>
+          </p:spPr>
+          <p:style>
+            <a:lnRef idx="1">
+              <a:schemeClr val="accent1"/>
+            </a:lnRef>
+            <a:fillRef idx="0">
+              <a:schemeClr val="accent1"/>
+            </a:fillRef>
+            <a:effectRef idx="0">
+              <a:schemeClr val="accent1"/>
+            </a:effectRef>
+            <a:fontRef idx="minor">
+              <a:schemeClr val="tx1"/>
+            </a:fontRef>
+          </p:style>
+        </p:cxnSp>
+        <p:sp>
+          <p:nvSpPr>
+            <p:cNvPr id="23" name="TextBox 22">
+              <a:extLst>
+                <a:ext uri="{FF2B5EF4-FFF2-40B4-BE49-F238E27FC236}">
+                  <a16:creationId xmlns:a16="http://schemas.microsoft.com/office/drawing/2014/main" id="{356F14ED-1F89-374B-8F1C-E5531F81E68D}"/>
+                </a:ext>
+              </a:extLst>
+            </p:cNvPr>
+            <p:cNvSpPr txBox="1"/>
+            <p:nvPr/>
+          </p:nvSpPr>
+          <p:spPr>
+            <a:xfrm>
+              <a:off x="5543550" y="3141650"/>
+              <a:ext cx="552450" cy="461665"/>
+            </a:xfrm>
+            <a:prstGeom prst="rect">
+              <a:avLst/>
+            </a:prstGeom>
+            <a:noFill/>
+          </p:spPr>
+          <p:txBody>
+            <a:bodyPr wrap="square" rtlCol="0">
+              <a:spAutoFit/>
+            </a:bodyPr>
+            <a:lstStyle/>
+            <a:p>
+              <a:r>
+                <a:rPr lang="en-US" sz="2400" dirty="0"/>
+                <a:t>0</a:t>
+              </a:r>
+            </a:p>
+          </p:txBody>
+        </p:sp>
+        <p:sp>
+          <p:nvSpPr>
+            <p:cNvPr id="24" name="TextBox 23">
+              <a:extLst>
+                <a:ext uri="{FF2B5EF4-FFF2-40B4-BE49-F238E27FC236}">
+                  <a16:creationId xmlns:a16="http://schemas.microsoft.com/office/drawing/2014/main" id="{4DFC9158-1143-1245-9BC7-FA616BEC34BF}"/>
+                </a:ext>
+              </a:extLst>
+            </p:cNvPr>
+            <p:cNvSpPr txBox="1"/>
+            <p:nvPr/>
+          </p:nvSpPr>
+          <p:spPr>
+            <a:xfrm>
+              <a:off x="7520619" y="3141650"/>
+              <a:ext cx="552450" cy="461665"/>
+            </a:xfrm>
+            <a:prstGeom prst="rect">
+              <a:avLst/>
+            </a:prstGeom>
+            <a:noFill/>
+          </p:spPr>
+          <p:txBody>
+            <a:bodyPr wrap="square" rtlCol="0">
+              <a:spAutoFit/>
+            </a:bodyPr>
+            <a:lstStyle/>
+            <a:p>
+              <a:r>
+                <a:rPr lang="en-US" sz="2400" dirty="0"/>
+                <a:t>1</a:t>
+              </a:r>
+            </a:p>
+          </p:txBody>
+        </p:sp>
+        <p:grpSp>
+          <p:nvGrpSpPr>
+            <p:cNvPr id="41" name="Group 40">
+              <a:extLst>
+                <a:ext uri="{FF2B5EF4-FFF2-40B4-BE49-F238E27FC236}">
+                  <a16:creationId xmlns:a16="http://schemas.microsoft.com/office/drawing/2014/main" id="{7A9295C7-485B-B942-BC04-250D3ED8A51F}"/>
+                </a:ext>
+              </a:extLst>
+            </p:cNvPr>
+            <p:cNvGrpSpPr/>
+            <p:nvPr/>
+          </p:nvGrpSpPr>
+          <p:grpSpPr>
+            <a:xfrm>
+              <a:off x="2640330" y="1574659"/>
+              <a:ext cx="4926883" cy="1245737"/>
+              <a:chOff x="2640330" y="1574659"/>
+              <a:chExt cx="4926883" cy="1245737"/>
+            </a:xfrm>
+          </p:grpSpPr>
+          <p:cxnSp>
+            <p:nvCxnSpPr>
+              <p:cNvPr id="29" name="Straight Connector 28">
+                <a:extLst>
+                  <a:ext uri="{FF2B5EF4-FFF2-40B4-BE49-F238E27FC236}">
+                    <a16:creationId xmlns:a16="http://schemas.microsoft.com/office/drawing/2014/main" id="{70FA8823-861E-4D4D-A28F-2B3B94201797}"/>
+                  </a:ext>
+                </a:extLst>
+              </p:cNvPr>
+              <p:cNvCxnSpPr>
+                <a:cxnSpLocks/>
+              </p:cNvCxnSpPr>
+              <p:nvPr/>
+            </p:nvCxnSpPr>
+            <p:spPr>
+              <a:xfrm flipV="1">
+                <a:off x="2640330" y="1574659"/>
+                <a:ext cx="891781" cy="691704"/>
+              </a:xfrm>
+              <a:prstGeom prst="line">
+                <a:avLst/>
+              </a:prstGeom>
+              <a:ln w="28575">
+                <a:solidFill>
+                  <a:schemeClr val="accent6">
+                    <a:lumMod val="75000"/>
+                  </a:schemeClr>
+                </a:solidFill>
+              </a:ln>
+            </p:spPr>
+            <p:style>
+              <a:lnRef idx="2">
+                <a:schemeClr val="dk1"/>
+              </a:lnRef>
+              <a:fillRef idx="0">
+                <a:schemeClr val="dk1"/>
+              </a:fillRef>
+              <a:effectRef idx="1">
+                <a:schemeClr val="dk1"/>
+              </a:effectRef>
+              <a:fontRef idx="minor">
+                <a:schemeClr val="tx1"/>
+              </a:fontRef>
+            </p:style>
+          </p:cxnSp>
+          <p:cxnSp>
+            <p:nvCxnSpPr>
+              <p:cNvPr id="32" name="Straight Connector 31">
+                <a:extLst>
+                  <a:ext uri="{FF2B5EF4-FFF2-40B4-BE49-F238E27FC236}">
+                    <a16:creationId xmlns:a16="http://schemas.microsoft.com/office/drawing/2014/main" id="{ABCADDAF-D6E5-934D-9053-BF786F2184BB}"/>
+                  </a:ext>
+                </a:extLst>
+              </p:cNvPr>
+              <p:cNvCxnSpPr>
+                <a:cxnSpLocks/>
+              </p:cNvCxnSpPr>
+              <p:nvPr/>
+            </p:nvCxnSpPr>
+            <p:spPr>
+              <a:xfrm>
+                <a:off x="3532111" y="1574659"/>
+                <a:ext cx="3228907" cy="0"/>
+              </a:xfrm>
+              <a:prstGeom prst="line">
+                <a:avLst/>
+              </a:prstGeom>
+              <a:ln w="28575">
+                <a:solidFill>
+                  <a:schemeClr val="accent6">
+                    <a:lumMod val="75000"/>
+                  </a:schemeClr>
+                </a:solidFill>
+              </a:ln>
+            </p:spPr>
+            <p:style>
+              <a:lnRef idx="1">
+                <a:schemeClr val="accent1"/>
+              </a:lnRef>
+              <a:fillRef idx="0">
+                <a:schemeClr val="accent1"/>
+              </a:fillRef>
+              <a:effectRef idx="0">
+                <a:schemeClr val="accent1"/>
+              </a:effectRef>
+              <a:fontRef idx="minor">
+                <a:schemeClr val="tx1"/>
+              </a:fontRef>
+            </p:style>
+          </p:cxnSp>
+          <p:cxnSp>
+            <p:nvCxnSpPr>
+              <p:cNvPr id="34" name="Straight Arrow Connector 33">
+                <a:extLst>
+                  <a:ext uri="{FF2B5EF4-FFF2-40B4-BE49-F238E27FC236}">
+                    <a16:creationId xmlns:a16="http://schemas.microsoft.com/office/drawing/2014/main" id="{99F40CF2-4D33-F344-999D-A04957EC6A26}"/>
+                  </a:ext>
+                </a:extLst>
+              </p:cNvPr>
+              <p:cNvCxnSpPr>
+                <a:cxnSpLocks/>
+                <a:endCxn id="37" idx="1"/>
+              </p:cNvCxnSpPr>
+              <p:nvPr/>
+            </p:nvCxnSpPr>
+            <p:spPr>
+              <a:xfrm>
+                <a:off x="6761018" y="1574659"/>
+                <a:ext cx="806195" cy="1245737"/>
+              </a:xfrm>
+              <a:prstGeom prst="straightConnector1">
+                <a:avLst/>
+              </a:prstGeom>
+              <a:ln w="28575">
+                <a:solidFill>
+                  <a:schemeClr val="accent6">
+                    <a:lumMod val="75000"/>
+                  </a:schemeClr>
+                </a:solidFill>
+                <a:tailEnd type="stealth" w="lg" len="lg"/>
+              </a:ln>
+            </p:spPr>
+            <p:style>
+              <a:lnRef idx="1">
+                <a:schemeClr val="accent1"/>
+              </a:lnRef>
+              <a:fillRef idx="0">
+                <a:schemeClr val="accent1"/>
+              </a:fillRef>
+              <a:effectRef idx="0">
+                <a:schemeClr val="accent1"/>
+              </a:effectRef>
+              <a:fontRef idx="minor">
+                <a:schemeClr val="tx1"/>
+              </a:fontRef>
+            </p:style>
+          </p:cxnSp>
+        </p:grpSp>
+        <p:sp>
+          <p:nvSpPr>
+            <p:cNvPr id="37" name="Oval 36">
+              <a:extLst>
+                <a:ext uri="{FF2B5EF4-FFF2-40B4-BE49-F238E27FC236}">
+                  <a16:creationId xmlns:a16="http://schemas.microsoft.com/office/drawing/2014/main" id="{4FA38ACB-A2E2-E640-95F1-B14BCDFC0018}"/>
+                </a:ext>
+              </a:extLst>
+            </p:cNvPr>
+            <p:cNvSpPr/>
+            <p:nvPr/>
+          </p:nvSpPr>
+          <p:spPr>
+            <a:xfrm>
+              <a:off x="7537083" y="2790266"/>
+              <a:ext cx="205740" cy="205740"/>
+            </a:xfrm>
+            <a:prstGeom prst="ellipse">
+              <a:avLst/>
+            </a:prstGeom>
+            <a:solidFill>
+              <a:schemeClr val="accent6">
+                <a:lumMod val="75000"/>
+              </a:schemeClr>
+            </a:solidFill>
+          </p:spPr>
+          <p:style>
+            <a:lnRef idx="2">
+              <a:schemeClr val="accent1">
+                <a:shade val="50000"/>
+              </a:schemeClr>
+            </a:lnRef>
+            <a:fillRef idx="1">
+              <a:schemeClr val="accent1"/>
+            </a:fillRef>
+            <a:effectRef idx="0">
+              <a:schemeClr val="accent1"/>
+            </a:effectRef>
+            <a:fontRef idx="minor">
+              <a:schemeClr val="lt1"/>
+            </a:fontRef>
+          </p:style>
+          <p:txBody>
+            <a:bodyPr rtlCol="0" anchor="ctr"/>
+            <a:lstStyle/>
+            <a:p>
+              <a:pPr algn="ctr"/>
+              <a:endParaRPr lang="en-US"/>
+            </a:p>
+          </p:txBody>
+        </p:sp>
+        <p:sp>
+          <p:nvSpPr>
+            <p:cNvPr id="38" name="Oval 37">
+              <a:extLst>
+                <a:ext uri="{FF2B5EF4-FFF2-40B4-BE49-F238E27FC236}">
+                  <a16:creationId xmlns:a16="http://schemas.microsoft.com/office/drawing/2014/main" id="{C788EC9A-1CD6-F14A-AEE2-3DCF60986142}"/>
+                </a:ext>
+              </a:extLst>
+            </p:cNvPr>
+            <p:cNvSpPr/>
+            <p:nvPr/>
+          </p:nvSpPr>
+          <p:spPr>
+            <a:xfrm>
+              <a:off x="5593080" y="2790266"/>
+              <a:ext cx="205740" cy="205740"/>
+            </a:xfrm>
+            <a:prstGeom prst="ellipse">
+              <a:avLst/>
+            </a:prstGeom>
+            <a:solidFill>
+              <a:srgbClr val="FF0000"/>
+            </a:solidFill>
+          </p:spPr>
+          <p:style>
+            <a:lnRef idx="2">
+              <a:schemeClr val="accent1">
+                <a:shade val="50000"/>
+              </a:schemeClr>
+            </a:lnRef>
+            <a:fillRef idx="1">
+              <a:schemeClr val="accent1"/>
+            </a:fillRef>
+            <a:effectRef idx="0">
+              <a:schemeClr val="accent1"/>
+            </a:effectRef>
+            <a:fontRef idx="minor">
+              <a:schemeClr val="lt1"/>
+            </a:fontRef>
+          </p:style>
+          <p:txBody>
+            <a:bodyPr rtlCol="0" anchor="ctr"/>
+            <a:lstStyle/>
+            <a:p>
+              <a:pPr algn="ctr"/>
+              <a:endParaRPr lang="en-US"/>
+            </a:p>
+          </p:txBody>
+        </p:sp>
+        <p:cxnSp>
+          <p:nvCxnSpPr>
+            <p:cNvPr id="43" name="Straight Connector 42">
+              <a:extLst>
+                <a:ext uri="{FF2B5EF4-FFF2-40B4-BE49-F238E27FC236}">
+                  <a16:creationId xmlns:a16="http://schemas.microsoft.com/office/drawing/2014/main" id="{2DB4BB95-F31A-E649-AD4F-143DACC956E2}"/>
+                </a:ext>
+              </a:extLst>
+            </p:cNvPr>
+            <p:cNvCxnSpPr>
+              <a:cxnSpLocks/>
+              <a:stCxn id="10" idx="5"/>
+            </p:cNvCxnSpPr>
+            <p:nvPr/>
+          </p:nvCxnSpPr>
+          <p:spPr>
+            <a:xfrm>
+              <a:off x="2610200" y="3263711"/>
+              <a:ext cx="585387" cy="626467"/>
+            </a:xfrm>
+            <a:prstGeom prst="line">
+              <a:avLst/>
+            </a:prstGeom>
+            <a:ln w="28575">
+              <a:solidFill>
+                <a:srgbClr val="FF0000"/>
+              </a:solidFill>
+            </a:ln>
+          </p:spPr>
+          <p:style>
+            <a:lnRef idx="2">
+              <a:schemeClr val="dk1"/>
+            </a:lnRef>
+            <a:fillRef idx="0">
+              <a:schemeClr val="dk1"/>
+            </a:fillRef>
+            <a:effectRef idx="1">
+              <a:schemeClr val="dk1"/>
+            </a:effectRef>
+            <a:fontRef idx="minor">
+              <a:schemeClr val="tx1"/>
+            </a:fontRef>
+          </p:style>
+        </p:cxnSp>
+        <p:cxnSp>
+          <p:nvCxnSpPr>
+            <p:cNvPr id="44" name="Straight Connector 43">
+              <a:extLst>
+                <a:ext uri="{FF2B5EF4-FFF2-40B4-BE49-F238E27FC236}">
+                  <a16:creationId xmlns:a16="http://schemas.microsoft.com/office/drawing/2014/main" id="{03E043CB-8AE5-004F-819F-2BEFB1304711}"/>
+                </a:ext>
+              </a:extLst>
+            </p:cNvPr>
+            <p:cNvCxnSpPr>
+              <a:cxnSpLocks/>
+            </p:cNvCxnSpPr>
+            <p:nvPr/>
+          </p:nvCxnSpPr>
+          <p:spPr>
+            <a:xfrm>
+              <a:off x="3195587" y="3890178"/>
+              <a:ext cx="1691674" cy="0"/>
+            </a:xfrm>
+            <a:prstGeom prst="line">
+              <a:avLst/>
+            </a:prstGeom>
+            <a:ln w="28575">
+              <a:solidFill>
+                <a:srgbClr val="FF0000"/>
+              </a:solidFill>
+            </a:ln>
+          </p:spPr>
+          <p:style>
+            <a:lnRef idx="1">
+              <a:schemeClr val="accent1"/>
+            </a:lnRef>
+            <a:fillRef idx="0">
+              <a:schemeClr val="accent1"/>
+            </a:fillRef>
+            <a:effectRef idx="0">
+              <a:schemeClr val="accent1"/>
+            </a:effectRef>
+            <a:fontRef idx="minor">
+              <a:schemeClr val="tx1"/>
+            </a:fontRef>
+          </p:style>
+        </p:cxnSp>
+        <p:cxnSp>
+          <p:nvCxnSpPr>
+            <p:cNvPr id="45" name="Straight Arrow Connector 44">
+              <a:extLst>
+                <a:ext uri="{FF2B5EF4-FFF2-40B4-BE49-F238E27FC236}">
+                  <a16:creationId xmlns:a16="http://schemas.microsoft.com/office/drawing/2014/main" id="{BA51A3FE-EB0B-4247-8FE9-0E936E7A8FF1}"/>
+                </a:ext>
+              </a:extLst>
+            </p:cNvPr>
+            <p:cNvCxnSpPr>
+              <a:cxnSpLocks/>
+              <a:endCxn id="38" idx="3"/>
+            </p:cNvCxnSpPr>
+            <p:nvPr/>
+          </p:nvCxnSpPr>
+          <p:spPr>
+            <a:xfrm flipV="1">
+              <a:off x="4887261" y="2965876"/>
+              <a:ext cx="735949" cy="924302"/>
+            </a:xfrm>
+            <a:prstGeom prst="straightConnector1">
+              <a:avLst/>
+            </a:prstGeom>
+            <a:ln w="28575">
+              <a:solidFill>
+                <a:srgbClr val="FF0000"/>
+              </a:solidFill>
+              <a:tailEnd type="stealth" w="lg" len="lg"/>
+            </a:ln>
+          </p:spPr>
+          <p:style>
+            <a:lnRef idx="1">
+              <a:schemeClr val="accent1"/>
+            </a:lnRef>
+            <a:fillRef idx="0">
+              <a:schemeClr val="accent1"/>
+            </a:fillRef>
+            <a:effectRef idx="0">
+              <a:schemeClr val="accent1"/>
+            </a:effectRef>
+            <a:fontRef idx="minor">
+              <a:schemeClr val="tx1"/>
+            </a:fontRef>
+          </p:style>
+        </p:cxnSp>
+      </p:grpSp>
+      <p:sp>
+        <p:nvSpPr>
+          <p:cNvPr id="3" name="TextBox 2">
+            <a:extLst>
+              <a:ext uri="{FF2B5EF4-FFF2-40B4-BE49-F238E27FC236}">
+                <a16:creationId xmlns:a16="http://schemas.microsoft.com/office/drawing/2014/main" id="{EC8B51CE-CC80-4948-9B0B-325C1371DBEC}"/>
+              </a:ext>
+            </a:extLst>
+          </p:cNvPr>
+          <p:cNvSpPr txBox="1"/>
+          <p:nvPr/>
+        </p:nvSpPr>
+        <p:spPr>
+          <a:xfrm>
+            <a:off x="5543917" y="2503478"/>
+            <a:ext cx="708508" cy="769441"/>
+          </a:xfrm>
+          <a:prstGeom prst="rect">
+            <a:avLst/>
+          </a:prstGeom>
+          <a:noFill/>
+        </p:spPr>
+        <p:txBody>
+          <a:bodyPr wrap="square" rtlCol="0">
+            <a:spAutoFit/>
+          </a:bodyPr>
+          <a:lstStyle/>
+          <a:p>
+            <a:r>
+              <a:rPr lang="en-US" sz="4400" dirty="0">
+                <a:solidFill>
+                  <a:schemeClr val="accent6">
+                    <a:lumMod val="75000"/>
+                  </a:schemeClr>
+                </a:solidFill>
+              </a:rPr>
+              <a:t>(</a:t>
+            </a:r>
+          </a:p>
+        </p:txBody>
+      </p:sp>
       <p:cxnSp>
         <p:nvCxnSpPr>
-          <p:cNvPr id="45" name="Straight Arrow Connector 44">
+          <p:cNvPr id="25" name="Straight Arrow Connector 24">
             <a:extLst>
               <a:ext uri="{FF2B5EF4-FFF2-40B4-BE49-F238E27FC236}">
-                <a16:creationId xmlns:a16="http://schemas.microsoft.com/office/drawing/2014/main" id="{BA51A3FE-EB0B-4247-8FE9-0E936E7A8FF1}"/>
+                <a16:creationId xmlns:a16="http://schemas.microsoft.com/office/drawing/2014/main" id="{4D2AB38C-2C17-8A43-ABB6-D2876AEBF573}"/>
               </a:ext>
             </a:extLst>
           </p:cNvPr>
           <p:cNvCxnSpPr>
             <a:cxnSpLocks/>
-            <a:endCxn id="38" idx="3"/>
           </p:cNvCxnSpPr>
           <p:nvPr/>
         </p:nvCxnSpPr>
         <p:spPr>
-          <a:xfrm flipV="1">
-            <a:off x="4887261" y="2965876"/>
-            <a:ext cx="735949" cy="924302"/>
+          <a:xfrm>
+            <a:off x="5695950" y="2941584"/>
+            <a:ext cx="1926718" cy="0"/>
           </a:xfrm>
           <a:prstGeom prst="straightConnector1">
             <a:avLst/>
           </a:prstGeom>
-          <a:ln w="28575">
+          <a:ln w="57150">
             <a:solidFill>
-              <a:srgbClr val="FF0000"/>
+              <a:schemeClr val="accent6">
+                <a:lumMod val="75000"/>
+              </a:schemeClr>
             </a:solidFill>
-            <a:tailEnd type="stealth" w="lg" len="lg"/>
+            <a:tailEnd type="none"/>
           </a:ln>
         </p:spPr>
         <p:style>
@@ -4571,10 +8805,1545 @@
           </a:fontRef>
         </p:style>
       </p:cxnSp>
+      <p:pic>
+        <p:nvPicPr>
+          <p:cNvPr id="20" name="Picture 19">
+            <a:extLst>
+              <a:ext uri="{FF2B5EF4-FFF2-40B4-BE49-F238E27FC236}">
+                <a16:creationId xmlns:a16="http://schemas.microsoft.com/office/drawing/2014/main" id="{13EBFF31-3076-2748-AA11-6A114C8ABF8B}"/>
+              </a:ext>
+            </a:extLst>
+          </p:cNvPr>
+          <p:cNvPicPr>
+            <a:picLocks noChangeAspect="1"/>
+          </p:cNvPicPr>
+          <p:nvPr/>
+        </p:nvPicPr>
+        <p:blipFill>
+          <a:blip r:embed="rId2"/>
+          <a:stretch>
+            <a:fillRect/>
+          </a:stretch>
+        </p:blipFill>
+        <p:spPr>
+          <a:xfrm>
+            <a:off x="4987636" y="2140880"/>
+            <a:ext cx="2044700" cy="381000"/>
+          </a:xfrm>
+          <a:prstGeom prst="rect">
+            <a:avLst/>
+          </a:prstGeom>
+        </p:spPr>
+      </p:pic>
+      <p:sp>
+        <p:nvSpPr>
+          <p:cNvPr id="35" name="TextBox 34">
+            <a:extLst>
+              <a:ext uri="{FF2B5EF4-FFF2-40B4-BE49-F238E27FC236}">
+                <a16:creationId xmlns:a16="http://schemas.microsoft.com/office/drawing/2014/main" id="{1A239952-8C7E-CE45-8CCB-99BB78AAD430}"/>
+              </a:ext>
+            </a:extLst>
+          </p:cNvPr>
+          <p:cNvSpPr txBox="1"/>
+          <p:nvPr/>
+        </p:nvSpPr>
+        <p:spPr>
+          <a:xfrm>
+            <a:off x="7442590" y="2488041"/>
+            <a:ext cx="708508" cy="769441"/>
+          </a:xfrm>
+          <a:prstGeom prst="rect">
+            <a:avLst/>
+          </a:prstGeom>
+          <a:noFill/>
+        </p:spPr>
+        <p:txBody>
+          <a:bodyPr wrap="square" rtlCol="0">
+            <a:spAutoFit/>
+          </a:bodyPr>
+          <a:lstStyle/>
+          <a:p>
+            <a:r>
+              <a:rPr lang="en-US" sz="4400" dirty="0">
+                <a:solidFill>
+                  <a:schemeClr val="accent6">
+                    <a:lumMod val="75000"/>
+                  </a:schemeClr>
+                </a:solidFill>
+              </a:rPr>
+              <a:t>]</a:t>
+            </a:r>
+          </a:p>
+        </p:txBody>
+      </p:sp>
     </p:spTree>
     <p:extLst>
       <p:ext uri="{BB962C8B-B14F-4D97-AF65-F5344CB8AC3E}">
-        <p14:creationId xmlns:p14="http://schemas.microsoft.com/office/powerpoint/2010/main" val="1669386661"/>
+        <p14:creationId xmlns:p14="http://schemas.microsoft.com/office/powerpoint/2010/main" val="1104303323"/>
+      </p:ext>
+    </p:extLst>
+  </p:cSld>
+  <p:clrMapOvr>
+    <a:masterClrMapping/>
+  </p:clrMapOvr>
+</p:sld>
+</file>
+
+<file path=ppt/slides/slide5.xml><?xml version="1.0" encoding="utf-8"?>
+<p:sld xmlns:a="http://schemas.openxmlformats.org/drawingml/2006/main" xmlns:r="http://schemas.openxmlformats.org/officeDocument/2006/relationships" xmlns:p="http://schemas.openxmlformats.org/presentationml/2006/main">
+  <p:cSld>
+    <p:spTree>
+      <p:nvGrpSpPr>
+        <p:cNvPr id="1" name=""/>
+        <p:cNvGrpSpPr/>
+        <p:nvPr/>
+      </p:nvGrpSpPr>
+      <p:grpSpPr>
+        <a:xfrm>
+          <a:off x="0" y="0"/>
+          <a:ext cx="0" cy="0"/>
+          <a:chOff x="0" y="0"/>
+          <a:chExt cx="0" cy="0"/>
+        </a:xfrm>
+      </p:grpSpPr>
+      <p:grpSp>
+        <p:nvGrpSpPr>
+          <p:cNvPr id="2" name="Group 1">
+            <a:extLst>
+              <a:ext uri="{FF2B5EF4-FFF2-40B4-BE49-F238E27FC236}">
+                <a16:creationId xmlns:a16="http://schemas.microsoft.com/office/drawing/2014/main" id="{B91F0A2D-2AF7-1F43-8118-48E39FC081F4}"/>
+              </a:ext>
+            </a:extLst>
+          </p:cNvPr>
+          <p:cNvGrpSpPr/>
+          <p:nvPr/>
+        </p:nvGrpSpPr>
+        <p:grpSpPr>
+          <a:xfrm>
+            <a:off x="1414073" y="1395452"/>
+            <a:ext cx="7478467" cy="2839502"/>
+            <a:chOff x="1414073" y="1395452"/>
+            <a:chExt cx="7478467" cy="2839502"/>
+          </a:xfrm>
+        </p:grpSpPr>
+        <p:sp>
+          <p:nvSpPr>
+            <p:cNvPr id="8" name="Freeform 7">
+              <a:extLst>
+                <a:ext uri="{FF2B5EF4-FFF2-40B4-BE49-F238E27FC236}">
+                  <a16:creationId xmlns:a16="http://schemas.microsoft.com/office/drawing/2014/main" id="{30149E8B-A17F-DA46-B277-BE016F789BFC}"/>
+                </a:ext>
+              </a:extLst>
+            </p:cNvPr>
+            <p:cNvSpPr/>
+            <p:nvPr/>
+          </p:nvSpPr>
+          <p:spPr>
+            <a:xfrm>
+              <a:off x="1414073" y="1395452"/>
+              <a:ext cx="2117773" cy="2839502"/>
+            </a:xfrm>
+            <a:custGeom>
+              <a:avLst/>
+              <a:gdLst>
+                <a:gd name="connsiteX0" fmla="*/ 354491 w 2195042"/>
+                <a:gd name="connsiteY0" fmla="*/ 491545 h 2896527"/>
+                <a:gd name="connsiteX1" fmla="*/ 754541 w 2195042"/>
+                <a:gd name="connsiteY1" fmla="*/ 55 h 2896527"/>
+                <a:gd name="connsiteX2" fmla="*/ 1063151 w 2195042"/>
+                <a:gd name="connsiteY2" fmla="*/ 457255 h 2896527"/>
+                <a:gd name="connsiteX3" fmla="*/ 1588931 w 2195042"/>
+                <a:gd name="connsiteY3" fmla="*/ 148645 h 2896527"/>
+                <a:gd name="connsiteX4" fmla="*/ 2057561 w 2195042"/>
+                <a:gd name="connsiteY4" fmla="*/ 720145 h 2896527"/>
+                <a:gd name="connsiteX5" fmla="*/ 1886111 w 2195042"/>
+                <a:gd name="connsiteY5" fmla="*/ 1165915 h 2896527"/>
+                <a:gd name="connsiteX6" fmla="*/ 2194721 w 2195042"/>
+                <a:gd name="connsiteY6" fmla="*/ 1840285 h 2896527"/>
+                <a:gd name="connsiteX7" fmla="*/ 1817531 w 2195042"/>
+                <a:gd name="connsiteY7" fmla="*/ 2720395 h 2896527"/>
+                <a:gd name="connsiteX8" fmla="*/ 1291751 w 2195042"/>
+                <a:gd name="connsiteY8" fmla="*/ 2526085 h 2896527"/>
+                <a:gd name="connsiteX9" fmla="*/ 537371 w 2195042"/>
+                <a:gd name="connsiteY9" fmla="*/ 2891845 h 2896527"/>
+                <a:gd name="connsiteX10" fmla="*/ 525941 w 2195042"/>
+                <a:gd name="connsiteY10" fmla="*/ 2217475 h 2896527"/>
+                <a:gd name="connsiteX11" fmla="*/ 161 w 2195042"/>
+                <a:gd name="connsiteY11" fmla="*/ 1771705 h 2896527"/>
+                <a:gd name="connsiteX12" fmla="*/ 468791 w 2195042"/>
+                <a:gd name="connsiteY12" fmla="*/ 1211635 h 2896527"/>
+                <a:gd name="connsiteX13" fmla="*/ 354491 w 2195042"/>
+                <a:gd name="connsiteY13" fmla="*/ 491545 h 2896527"/>
+                <a:gd name="connsiteX0" fmla="*/ 354491 w 2194777"/>
+                <a:gd name="connsiteY0" fmla="*/ 491545 h 2896527"/>
+                <a:gd name="connsiteX1" fmla="*/ 754541 w 2194777"/>
+                <a:gd name="connsiteY1" fmla="*/ 55 h 2896527"/>
+                <a:gd name="connsiteX2" fmla="*/ 1063151 w 2194777"/>
+                <a:gd name="connsiteY2" fmla="*/ 457255 h 2896527"/>
+                <a:gd name="connsiteX3" fmla="*/ 1588931 w 2194777"/>
+                <a:gd name="connsiteY3" fmla="*/ 148645 h 2896527"/>
+                <a:gd name="connsiteX4" fmla="*/ 2057561 w 2194777"/>
+                <a:gd name="connsiteY4" fmla="*/ 720145 h 2896527"/>
+                <a:gd name="connsiteX5" fmla="*/ 1847610 w 2194777"/>
+                <a:gd name="connsiteY5" fmla="*/ 1339170 h 2896527"/>
+                <a:gd name="connsiteX6" fmla="*/ 2194721 w 2194777"/>
+                <a:gd name="connsiteY6" fmla="*/ 1840285 h 2896527"/>
+                <a:gd name="connsiteX7" fmla="*/ 1817531 w 2194777"/>
+                <a:gd name="connsiteY7" fmla="*/ 2720395 h 2896527"/>
+                <a:gd name="connsiteX8" fmla="*/ 1291751 w 2194777"/>
+                <a:gd name="connsiteY8" fmla="*/ 2526085 h 2896527"/>
+                <a:gd name="connsiteX9" fmla="*/ 537371 w 2194777"/>
+                <a:gd name="connsiteY9" fmla="*/ 2891845 h 2896527"/>
+                <a:gd name="connsiteX10" fmla="*/ 525941 w 2194777"/>
+                <a:gd name="connsiteY10" fmla="*/ 2217475 h 2896527"/>
+                <a:gd name="connsiteX11" fmla="*/ 161 w 2194777"/>
+                <a:gd name="connsiteY11" fmla="*/ 1771705 h 2896527"/>
+                <a:gd name="connsiteX12" fmla="*/ 468791 w 2194777"/>
+                <a:gd name="connsiteY12" fmla="*/ 1211635 h 2896527"/>
+                <a:gd name="connsiteX13" fmla="*/ 354491 w 2194777"/>
+                <a:gd name="connsiteY13" fmla="*/ 491545 h 2896527"/>
+                <a:gd name="connsiteX0" fmla="*/ 354470 w 2194756"/>
+                <a:gd name="connsiteY0" fmla="*/ 491545 h 2896527"/>
+                <a:gd name="connsiteX1" fmla="*/ 754520 w 2194756"/>
+                <a:gd name="connsiteY1" fmla="*/ 55 h 2896527"/>
+                <a:gd name="connsiteX2" fmla="*/ 1063130 w 2194756"/>
+                <a:gd name="connsiteY2" fmla="*/ 457255 h 2896527"/>
+                <a:gd name="connsiteX3" fmla="*/ 1588910 w 2194756"/>
+                <a:gd name="connsiteY3" fmla="*/ 148645 h 2896527"/>
+                <a:gd name="connsiteX4" fmla="*/ 2057540 w 2194756"/>
+                <a:gd name="connsiteY4" fmla="*/ 720145 h 2896527"/>
+                <a:gd name="connsiteX5" fmla="*/ 1847589 w 2194756"/>
+                <a:gd name="connsiteY5" fmla="*/ 1339170 h 2896527"/>
+                <a:gd name="connsiteX6" fmla="*/ 2194700 w 2194756"/>
+                <a:gd name="connsiteY6" fmla="*/ 1840285 h 2896527"/>
+                <a:gd name="connsiteX7" fmla="*/ 1817510 w 2194756"/>
+                <a:gd name="connsiteY7" fmla="*/ 2720395 h 2896527"/>
+                <a:gd name="connsiteX8" fmla="*/ 1291730 w 2194756"/>
+                <a:gd name="connsiteY8" fmla="*/ 2526085 h 2896527"/>
+                <a:gd name="connsiteX9" fmla="*/ 537350 w 2194756"/>
+                <a:gd name="connsiteY9" fmla="*/ 2891845 h 2896527"/>
+                <a:gd name="connsiteX10" fmla="*/ 525920 w 2194756"/>
+                <a:gd name="connsiteY10" fmla="*/ 2217475 h 2896527"/>
+                <a:gd name="connsiteX11" fmla="*/ 140 w 2194756"/>
+                <a:gd name="connsiteY11" fmla="*/ 1771705 h 2896527"/>
+                <a:gd name="connsiteX12" fmla="*/ 536147 w 2194756"/>
+                <a:gd name="connsiteY12" fmla="*/ 1115382 h 2896527"/>
+                <a:gd name="connsiteX13" fmla="*/ 354470 w 2194756"/>
+                <a:gd name="connsiteY13" fmla="*/ 491545 h 2896527"/>
+                <a:gd name="connsiteX0" fmla="*/ 277487 w 2117773"/>
+                <a:gd name="connsiteY0" fmla="*/ 491545 h 2896527"/>
+                <a:gd name="connsiteX1" fmla="*/ 677537 w 2117773"/>
+                <a:gd name="connsiteY1" fmla="*/ 55 h 2896527"/>
+                <a:gd name="connsiteX2" fmla="*/ 986147 w 2117773"/>
+                <a:gd name="connsiteY2" fmla="*/ 457255 h 2896527"/>
+                <a:gd name="connsiteX3" fmla="*/ 1511927 w 2117773"/>
+                <a:gd name="connsiteY3" fmla="*/ 148645 h 2896527"/>
+                <a:gd name="connsiteX4" fmla="*/ 1980557 w 2117773"/>
+                <a:gd name="connsiteY4" fmla="*/ 720145 h 2896527"/>
+                <a:gd name="connsiteX5" fmla="*/ 1770606 w 2117773"/>
+                <a:gd name="connsiteY5" fmla="*/ 1339170 h 2896527"/>
+                <a:gd name="connsiteX6" fmla="*/ 2117717 w 2117773"/>
+                <a:gd name="connsiteY6" fmla="*/ 1840285 h 2896527"/>
+                <a:gd name="connsiteX7" fmla="*/ 1740527 w 2117773"/>
+                <a:gd name="connsiteY7" fmla="*/ 2720395 h 2896527"/>
+                <a:gd name="connsiteX8" fmla="*/ 1214747 w 2117773"/>
+                <a:gd name="connsiteY8" fmla="*/ 2526085 h 2896527"/>
+                <a:gd name="connsiteX9" fmla="*/ 460367 w 2117773"/>
+                <a:gd name="connsiteY9" fmla="*/ 2891845 h 2896527"/>
+                <a:gd name="connsiteX10" fmla="*/ 448937 w 2117773"/>
+                <a:gd name="connsiteY10" fmla="*/ 2217475 h 2896527"/>
+                <a:gd name="connsiteX11" fmla="*/ 159 w 2117773"/>
+                <a:gd name="connsiteY11" fmla="*/ 1656202 h 2896527"/>
+                <a:gd name="connsiteX12" fmla="*/ 459164 w 2117773"/>
+                <a:gd name="connsiteY12" fmla="*/ 1115382 h 2896527"/>
+                <a:gd name="connsiteX13" fmla="*/ 277487 w 2117773"/>
+                <a:gd name="connsiteY13" fmla="*/ 491545 h 2896527"/>
+                <a:gd name="connsiteX0" fmla="*/ 277487 w 2117773"/>
+                <a:gd name="connsiteY0" fmla="*/ 491545 h 2894415"/>
+                <a:gd name="connsiteX1" fmla="*/ 677537 w 2117773"/>
+                <a:gd name="connsiteY1" fmla="*/ 55 h 2894415"/>
+                <a:gd name="connsiteX2" fmla="*/ 986147 w 2117773"/>
+                <a:gd name="connsiteY2" fmla="*/ 457255 h 2894415"/>
+                <a:gd name="connsiteX3" fmla="*/ 1511927 w 2117773"/>
+                <a:gd name="connsiteY3" fmla="*/ 148645 h 2894415"/>
+                <a:gd name="connsiteX4" fmla="*/ 1980557 w 2117773"/>
+                <a:gd name="connsiteY4" fmla="*/ 720145 h 2894415"/>
+                <a:gd name="connsiteX5" fmla="*/ 1770606 w 2117773"/>
+                <a:gd name="connsiteY5" fmla="*/ 1339170 h 2894415"/>
+                <a:gd name="connsiteX6" fmla="*/ 2117717 w 2117773"/>
+                <a:gd name="connsiteY6" fmla="*/ 1840285 h 2894415"/>
+                <a:gd name="connsiteX7" fmla="*/ 1740527 w 2117773"/>
+                <a:gd name="connsiteY7" fmla="*/ 2720395 h 2894415"/>
+                <a:gd name="connsiteX8" fmla="*/ 1214747 w 2117773"/>
+                <a:gd name="connsiteY8" fmla="*/ 2526085 h 2894415"/>
+                <a:gd name="connsiteX9" fmla="*/ 460367 w 2117773"/>
+                <a:gd name="connsiteY9" fmla="*/ 2891845 h 2894415"/>
+                <a:gd name="connsiteX10" fmla="*/ 458563 w 2117773"/>
+                <a:gd name="connsiteY10" fmla="*/ 2304103 h 2894415"/>
+                <a:gd name="connsiteX11" fmla="*/ 159 w 2117773"/>
+                <a:gd name="connsiteY11" fmla="*/ 1656202 h 2894415"/>
+                <a:gd name="connsiteX12" fmla="*/ 459164 w 2117773"/>
+                <a:gd name="connsiteY12" fmla="*/ 1115382 h 2894415"/>
+                <a:gd name="connsiteX13" fmla="*/ 277487 w 2117773"/>
+                <a:gd name="connsiteY13" fmla="*/ 491545 h 2894415"/>
+                <a:gd name="connsiteX0" fmla="*/ 277487 w 2117773"/>
+                <a:gd name="connsiteY0" fmla="*/ 491545 h 2932724"/>
+                <a:gd name="connsiteX1" fmla="*/ 677537 w 2117773"/>
+                <a:gd name="connsiteY1" fmla="*/ 55 h 2932724"/>
+                <a:gd name="connsiteX2" fmla="*/ 986147 w 2117773"/>
+                <a:gd name="connsiteY2" fmla="*/ 457255 h 2932724"/>
+                <a:gd name="connsiteX3" fmla="*/ 1511927 w 2117773"/>
+                <a:gd name="connsiteY3" fmla="*/ 148645 h 2932724"/>
+                <a:gd name="connsiteX4" fmla="*/ 1980557 w 2117773"/>
+                <a:gd name="connsiteY4" fmla="*/ 720145 h 2932724"/>
+                <a:gd name="connsiteX5" fmla="*/ 1770606 w 2117773"/>
+                <a:gd name="connsiteY5" fmla="*/ 1339170 h 2932724"/>
+                <a:gd name="connsiteX6" fmla="*/ 2117717 w 2117773"/>
+                <a:gd name="connsiteY6" fmla="*/ 1840285 h 2932724"/>
+                <a:gd name="connsiteX7" fmla="*/ 1740527 w 2117773"/>
+                <a:gd name="connsiteY7" fmla="*/ 2720395 h 2932724"/>
+                <a:gd name="connsiteX8" fmla="*/ 1214747 w 2117773"/>
+                <a:gd name="connsiteY8" fmla="*/ 2526085 h 2932724"/>
+                <a:gd name="connsiteX9" fmla="*/ 441116 w 2117773"/>
+                <a:gd name="connsiteY9" fmla="*/ 2930346 h 2932724"/>
+                <a:gd name="connsiteX10" fmla="*/ 458563 w 2117773"/>
+                <a:gd name="connsiteY10" fmla="*/ 2304103 h 2932724"/>
+                <a:gd name="connsiteX11" fmla="*/ 159 w 2117773"/>
+                <a:gd name="connsiteY11" fmla="*/ 1656202 h 2932724"/>
+                <a:gd name="connsiteX12" fmla="*/ 459164 w 2117773"/>
+                <a:gd name="connsiteY12" fmla="*/ 1115382 h 2932724"/>
+                <a:gd name="connsiteX13" fmla="*/ 277487 w 2117773"/>
+                <a:gd name="connsiteY13" fmla="*/ 491545 h 2932724"/>
+                <a:gd name="connsiteX0" fmla="*/ 277487 w 2117773"/>
+                <a:gd name="connsiteY0" fmla="*/ 491545 h 2966905"/>
+                <a:gd name="connsiteX1" fmla="*/ 677537 w 2117773"/>
+                <a:gd name="connsiteY1" fmla="*/ 55 h 2966905"/>
+                <a:gd name="connsiteX2" fmla="*/ 986147 w 2117773"/>
+                <a:gd name="connsiteY2" fmla="*/ 457255 h 2966905"/>
+                <a:gd name="connsiteX3" fmla="*/ 1511927 w 2117773"/>
+                <a:gd name="connsiteY3" fmla="*/ 148645 h 2966905"/>
+                <a:gd name="connsiteX4" fmla="*/ 1980557 w 2117773"/>
+                <a:gd name="connsiteY4" fmla="*/ 720145 h 2966905"/>
+                <a:gd name="connsiteX5" fmla="*/ 1770606 w 2117773"/>
+                <a:gd name="connsiteY5" fmla="*/ 1339170 h 2966905"/>
+                <a:gd name="connsiteX6" fmla="*/ 2117717 w 2117773"/>
+                <a:gd name="connsiteY6" fmla="*/ 1840285 h 2966905"/>
+                <a:gd name="connsiteX7" fmla="*/ 1740527 w 2117773"/>
+                <a:gd name="connsiteY7" fmla="*/ 2720395 h 2966905"/>
+                <a:gd name="connsiteX8" fmla="*/ 1214747 w 2117773"/>
+                <a:gd name="connsiteY8" fmla="*/ 2526085 h 2966905"/>
+                <a:gd name="connsiteX9" fmla="*/ 441116 w 2117773"/>
+                <a:gd name="connsiteY9" fmla="*/ 2930346 h 2966905"/>
+                <a:gd name="connsiteX10" fmla="*/ 458563 w 2117773"/>
+                <a:gd name="connsiteY10" fmla="*/ 2304103 h 2966905"/>
+                <a:gd name="connsiteX11" fmla="*/ 159 w 2117773"/>
+                <a:gd name="connsiteY11" fmla="*/ 1656202 h 2966905"/>
+                <a:gd name="connsiteX12" fmla="*/ 459164 w 2117773"/>
+                <a:gd name="connsiteY12" fmla="*/ 1115382 h 2966905"/>
+                <a:gd name="connsiteX13" fmla="*/ 277487 w 2117773"/>
+                <a:gd name="connsiteY13" fmla="*/ 491545 h 2966905"/>
+                <a:gd name="connsiteX0" fmla="*/ 277487 w 2117773"/>
+                <a:gd name="connsiteY0" fmla="*/ 491545 h 2839502"/>
+                <a:gd name="connsiteX1" fmla="*/ 677537 w 2117773"/>
+                <a:gd name="connsiteY1" fmla="*/ 55 h 2839502"/>
+                <a:gd name="connsiteX2" fmla="*/ 986147 w 2117773"/>
+                <a:gd name="connsiteY2" fmla="*/ 457255 h 2839502"/>
+                <a:gd name="connsiteX3" fmla="*/ 1511927 w 2117773"/>
+                <a:gd name="connsiteY3" fmla="*/ 148645 h 2839502"/>
+                <a:gd name="connsiteX4" fmla="*/ 1980557 w 2117773"/>
+                <a:gd name="connsiteY4" fmla="*/ 720145 h 2839502"/>
+                <a:gd name="connsiteX5" fmla="*/ 1770606 w 2117773"/>
+                <a:gd name="connsiteY5" fmla="*/ 1339170 h 2839502"/>
+                <a:gd name="connsiteX6" fmla="*/ 2117717 w 2117773"/>
+                <a:gd name="connsiteY6" fmla="*/ 1840285 h 2839502"/>
+                <a:gd name="connsiteX7" fmla="*/ 1740527 w 2117773"/>
+                <a:gd name="connsiteY7" fmla="*/ 2720395 h 2839502"/>
+                <a:gd name="connsiteX8" fmla="*/ 1214747 w 2117773"/>
+                <a:gd name="connsiteY8" fmla="*/ 2526085 h 2839502"/>
+                <a:gd name="connsiteX9" fmla="*/ 546994 w 2117773"/>
+                <a:gd name="connsiteY9" fmla="*/ 2795593 h 2839502"/>
+                <a:gd name="connsiteX10" fmla="*/ 458563 w 2117773"/>
+                <a:gd name="connsiteY10" fmla="*/ 2304103 h 2839502"/>
+                <a:gd name="connsiteX11" fmla="*/ 159 w 2117773"/>
+                <a:gd name="connsiteY11" fmla="*/ 1656202 h 2839502"/>
+                <a:gd name="connsiteX12" fmla="*/ 459164 w 2117773"/>
+                <a:gd name="connsiteY12" fmla="*/ 1115382 h 2839502"/>
+                <a:gd name="connsiteX13" fmla="*/ 277487 w 2117773"/>
+                <a:gd name="connsiteY13" fmla="*/ 491545 h 2839502"/>
+                <a:gd name="connsiteX0" fmla="*/ 277487 w 2117773"/>
+                <a:gd name="connsiteY0" fmla="*/ 491545 h 2890591"/>
+                <a:gd name="connsiteX1" fmla="*/ 677537 w 2117773"/>
+                <a:gd name="connsiteY1" fmla="*/ 55 h 2890591"/>
+                <a:gd name="connsiteX2" fmla="*/ 986147 w 2117773"/>
+                <a:gd name="connsiteY2" fmla="*/ 457255 h 2890591"/>
+                <a:gd name="connsiteX3" fmla="*/ 1511927 w 2117773"/>
+                <a:gd name="connsiteY3" fmla="*/ 148645 h 2890591"/>
+                <a:gd name="connsiteX4" fmla="*/ 1980557 w 2117773"/>
+                <a:gd name="connsiteY4" fmla="*/ 720145 h 2890591"/>
+                <a:gd name="connsiteX5" fmla="*/ 1770606 w 2117773"/>
+                <a:gd name="connsiteY5" fmla="*/ 1339170 h 2890591"/>
+                <a:gd name="connsiteX6" fmla="*/ 2117717 w 2117773"/>
+                <a:gd name="connsiteY6" fmla="*/ 1840285 h 2890591"/>
+                <a:gd name="connsiteX7" fmla="*/ 1740527 w 2117773"/>
+                <a:gd name="connsiteY7" fmla="*/ 2720395 h 2890591"/>
+                <a:gd name="connsiteX8" fmla="*/ 1214747 w 2117773"/>
+                <a:gd name="connsiteY8" fmla="*/ 2526085 h 2890591"/>
+                <a:gd name="connsiteX9" fmla="*/ 546994 w 2117773"/>
+                <a:gd name="connsiteY9" fmla="*/ 2795593 h 2890591"/>
+                <a:gd name="connsiteX10" fmla="*/ 458563 w 2117773"/>
+                <a:gd name="connsiteY10" fmla="*/ 2304103 h 2890591"/>
+                <a:gd name="connsiteX11" fmla="*/ 159 w 2117773"/>
+                <a:gd name="connsiteY11" fmla="*/ 1656202 h 2890591"/>
+                <a:gd name="connsiteX12" fmla="*/ 459164 w 2117773"/>
+                <a:gd name="connsiteY12" fmla="*/ 1115382 h 2890591"/>
+                <a:gd name="connsiteX13" fmla="*/ 277487 w 2117773"/>
+                <a:gd name="connsiteY13" fmla="*/ 491545 h 2890591"/>
+                <a:gd name="connsiteX0" fmla="*/ 277487 w 2117773"/>
+                <a:gd name="connsiteY0" fmla="*/ 491545 h 2811775"/>
+                <a:gd name="connsiteX1" fmla="*/ 677537 w 2117773"/>
+                <a:gd name="connsiteY1" fmla="*/ 55 h 2811775"/>
+                <a:gd name="connsiteX2" fmla="*/ 986147 w 2117773"/>
+                <a:gd name="connsiteY2" fmla="*/ 457255 h 2811775"/>
+                <a:gd name="connsiteX3" fmla="*/ 1511927 w 2117773"/>
+                <a:gd name="connsiteY3" fmla="*/ 148645 h 2811775"/>
+                <a:gd name="connsiteX4" fmla="*/ 1980557 w 2117773"/>
+                <a:gd name="connsiteY4" fmla="*/ 720145 h 2811775"/>
+                <a:gd name="connsiteX5" fmla="*/ 1770606 w 2117773"/>
+                <a:gd name="connsiteY5" fmla="*/ 1339170 h 2811775"/>
+                <a:gd name="connsiteX6" fmla="*/ 2117717 w 2117773"/>
+                <a:gd name="connsiteY6" fmla="*/ 1840285 h 2811775"/>
+                <a:gd name="connsiteX7" fmla="*/ 1740527 w 2117773"/>
+                <a:gd name="connsiteY7" fmla="*/ 2720395 h 2811775"/>
+                <a:gd name="connsiteX8" fmla="*/ 1214747 w 2117773"/>
+                <a:gd name="connsiteY8" fmla="*/ 2526085 h 2811775"/>
+                <a:gd name="connsiteX9" fmla="*/ 546994 w 2117773"/>
+                <a:gd name="connsiteY9" fmla="*/ 2795593 h 2811775"/>
+                <a:gd name="connsiteX10" fmla="*/ 458563 w 2117773"/>
+                <a:gd name="connsiteY10" fmla="*/ 2304103 h 2811775"/>
+                <a:gd name="connsiteX11" fmla="*/ 159 w 2117773"/>
+                <a:gd name="connsiteY11" fmla="*/ 1656202 h 2811775"/>
+                <a:gd name="connsiteX12" fmla="*/ 459164 w 2117773"/>
+                <a:gd name="connsiteY12" fmla="*/ 1115382 h 2811775"/>
+                <a:gd name="connsiteX13" fmla="*/ 277487 w 2117773"/>
+                <a:gd name="connsiteY13" fmla="*/ 491545 h 2811775"/>
+                <a:gd name="connsiteX0" fmla="*/ 277487 w 2117773"/>
+                <a:gd name="connsiteY0" fmla="*/ 491545 h 2839502"/>
+                <a:gd name="connsiteX1" fmla="*/ 677537 w 2117773"/>
+                <a:gd name="connsiteY1" fmla="*/ 55 h 2839502"/>
+                <a:gd name="connsiteX2" fmla="*/ 986147 w 2117773"/>
+                <a:gd name="connsiteY2" fmla="*/ 457255 h 2839502"/>
+                <a:gd name="connsiteX3" fmla="*/ 1511927 w 2117773"/>
+                <a:gd name="connsiteY3" fmla="*/ 148645 h 2839502"/>
+                <a:gd name="connsiteX4" fmla="*/ 1980557 w 2117773"/>
+                <a:gd name="connsiteY4" fmla="*/ 720145 h 2839502"/>
+                <a:gd name="connsiteX5" fmla="*/ 1770606 w 2117773"/>
+                <a:gd name="connsiteY5" fmla="*/ 1339170 h 2839502"/>
+                <a:gd name="connsiteX6" fmla="*/ 2117717 w 2117773"/>
+                <a:gd name="connsiteY6" fmla="*/ 1840285 h 2839502"/>
+                <a:gd name="connsiteX7" fmla="*/ 1740527 w 2117773"/>
+                <a:gd name="connsiteY7" fmla="*/ 2720395 h 2839502"/>
+                <a:gd name="connsiteX8" fmla="*/ 1214747 w 2117773"/>
+                <a:gd name="connsiteY8" fmla="*/ 2526085 h 2839502"/>
+                <a:gd name="connsiteX9" fmla="*/ 546994 w 2117773"/>
+                <a:gd name="connsiteY9" fmla="*/ 2795593 h 2839502"/>
+                <a:gd name="connsiteX10" fmla="*/ 458563 w 2117773"/>
+                <a:gd name="connsiteY10" fmla="*/ 2304103 h 2839502"/>
+                <a:gd name="connsiteX11" fmla="*/ 159 w 2117773"/>
+                <a:gd name="connsiteY11" fmla="*/ 1656202 h 2839502"/>
+                <a:gd name="connsiteX12" fmla="*/ 459164 w 2117773"/>
+                <a:gd name="connsiteY12" fmla="*/ 1115382 h 2839502"/>
+                <a:gd name="connsiteX13" fmla="*/ 277487 w 2117773"/>
+                <a:gd name="connsiteY13" fmla="*/ 491545 h 2839502"/>
+              </a:gdLst>
+              <a:ahLst/>
+              <a:cxnLst>
+                <a:cxn ang="0">
+                  <a:pos x="connsiteX0" y="connsiteY0"/>
+                </a:cxn>
+                <a:cxn ang="0">
+                  <a:pos x="connsiteX1" y="connsiteY1"/>
+                </a:cxn>
+                <a:cxn ang="0">
+                  <a:pos x="connsiteX2" y="connsiteY2"/>
+                </a:cxn>
+                <a:cxn ang="0">
+                  <a:pos x="connsiteX3" y="connsiteY3"/>
+                </a:cxn>
+                <a:cxn ang="0">
+                  <a:pos x="connsiteX4" y="connsiteY4"/>
+                </a:cxn>
+                <a:cxn ang="0">
+                  <a:pos x="connsiteX5" y="connsiteY5"/>
+                </a:cxn>
+                <a:cxn ang="0">
+                  <a:pos x="connsiteX6" y="connsiteY6"/>
+                </a:cxn>
+                <a:cxn ang="0">
+                  <a:pos x="connsiteX7" y="connsiteY7"/>
+                </a:cxn>
+                <a:cxn ang="0">
+                  <a:pos x="connsiteX8" y="connsiteY8"/>
+                </a:cxn>
+                <a:cxn ang="0">
+                  <a:pos x="connsiteX9" y="connsiteY9"/>
+                </a:cxn>
+                <a:cxn ang="0">
+                  <a:pos x="connsiteX10" y="connsiteY10"/>
+                </a:cxn>
+                <a:cxn ang="0">
+                  <a:pos x="connsiteX11" y="connsiteY11"/>
+                </a:cxn>
+                <a:cxn ang="0">
+                  <a:pos x="connsiteX12" y="connsiteY12"/>
+                </a:cxn>
+                <a:cxn ang="0">
+                  <a:pos x="connsiteX13" y="connsiteY13"/>
+                </a:cxn>
+              </a:cxnLst>
+              <a:rect l="l" t="t" r="r" b="b"/>
+              <a:pathLst>
+                <a:path w="2117773" h="2839502">
+                  <a:moveTo>
+                    <a:pt x="277487" y="491545"/>
+                  </a:moveTo>
+                  <a:cubicBezTo>
+                    <a:pt x="313883" y="305657"/>
+                    <a:pt x="559427" y="5770"/>
+                    <a:pt x="677537" y="55"/>
+                  </a:cubicBezTo>
+                  <a:cubicBezTo>
+                    <a:pt x="795647" y="-5660"/>
+                    <a:pt x="847082" y="432490"/>
+                    <a:pt x="986147" y="457255"/>
+                  </a:cubicBezTo>
+                  <a:cubicBezTo>
+                    <a:pt x="1125212" y="482020"/>
+                    <a:pt x="1346192" y="104830"/>
+                    <a:pt x="1511927" y="148645"/>
+                  </a:cubicBezTo>
+                  <a:cubicBezTo>
+                    <a:pt x="1677662" y="192460"/>
+                    <a:pt x="1937444" y="521724"/>
+                    <a:pt x="1980557" y="720145"/>
+                  </a:cubicBezTo>
+                  <a:cubicBezTo>
+                    <a:pt x="2023670" y="918566"/>
+                    <a:pt x="1747746" y="1152480"/>
+                    <a:pt x="1770606" y="1339170"/>
+                  </a:cubicBezTo>
+                  <a:cubicBezTo>
+                    <a:pt x="1793466" y="1525860"/>
+                    <a:pt x="2122730" y="1610081"/>
+                    <a:pt x="2117717" y="1840285"/>
+                  </a:cubicBezTo>
+                  <a:cubicBezTo>
+                    <a:pt x="2112704" y="2070489"/>
+                    <a:pt x="1891022" y="2606095"/>
+                    <a:pt x="1740527" y="2720395"/>
+                  </a:cubicBezTo>
+                  <a:cubicBezTo>
+                    <a:pt x="1590032" y="2834695"/>
+                    <a:pt x="1413669" y="2513552"/>
+                    <a:pt x="1214747" y="2526085"/>
+                  </a:cubicBezTo>
+                  <a:cubicBezTo>
+                    <a:pt x="1015825" y="2538618"/>
+                    <a:pt x="865529" y="2976970"/>
+                    <a:pt x="546994" y="2795593"/>
+                  </a:cubicBezTo>
+                  <a:cubicBezTo>
+                    <a:pt x="228459" y="2614216"/>
+                    <a:pt x="549702" y="2494001"/>
+                    <a:pt x="458563" y="2304103"/>
+                  </a:cubicBezTo>
+                  <a:cubicBezTo>
+                    <a:pt x="367424" y="2114205"/>
+                    <a:pt x="9684" y="1823842"/>
+                    <a:pt x="159" y="1656202"/>
+                  </a:cubicBezTo>
+                  <a:cubicBezTo>
+                    <a:pt x="-9366" y="1488562"/>
+                    <a:pt x="412943" y="1309492"/>
+                    <a:pt x="459164" y="1115382"/>
+                  </a:cubicBezTo>
+                  <a:cubicBezTo>
+                    <a:pt x="505385" y="921273"/>
+                    <a:pt x="241092" y="677433"/>
+                    <a:pt x="277487" y="491545"/>
+                  </a:cubicBezTo>
+                  <a:close/>
+                </a:path>
+              </a:pathLst>
+            </a:custGeom>
+            <a:ln w="28575">
+              <a:solidFill>
+                <a:schemeClr val="tx1">
+                  <a:lumMod val="85000"/>
+                  <a:lumOff val="15000"/>
+                </a:schemeClr>
+              </a:solidFill>
+            </a:ln>
+          </p:spPr>
+          <p:style>
+            <a:lnRef idx="2">
+              <a:schemeClr val="accent6"/>
+            </a:lnRef>
+            <a:fillRef idx="1">
+              <a:schemeClr val="lt1"/>
+            </a:fillRef>
+            <a:effectRef idx="0">
+              <a:schemeClr val="accent6"/>
+            </a:effectRef>
+            <a:fontRef idx="minor">
+              <a:schemeClr val="dk1"/>
+            </a:fontRef>
+          </p:style>
+          <p:txBody>
+            <a:bodyPr rtlCol="0" anchor="ctr"/>
+            <a:lstStyle/>
+            <a:p>
+              <a:pPr algn="ctr"/>
+              <a:endParaRPr lang="en-US"/>
+            </a:p>
+          </p:txBody>
+        </p:sp>
+        <p:sp>
+          <p:nvSpPr>
+            <p:cNvPr id="9" name="Oval 8">
+              <a:extLst>
+                <a:ext uri="{FF2B5EF4-FFF2-40B4-BE49-F238E27FC236}">
+                  <a16:creationId xmlns:a16="http://schemas.microsoft.com/office/drawing/2014/main" id="{1D6041E9-B840-EE42-90C6-BD4B9761BD20}"/>
+                </a:ext>
+              </a:extLst>
+            </p:cNvPr>
+            <p:cNvSpPr/>
+            <p:nvPr/>
+          </p:nvSpPr>
+          <p:spPr>
+            <a:xfrm>
+              <a:off x="2434590" y="2228510"/>
+              <a:ext cx="205740" cy="205740"/>
+            </a:xfrm>
+            <a:prstGeom prst="ellipse">
+              <a:avLst/>
+            </a:prstGeom>
+            <a:solidFill>
+              <a:schemeClr val="accent6">
+                <a:lumMod val="75000"/>
+              </a:schemeClr>
+            </a:solidFill>
+            <a:ln>
+              <a:solidFill>
+                <a:schemeClr val="accent6">
+                  <a:lumMod val="75000"/>
+                </a:schemeClr>
+              </a:solidFill>
+            </a:ln>
+          </p:spPr>
+          <p:style>
+            <a:lnRef idx="2">
+              <a:schemeClr val="accent1">
+                <a:shade val="50000"/>
+              </a:schemeClr>
+            </a:lnRef>
+            <a:fillRef idx="1">
+              <a:schemeClr val="accent1"/>
+            </a:fillRef>
+            <a:effectRef idx="0">
+              <a:schemeClr val="accent1"/>
+            </a:effectRef>
+            <a:fontRef idx="minor">
+              <a:schemeClr val="lt1"/>
+            </a:fontRef>
+          </p:style>
+          <p:txBody>
+            <a:bodyPr rtlCol="0" anchor="ctr"/>
+            <a:lstStyle/>
+            <a:p>
+              <a:pPr algn="ctr"/>
+              <a:endParaRPr lang="en-US"/>
+            </a:p>
+          </p:txBody>
+        </p:sp>
+        <p:sp>
+          <p:nvSpPr>
+            <p:cNvPr id="10" name="Oval 9">
+              <a:extLst>
+                <a:ext uri="{FF2B5EF4-FFF2-40B4-BE49-F238E27FC236}">
+                  <a16:creationId xmlns:a16="http://schemas.microsoft.com/office/drawing/2014/main" id="{49C06CA3-80B9-2042-9740-94E387CAEB58}"/>
+                </a:ext>
+              </a:extLst>
+            </p:cNvPr>
+            <p:cNvSpPr/>
+            <p:nvPr/>
+          </p:nvSpPr>
+          <p:spPr>
+            <a:xfrm>
+              <a:off x="2434590" y="3088101"/>
+              <a:ext cx="205740" cy="205740"/>
+            </a:xfrm>
+            <a:prstGeom prst="ellipse">
+              <a:avLst/>
+            </a:prstGeom>
+            <a:solidFill>
+              <a:schemeClr val="accent6">
+                <a:lumMod val="75000"/>
+              </a:schemeClr>
+            </a:solidFill>
+          </p:spPr>
+          <p:style>
+            <a:lnRef idx="2">
+              <a:schemeClr val="accent1">
+                <a:shade val="50000"/>
+              </a:schemeClr>
+            </a:lnRef>
+            <a:fillRef idx="1">
+              <a:schemeClr val="accent1"/>
+            </a:fillRef>
+            <a:effectRef idx="0">
+              <a:schemeClr val="accent1"/>
+            </a:effectRef>
+            <a:fontRef idx="minor">
+              <a:schemeClr val="lt1"/>
+            </a:fontRef>
+          </p:style>
+          <p:txBody>
+            <a:bodyPr rtlCol="0" anchor="ctr"/>
+            <a:lstStyle/>
+            <a:p>
+              <a:pPr algn="ctr"/>
+              <a:endParaRPr lang="en-US"/>
+            </a:p>
+          </p:txBody>
+        </p:sp>
+        <p:sp>
+          <p:nvSpPr>
+            <p:cNvPr id="11" name="TextBox 10">
+              <a:extLst>
+                <a:ext uri="{FF2B5EF4-FFF2-40B4-BE49-F238E27FC236}">
+                  <a16:creationId xmlns:a16="http://schemas.microsoft.com/office/drawing/2014/main" id="{5D4D47CA-6B9D-5B4D-BABF-1A15EA7BD817}"/>
+                </a:ext>
+              </a:extLst>
+            </p:cNvPr>
+            <p:cNvSpPr txBox="1"/>
+            <p:nvPr/>
+          </p:nvSpPr>
+          <p:spPr>
+            <a:xfrm>
+              <a:off x="1998252" y="2266363"/>
+              <a:ext cx="436338" cy="461665"/>
+            </a:xfrm>
+            <a:prstGeom prst="rect">
+              <a:avLst/>
+            </a:prstGeom>
+            <a:noFill/>
+          </p:spPr>
+          <p:txBody>
+            <a:bodyPr wrap="none" rtlCol="0">
+              <a:spAutoFit/>
+            </a:bodyPr>
+            <a:lstStyle/>
+            <a:p>
+              <a:r>
+                <a:rPr lang="en-US" sz="2400" b="1" dirty="0">
+                  <a:latin typeface="Bookman Old Style" panose="02050604050505020204" pitchFamily="18" charset="0"/>
+                </a:rPr>
+                <a:t>H</a:t>
+              </a:r>
+            </a:p>
+          </p:txBody>
+        </p:sp>
+        <p:sp>
+          <p:nvSpPr>
+            <p:cNvPr id="12" name="TextBox 11">
+              <a:extLst>
+                <a:ext uri="{FF2B5EF4-FFF2-40B4-BE49-F238E27FC236}">
+                  <a16:creationId xmlns:a16="http://schemas.microsoft.com/office/drawing/2014/main" id="{5998B3B4-ABDE-A548-8173-DCA6092C5B19}"/>
+                </a:ext>
+              </a:extLst>
+            </p:cNvPr>
+            <p:cNvSpPr txBox="1"/>
+            <p:nvPr/>
+          </p:nvSpPr>
+          <p:spPr>
+            <a:xfrm>
+              <a:off x="2016687" y="3088101"/>
+              <a:ext cx="399468" cy="461665"/>
+            </a:xfrm>
+            <a:prstGeom prst="rect">
+              <a:avLst/>
+            </a:prstGeom>
+            <a:noFill/>
+          </p:spPr>
+          <p:txBody>
+            <a:bodyPr wrap="none" rtlCol="0">
+              <a:spAutoFit/>
+            </a:bodyPr>
+            <a:lstStyle/>
+            <a:p>
+              <a:r>
+                <a:rPr lang="en-US" sz="2400" b="1" dirty="0">
+                  <a:latin typeface="Bookman Old Style" panose="02050604050505020204" pitchFamily="18" charset="0"/>
+                </a:rPr>
+                <a:t>T</a:t>
+              </a:r>
+            </a:p>
+          </p:txBody>
+        </p:sp>
+        <p:cxnSp>
+          <p:nvCxnSpPr>
+            <p:cNvPr id="14" name="Straight Arrow Connector 13">
+              <a:extLst>
+                <a:ext uri="{FF2B5EF4-FFF2-40B4-BE49-F238E27FC236}">
+                  <a16:creationId xmlns:a16="http://schemas.microsoft.com/office/drawing/2014/main" id="{57087A8D-DCC6-C240-9B7D-6C0847135B72}"/>
+                </a:ext>
+              </a:extLst>
+            </p:cNvPr>
+            <p:cNvCxnSpPr>
+              <a:cxnSpLocks/>
+            </p:cNvCxnSpPr>
+            <p:nvPr/>
+          </p:nvCxnSpPr>
+          <p:spPr>
+            <a:xfrm>
+              <a:off x="4987636" y="2894131"/>
+              <a:ext cx="3904904" cy="0"/>
+            </a:xfrm>
+            <a:prstGeom prst="straightConnector1">
+              <a:avLst/>
+            </a:prstGeom>
+            <a:ln w="28575">
+              <a:solidFill>
+                <a:schemeClr val="tx1">
+                  <a:lumMod val="85000"/>
+                  <a:lumOff val="15000"/>
+                </a:schemeClr>
+              </a:solidFill>
+              <a:tailEnd type="stealth" w="lg" len="lg"/>
+            </a:ln>
+          </p:spPr>
+          <p:style>
+            <a:lnRef idx="1">
+              <a:schemeClr val="accent1"/>
+            </a:lnRef>
+            <a:fillRef idx="0">
+              <a:schemeClr val="accent1"/>
+            </a:fillRef>
+            <a:effectRef idx="0">
+              <a:schemeClr val="accent1"/>
+            </a:effectRef>
+            <a:fontRef idx="minor">
+              <a:schemeClr val="tx1"/>
+            </a:fontRef>
+          </p:style>
+        </p:cxnSp>
+        <p:cxnSp>
+          <p:nvCxnSpPr>
+            <p:cNvPr id="18" name="Straight Arrow Connector 17">
+              <a:extLst>
+                <a:ext uri="{FF2B5EF4-FFF2-40B4-BE49-F238E27FC236}">
+                  <a16:creationId xmlns:a16="http://schemas.microsoft.com/office/drawing/2014/main" id="{D760D21B-9A44-954D-A1C6-7BC7699B6A0D}"/>
+                </a:ext>
+              </a:extLst>
+            </p:cNvPr>
+            <p:cNvCxnSpPr>
+              <a:cxnSpLocks/>
+            </p:cNvCxnSpPr>
+            <p:nvPr/>
+          </p:nvCxnSpPr>
+          <p:spPr>
+            <a:xfrm flipV="1">
+              <a:off x="5695950" y="2754976"/>
+              <a:ext cx="0" cy="278310"/>
+            </a:xfrm>
+            <a:prstGeom prst="straightConnector1">
+              <a:avLst/>
+            </a:prstGeom>
+            <a:ln w="28575">
+              <a:solidFill>
+                <a:schemeClr val="tx1">
+                  <a:lumMod val="85000"/>
+                  <a:lumOff val="15000"/>
+                </a:schemeClr>
+              </a:solidFill>
+              <a:tailEnd type="none" w="lg" len="lg"/>
+            </a:ln>
+          </p:spPr>
+          <p:style>
+            <a:lnRef idx="1">
+              <a:schemeClr val="accent1"/>
+            </a:lnRef>
+            <a:fillRef idx="0">
+              <a:schemeClr val="accent1"/>
+            </a:fillRef>
+            <a:effectRef idx="0">
+              <a:schemeClr val="accent1"/>
+            </a:effectRef>
+            <a:fontRef idx="minor">
+              <a:schemeClr val="tx1"/>
+            </a:fontRef>
+          </p:style>
+        </p:cxnSp>
+        <p:cxnSp>
+          <p:nvCxnSpPr>
+            <p:cNvPr id="21" name="Straight Arrow Connector 20">
+              <a:extLst>
+                <a:ext uri="{FF2B5EF4-FFF2-40B4-BE49-F238E27FC236}">
+                  <a16:creationId xmlns:a16="http://schemas.microsoft.com/office/drawing/2014/main" id="{B9B8B844-7B67-0F4C-AC20-E0E9A16CBB2C}"/>
+                </a:ext>
+              </a:extLst>
+            </p:cNvPr>
+            <p:cNvCxnSpPr>
+              <a:cxnSpLocks/>
+            </p:cNvCxnSpPr>
+            <p:nvPr/>
+          </p:nvCxnSpPr>
+          <p:spPr>
+            <a:xfrm flipV="1">
+              <a:off x="7626701" y="2754976"/>
+              <a:ext cx="0" cy="278310"/>
+            </a:xfrm>
+            <a:prstGeom prst="straightConnector1">
+              <a:avLst/>
+            </a:prstGeom>
+            <a:ln w="28575">
+              <a:solidFill>
+                <a:schemeClr val="tx1">
+                  <a:lumMod val="85000"/>
+                  <a:lumOff val="15000"/>
+                </a:schemeClr>
+              </a:solidFill>
+              <a:tailEnd type="none" w="lg" len="lg"/>
+            </a:ln>
+          </p:spPr>
+          <p:style>
+            <a:lnRef idx="1">
+              <a:schemeClr val="accent1"/>
+            </a:lnRef>
+            <a:fillRef idx="0">
+              <a:schemeClr val="accent1"/>
+            </a:fillRef>
+            <a:effectRef idx="0">
+              <a:schemeClr val="accent1"/>
+            </a:effectRef>
+            <a:fontRef idx="minor">
+              <a:schemeClr val="tx1"/>
+            </a:fontRef>
+          </p:style>
+        </p:cxnSp>
+        <p:sp>
+          <p:nvSpPr>
+            <p:cNvPr id="23" name="TextBox 22">
+              <a:extLst>
+                <a:ext uri="{FF2B5EF4-FFF2-40B4-BE49-F238E27FC236}">
+                  <a16:creationId xmlns:a16="http://schemas.microsoft.com/office/drawing/2014/main" id="{356F14ED-1F89-374B-8F1C-E5531F81E68D}"/>
+                </a:ext>
+              </a:extLst>
+            </p:cNvPr>
+            <p:cNvSpPr txBox="1"/>
+            <p:nvPr/>
+          </p:nvSpPr>
+          <p:spPr>
+            <a:xfrm>
+              <a:off x="5543550" y="3141650"/>
+              <a:ext cx="552450" cy="461665"/>
+            </a:xfrm>
+            <a:prstGeom prst="rect">
+              <a:avLst/>
+            </a:prstGeom>
+            <a:noFill/>
+          </p:spPr>
+          <p:txBody>
+            <a:bodyPr wrap="square" rtlCol="0">
+              <a:spAutoFit/>
+            </a:bodyPr>
+            <a:lstStyle/>
+            <a:p>
+              <a:r>
+                <a:rPr lang="en-US" sz="2400" dirty="0"/>
+                <a:t>0</a:t>
+              </a:r>
+            </a:p>
+          </p:txBody>
+        </p:sp>
+        <p:sp>
+          <p:nvSpPr>
+            <p:cNvPr id="24" name="TextBox 23">
+              <a:extLst>
+                <a:ext uri="{FF2B5EF4-FFF2-40B4-BE49-F238E27FC236}">
+                  <a16:creationId xmlns:a16="http://schemas.microsoft.com/office/drawing/2014/main" id="{4DFC9158-1143-1245-9BC7-FA616BEC34BF}"/>
+                </a:ext>
+              </a:extLst>
+            </p:cNvPr>
+            <p:cNvSpPr txBox="1"/>
+            <p:nvPr/>
+          </p:nvSpPr>
+          <p:spPr>
+            <a:xfrm>
+              <a:off x="7520619" y="3141650"/>
+              <a:ext cx="552450" cy="461665"/>
+            </a:xfrm>
+            <a:prstGeom prst="rect">
+              <a:avLst/>
+            </a:prstGeom>
+            <a:noFill/>
+          </p:spPr>
+          <p:txBody>
+            <a:bodyPr wrap="square" rtlCol="0">
+              <a:spAutoFit/>
+            </a:bodyPr>
+            <a:lstStyle/>
+            <a:p>
+              <a:r>
+                <a:rPr lang="en-US" sz="2400" dirty="0"/>
+                <a:t>1</a:t>
+              </a:r>
+            </a:p>
+          </p:txBody>
+        </p:sp>
+        <p:grpSp>
+          <p:nvGrpSpPr>
+            <p:cNvPr id="41" name="Group 40">
+              <a:extLst>
+                <a:ext uri="{FF2B5EF4-FFF2-40B4-BE49-F238E27FC236}">
+                  <a16:creationId xmlns:a16="http://schemas.microsoft.com/office/drawing/2014/main" id="{7A9295C7-485B-B942-BC04-250D3ED8A51F}"/>
+                </a:ext>
+              </a:extLst>
+            </p:cNvPr>
+            <p:cNvGrpSpPr/>
+            <p:nvPr/>
+          </p:nvGrpSpPr>
+          <p:grpSpPr>
+            <a:xfrm>
+              <a:off x="2640330" y="1574659"/>
+              <a:ext cx="4926883" cy="1245737"/>
+              <a:chOff x="2640330" y="1574659"/>
+              <a:chExt cx="4926883" cy="1245737"/>
+            </a:xfrm>
+          </p:grpSpPr>
+          <p:cxnSp>
+            <p:nvCxnSpPr>
+              <p:cNvPr id="29" name="Straight Connector 28">
+                <a:extLst>
+                  <a:ext uri="{FF2B5EF4-FFF2-40B4-BE49-F238E27FC236}">
+                    <a16:creationId xmlns:a16="http://schemas.microsoft.com/office/drawing/2014/main" id="{70FA8823-861E-4D4D-A28F-2B3B94201797}"/>
+                  </a:ext>
+                </a:extLst>
+              </p:cNvPr>
+              <p:cNvCxnSpPr>
+                <a:cxnSpLocks/>
+              </p:cNvCxnSpPr>
+              <p:nvPr/>
+            </p:nvCxnSpPr>
+            <p:spPr>
+              <a:xfrm flipV="1">
+                <a:off x="2640330" y="1574659"/>
+                <a:ext cx="891781" cy="691704"/>
+              </a:xfrm>
+              <a:prstGeom prst="line">
+                <a:avLst/>
+              </a:prstGeom>
+              <a:ln w="28575">
+                <a:solidFill>
+                  <a:schemeClr val="accent6">
+                    <a:lumMod val="75000"/>
+                  </a:schemeClr>
+                </a:solidFill>
+              </a:ln>
+            </p:spPr>
+            <p:style>
+              <a:lnRef idx="2">
+                <a:schemeClr val="dk1"/>
+              </a:lnRef>
+              <a:fillRef idx="0">
+                <a:schemeClr val="dk1"/>
+              </a:fillRef>
+              <a:effectRef idx="1">
+                <a:schemeClr val="dk1"/>
+              </a:effectRef>
+              <a:fontRef idx="minor">
+                <a:schemeClr val="tx1"/>
+              </a:fontRef>
+            </p:style>
+          </p:cxnSp>
+          <p:cxnSp>
+            <p:nvCxnSpPr>
+              <p:cNvPr id="32" name="Straight Connector 31">
+                <a:extLst>
+                  <a:ext uri="{FF2B5EF4-FFF2-40B4-BE49-F238E27FC236}">
+                    <a16:creationId xmlns:a16="http://schemas.microsoft.com/office/drawing/2014/main" id="{ABCADDAF-D6E5-934D-9053-BF786F2184BB}"/>
+                  </a:ext>
+                </a:extLst>
+              </p:cNvPr>
+              <p:cNvCxnSpPr>
+                <a:cxnSpLocks/>
+              </p:cNvCxnSpPr>
+              <p:nvPr/>
+            </p:nvCxnSpPr>
+            <p:spPr>
+              <a:xfrm>
+                <a:off x="3532111" y="1574659"/>
+                <a:ext cx="3228907" cy="0"/>
+              </a:xfrm>
+              <a:prstGeom prst="line">
+                <a:avLst/>
+              </a:prstGeom>
+              <a:ln w="28575">
+                <a:solidFill>
+                  <a:schemeClr val="accent6">
+                    <a:lumMod val="75000"/>
+                  </a:schemeClr>
+                </a:solidFill>
+              </a:ln>
+            </p:spPr>
+            <p:style>
+              <a:lnRef idx="1">
+                <a:schemeClr val="accent1"/>
+              </a:lnRef>
+              <a:fillRef idx="0">
+                <a:schemeClr val="accent1"/>
+              </a:fillRef>
+              <a:effectRef idx="0">
+                <a:schemeClr val="accent1"/>
+              </a:effectRef>
+              <a:fontRef idx="minor">
+                <a:schemeClr val="tx1"/>
+              </a:fontRef>
+            </p:style>
+          </p:cxnSp>
+          <p:cxnSp>
+            <p:nvCxnSpPr>
+              <p:cNvPr id="34" name="Straight Arrow Connector 33">
+                <a:extLst>
+                  <a:ext uri="{FF2B5EF4-FFF2-40B4-BE49-F238E27FC236}">
+                    <a16:creationId xmlns:a16="http://schemas.microsoft.com/office/drawing/2014/main" id="{99F40CF2-4D33-F344-999D-A04957EC6A26}"/>
+                  </a:ext>
+                </a:extLst>
+              </p:cNvPr>
+              <p:cNvCxnSpPr>
+                <a:cxnSpLocks/>
+                <a:endCxn id="37" idx="1"/>
+              </p:cNvCxnSpPr>
+              <p:nvPr/>
+            </p:nvCxnSpPr>
+            <p:spPr>
+              <a:xfrm>
+                <a:off x="6761018" y="1574659"/>
+                <a:ext cx="806195" cy="1245737"/>
+              </a:xfrm>
+              <a:prstGeom prst="straightConnector1">
+                <a:avLst/>
+              </a:prstGeom>
+              <a:ln w="28575">
+                <a:solidFill>
+                  <a:schemeClr val="accent6">
+                    <a:lumMod val="75000"/>
+                  </a:schemeClr>
+                </a:solidFill>
+                <a:tailEnd type="stealth" w="lg" len="lg"/>
+              </a:ln>
+            </p:spPr>
+            <p:style>
+              <a:lnRef idx="1">
+                <a:schemeClr val="accent1"/>
+              </a:lnRef>
+              <a:fillRef idx="0">
+                <a:schemeClr val="accent1"/>
+              </a:fillRef>
+              <a:effectRef idx="0">
+                <a:schemeClr val="accent1"/>
+              </a:effectRef>
+              <a:fontRef idx="minor">
+                <a:schemeClr val="tx1"/>
+              </a:fontRef>
+            </p:style>
+          </p:cxnSp>
+        </p:grpSp>
+        <p:sp>
+          <p:nvSpPr>
+            <p:cNvPr id="37" name="Oval 36">
+              <a:extLst>
+                <a:ext uri="{FF2B5EF4-FFF2-40B4-BE49-F238E27FC236}">
+                  <a16:creationId xmlns:a16="http://schemas.microsoft.com/office/drawing/2014/main" id="{4FA38ACB-A2E2-E640-95F1-B14BCDFC0018}"/>
+                </a:ext>
+              </a:extLst>
+            </p:cNvPr>
+            <p:cNvSpPr/>
+            <p:nvPr/>
+          </p:nvSpPr>
+          <p:spPr>
+            <a:xfrm>
+              <a:off x="7537083" y="2790266"/>
+              <a:ext cx="205740" cy="205740"/>
+            </a:xfrm>
+            <a:prstGeom prst="ellipse">
+              <a:avLst/>
+            </a:prstGeom>
+            <a:solidFill>
+              <a:schemeClr val="accent6">
+                <a:lumMod val="75000"/>
+              </a:schemeClr>
+            </a:solidFill>
+          </p:spPr>
+          <p:style>
+            <a:lnRef idx="2">
+              <a:schemeClr val="accent1">
+                <a:shade val="50000"/>
+              </a:schemeClr>
+            </a:lnRef>
+            <a:fillRef idx="1">
+              <a:schemeClr val="accent1"/>
+            </a:fillRef>
+            <a:effectRef idx="0">
+              <a:schemeClr val="accent1"/>
+            </a:effectRef>
+            <a:fontRef idx="minor">
+              <a:schemeClr val="lt1"/>
+            </a:fontRef>
+          </p:style>
+          <p:txBody>
+            <a:bodyPr rtlCol="0" anchor="ctr"/>
+            <a:lstStyle/>
+            <a:p>
+              <a:pPr algn="ctr"/>
+              <a:endParaRPr lang="en-US"/>
+            </a:p>
+          </p:txBody>
+        </p:sp>
+        <p:sp>
+          <p:nvSpPr>
+            <p:cNvPr id="38" name="Oval 37">
+              <a:extLst>
+                <a:ext uri="{FF2B5EF4-FFF2-40B4-BE49-F238E27FC236}">
+                  <a16:creationId xmlns:a16="http://schemas.microsoft.com/office/drawing/2014/main" id="{C788EC9A-1CD6-F14A-AEE2-3DCF60986142}"/>
+                </a:ext>
+              </a:extLst>
+            </p:cNvPr>
+            <p:cNvSpPr/>
+            <p:nvPr/>
+          </p:nvSpPr>
+          <p:spPr>
+            <a:xfrm>
+              <a:off x="5593080" y="2790266"/>
+              <a:ext cx="205740" cy="205740"/>
+            </a:xfrm>
+            <a:prstGeom prst="ellipse">
+              <a:avLst/>
+            </a:prstGeom>
+            <a:solidFill>
+              <a:schemeClr val="accent6">
+                <a:lumMod val="75000"/>
+              </a:schemeClr>
+            </a:solidFill>
+            <a:ln>
+              <a:solidFill>
+                <a:schemeClr val="accent6">
+                  <a:lumMod val="75000"/>
+                </a:schemeClr>
+              </a:solidFill>
+            </a:ln>
+          </p:spPr>
+          <p:style>
+            <a:lnRef idx="2">
+              <a:schemeClr val="accent1">
+                <a:shade val="50000"/>
+              </a:schemeClr>
+            </a:lnRef>
+            <a:fillRef idx="1">
+              <a:schemeClr val="accent1"/>
+            </a:fillRef>
+            <a:effectRef idx="0">
+              <a:schemeClr val="accent1"/>
+            </a:effectRef>
+            <a:fontRef idx="minor">
+              <a:schemeClr val="lt1"/>
+            </a:fontRef>
+          </p:style>
+          <p:txBody>
+            <a:bodyPr rtlCol="0" anchor="ctr"/>
+            <a:lstStyle/>
+            <a:p>
+              <a:pPr algn="ctr"/>
+              <a:endParaRPr lang="en-US"/>
+            </a:p>
+          </p:txBody>
+        </p:sp>
+        <p:cxnSp>
+          <p:nvCxnSpPr>
+            <p:cNvPr id="43" name="Straight Connector 42">
+              <a:extLst>
+                <a:ext uri="{FF2B5EF4-FFF2-40B4-BE49-F238E27FC236}">
+                  <a16:creationId xmlns:a16="http://schemas.microsoft.com/office/drawing/2014/main" id="{2DB4BB95-F31A-E649-AD4F-143DACC956E2}"/>
+                </a:ext>
+              </a:extLst>
+            </p:cNvPr>
+            <p:cNvCxnSpPr>
+              <a:cxnSpLocks/>
+              <a:stCxn id="10" idx="5"/>
+            </p:cNvCxnSpPr>
+            <p:nvPr/>
+          </p:nvCxnSpPr>
+          <p:spPr>
+            <a:xfrm>
+              <a:off x="2610200" y="3263711"/>
+              <a:ext cx="585387" cy="626467"/>
+            </a:xfrm>
+            <a:prstGeom prst="line">
+              <a:avLst/>
+            </a:prstGeom>
+            <a:solidFill>
+              <a:schemeClr val="accent6">
+                <a:lumMod val="75000"/>
+              </a:schemeClr>
+            </a:solidFill>
+            <a:ln w="28575">
+              <a:solidFill>
+                <a:schemeClr val="accent6">
+                  <a:lumMod val="75000"/>
+                </a:schemeClr>
+              </a:solidFill>
+            </a:ln>
+          </p:spPr>
+          <p:style>
+            <a:lnRef idx="2">
+              <a:schemeClr val="dk1"/>
+            </a:lnRef>
+            <a:fillRef idx="0">
+              <a:schemeClr val="dk1"/>
+            </a:fillRef>
+            <a:effectRef idx="1">
+              <a:schemeClr val="dk1"/>
+            </a:effectRef>
+            <a:fontRef idx="minor">
+              <a:schemeClr val="tx1"/>
+            </a:fontRef>
+          </p:style>
+        </p:cxnSp>
+        <p:cxnSp>
+          <p:nvCxnSpPr>
+            <p:cNvPr id="44" name="Straight Connector 43">
+              <a:extLst>
+                <a:ext uri="{FF2B5EF4-FFF2-40B4-BE49-F238E27FC236}">
+                  <a16:creationId xmlns:a16="http://schemas.microsoft.com/office/drawing/2014/main" id="{03E043CB-8AE5-004F-819F-2BEFB1304711}"/>
+                </a:ext>
+              </a:extLst>
+            </p:cNvPr>
+            <p:cNvCxnSpPr>
+              <a:cxnSpLocks/>
+            </p:cNvCxnSpPr>
+            <p:nvPr/>
+          </p:nvCxnSpPr>
+          <p:spPr>
+            <a:xfrm>
+              <a:off x="3195587" y="3890178"/>
+              <a:ext cx="1691674" cy="0"/>
+            </a:xfrm>
+            <a:prstGeom prst="line">
+              <a:avLst/>
+            </a:prstGeom>
+            <a:solidFill>
+              <a:schemeClr val="accent6">
+                <a:lumMod val="75000"/>
+              </a:schemeClr>
+            </a:solidFill>
+            <a:ln w="28575">
+              <a:solidFill>
+                <a:schemeClr val="accent6">
+                  <a:lumMod val="75000"/>
+                </a:schemeClr>
+              </a:solidFill>
+            </a:ln>
+          </p:spPr>
+          <p:style>
+            <a:lnRef idx="1">
+              <a:schemeClr val="accent1"/>
+            </a:lnRef>
+            <a:fillRef idx="0">
+              <a:schemeClr val="accent1"/>
+            </a:fillRef>
+            <a:effectRef idx="0">
+              <a:schemeClr val="accent1"/>
+            </a:effectRef>
+            <a:fontRef idx="minor">
+              <a:schemeClr val="tx1"/>
+            </a:fontRef>
+          </p:style>
+        </p:cxnSp>
+        <p:cxnSp>
+          <p:nvCxnSpPr>
+            <p:cNvPr id="45" name="Straight Arrow Connector 44">
+              <a:extLst>
+                <a:ext uri="{FF2B5EF4-FFF2-40B4-BE49-F238E27FC236}">
+                  <a16:creationId xmlns:a16="http://schemas.microsoft.com/office/drawing/2014/main" id="{BA51A3FE-EB0B-4247-8FE9-0E936E7A8FF1}"/>
+                </a:ext>
+              </a:extLst>
+            </p:cNvPr>
+            <p:cNvCxnSpPr>
+              <a:cxnSpLocks/>
+              <a:endCxn id="38" idx="3"/>
+            </p:cNvCxnSpPr>
+            <p:nvPr/>
+          </p:nvCxnSpPr>
+          <p:spPr>
+            <a:xfrm flipV="1">
+              <a:off x="4887261" y="2965876"/>
+              <a:ext cx="735949" cy="924302"/>
+            </a:xfrm>
+            <a:prstGeom prst="straightConnector1">
+              <a:avLst/>
+            </a:prstGeom>
+            <a:solidFill>
+              <a:schemeClr val="accent6">
+                <a:lumMod val="75000"/>
+              </a:schemeClr>
+            </a:solidFill>
+            <a:ln w="28575">
+              <a:solidFill>
+                <a:schemeClr val="accent6">
+                  <a:lumMod val="75000"/>
+                </a:schemeClr>
+              </a:solidFill>
+              <a:tailEnd type="stealth" w="lg" len="lg"/>
+            </a:ln>
+          </p:spPr>
+          <p:style>
+            <a:lnRef idx="1">
+              <a:schemeClr val="accent1"/>
+            </a:lnRef>
+            <a:fillRef idx="0">
+              <a:schemeClr val="accent1"/>
+            </a:fillRef>
+            <a:effectRef idx="0">
+              <a:schemeClr val="accent1"/>
+            </a:effectRef>
+            <a:fontRef idx="minor">
+              <a:schemeClr val="tx1"/>
+            </a:fontRef>
+          </p:style>
+        </p:cxnSp>
+      </p:grpSp>
+      <p:cxnSp>
+        <p:nvCxnSpPr>
+          <p:cNvPr id="25" name="Straight Arrow Connector 24">
+            <a:extLst>
+              <a:ext uri="{FF2B5EF4-FFF2-40B4-BE49-F238E27FC236}">
+                <a16:creationId xmlns:a16="http://schemas.microsoft.com/office/drawing/2014/main" id="{4D2AB38C-2C17-8A43-ABB6-D2876AEBF573}"/>
+              </a:ext>
+            </a:extLst>
+          </p:cNvPr>
+          <p:cNvCxnSpPr>
+            <a:cxnSpLocks/>
+          </p:cNvCxnSpPr>
+          <p:nvPr/>
+        </p:nvCxnSpPr>
+        <p:spPr>
+          <a:xfrm>
+            <a:off x="4887261" y="2931657"/>
+            <a:ext cx="3396509" cy="0"/>
+          </a:xfrm>
+          <a:prstGeom prst="straightConnector1">
+            <a:avLst/>
+          </a:prstGeom>
+          <a:ln w="57150">
+            <a:solidFill>
+              <a:schemeClr val="accent6">
+                <a:lumMod val="75000"/>
+              </a:schemeClr>
+            </a:solidFill>
+            <a:headEnd type="stealth" w="lg" len="lg"/>
+            <a:tailEnd type="none"/>
+          </a:ln>
+        </p:spPr>
+        <p:style>
+          <a:lnRef idx="1">
+            <a:schemeClr val="accent1"/>
+          </a:lnRef>
+          <a:fillRef idx="0">
+            <a:schemeClr val="accent1"/>
+          </a:fillRef>
+          <a:effectRef idx="0">
+            <a:schemeClr val="accent1"/>
+          </a:effectRef>
+          <a:fontRef idx="minor">
+            <a:schemeClr val="tx1"/>
+          </a:fontRef>
+        </p:style>
+      </p:cxnSp>
+      <p:sp>
+        <p:nvSpPr>
+          <p:cNvPr id="35" name="TextBox 34">
+            <a:extLst>
+              <a:ext uri="{FF2B5EF4-FFF2-40B4-BE49-F238E27FC236}">
+                <a16:creationId xmlns:a16="http://schemas.microsoft.com/office/drawing/2014/main" id="{1A239952-8C7E-CE45-8CCB-99BB78AAD430}"/>
+              </a:ext>
+            </a:extLst>
+          </p:cNvPr>
+          <p:cNvSpPr txBox="1"/>
+          <p:nvPr/>
+        </p:nvSpPr>
+        <p:spPr>
+          <a:xfrm>
+            <a:off x="8103692" y="2493612"/>
+            <a:ext cx="708508" cy="769441"/>
+          </a:xfrm>
+          <a:prstGeom prst="rect">
+            <a:avLst/>
+          </a:prstGeom>
+          <a:noFill/>
+        </p:spPr>
+        <p:txBody>
+          <a:bodyPr wrap="square" rtlCol="0">
+            <a:spAutoFit/>
+          </a:bodyPr>
+          <a:lstStyle/>
+          <a:p>
+            <a:r>
+              <a:rPr lang="en-US" sz="4400" dirty="0">
+                <a:solidFill>
+                  <a:schemeClr val="accent6">
+                    <a:lumMod val="75000"/>
+                  </a:schemeClr>
+                </a:solidFill>
+              </a:rPr>
+              <a:t>)</a:t>
+            </a:r>
+          </a:p>
+        </p:txBody>
+      </p:sp>
+      <p:pic>
+        <p:nvPicPr>
+          <p:cNvPr id="6" name="Picture 5">
+            <a:extLst>
+              <a:ext uri="{FF2B5EF4-FFF2-40B4-BE49-F238E27FC236}">
+                <a16:creationId xmlns:a16="http://schemas.microsoft.com/office/drawing/2014/main" id="{6950EE5B-34A6-CA46-9166-F2452C942AEE}"/>
+              </a:ext>
+            </a:extLst>
+          </p:cNvPr>
+          <p:cNvPicPr>
+            <a:picLocks noChangeAspect="1"/>
+          </p:cNvPicPr>
+          <p:nvPr/>
+        </p:nvPicPr>
+        <p:blipFill>
+          <a:blip r:embed="rId2"/>
+          <a:stretch>
+            <a:fillRect/>
+          </a:stretch>
+        </p:blipFill>
+        <p:spPr>
+          <a:xfrm>
+            <a:off x="7496370" y="2020326"/>
+            <a:ext cx="1574800" cy="342900"/>
+          </a:xfrm>
+          <a:prstGeom prst="rect">
+            <a:avLst/>
+          </a:prstGeom>
+        </p:spPr>
+      </p:pic>
+    </p:spTree>
+    <p:extLst>
+      <p:ext uri="{BB962C8B-B14F-4D97-AF65-F5344CB8AC3E}">
+        <p14:creationId xmlns:p14="http://schemas.microsoft.com/office/powerpoint/2010/main" val="2714857728"/>
       </p:ext>
     </p:extLst>
   </p:cSld>
